--- a/com.yrtech.bentleyAPI/com.yrtech.InventoryAPI/template/ReportHandOver.pptx
+++ b/com.yrtech.bentleyAPI/com.yrtech.InventoryAPI/template/ReportHandOver.pptx
@@ -7,25 +7,24 @@
     <p:sldMasterId id="2147483672" r:id="rId3"/>
   </p:sldMasterIdLst>
   <p:notesMasterIdLst>
-    <p:notesMasterId r:id="rId15"/>
+    <p:notesMasterId r:id="rId14"/>
   </p:notesMasterIdLst>
   <p:sldIdLst>
-    <p:sldId id="274" r:id="rId4"/>
-    <p:sldId id="272" r:id="rId5"/>
-    <p:sldId id="289" r:id="rId6"/>
-    <p:sldId id="299" r:id="rId7"/>
-    <p:sldId id="303" r:id="rId8"/>
-    <p:sldId id="290" r:id="rId9"/>
-    <p:sldId id="300" r:id="rId10"/>
-    <p:sldId id="292" r:id="rId11"/>
-    <p:sldId id="293" r:id="rId12"/>
-    <p:sldId id="297" r:id="rId13"/>
-    <p:sldId id="302" r:id="rId14"/>
+    <p:sldId id="270" r:id="rId4"/>
+    <p:sldId id="289" r:id="rId5"/>
+    <p:sldId id="299" r:id="rId6"/>
+    <p:sldId id="303" r:id="rId7"/>
+    <p:sldId id="290" r:id="rId8"/>
+    <p:sldId id="300" r:id="rId9"/>
+    <p:sldId id="292" r:id="rId10"/>
+    <p:sldId id="293" r:id="rId11"/>
+    <p:sldId id="297" r:id="rId12"/>
+    <p:sldId id="302" r:id="rId13"/>
   </p:sldIdLst>
   <p:sldSz cx="12192000" cy="6858000"/>
   <p:notesSz cx="6858000" cy="9144000"/>
   <p:custDataLst>
-    <p:tags r:id="rId16"/>
+    <p:tags r:id="rId15"/>
   </p:custDataLst>
   <p:defaultTextStyle>
     <a:defPPr>
@@ -124,7 +123,7 @@
   </p:defaultTextStyle>
   <p:extLst>
     <p:ext uri="{EFAFB233-063F-42B5-8137-9DF3F51BA10A}">
-      <p15:sldGuideLst xmlns:p15="http://schemas.microsoft.com/office/powerpoint/2012/main">
+      <p15:sldGuideLst xmlns="" xmlns:p15="http://schemas.microsoft.com/office/powerpoint/2012/main">
         <p15:guide id="1" pos="7310" userDrawn="1">
           <p15:clr>
             <a:srgbClr val="A4A3A4"/>
@@ -223,7 +222,7 @@
           <a:p>
             <a:fld id="{69A4D669-94F9-4D70-8C76-4C2D35D4E5D0}" type="datetimeFigureOut">
               <a:rPr lang="en-US" smtClean="0"/>
-              <a:t>3/30/2022</a:t>
+              <a:t>4/1/2022</a:t>
             </a:fld>
             <a:endParaRPr lang="en-US"/>
           </a:p>
@@ -603,7 +602,7 @@
                 <a:tabLst/>
                 <a:defRPr/>
               </a:pPr>
-              <a:t>3</a:t>
+              <a:t>2</a:t>
             </a:fld>
             <a:endParaRPr kumimoji="0" lang="en-GB" sz="1200" b="0" i="0" u="none" strike="noStrike" kern="1200" cap="none" spc="0" normalizeH="0" baseline="0" noProof="0" dirty="0">
               <a:ln>
@@ -747,7 +746,7 @@
                 <a:tabLst/>
                 <a:defRPr/>
               </a:pPr>
-              <a:t>5</a:t>
+              <a:t>4</a:t>
             </a:fld>
             <a:endParaRPr kumimoji="0" lang="en-GB" sz="1200" b="0" i="0" u="none" strike="noStrike" kern="1200" cap="none" spc="0" normalizeH="0" baseline="0" noProof="0" dirty="0">
               <a:ln>
@@ -850,7 +849,7 @@
               <a:pPr>
                 <a:defRPr/>
               </a:pPr>
-              <a:t>8</a:t>
+              <a:t>7</a:t>
             </a:fld>
             <a:endParaRPr lang="en-GB" dirty="0"/>
           </a:p>
@@ -870,6 +869,150 @@
 </file>
 
 <file path=ppt/notesSlides/notesSlide4.xml><?xml version="1.0" encoding="utf-8"?>
+<p:notes xmlns:a="http://schemas.openxmlformats.org/drawingml/2006/main" xmlns:r="http://schemas.openxmlformats.org/officeDocument/2006/relationships" xmlns:p="http://schemas.openxmlformats.org/presentationml/2006/main">
+  <p:cSld>
+    <p:spTree>
+      <p:nvGrpSpPr>
+        <p:cNvPr id="1" name=""/>
+        <p:cNvGrpSpPr/>
+        <p:nvPr/>
+      </p:nvGrpSpPr>
+      <p:grpSpPr>
+        <a:xfrm>
+          <a:off x="0" y="0"/>
+          <a:ext cx="0" cy="0"/>
+          <a:chOff x="0" y="0"/>
+          <a:chExt cx="0" cy="0"/>
+        </a:xfrm>
+      </p:grpSpPr>
+      <p:sp>
+        <p:nvSpPr>
+          <p:cNvPr id="2" name="Slide Image Placeholder 1"/>
+          <p:cNvSpPr>
+            <a:spLocks noGrp="1" noRot="1" noChangeAspect="1"/>
+          </p:cNvSpPr>
+          <p:nvPr>
+            <p:ph type="sldImg"/>
+          </p:nvPr>
+        </p:nvSpPr>
+        <p:spPr/>
+      </p:sp>
+      <p:sp>
+        <p:nvSpPr>
+          <p:cNvPr id="3" name="Notes Placeholder 2"/>
+          <p:cNvSpPr>
+            <a:spLocks noGrp="1"/>
+          </p:cNvSpPr>
+          <p:nvPr>
+            <p:ph type="body" idx="1"/>
+          </p:nvPr>
+        </p:nvSpPr>
+        <p:spPr/>
+        <p:txBody>
+          <a:bodyPr/>
+          <a:lstStyle/>
+          <a:p>
+            <a:endParaRPr lang="en-US" dirty="0"/>
+          </a:p>
+        </p:txBody>
+      </p:sp>
+      <p:sp>
+        <p:nvSpPr>
+          <p:cNvPr id="5" name="Slide Number Placeholder 4"/>
+          <p:cNvSpPr>
+            <a:spLocks noGrp="1"/>
+          </p:cNvSpPr>
+          <p:nvPr>
+            <p:ph type="sldNum" sz="quarter" idx="11"/>
+          </p:nvPr>
+        </p:nvSpPr>
+        <p:spPr/>
+        <p:txBody>
+          <a:bodyPr/>
+          <a:lstStyle/>
+          <a:p>
+            <a:pPr marL="0" marR="0" lvl="0" indent="0" algn="r" defTabSz="914400" rtl="0" eaLnBrk="1" fontAlgn="base" latinLnBrk="0" hangingPunct="1">
+              <a:lnSpc>
+                <a:spcPct val="100000"/>
+              </a:lnSpc>
+              <a:spcBef>
+                <a:spcPct val="20000"/>
+              </a:spcBef>
+              <a:spcAft>
+                <a:spcPct val="0"/>
+              </a:spcAft>
+              <a:buClrTx/>
+              <a:buSzTx/>
+              <a:buFontTx/>
+              <a:buNone/>
+              <a:tabLst/>
+              <a:defRPr/>
+            </a:pPr>
+            <a:fld id="{35A0010E-9B7C-4109-8B7A-732433805D90}" type="slidenum">
+              <a:rPr kumimoji="0" lang="en-GB" sz="1200" b="0" i="0" u="none" strike="noStrike" kern="1200" cap="none" spc="0" normalizeH="0" baseline="0" noProof="0" smtClean="0">
+                <a:ln>
+                  <a:noFill/>
+                </a:ln>
+                <a:solidFill>
+                  <a:srgbClr val="000000"/>
+                </a:solidFill>
+                <a:effectLst/>
+                <a:uLnTx/>
+                <a:uFillTx/>
+                <a:latin typeface="Gill Sans MT"/>
+                <a:ea typeface="ＭＳ Ｐゴシック" charset="0"/>
+                <a:cs typeface="+mn-cs"/>
+              </a:rPr>
+              <a:pPr marL="0" marR="0" lvl="0" indent="0" algn="r" defTabSz="914400" rtl="0" eaLnBrk="1" fontAlgn="base" latinLnBrk="0" hangingPunct="1">
+                <a:lnSpc>
+                  <a:spcPct val="100000"/>
+                </a:lnSpc>
+                <a:spcBef>
+                  <a:spcPct val="20000"/>
+                </a:spcBef>
+                <a:spcAft>
+                  <a:spcPct val="0"/>
+                </a:spcAft>
+                <a:buClrTx/>
+                <a:buSzTx/>
+                <a:buFontTx/>
+                <a:buNone/>
+                <a:tabLst/>
+                <a:defRPr/>
+              </a:pPr>
+              <a:t>8</a:t>
+            </a:fld>
+            <a:endParaRPr kumimoji="0" lang="en-GB" sz="1200" b="0" i="0" u="none" strike="noStrike" kern="1200" cap="none" spc="0" normalizeH="0" baseline="0" noProof="0" dirty="0">
+              <a:ln>
+                <a:noFill/>
+              </a:ln>
+              <a:solidFill>
+                <a:srgbClr val="000000"/>
+              </a:solidFill>
+              <a:effectLst/>
+              <a:uLnTx/>
+              <a:uFillTx/>
+              <a:latin typeface="Gill Sans MT"/>
+              <a:ea typeface="ＭＳ Ｐゴシック" charset="0"/>
+              <a:cs typeface="+mn-cs"/>
+            </a:endParaRPr>
+          </a:p>
+        </p:txBody>
+      </p:sp>
+    </p:spTree>
+    <p:extLst>
+      <p:ext uri="{BB962C8B-B14F-4D97-AF65-F5344CB8AC3E}">
+        <p14:creationId xmlns:p14="http://schemas.microsoft.com/office/powerpoint/2010/main" val="2233813396"/>
+      </p:ext>
+    </p:extLst>
+  </p:cSld>
+  <p:clrMapOvr>
+    <a:masterClrMapping/>
+  </p:clrMapOvr>
+</p:notes>
+</file>
+
+<file path=ppt/notesSlides/notesSlide5.xml><?xml version="1.0" encoding="utf-8"?>
 <p:notes xmlns:a="http://schemas.openxmlformats.org/drawingml/2006/main" xmlns:r="http://schemas.openxmlformats.org/officeDocument/2006/relationships" xmlns:p="http://schemas.openxmlformats.org/presentationml/2006/main">
   <p:cSld>
     <p:spTree>
@@ -1003,7 +1146,7 @@
     </p:spTree>
     <p:extLst>
       <p:ext uri="{BB962C8B-B14F-4D97-AF65-F5344CB8AC3E}">
-        <p14:creationId xmlns:p14="http://schemas.microsoft.com/office/powerpoint/2010/main" val="2233813396"/>
+        <p14:creationId xmlns:p14="http://schemas.microsoft.com/office/powerpoint/2010/main" val="1961320692"/>
       </p:ext>
     </p:extLst>
   </p:cSld>
@@ -1013,7 +1156,7 @@
 </p:notes>
 </file>
 
-<file path=ppt/notesSlides/notesSlide5.xml><?xml version="1.0" encoding="utf-8"?>
+<file path=ppt/notesSlides/notesSlide6.xml><?xml version="1.0" encoding="utf-8"?>
 <p:notes xmlns:a="http://schemas.openxmlformats.org/drawingml/2006/main" xmlns:r="http://schemas.openxmlformats.org/officeDocument/2006/relationships" xmlns:p="http://schemas.openxmlformats.org/presentationml/2006/main">
   <p:cSld>
     <p:spTree>
@@ -1147,150 +1290,6 @@
     </p:spTree>
     <p:extLst>
       <p:ext uri="{BB962C8B-B14F-4D97-AF65-F5344CB8AC3E}">
-        <p14:creationId xmlns:p14="http://schemas.microsoft.com/office/powerpoint/2010/main" val="1961320692"/>
-      </p:ext>
-    </p:extLst>
-  </p:cSld>
-  <p:clrMapOvr>
-    <a:masterClrMapping/>
-  </p:clrMapOvr>
-</p:notes>
-</file>
-
-<file path=ppt/notesSlides/notesSlide6.xml><?xml version="1.0" encoding="utf-8"?>
-<p:notes xmlns:a="http://schemas.openxmlformats.org/drawingml/2006/main" xmlns:r="http://schemas.openxmlformats.org/officeDocument/2006/relationships" xmlns:p="http://schemas.openxmlformats.org/presentationml/2006/main">
-  <p:cSld>
-    <p:spTree>
-      <p:nvGrpSpPr>
-        <p:cNvPr id="1" name=""/>
-        <p:cNvGrpSpPr/>
-        <p:nvPr/>
-      </p:nvGrpSpPr>
-      <p:grpSpPr>
-        <a:xfrm>
-          <a:off x="0" y="0"/>
-          <a:ext cx="0" cy="0"/>
-          <a:chOff x="0" y="0"/>
-          <a:chExt cx="0" cy="0"/>
-        </a:xfrm>
-      </p:grpSpPr>
-      <p:sp>
-        <p:nvSpPr>
-          <p:cNvPr id="2" name="Slide Image Placeholder 1"/>
-          <p:cNvSpPr>
-            <a:spLocks noGrp="1" noRot="1" noChangeAspect="1"/>
-          </p:cNvSpPr>
-          <p:nvPr>
-            <p:ph type="sldImg"/>
-          </p:nvPr>
-        </p:nvSpPr>
-        <p:spPr/>
-      </p:sp>
-      <p:sp>
-        <p:nvSpPr>
-          <p:cNvPr id="3" name="Notes Placeholder 2"/>
-          <p:cNvSpPr>
-            <a:spLocks noGrp="1"/>
-          </p:cNvSpPr>
-          <p:nvPr>
-            <p:ph type="body" idx="1"/>
-          </p:nvPr>
-        </p:nvSpPr>
-        <p:spPr/>
-        <p:txBody>
-          <a:bodyPr/>
-          <a:lstStyle/>
-          <a:p>
-            <a:endParaRPr lang="en-US" dirty="0"/>
-          </a:p>
-        </p:txBody>
-      </p:sp>
-      <p:sp>
-        <p:nvSpPr>
-          <p:cNvPr id="5" name="Slide Number Placeholder 4"/>
-          <p:cNvSpPr>
-            <a:spLocks noGrp="1"/>
-          </p:cNvSpPr>
-          <p:nvPr>
-            <p:ph type="sldNum" sz="quarter" idx="11"/>
-          </p:nvPr>
-        </p:nvSpPr>
-        <p:spPr/>
-        <p:txBody>
-          <a:bodyPr/>
-          <a:lstStyle/>
-          <a:p>
-            <a:pPr marL="0" marR="0" lvl="0" indent="0" algn="r" defTabSz="914400" rtl="0" eaLnBrk="1" fontAlgn="base" latinLnBrk="0" hangingPunct="1">
-              <a:lnSpc>
-                <a:spcPct val="100000"/>
-              </a:lnSpc>
-              <a:spcBef>
-                <a:spcPct val="20000"/>
-              </a:spcBef>
-              <a:spcAft>
-                <a:spcPct val="0"/>
-              </a:spcAft>
-              <a:buClrTx/>
-              <a:buSzTx/>
-              <a:buFontTx/>
-              <a:buNone/>
-              <a:tabLst/>
-              <a:defRPr/>
-            </a:pPr>
-            <a:fld id="{35A0010E-9B7C-4109-8B7A-732433805D90}" type="slidenum">
-              <a:rPr kumimoji="0" lang="en-GB" sz="1200" b="0" i="0" u="none" strike="noStrike" kern="1200" cap="none" spc="0" normalizeH="0" baseline="0" noProof="0" smtClean="0">
-                <a:ln>
-                  <a:noFill/>
-                </a:ln>
-                <a:solidFill>
-                  <a:srgbClr val="000000"/>
-                </a:solidFill>
-                <a:effectLst/>
-                <a:uLnTx/>
-                <a:uFillTx/>
-                <a:latin typeface="Gill Sans MT"/>
-                <a:ea typeface="ＭＳ Ｐゴシック" charset="0"/>
-                <a:cs typeface="+mn-cs"/>
-              </a:rPr>
-              <a:pPr marL="0" marR="0" lvl="0" indent="0" algn="r" defTabSz="914400" rtl="0" eaLnBrk="1" fontAlgn="base" latinLnBrk="0" hangingPunct="1">
-                <a:lnSpc>
-                  <a:spcPct val="100000"/>
-                </a:lnSpc>
-                <a:spcBef>
-                  <a:spcPct val="20000"/>
-                </a:spcBef>
-                <a:spcAft>
-                  <a:spcPct val="0"/>
-                </a:spcAft>
-                <a:buClrTx/>
-                <a:buSzTx/>
-                <a:buFontTx/>
-                <a:buNone/>
-                <a:tabLst/>
-                <a:defRPr/>
-              </a:pPr>
-              <a:t>11</a:t>
-            </a:fld>
-            <a:endParaRPr kumimoji="0" lang="en-GB" sz="1200" b="0" i="0" u="none" strike="noStrike" kern="1200" cap="none" spc="0" normalizeH="0" baseline="0" noProof="0" dirty="0">
-              <a:ln>
-                <a:noFill/>
-              </a:ln>
-              <a:solidFill>
-                <a:srgbClr val="000000"/>
-              </a:solidFill>
-              <a:effectLst/>
-              <a:uLnTx/>
-              <a:uFillTx/>
-              <a:latin typeface="Gill Sans MT"/>
-              <a:ea typeface="ＭＳ Ｐゴシック" charset="0"/>
-              <a:cs typeface="+mn-cs"/>
-            </a:endParaRPr>
-          </a:p>
-        </p:txBody>
-      </p:sp>
-    </p:spTree>
-    <p:extLst>
-      <p:ext uri="{BB962C8B-B14F-4D97-AF65-F5344CB8AC3E}">
         <p14:creationId xmlns:p14="http://schemas.microsoft.com/office/powerpoint/2010/main" val="2933281252"/>
       </p:ext>
     </p:extLst>
@@ -1432,7 +1431,7 @@
           <a:p>
             <a:fld id="{CB9F8517-1271-4F8B-9742-ECB8BBF22693}" type="datetimeFigureOut">
               <a:rPr lang="en-US" smtClean="0"/>
-              <a:t>3/30/2022</a:t>
+              <a:t>4/1/2022</a:t>
             </a:fld>
             <a:endParaRPr lang="en-US"/>
           </a:p>
@@ -1602,7 +1601,7 @@
           <a:p>
             <a:fld id="{CB9F8517-1271-4F8B-9742-ECB8BBF22693}" type="datetimeFigureOut">
               <a:rPr lang="en-US" smtClean="0"/>
-              <a:t>3/30/2022</a:t>
+              <a:t>4/1/2022</a:t>
             </a:fld>
             <a:endParaRPr lang="en-US"/>
           </a:p>
@@ -1782,7 +1781,7 @@
           <a:p>
             <a:fld id="{CB9F8517-1271-4F8B-9742-ECB8BBF22693}" type="datetimeFigureOut">
               <a:rPr lang="en-US" smtClean="0"/>
-              <a:t>3/30/2022</a:t>
+              <a:t>4/1/2022</a:t>
             </a:fld>
             <a:endParaRPr lang="en-US"/>
           </a:p>
@@ -1880,7 +1879,7 @@
           <a:graphicData uri="http://schemas.openxmlformats.org/presentationml/2006/ole">
             <mc:AlternateContent xmlns:mc="http://schemas.openxmlformats.org/markup-compatibility/2006">
               <mc:Choice xmlns:v="urn:schemas-microsoft-com:vml" Requires="v">
-                <p:oleObj spid="_x0000_s3118" name="think-cell Slide" r:id="rId4" imgW="216" imgH="216" progId="TCLayout.ActiveDocument.1">
+                <p:oleObj spid="_x0000_s3123" name="think-cell Slide" r:id="rId4" imgW="216" imgH="216" progId="TCLayout.ActiveDocument.1">
                   <p:embed/>
                 </p:oleObj>
               </mc:Choice>
@@ -1920,7 +1919,7 @@
           <p:cNvPr id="8" name="Title 7">
             <a:extLst>
               <a:ext uri="{FF2B5EF4-FFF2-40B4-BE49-F238E27FC236}">
-                <a16:creationId xmlns:a16="http://schemas.microsoft.com/office/drawing/2014/main" id="{8A6F1540-D306-D44E-B1B3-1ACCF1041F70}"/>
+                <a16:creationId xmlns="" xmlns:a16="http://schemas.microsoft.com/office/drawing/2014/main" id="{8A6F1540-D306-D44E-B1B3-1ACCF1041F70}"/>
               </a:ext>
             </a:extLst>
           </p:cNvPr>
@@ -2716,7 +2715,7 @@
           <p:cNvPr id="37" name="Footer Placeholder 3">
             <a:extLst>
               <a:ext uri="{FF2B5EF4-FFF2-40B4-BE49-F238E27FC236}">
-                <a16:creationId xmlns:a16="http://schemas.microsoft.com/office/drawing/2014/main" id="{DBA440F4-82E0-7E45-8A6F-4A8C7572AEE5}"/>
+                <a16:creationId xmlns="" xmlns:a16="http://schemas.microsoft.com/office/drawing/2014/main" id="{DBA440F4-82E0-7E45-8A6F-4A8C7572AEE5}"/>
               </a:ext>
             </a:extLst>
           </p:cNvPr>
@@ -2775,7 +2774,7 @@
           <p:cNvPr id="38" name="Slide Number Placeholder 5">
             <a:extLst>
               <a:ext uri="{FF2B5EF4-FFF2-40B4-BE49-F238E27FC236}">
-                <a16:creationId xmlns:a16="http://schemas.microsoft.com/office/drawing/2014/main" id="{CC67CD5C-67EC-5144-B858-5347C50D1ACD}"/>
+                <a16:creationId xmlns="" xmlns:a16="http://schemas.microsoft.com/office/drawing/2014/main" id="{CC67CD5C-67EC-5144-B858-5347C50D1ACD}"/>
               </a:ext>
             </a:extLst>
           </p:cNvPr>
@@ -2822,7 +2821,7 @@
           <p:cNvPr id="39" name="Straight Connector 38">
             <a:extLst>
               <a:ext uri="{FF2B5EF4-FFF2-40B4-BE49-F238E27FC236}">
-                <a16:creationId xmlns:a16="http://schemas.microsoft.com/office/drawing/2014/main" id="{95C486A1-9876-924E-85C2-906892F8B9AC}"/>
+                <a16:creationId xmlns="" xmlns:a16="http://schemas.microsoft.com/office/drawing/2014/main" id="{95C486A1-9876-924E-85C2-906892F8B9AC}"/>
               </a:ext>
             </a:extLst>
           </p:cNvPr>
@@ -2918,7 +2917,7 @@
           <a:graphicData uri="http://schemas.openxmlformats.org/presentationml/2006/ole">
             <mc:AlternateContent xmlns:mc="http://schemas.openxmlformats.org/markup-compatibility/2006">
               <mc:Choice xmlns:v="urn:schemas-microsoft-com:vml" Requires="v">
-                <p:oleObj spid="_x0000_s32802" name="think-cell Slide" r:id="rId5" imgW="216" imgH="216" progId="TCLayout.ActiveDocument.1">
+                <p:oleObj spid="_x0000_s32807" name="think-cell Slide" r:id="rId5" imgW="216" imgH="216" progId="TCLayout.ActiveDocument.1">
                   <p:embed/>
                 </p:oleObj>
               </mc:Choice>
@@ -3115,7 +3114,7 @@
           <p:cNvPr id="4" name="Footer Placeholder 3">
             <a:extLst>
               <a:ext uri="{FF2B5EF4-FFF2-40B4-BE49-F238E27FC236}">
-                <a16:creationId xmlns:a16="http://schemas.microsoft.com/office/drawing/2014/main" id="{17D6DE4C-D976-4B4B-B087-C035EF8D4F6F}"/>
+                <a16:creationId xmlns="" xmlns:a16="http://schemas.microsoft.com/office/drawing/2014/main" id="{17D6DE4C-D976-4B4B-B087-C035EF8D4F6F}"/>
               </a:ext>
             </a:extLst>
           </p:cNvPr>
@@ -3174,7 +3173,7 @@
           <p:cNvPr id="13" name="Straight Connector 12">
             <a:extLst>
               <a:ext uri="{FF2B5EF4-FFF2-40B4-BE49-F238E27FC236}">
-                <a16:creationId xmlns:a16="http://schemas.microsoft.com/office/drawing/2014/main" id="{95C486A1-9876-924E-85C2-906892F8B9AC}"/>
+                <a16:creationId xmlns="" xmlns:a16="http://schemas.microsoft.com/office/drawing/2014/main" id="{95C486A1-9876-924E-85C2-906892F8B9AC}"/>
               </a:ext>
             </a:extLst>
           </p:cNvPr>
@@ -3217,7 +3216,7 @@
           <p:cNvPr id="17" name="Slide Number Placeholder 5">
             <a:extLst>
               <a:ext uri="{FF2B5EF4-FFF2-40B4-BE49-F238E27FC236}">
-                <a16:creationId xmlns:a16="http://schemas.microsoft.com/office/drawing/2014/main" id="{CC67CD5C-67EC-5144-B858-5347C50D1ACD}"/>
+                <a16:creationId xmlns="" xmlns:a16="http://schemas.microsoft.com/office/drawing/2014/main" id="{CC67CD5C-67EC-5144-B858-5347C50D1ACD}"/>
               </a:ext>
             </a:extLst>
           </p:cNvPr>
@@ -3269,7 +3268,7 @@
           <p:cNvPr id="8" name="Title 7">
             <a:extLst>
               <a:ext uri="{FF2B5EF4-FFF2-40B4-BE49-F238E27FC236}">
-                <a16:creationId xmlns:a16="http://schemas.microsoft.com/office/drawing/2014/main" id="{8A6F1540-D306-D44E-B1B3-1ACCF1041F70}"/>
+                <a16:creationId xmlns="" xmlns:a16="http://schemas.microsoft.com/office/drawing/2014/main" id="{8A6F1540-D306-D44E-B1B3-1ACCF1041F70}"/>
               </a:ext>
             </a:extLst>
           </p:cNvPr>
@@ -3395,7 +3394,7 @@
           <a:graphicData uri="http://schemas.openxmlformats.org/presentationml/2006/ole">
             <mc:AlternateContent xmlns:mc="http://schemas.openxmlformats.org/markup-compatibility/2006">
               <mc:Choice xmlns:v="urn:schemas-microsoft-com:vml" Requires="v">
-                <p:oleObj spid="_x0000_s33826" name="think-cell Slide" r:id="rId4" imgW="216" imgH="216" progId="TCLayout.ActiveDocument.1">
+                <p:oleObj spid="_x0000_s33831" name="think-cell Slide" r:id="rId4" imgW="216" imgH="216" progId="TCLayout.ActiveDocument.1">
                   <p:embed/>
                 </p:oleObj>
               </mc:Choice>
@@ -3521,7 +3520,7 @@
           <p:cNvPr id="8" name="Title 7">
             <a:extLst>
               <a:ext uri="{FF2B5EF4-FFF2-40B4-BE49-F238E27FC236}">
-                <a16:creationId xmlns:a16="http://schemas.microsoft.com/office/drawing/2014/main" id="{8A6F1540-D306-D44E-B1B3-1ACCF1041F70}"/>
+                <a16:creationId xmlns="" xmlns:a16="http://schemas.microsoft.com/office/drawing/2014/main" id="{8A6F1540-D306-D44E-B1B3-1ACCF1041F70}"/>
               </a:ext>
             </a:extLst>
           </p:cNvPr>
@@ -3557,7 +3556,7 @@
           <p:cNvPr id="9" name="Content Placeholder 2">
             <a:extLst>
               <a:ext uri="{FF2B5EF4-FFF2-40B4-BE49-F238E27FC236}">
-                <a16:creationId xmlns:a16="http://schemas.microsoft.com/office/drawing/2014/main" id="{0A7C1352-3D49-F849-9BC3-BC0AF9CD8F04}"/>
+                <a16:creationId xmlns="" xmlns:a16="http://schemas.microsoft.com/office/drawing/2014/main" id="{0A7C1352-3D49-F849-9BC3-BC0AF9CD8F04}"/>
               </a:ext>
             </a:extLst>
           </p:cNvPr>
@@ -3649,7 +3648,7 @@
           <p:cNvPr id="10" name="Content Placeholder 2">
             <a:extLst>
               <a:ext uri="{FF2B5EF4-FFF2-40B4-BE49-F238E27FC236}">
-                <a16:creationId xmlns:a16="http://schemas.microsoft.com/office/drawing/2014/main" id="{D1AA7CFB-7669-2648-A3E1-E647E531399E}"/>
+                <a16:creationId xmlns="" xmlns:a16="http://schemas.microsoft.com/office/drawing/2014/main" id="{D1AA7CFB-7669-2648-A3E1-E647E531399E}"/>
               </a:ext>
             </a:extLst>
           </p:cNvPr>
@@ -3741,7 +3740,7 @@
           <p:cNvPr id="11" name="Content Placeholder 2">
             <a:extLst>
               <a:ext uri="{FF2B5EF4-FFF2-40B4-BE49-F238E27FC236}">
-                <a16:creationId xmlns:a16="http://schemas.microsoft.com/office/drawing/2014/main" id="{2E4B4082-D988-5D43-9C32-2C7F747717ED}"/>
+                <a16:creationId xmlns="" xmlns:a16="http://schemas.microsoft.com/office/drawing/2014/main" id="{2E4B4082-D988-5D43-9C32-2C7F747717ED}"/>
               </a:ext>
             </a:extLst>
           </p:cNvPr>
@@ -3833,7 +3832,7 @@
           <p:cNvPr id="12" name="Content Placeholder 2">
             <a:extLst>
               <a:ext uri="{FF2B5EF4-FFF2-40B4-BE49-F238E27FC236}">
-                <a16:creationId xmlns:a16="http://schemas.microsoft.com/office/drawing/2014/main" id="{45B8DE4D-1F9B-7341-8CB2-D70634815B55}"/>
+                <a16:creationId xmlns="" xmlns:a16="http://schemas.microsoft.com/office/drawing/2014/main" id="{45B8DE4D-1F9B-7341-8CB2-D70634815B55}"/>
               </a:ext>
             </a:extLst>
           </p:cNvPr>
@@ -3925,7 +3924,7 @@
           <p:cNvPr id="14" name="Footer Placeholder 3">
             <a:extLst>
               <a:ext uri="{FF2B5EF4-FFF2-40B4-BE49-F238E27FC236}">
-                <a16:creationId xmlns:a16="http://schemas.microsoft.com/office/drawing/2014/main" id="{DBA440F4-82E0-7E45-8A6F-4A8C7572AEE5}"/>
+                <a16:creationId xmlns="" xmlns:a16="http://schemas.microsoft.com/office/drawing/2014/main" id="{DBA440F4-82E0-7E45-8A6F-4A8C7572AEE5}"/>
               </a:ext>
             </a:extLst>
           </p:cNvPr>
@@ -3984,7 +3983,7 @@
           <p:cNvPr id="15" name="Slide Number Placeholder 5">
             <a:extLst>
               <a:ext uri="{FF2B5EF4-FFF2-40B4-BE49-F238E27FC236}">
-                <a16:creationId xmlns:a16="http://schemas.microsoft.com/office/drawing/2014/main" id="{CC67CD5C-67EC-5144-B858-5347C50D1ACD}"/>
+                <a16:creationId xmlns="" xmlns:a16="http://schemas.microsoft.com/office/drawing/2014/main" id="{CC67CD5C-67EC-5144-B858-5347C50D1ACD}"/>
               </a:ext>
             </a:extLst>
           </p:cNvPr>
@@ -4036,7 +4035,7 @@
           <p:cNvPr id="16" name="Straight Connector 15">
             <a:extLst>
               <a:ext uri="{FF2B5EF4-FFF2-40B4-BE49-F238E27FC236}">
-                <a16:creationId xmlns:a16="http://schemas.microsoft.com/office/drawing/2014/main" id="{95C486A1-9876-924E-85C2-906892F8B9AC}"/>
+                <a16:creationId xmlns="" xmlns:a16="http://schemas.microsoft.com/office/drawing/2014/main" id="{95C486A1-9876-924E-85C2-906892F8B9AC}"/>
               </a:ext>
             </a:extLst>
           </p:cNvPr>
@@ -4132,7 +4131,7 @@
           <a:graphicData uri="http://schemas.openxmlformats.org/presentationml/2006/ole">
             <mc:AlternateContent xmlns:mc="http://schemas.openxmlformats.org/markup-compatibility/2006">
               <mc:Choice xmlns:v="urn:schemas-microsoft-com:vml" Requires="v">
-                <p:oleObj spid="_x0000_s34850" name="think-cell Slide" r:id="rId4" imgW="216" imgH="216" progId="TCLayout.ActiveDocument.1">
+                <p:oleObj spid="_x0000_s34855" name="think-cell Slide" r:id="rId4" imgW="216" imgH="216" progId="TCLayout.ActiveDocument.1">
                   <p:embed/>
                 </p:oleObj>
               </mc:Choice>
@@ -4172,7 +4171,7 @@
           <p:cNvPr id="8" name="Title 7">
             <a:extLst>
               <a:ext uri="{FF2B5EF4-FFF2-40B4-BE49-F238E27FC236}">
-                <a16:creationId xmlns:a16="http://schemas.microsoft.com/office/drawing/2014/main" id="{8A6F1540-D306-D44E-B1B3-1ACCF1041F70}"/>
+                <a16:creationId xmlns="" xmlns:a16="http://schemas.microsoft.com/office/drawing/2014/main" id="{8A6F1540-D306-D44E-B1B3-1ACCF1041F70}"/>
               </a:ext>
             </a:extLst>
           </p:cNvPr>
@@ -4968,7 +4967,7 @@
           <p:cNvPr id="37" name="Footer Placeholder 3">
             <a:extLst>
               <a:ext uri="{FF2B5EF4-FFF2-40B4-BE49-F238E27FC236}">
-                <a16:creationId xmlns:a16="http://schemas.microsoft.com/office/drawing/2014/main" id="{DBA440F4-82E0-7E45-8A6F-4A8C7572AEE5}"/>
+                <a16:creationId xmlns="" xmlns:a16="http://schemas.microsoft.com/office/drawing/2014/main" id="{DBA440F4-82E0-7E45-8A6F-4A8C7572AEE5}"/>
               </a:ext>
             </a:extLst>
           </p:cNvPr>
@@ -5027,7 +5026,7 @@
           <p:cNvPr id="38" name="Slide Number Placeholder 5">
             <a:extLst>
               <a:ext uri="{FF2B5EF4-FFF2-40B4-BE49-F238E27FC236}">
-                <a16:creationId xmlns:a16="http://schemas.microsoft.com/office/drawing/2014/main" id="{CC67CD5C-67EC-5144-B858-5347C50D1ACD}"/>
+                <a16:creationId xmlns="" xmlns:a16="http://schemas.microsoft.com/office/drawing/2014/main" id="{CC67CD5C-67EC-5144-B858-5347C50D1ACD}"/>
               </a:ext>
             </a:extLst>
           </p:cNvPr>
@@ -5079,7 +5078,7 @@
           <p:cNvPr id="39" name="Straight Connector 38">
             <a:extLst>
               <a:ext uri="{FF2B5EF4-FFF2-40B4-BE49-F238E27FC236}">
-                <a16:creationId xmlns:a16="http://schemas.microsoft.com/office/drawing/2014/main" id="{95C486A1-9876-924E-85C2-906892F8B9AC}"/>
+                <a16:creationId xmlns="" xmlns:a16="http://schemas.microsoft.com/office/drawing/2014/main" id="{95C486A1-9876-924E-85C2-906892F8B9AC}"/>
               </a:ext>
             </a:extLst>
           </p:cNvPr>
@@ -5180,7 +5179,7 @@
           <a:graphicData uri="http://schemas.openxmlformats.org/presentationml/2006/ole">
             <mc:AlternateContent xmlns:mc="http://schemas.openxmlformats.org/markup-compatibility/2006">
               <mc:Choice xmlns:v="urn:schemas-microsoft-com:vml" Requires="v">
-                <p:oleObj spid="_x0000_s35874" name="think-cell Slide" r:id="rId5" imgW="216" imgH="216" progId="TCLayout.ActiveDocument.1">
+                <p:oleObj spid="_x0000_s35879" name="think-cell Slide" r:id="rId5" imgW="216" imgH="216" progId="TCLayout.ActiveDocument.1">
                   <p:embed/>
                 </p:oleObj>
               </mc:Choice>
@@ -5397,7 +5396,7 @@
           <p:cNvPr id="4" name="Footer Placeholder 3">
             <a:extLst>
               <a:ext uri="{FF2B5EF4-FFF2-40B4-BE49-F238E27FC236}">
-                <a16:creationId xmlns:a16="http://schemas.microsoft.com/office/drawing/2014/main" id="{17D6DE4C-D976-4B4B-B087-C035EF8D4F6F}"/>
+                <a16:creationId xmlns="" xmlns:a16="http://schemas.microsoft.com/office/drawing/2014/main" id="{17D6DE4C-D976-4B4B-B087-C035EF8D4F6F}"/>
               </a:ext>
             </a:extLst>
           </p:cNvPr>
@@ -5456,7 +5455,7 @@
           <p:cNvPr id="17" name="Slide Number Placeholder 5">
             <a:extLst>
               <a:ext uri="{FF2B5EF4-FFF2-40B4-BE49-F238E27FC236}">
-                <a16:creationId xmlns:a16="http://schemas.microsoft.com/office/drawing/2014/main" id="{CC67CD5C-67EC-5144-B858-5347C50D1ACD}"/>
+                <a16:creationId xmlns="" xmlns:a16="http://schemas.microsoft.com/office/drawing/2014/main" id="{CC67CD5C-67EC-5144-B858-5347C50D1ACD}"/>
               </a:ext>
             </a:extLst>
           </p:cNvPr>
@@ -5508,7 +5507,7 @@
           <p:cNvPr id="8" name="Title 7">
             <a:extLst>
               <a:ext uri="{FF2B5EF4-FFF2-40B4-BE49-F238E27FC236}">
-                <a16:creationId xmlns:a16="http://schemas.microsoft.com/office/drawing/2014/main" id="{8A6F1540-D306-D44E-B1B3-1ACCF1041F70}"/>
+                <a16:creationId xmlns="" xmlns:a16="http://schemas.microsoft.com/office/drawing/2014/main" id="{8A6F1540-D306-D44E-B1B3-1ACCF1041F70}"/>
               </a:ext>
             </a:extLst>
           </p:cNvPr>
@@ -5552,7 +5551,7 @@
           <p:cNvPr id="9" name="Straight Connector 8">
             <a:extLst>
               <a:ext uri="{FF2B5EF4-FFF2-40B4-BE49-F238E27FC236}">
-                <a16:creationId xmlns:a16="http://schemas.microsoft.com/office/drawing/2014/main" id="{BB1AA2BE-B537-254D-958A-FBAFDE7E90DC}"/>
+                <a16:creationId xmlns="" xmlns:a16="http://schemas.microsoft.com/office/drawing/2014/main" id="{BB1AA2BE-B537-254D-958A-FBAFDE7E90DC}"/>
               </a:ext>
             </a:extLst>
           </p:cNvPr>
@@ -5595,7 +5594,7 @@
           <p:cNvPr id="10" name="Straight Connector 9">
             <a:extLst>
               <a:ext uri="{FF2B5EF4-FFF2-40B4-BE49-F238E27FC236}">
-                <a16:creationId xmlns:a16="http://schemas.microsoft.com/office/drawing/2014/main" id="{95C486A1-9876-924E-85C2-906892F8B9AC}"/>
+                <a16:creationId xmlns="" xmlns:a16="http://schemas.microsoft.com/office/drawing/2014/main" id="{95C486A1-9876-924E-85C2-906892F8B9AC}"/>
               </a:ext>
             </a:extLst>
           </p:cNvPr>
@@ -5972,7 +5971,7 @@
           <a:graphicData uri="http://schemas.openxmlformats.org/presentationml/2006/ole">
             <mc:AlternateContent xmlns:mc="http://schemas.openxmlformats.org/markup-compatibility/2006">
               <mc:Choice xmlns:v="urn:schemas-microsoft-com:vml" Requires="v">
-                <p:oleObj spid="_x0000_s37922" name="think-cell Slide" r:id="rId5" imgW="216" imgH="216" progId="TCLayout.ActiveDocument.1">
+                <p:oleObj spid="_x0000_s37927" name="think-cell Slide" r:id="rId5" imgW="216" imgH="216" progId="TCLayout.ActiveDocument.1">
                   <p:embed/>
                 </p:oleObj>
               </mc:Choice>
@@ -6169,7 +6168,7 @@
           <p:cNvPr id="4" name="Footer Placeholder 3">
             <a:extLst>
               <a:ext uri="{FF2B5EF4-FFF2-40B4-BE49-F238E27FC236}">
-                <a16:creationId xmlns:a16="http://schemas.microsoft.com/office/drawing/2014/main" id="{17D6DE4C-D976-4B4B-B087-C035EF8D4F6F}"/>
+                <a16:creationId xmlns="" xmlns:a16="http://schemas.microsoft.com/office/drawing/2014/main" id="{17D6DE4C-D976-4B4B-B087-C035EF8D4F6F}"/>
               </a:ext>
             </a:extLst>
           </p:cNvPr>
@@ -6228,7 +6227,7 @@
           <p:cNvPr id="13" name="Straight Connector 12">
             <a:extLst>
               <a:ext uri="{FF2B5EF4-FFF2-40B4-BE49-F238E27FC236}">
-                <a16:creationId xmlns:a16="http://schemas.microsoft.com/office/drawing/2014/main" id="{95C486A1-9876-924E-85C2-906892F8B9AC}"/>
+                <a16:creationId xmlns="" xmlns:a16="http://schemas.microsoft.com/office/drawing/2014/main" id="{95C486A1-9876-924E-85C2-906892F8B9AC}"/>
               </a:ext>
             </a:extLst>
           </p:cNvPr>
@@ -6271,7 +6270,7 @@
           <p:cNvPr id="17" name="Slide Number Placeholder 5">
             <a:extLst>
               <a:ext uri="{FF2B5EF4-FFF2-40B4-BE49-F238E27FC236}">
-                <a16:creationId xmlns:a16="http://schemas.microsoft.com/office/drawing/2014/main" id="{CC67CD5C-67EC-5144-B858-5347C50D1ACD}"/>
+                <a16:creationId xmlns="" xmlns:a16="http://schemas.microsoft.com/office/drawing/2014/main" id="{CC67CD5C-67EC-5144-B858-5347C50D1ACD}"/>
               </a:ext>
             </a:extLst>
           </p:cNvPr>
@@ -6323,7 +6322,7 @@
           <p:cNvPr id="8" name="Title 7">
             <a:extLst>
               <a:ext uri="{FF2B5EF4-FFF2-40B4-BE49-F238E27FC236}">
-                <a16:creationId xmlns:a16="http://schemas.microsoft.com/office/drawing/2014/main" id="{8A6F1540-D306-D44E-B1B3-1ACCF1041F70}"/>
+                <a16:creationId xmlns="" xmlns:a16="http://schemas.microsoft.com/office/drawing/2014/main" id="{8A6F1540-D306-D44E-B1B3-1ACCF1041F70}"/>
               </a:ext>
             </a:extLst>
           </p:cNvPr>
@@ -6449,7 +6448,7 @@
           <a:graphicData uri="http://schemas.openxmlformats.org/presentationml/2006/ole">
             <mc:AlternateContent xmlns:mc="http://schemas.openxmlformats.org/markup-compatibility/2006">
               <mc:Choice xmlns:v="urn:schemas-microsoft-com:vml" Requires="v">
-                <p:oleObj spid="_x0000_s38946" name="think-cell Slide" r:id="rId4" imgW="216" imgH="216" progId="TCLayout.ActiveDocument.1">
+                <p:oleObj spid="_x0000_s38951" name="think-cell Slide" r:id="rId4" imgW="216" imgH="216" progId="TCLayout.ActiveDocument.1">
                   <p:embed/>
                 </p:oleObj>
               </mc:Choice>
@@ -6575,7 +6574,7 @@
           <p:cNvPr id="8" name="Title 7">
             <a:extLst>
               <a:ext uri="{FF2B5EF4-FFF2-40B4-BE49-F238E27FC236}">
-                <a16:creationId xmlns:a16="http://schemas.microsoft.com/office/drawing/2014/main" id="{8A6F1540-D306-D44E-B1B3-1ACCF1041F70}"/>
+                <a16:creationId xmlns="" xmlns:a16="http://schemas.microsoft.com/office/drawing/2014/main" id="{8A6F1540-D306-D44E-B1B3-1ACCF1041F70}"/>
               </a:ext>
             </a:extLst>
           </p:cNvPr>
@@ -6611,7 +6610,7 @@
           <p:cNvPr id="9" name="Content Placeholder 2">
             <a:extLst>
               <a:ext uri="{FF2B5EF4-FFF2-40B4-BE49-F238E27FC236}">
-                <a16:creationId xmlns:a16="http://schemas.microsoft.com/office/drawing/2014/main" id="{0A7C1352-3D49-F849-9BC3-BC0AF9CD8F04}"/>
+                <a16:creationId xmlns="" xmlns:a16="http://schemas.microsoft.com/office/drawing/2014/main" id="{0A7C1352-3D49-F849-9BC3-BC0AF9CD8F04}"/>
               </a:ext>
             </a:extLst>
           </p:cNvPr>
@@ -6703,7 +6702,7 @@
           <p:cNvPr id="10" name="Content Placeholder 2">
             <a:extLst>
               <a:ext uri="{FF2B5EF4-FFF2-40B4-BE49-F238E27FC236}">
-                <a16:creationId xmlns:a16="http://schemas.microsoft.com/office/drawing/2014/main" id="{D1AA7CFB-7669-2648-A3E1-E647E531399E}"/>
+                <a16:creationId xmlns="" xmlns:a16="http://schemas.microsoft.com/office/drawing/2014/main" id="{D1AA7CFB-7669-2648-A3E1-E647E531399E}"/>
               </a:ext>
             </a:extLst>
           </p:cNvPr>
@@ -6795,7 +6794,7 @@
           <p:cNvPr id="11" name="Content Placeholder 2">
             <a:extLst>
               <a:ext uri="{FF2B5EF4-FFF2-40B4-BE49-F238E27FC236}">
-                <a16:creationId xmlns:a16="http://schemas.microsoft.com/office/drawing/2014/main" id="{2E4B4082-D988-5D43-9C32-2C7F747717ED}"/>
+                <a16:creationId xmlns="" xmlns:a16="http://schemas.microsoft.com/office/drawing/2014/main" id="{2E4B4082-D988-5D43-9C32-2C7F747717ED}"/>
               </a:ext>
             </a:extLst>
           </p:cNvPr>
@@ -6887,7 +6886,7 @@
           <p:cNvPr id="12" name="Content Placeholder 2">
             <a:extLst>
               <a:ext uri="{FF2B5EF4-FFF2-40B4-BE49-F238E27FC236}">
-                <a16:creationId xmlns:a16="http://schemas.microsoft.com/office/drawing/2014/main" id="{45B8DE4D-1F9B-7341-8CB2-D70634815B55}"/>
+                <a16:creationId xmlns="" xmlns:a16="http://schemas.microsoft.com/office/drawing/2014/main" id="{45B8DE4D-1F9B-7341-8CB2-D70634815B55}"/>
               </a:ext>
             </a:extLst>
           </p:cNvPr>
@@ -6979,7 +6978,7 @@
           <p:cNvPr id="14" name="Footer Placeholder 3">
             <a:extLst>
               <a:ext uri="{FF2B5EF4-FFF2-40B4-BE49-F238E27FC236}">
-                <a16:creationId xmlns:a16="http://schemas.microsoft.com/office/drawing/2014/main" id="{DBA440F4-82E0-7E45-8A6F-4A8C7572AEE5}"/>
+                <a16:creationId xmlns="" xmlns:a16="http://schemas.microsoft.com/office/drawing/2014/main" id="{DBA440F4-82E0-7E45-8A6F-4A8C7572AEE5}"/>
               </a:ext>
             </a:extLst>
           </p:cNvPr>
@@ -7038,7 +7037,7 @@
           <p:cNvPr id="15" name="Slide Number Placeholder 5">
             <a:extLst>
               <a:ext uri="{FF2B5EF4-FFF2-40B4-BE49-F238E27FC236}">
-                <a16:creationId xmlns:a16="http://schemas.microsoft.com/office/drawing/2014/main" id="{CC67CD5C-67EC-5144-B858-5347C50D1ACD}"/>
+                <a16:creationId xmlns="" xmlns:a16="http://schemas.microsoft.com/office/drawing/2014/main" id="{CC67CD5C-67EC-5144-B858-5347C50D1ACD}"/>
               </a:ext>
             </a:extLst>
           </p:cNvPr>
@@ -7090,7 +7089,7 @@
           <p:cNvPr id="16" name="Straight Connector 15">
             <a:extLst>
               <a:ext uri="{FF2B5EF4-FFF2-40B4-BE49-F238E27FC236}">
-                <a16:creationId xmlns:a16="http://schemas.microsoft.com/office/drawing/2014/main" id="{95C486A1-9876-924E-85C2-906892F8B9AC}"/>
+                <a16:creationId xmlns="" xmlns:a16="http://schemas.microsoft.com/office/drawing/2014/main" id="{95C486A1-9876-924E-85C2-906892F8B9AC}"/>
               </a:ext>
             </a:extLst>
           </p:cNvPr>
@@ -7257,7 +7256,7 @@
           <a:p>
             <a:fld id="{CB9F8517-1271-4F8B-9742-ECB8BBF22693}" type="datetimeFigureOut">
               <a:rPr lang="en-US" smtClean="0"/>
-              <a:t>3/30/2022</a:t>
+              <a:t>4/1/2022</a:t>
             </a:fld>
             <a:endParaRPr lang="en-US"/>
           </a:p>
@@ -7356,7 +7355,7 @@
           <a:graphicData uri="http://schemas.openxmlformats.org/presentationml/2006/ole">
             <mc:AlternateContent xmlns:mc="http://schemas.openxmlformats.org/markup-compatibility/2006">
               <mc:Choice xmlns:v="urn:schemas-microsoft-com:vml" Requires="v">
-                <p:oleObj spid="_x0000_s39970" name="think-cell Slide" r:id="rId4" imgW="216" imgH="216" progId="TCLayout.ActiveDocument.1">
+                <p:oleObj spid="_x0000_s39975" name="think-cell Slide" r:id="rId4" imgW="216" imgH="216" progId="TCLayout.ActiveDocument.1">
                   <p:embed/>
                 </p:oleObj>
               </mc:Choice>
@@ -7396,7 +7395,7 @@
           <p:cNvPr id="8" name="Title 7">
             <a:extLst>
               <a:ext uri="{FF2B5EF4-FFF2-40B4-BE49-F238E27FC236}">
-                <a16:creationId xmlns:a16="http://schemas.microsoft.com/office/drawing/2014/main" id="{8A6F1540-D306-D44E-B1B3-1ACCF1041F70}"/>
+                <a16:creationId xmlns="" xmlns:a16="http://schemas.microsoft.com/office/drawing/2014/main" id="{8A6F1540-D306-D44E-B1B3-1ACCF1041F70}"/>
               </a:ext>
             </a:extLst>
           </p:cNvPr>
@@ -8192,7 +8191,7 @@
           <p:cNvPr id="37" name="Footer Placeholder 3">
             <a:extLst>
               <a:ext uri="{FF2B5EF4-FFF2-40B4-BE49-F238E27FC236}">
-                <a16:creationId xmlns:a16="http://schemas.microsoft.com/office/drawing/2014/main" id="{DBA440F4-82E0-7E45-8A6F-4A8C7572AEE5}"/>
+                <a16:creationId xmlns="" xmlns:a16="http://schemas.microsoft.com/office/drawing/2014/main" id="{DBA440F4-82E0-7E45-8A6F-4A8C7572AEE5}"/>
               </a:ext>
             </a:extLst>
           </p:cNvPr>
@@ -8251,7 +8250,7 @@
           <p:cNvPr id="38" name="Slide Number Placeholder 5">
             <a:extLst>
               <a:ext uri="{FF2B5EF4-FFF2-40B4-BE49-F238E27FC236}">
-                <a16:creationId xmlns:a16="http://schemas.microsoft.com/office/drawing/2014/main" id="{CC67CD5C-67EC-5144-B858-5347C50D1ACD}"/>
+                <a16:creationId xmlns="" xmlns:a16="http://schemas.microsoft.com/office/drawing/2014/main" id="{CC67CD5C-67EC-5144-B858-5347C50D1ACD}"/>
               </a:ext>
             </a:extLst>
           </p:cNvPr>
@@ -8303,7 +8302,7 @@
           <p:cNvPr id="39" name="Straight Connector 38">
             <a:extLst>
               <a:ext uri="{FF2B5EF4-FFF2-40B4-BE49-F238E27FC236}">
-                <a16:creationId xmlns:a16="http://schemas.microsoft.com/office/drawing/2014/main" id="{95C486A1-9876-924E-85C2-906892F8B9AC}"/>
+                <a16:creationId xmlns="" xmlns:a16="http://schemas.microsoft.com/office/drawing/2014/main" id="{95C486A1-9876-924E-85C2-906892F8B9AC}"/>
               </a:ext>
             </a:extLst>
           </p:cNvPr>
@@ -8404,7 +8403,7 @@
           <a:graphicData uri="http://schemas.openxmlformats.org/presentationml/2006/ole">
             <mc:AlternateContent xmlns:mc="http://schemas.openxmlformats.org/markup-compatibility/2006">
               <mc:Choice xmlns:v="urn:schemas-microsoft-com:vml" Requires="v">
-                <p:oleObj spid="_x0000_s40994" name="think-cell Slide" r:id="rId5" imgW="216" imgH="216" progId="TCLayout.ActiveDocument.1">
+                <p:oleObj spid="_x0000_s40999" name="think-cell Slide" r:id="rId5" imgW="216" imgH="216" progId="TCLayout.ActiveDocument.1">
                   <p:embed/>
                 </p:oleObj>
               </mc:Choice>
@@ -8621,7 +8620,7 @@
           <p:cNvPr id="4" name="Footer Placeholder 3">
             <a:extLst>
               <a:ext uri="{FF2B5EF4-FFF2-40B4-BE49-F238E27FC236}">
-                <a16:creationId xmlns:a16="http://schemas.microsoft.com/office/drawing/2014/main" id="{17D6DE4C-D976-4B4B-B087-C035EF8D4F6F}"/>
+                <a16:creationId xmlns="" xmlns:a16="http://schemas.microsoft.com/office/drawing/2014/main" id="{17D6DE4C-D976-4B4B-B087-C035EF8D4F6F}"/>
               </a:ext>
             </a:extLst>
           </p:cNvPr>
@@ -8680,7 +8679,7 @@
           <p:cNvPr id="17" name="Slide Number Placeholder 5">
             <a:extLst>
               <a:ext uri="{FF2B5EF4-FFF2-40B4-BE49-F238E27FC236}">
-                <a16:creationId xmlns:a16="http://schemas.microsoft.com/office/drawing/2014/main" id="{CC67CD5C-67EC-5144-B858-5347C50D1ACD}"/>
+                <a16:creationId xmlns="" xmlns:a16="http://schemas.microsoft.com/office/drawing/2014/main" id="{CC67CD5C-67EC-5144-B858-5347C50D1ACD}"/>
               </a:ext>
             </a:extLst>
           </p:cNvPr>
@@ -8732,7 +8731,7 @@
           <p:cNvPr id="8" name="Title 7">
             <a:extLst>
               <a:ext uri="{FF2B5EF4-FFF2-40B4-BE49-F238E27FC236}">
-                <a16:creationId xmlns:a16="http://schemas.microsoft.com/office/drawing/2014/main" id="{8A6F1540-D306-D44E-B1B3-1ACCF1041F70}"/>
+                <a16:creationId xmlns="" xmlns:a16="http://schemas.microsoft.com/office/drawing/2014/main" id="{8A6F1540-D306-D44E-B1B3-1ACCF1041F70}"/>
               </a:ext>
             </a:extLst>
           </p:cNvPr>
@@ -8776,7 +8775,7 @@
           <p:cNvPr id="9" name="Straight Connector 8">
             <a:extLst>
               <a:ext uri="{FF2B5EF4-FFF2-40B4-BE49-F238E27FC236}">
-                <a16:creationId xmlns:a16="http://schemas.microsoft.com/office/drawing/2014/main" id="{BB1AA2BE-B537-254D-958A-FBAFDE7E90DC}"/>
+                <a16:creationId xmlns="" xmlns:a16="http://schemas.microsoft.com/office/drawing/2014/main" id="{BB1AA2BE-B537-254D-958A-FBAFDE7E90DC}"/>
               </a:ext>
             </a:extLst>
           </p:cNvPr>
@@ -8819,7 +8818,7 @@
           <p:cNvPr id="10" name="Straight Connector 9">
             <a:extLst>
               <a:ext uri="{FF2B5EF4-FFF2-40B4-BE49-F238E27FC236}">
-                <a16:creationId xmlns:a16="http://schemas.microsoft.com/office/drawing/2014/main" id="{95C486A1-9876-924E-85C2-906892F8B9AC}"/>
+                <a16:creationId xmlns="" xmlns:a16="http://schemas.microsoft.com/office/drawing/2014/main" id="{95C486A1-9876-924E-85C2-906892F8B9AC}"/>
               </a:ext>
             </a:extLst>
           </p:cNvPr>
@@ -9343,7 +9342,7 @@
           <a:p>
             <a:fld id="{CB9F8517-1271-4F8B-9742-ECB8BBF22693}" type="datetimeFigureOut">
               <a:rPr lang="en-US" smtClean="0"/>
-              <a:t>3/30/2022</a:t>
+              <a:t>4/1/2022</a:t>
             </a:fld>
             <a:endParaRPr lang="en-US"/>
           </a:p>
@@ -9575,7 +9574,7 @@
           <a:p>
             <a:fld id="{CB9F8517-1271-4F8B-9742-ECB8BBF22693}" type="datetimeFigureOut">
               <a:rPr lang="en-US" smtClean="0"/>
-              <a:t>3/30/2022</a:t>
+              <a:t>4/1/2022</a:t>
             </a:fld>
             <a:endParaRPr lang="en-US"/>
           </a:p>
@@ -9942,7 +9941,7 @@
           <a:p>
             <a:fld id="{CB9F8517-1271-4F8B-9742-ECB8BBF22693}" type="datetimeFigureOut">
               <a:rPr lang="en-US" smtClean="0"/>
-              <a:t>3/30/2022</a:t>
+              <a:t>4/1/2022</a:t>
             </a:fld>
             <a:endParaRPr lang="en-US"/>
           </a:p>
@@ -10060,7 +10059,7 @@
           <a:p>
             <a:fld id="{CB9F8517-1271-4F8B-9742-ECB8BBF22693}" type="datetimeFigureOut">
               <a:rPr lang="en-US" smtClean="0"/>
-              <a:t>3/30/2022</a:t>
+              <a:t>4/1/2022</a:t>
             </a:fld>
             <a:endParaRPr lang="en-US"/>
           </a:p>
@@ -10155,7 +10154,7 @@
           <a:p>
             <a:fld id="{CB9F8517-1271-4F8B-9742-ECB8BBF22693}" type="datetimeFigureOut">
               <a:rPr lang="en-US" smtClean="0"/>
-              <a:t>3/30/2022</a:t>
+              <a:t>4/1/2022</a:t>
             </a:fld>
             <a:endParaRPr lang="en-US"/>
           </a:p>
@@ -10432,7 +10431,7 @@
           <a:p>
             <a:fld id="{CB9F8517-1271-4F8B-9742-ECB8BBF22693}" type="datetimeFigureOut">
               <a:rPr lang="en-US" smtClean="0"/>
-              <a:t>3/30/2022</a:t>
+              <a:t>4/1/2022</a:t>
             </a:fld>
             <a:endParaRPr lang="en-US"/>
           </a:p>
@@ -10685,7 +10684,7 @@
           <a:p>
             <a:fld id="{CB9F8517-1271-4F8B-9742-ECB8BBF22693}" type="datetimeFigureOut">
               <a:rPr lang="en-US" smtClean="0"/>
-              <a:t>3/30/2022</a:t>
+              <a:t>4/1/2022</a:t>
             </a:fld>
             <a:endParaRPr lang="en-US"/>
           </a:p>
@@ -10793,7 +10792,7 @@
           <a:graphicData uri="http://schemas.openxmlformats.org/presentationml/2006/ole">
             <mc:AlternateContent xmlns:mc="http://schemas.openxmlformats.org/markup-compatibility/2006">
               <mc:Choice xmlns:v="urn:schemas-microsoft-com:vml" Requires="v">
-                <p:oleObj spid="_x0000_s1070" name="think-cell Slide" r:id="rId16" imgW="416" imgH="416" progId="TCLayout.ActiveDocument.1">
+                <p:oleObj spid="_x0000_s1075" name="think-cell Slide" r:id="rId16" imgW="416" imgH="416" progId="TCLayout.ActiveDocument.1">
                   <p:embed/>
                 </p:oleObj>
               </mc:Choice>
@@ -10958,7 +10957,7 @@
           <a:p>
             <a:fld id="{CB9F8517-1271-4F8B-9742-ECB8BBF22693}" type="datetimeFigureOut">
               <a:rPr lang="en-US" smtClean="0"/>
-              <a:t>3/30/2022</a:t>
+              <a:t>4/1/2022</a:t>
             </a:fld>
             <a:endParaRPr lang="en-US"/>
           </a:p>
@@ -11394,7 +11393,7 @@
           <a:graphicData uri="http://schemas.openxmlformats.org/presentationml/2006/ole">
             <mc:AlternateContent xmlns:mc="http://schemas.openxmlformats.org/markup-compatibility/2006">
               <mc:Choice xmlns:v="urn:schemas-microsoft-com:vml" Requires="v">
-                <p:oleObj spid="_x0000_s31778" name="think-cell Slide" r:id="rId10" imgW="216" imgH="216" progId="TCLayout.ActiveDocument.1">
+                <p:oleObj spid="_x0000_s31783" name="think-cell Slide" r:id="rId10" imgW="216" imgH="216" progId="TCLayout.ActiveDocument.1">
                   <p:embed/>
                 </p:oleObj>
               </mc:Choice>
@@ -11514,7 +11513,7 @@
           <p:cNvPr id="10" name="Straight Connector 9">
             <a:extLst>
               <a:ext uri="{FF2B5EF4-FFF2-40B4-BE49-F238E27FC236}">
-                <a16:creationId xmlns:a16="http://schemas.microsoft.com/office/drawing/2014/main" id="{BB1AA2BE-B537-254D-958A-FBAFDE7E90DC}"/>
+                <a16:creationId xmlns="" xmlns:a16="http://schemas.microsoft.com/office/drawing/2014/main" id="{BB1AA2BE-B537-254D-958A-FBAFDE7E90DC}"/>
               </a:ext>
             </a:extLst>
           </p:cNvPr>
@@ -11557,7 +11556,7 @@
           <p:cNvPr id="15" name="Footer Placeholder 3">
             <a:extLst>
               <a:ext uri="{FF2B5EF4-FFF2-40B4-BE49-F238E27FC236}">
-                <a16:creationId xmlns:a16="http://schemas.microsoft.com/office/drawing/2014/main" id="{DBA440F4-82E0-7E45-8A6F-4A8C7572AEE5}"/>
+                <a16:creationId xmlns="" xmlns:a16="http://schemas.microsoft.com/office/drawing/2014/main" id="{DBA440F4-82E0-7E45-8A6F-4A8C7572AEE5}"/>
               </a:ext>
             </a:extLst>
           </p:cNvPr>
@@ -11616,7 +11615,7 @@
           <p:cNvPr id="16" name="Slide Number Placeholder 5">
             <a:extLst>
               <a:ext uri="{FF2B5EF4-FFF2-40B4-BE49-F238E27FC236}">
-                <a16:creationId xmlns:a16="http://schemas.microsoft.com/office/drawing/2014/main" id="{2D9636C8-FF6B-E141-B9E1-70C7091B23B1}"/>
+                <a16:creationId xmlns="" xmlns:a16="http://schemas.microsoft.com/office/drawing/2014/main" id="{2D9636C8-FF6B-E141-B9E1-70C7091B23B1}"/>
               </a:ext>
             </a:extLst>
           </p:cNvPr>
@@ -11983,7 +11982,7 @@
   </p:txStyles>
   <p:extLst mod="1">
     <p:ext uri="{27BBF7A9-308A-43DC-89C8-2F10F3537804}">
-      <p15:sldGuideLst xmlns:p15="http://schemas.microsoft.com/office/powerpoint/2012/main">
+      <p15:sldGuideLst xmlns="" xmlns:p15="http://schemas.microsoft.com/office/powerpoint/2012/main">
         <p15:guide id="1" orient="horz" pos="2041">
           <p15:clr>
             <a:srgbClr val="F26B43"/>
@@ -12152,7 +12151,7 @@
           <a:graphicData uri="http://schemas.openxmlformats.org/presentationml/2006/ole">
             <mc:AlternateContent xmlns:mc="http://schemas.openxmlformats.org/markup-compatibility/2006">
               <mc:Choice xmlns:v="urn:schemas-microsoft-com:vml" Requires="v">
-                <p:oleObj spid="_x0000_s36899" name="think-cell Slide" r:id="rId10" imgW="216" imgH="216" progId="TCLayout.ActiveDocument.1">
+                <p:oleObj spid="_x0000_s36904" name="think-cell Slide" r:id="rId10" imgW="216" imgH="216" progId="TCLayout.ActiveDocument.1">
                   <p:embed/>
                 </p:oleObj>
               </mc:Choice>
@@ -12272,7 +12271,7 @@
           <p:cNvPr id="10" name="Straight Connector 9">
             <a:extLst>
               <a:ext uri="{FF2B5EF4-FFF2-40B4-BE49-F238E27FC236}">
-                <a16:creationId xmlns:a16="http://schemas.microsoft.com/office/drawing/2014/main" id="{BB1AA2BE-B537-254D-958A-FBAFDE7E90DC}"/>
+                <a16:creationId xmlns="" xmlns:a16="http://schemas.microsoft.com/office/drawing/2014/main" id="{BB1AA2BE-B537-254D-958A-FBAFDE7E90DC}"/>
               </a:ext>
             </a:extLst>
           </p:cNvPr>
@@ -12315,7 +12314,7 @@
           <p:cNvPr id="15" name="Footer Placeholder 3">
             <a:extLst>
               <a:ext uri="{FF2B5EF4-FFF2-40B4-BE49-F238E27FC236}">
-                <a16:creationId xmlns:a16="http://schemas.microsoft.com/office/drawing/2014/main" id="{DBA440F4-82E0-7E45-8A6F-4A8C7572AEE5}"/>
+                <a16:creationId xmlns="" xmlns:a16="http://schemas.microsoft.com/office/drawing/2014/main" id="{DBA440F4-82E0-7E45-8A6F-4A8C7572AEE5}"/>
               </a:ext>
             </a:extLst>
           </p:cNvPr>
@@ -12374,7 +12373,7 @@
           <p:cNvPr id="16" name="Slide Number Placeholder 5">
             <a:extLst>
               <a:ext uri="{FF2B5EF4-FFF2-40B4-BE49-F238E27FC236}">
-                <a16:creationId xmlns:a16="http://schemas.microsoft.com/office/drawing/2014/main" id="{2D9636C8-FF6B-E141-B9E1-70C7091B23B1}"/>
+                <a16:creationId xmlns="" xmlns:a16="http://schemas.microsoft.com/office/drawing/2014/main" id="{2D9636C8-FF6B-E141-B9E1-70C7091B23B1}"/>
               </a:ext>
             </a:extLst>
           </p:cNvPr>
@@ -12741,7 +12740,7 @@
   </p:txStyles>
   <p:extLst mod="1">
     <p:ext uri="{27BBF7A9-308A-43DC-89C8-2F10F3537804}">
-      <p15:sldGuideLst xmlns:p15="http://schemas.microsoft.com/office/powerpoint/2012/main">
+      <p15:sldGuideLst xmlns="" xmlns:p15="http://schemas.microsoft.com/office/powerpoint/2012/main">
         <p15:guide id="1" orient="horz" pos="2041">
           <p15:clr>
             <a:srgbClr val="F26B43"/>
@@ -12892,7 +12891,7 @@
             </p:custDataLst>
             <p:extLst>
               <p:ext uri="{D42A27DB-BD31-4B8C-83A1-F6EECF244321}">
-                <p14:modId xmlns:p14="http://schemas.microsoft.com/office/powerpoint/2010/main" val="3792215705"/>
+                <p14:modId xmlns:p14="http://schemas.microsoft.com/office/powerpoint/2010/main" val="757425751"/>
               </p:ext>
             </p:extLst>
           </p:nvPr>
@@ -12905,7 +12904,7 @@
           <a:graphicData uri="http://schemas.openxmlformats.org/presentationml/2006/ole">
             <mc:AlternateContent xmlns:mc="http://schemas.openxmlformats.org/markup-compatibility/2006">
               <mc:Choice xmlns:v="urn:schemas-microsoft-com:vml" Requires="v">
-                <p:oleObj spid="_x0000_s18482" name="think-cell Slide" r:id="rId5" imgW="396" imgH="396" progId="TCLayout.ActiveDocument.1">
+                <p:oleObj spid="_x0000_s14390" name="think-cell Slide" r:id="rId5" imgW="396" imgH="396" progId="TCLayout.ActiveDocument.1">
                   <p:embed/>
                 </p:oleObj>
               </mc:Choice>
@@ -12945,7 +12944,7 @@
           <p:cNvPr id="63" name="图片 2">
             <a:extLst>
               <a:ext uri="{FF2B5EF4-FFF2-40B4-BE49-F238E27FC236}">
-                <a16:creationId xmlns:a16="http://schemas.microsoft.com/office/drawing/2014/main" id="{321341A2-5A29-6A47-A5DC-E12071424359}"/>
+                <a16:creationId xmlns="" xmlns:a16="http://schemas.microsoft.com/office/drawing/2014/main" id="{321341A2-5A29-6A47-A5DC-E12071424359}"/>
               </a:ext>
             </a:extLst>
           </p:cNvPr>
@@ -12981,7 +12980,7 @@
           <p:cNvPr id="69" name="矩形 197">
             <a:extLst>
               <a:ext uri="{FF2B5EF4-FFF2-40B4-BE49-F238E27FC236}">
-                <a16:creationId xmlns:a16="http://schemas.microsoft.com/office/drawing/2014/main" id="{A26E02F6-ED45-2E46-B455-D7E64937829D}"/>
+                <a16:creationId xmlns="" xmlns:a16="http://schemas.microsoft.com/office/drawing/2014/main" id="{A26E02F6-ED45-2E46-B455-D7E64937829D}"/>
               </a:ext>
             </a:extLst>
           </p:cNvPr>
@@ -12990,7 +12989,7 @@
         </p:nvSpPr>
         <p:spPr>
           <a:xfrm>
-            <a:off x="-5964" y="-132182"/>
+            <a:off x="-2373" y="-22518"/>
             <a:ext cx="12286148" cy="6857883"/>
           </a:xfrm>
           <a:prstGeom prst="rect">
@@ -13163,7 +13162,7 @@
         <p:spPr>
           <a:xfrm>
             <a:off x="218829" y="1144721"/>
-            <a:ext cx="11769154" cy="5502264"/>
+            <a:ext cx="11769154" cy="5233793"/>
           </a:xfrm>
           <a:prstGeom prst="roundRect">
             <a:avLst>
@@ -13217,8 +13216,8 @@
         </p:nvSpPr>
         <p:spPr>
           <a:xfrm>
-            <a:off x="5010114" y="1977023"/>
-            <a:ext cx="6727334" cy="2105388"/>
+            <a:off x="5010114" y="2392232"/>
+            <a:ext cx="6727334" cy="1523111"/>
           </a:xfrm>
           <a:prstGeom prst="roundRect">
             <a:avLst>
@@ -13270,8 +13269,8 @@
         </p:nvSpPr>
         <p:spPr>
           <a:xfrm>
-            <a:off x="5064633" y="1308126"/>
-            <a:ext cx="3611564" cy="511438"/>
+            <a:off x="5064633" y="1308123"/>
+            <a:ext cx="3611564" cy="898999"/>
           </a:xfrm>
           <a:prstGeom prst="roundRect">
             <a:avLst/>
@@ -13321,8 +13320,8 @@
         </p:nvSpPr>
         <p:spPr>
           <a:xfrm>
-            <a:off x="5096682" y="2117923"/>
-            <a:ext cx="6766034" cy="1645259"/>
+            <a:off x="5102551" y="2493503"/>
+            <a:ext cx="6766034" cy="1462580"/>
           </a:xfrm>
           <a:prstGeom prst="rect">
             <a:avLst/>
@@ -13343,15 +13342,42 @@
               <a:defRPr/>
             </a:pPr>
             <a:r>
-              <a:rPr lang="zh-CN" altLang="en-US" sz="1187" dirty="0">
+              <a:rPr lang="zh-CN" altLang="en-US" sz="1187" dirty="0" smtClean="0">
                 <a:solidFill>
                   <a:srgbClr val="FFFFFF"/>
                 </a:solidFill>
                 <a:cs typeface="+mn-ea"/>
                 <a:sym typeface="+mn-lt"/>
               </a:rPr>
-              <a:t>个性化定制的交车仪式</a:t>
-            </a:r>
+              <a:t>经销商本地</a:t>
+            </a:r>
+            <a:r>
+              <a:rPr lang="en-US" altLang="zh-CN" sz="1187" dirty="0" smtClean="0">
+                <a:solidFill>
+                  <a:srgbClr val="FFFFFF"/>
+                </a:solidFill>
+                <a:cs typeface="+mn-ea"/>
+                <a:sym typeface="+mn-lt"/>
+              </a:rPr>
+              <a:t>D</a:t>
+            </a:r>
+            <a:r>
+              <a:rPr lang="zh-CN" altLang="en-US" sz="1187" dirty="0" smtClean="0">
+                <a:solidFill>
+                  <a:srgbClr val="FFFFFF"/>
+                </a:solidFill>
+                <a:cs typeface="+mn-ea"/>
+                <a:sym typeface="+mn-lt"/>
+              </a:rPr>
+              <a:t>级车展</a:t>
+            </a:r>
+            <a:endParaRPr lang="en-US" altLang="zh-CN" sz="1187" dirty="0" smtClean="0">
+              <a:solidFill>
+                <a:srgbClr val="FFFFFF"/>
+              </a:solidFill>
+              <a:cs typeface="+mn-ea"/>
+              <a:sym typeface="+mn-lt"/>
+            </a:endParaRPr>
           </a:p>
           <a:p>
             <a:pPr marL="171450" indent="-171450" defTabSz="914397">
@@ -13363,15 +13389,32 @@
               <a:defRPr/>
             </a:pPr>
             <a:r>
-              <a:rPr lang="zh-CN" altLang="en-US" sz="1187" dirty="0">
+              <a:rPr lang="zh-CN" altLang="en-US" sz="1187" dirty="0" smtClean="0">
                 <a:solidFill>
                   <a:srgbClr val="FFFFFF"/>
                 </a:solidFill>
                 <a:cs typeface="+mn-ea"/>
                 <a:sym typeface="+mn-lt"/>
               </a:rPr>
-              <a:t>公益活动</a:t>
-            </a:r>
+              <a:t>介绍宾利飞驰，添越，</a:t>
+            </a:r>
+            <a:r>
+              <a:rPr lang="en-US" altLang="zh-CN" sz="1187" dirty="0" smtClean="0">
+                <a:solidFill>
+                  <a:srgbClr val="FFFFFF"/>
+                </a:solidFill>
+                <a:cs typeface="+mn-ea"/>
+                <a:sym typeface="+mn-lt"/>
+              </a:rPr>
+              <a:t>GT</a:t>
+            </a:r>
+            <a:endParaRPr lang="zh-CN" altLang="en-US" sz="1187" dirty="0">
+              <a:solidFill>
+                <a:srgbClr val="FFFFFF"/>
+              </a:solidFill>
+              <a:cs typeface="+mn-ea"/>
+              <a:sym typeface="+mn-lt"/>
+            </a:endParaRPr>
           </a:p>
           <a:p>
             <a:pPr marL="171450" indent="-171450" defTabSz="914397">
@@ -13383,15 +13426,22 @@
               <a:defRPr/>
             </a:pPr>
             <a:r>
-              <a:rPr lang="zh-CN" altLang="en-US" sz="1187" dirty="0">
+              <a:rPr lang="zh-CN" altLang="en-US" sz="1187" dirty="0" smtClean="0">
                 <a:solidFill>
                   <a:srgbClr val="FFFFFF"/>
                 </a:solidFill>
                 <a:cs typeface="+mn-ea"/>
                 <a:sym typeface="+mn-lt"/>
               </a:rPr>
-              <a:t>客户晚宴</a:t>
-            </a:r>
+              <a:t>支持销售</a:t>
+            </a:r>
+            <a:endParaRPr lang="en-US" altLang="zh-CN" sz="1187" dirty="0" smtClean="0">
+              <a:solidFill>
+                <a:srgbClr val="FFFFFF"/>
+              </a:solidFill>
+              <a:cs typeface="+mn-ea"/>
+              <a:sym typeface="+mn-lt"/>
+            </a:endParaRPr>
           </a:p>
           <a:p>
             <a:pPr marL="171450" indent="-171450" defTabSz="914397">
@@ -13403,32 +13453,15 @@
               <a:defRPr/>
             </a:pPr>
             <a:r>
-              <a:rPr lang="zh-CN" altLang="en-US" sz="1187" dirty="0">
+              <a:rPr lang="en-US" altLang="zh-CN" sz="1187" dirty="0" smtClean="0">
                 <a:solidFill>
                   <a:srgbClr val="FFFFFF"/>
                 </a:solidFill>
                 <a:cs typeface="+mn-ea"/>
                 <a:sym typeface="+mn-lt"/>
               </a:rPr>
-              <a:t>生活方式活动如品茶，太极，民族文化体验</a:t>
-            </a:r>
-            <a:r>
-              <a:rPr lang="zh-CN" altLang="en-US" sz="1187" dirty="0" smtClean="0">
-                <a:solidFill>
-                  <a:srgbClr val="FFFFFF"/>
-                </a:solidFill>
-                <a:cs typeface="+mn-ea"/>
-                <a:sym typeface="+mn-lt"/>
-              </a:rPr>
-              <a:t>等</a:t>
-            </a:r>
-            <a:endParaRPr lang="en-US" altLang="zh-CN" sz="1187" dirty="0" smtClean="0">
-              <a:solidFill>
-                <a:srgbClr val="FFFFFF"/>
-              </a:solidFill>
-              <a:cs typeface="+mn-ea"/>
-              <a:sym typeface="+mn-lt"/>
-            </a:endParaRPr>
+              <a:t>--</a:t>
+            </a:r>
           </a:p>
           <a:p>
             <a:pPr marL="171450" indent="-171450" defTabSz="914397">
@@ -13440,6 +13473,61 @@
               <a:defRPr/>
             </a:pPr>
             <a:r>
+              <a:rPr lang="en-US" altLang="zh-CN" sz="1187" dirty="0" smtClean="0">
+                <a:solidFill>
+                  <a:srgbClr val="FFFFFF"/>
+                </a:solidFill>
+                <a:cs typeface="+mn-ea"/>
+                <a:sym typeface="+mn-lt"/>
+              </a:rPr>
+              <a:t>--</a:t>
+            </a:r>
+            <a:endParaRPr lang="zh-CN" altLang="en-US" sz="1187" dirty="0">
+              <a:solidFill>
+                <a:srgbClr val="FFFFFF"/>
+              </a:solidFill>
+              <a:cs typeface="+mn-ea"/>
+              <a:sym typeface="+mn-lt"/>
+            </a:endParaRPr>
+          </a:p>
+        </p:txBody>
+      </p:sp>
+      <p:sp>
+        <p:nvSpPr>
+          <p:cNvPr id="76" name="Rectangle 75"/>
+          <p:cNvSpPr/>
+          <p:nvPr/>
+        </p:nvSpPr>
+        <p:spPr>
+          <a:xfrm>
+            <a:off x="5115760" y="1408157"/>
+            <a:ext cx="2952181" cy="457689"/>
+          </a:xfrm>
+          <a:prstGeom prst="rect">
+            <a:avLst/>
+          </a:prstGeom>
+        </p:spPr>
+        <p:txBody>
+          <a:bodyPr wrap="square">
+            <a:spAutoFit/>
+          </a:bodyPr>
+          <a:lstStyle/>
+          <a:p>
+            <a:pPr marL="171450" indent="-171450" defTabSz="914397">
+              <a:buFont typeface="Arial" panose="020B0604020202020204" pitchFamily="34" charset="0"/>
+              <a:buChar char="•"/>
+            </a:pPr>
+            <a:r>
+              <a:rPr lang="en-US" altLang="zh-CN" sz="1187" dirty="0" smtClean="0">
+                <a:solidFill>
+                  <a:srgbClr val="FFFFFF"/>
+                </a:solidFill>
+                <a:cs typeface="+mn-ea"/>
+                <a:sym typeface="+mn-lt"/>
+              </a:rPr>
+              <a:t>2022</a:t>
+            </a:r>
+            <a:r>
               <a:rPr lang="zh-CN" altLang="en-US" sz="1187" dirty="0" smtClean="0">
                 <a:solidFill>
                   <a:srgbClr val="FFFFFF"/>
@@ -13447,7 +13535,110 @@
                 <a:cs typeface="+mn-ea"/>
                 <a:sym typeface="+mn-lt"/>
               </a:rPr>
-              <a:t>跟某品牌合作 </a:t>
+              <a:t>年</a:t>
+            </a:r>
+            <a:r>
+              <a:rPr lang="en-US" altLang="zh-CN" sz="1187" dirty="0">
+                <a:solidFill>
+                  <a:srgbClr val="FFFFFF"/>
+                </a:solidFill>
+                <a:cs typeface="+mn-ea"/>
+                <a:sym typeface="+mn-lt"/>
+              </a:rPr>
+              <a:t>3</a:t>
+            </a:r>
+            <a:r>
+              <a:rPr lang="zh-CN" altLang="en-US" sz="1187" dirty="0" smtClean="0">
+                <a:solidFill>
+                  <a:srgbClr val="FFFFFF"/>
+                </a:solidFill>
+                <a:cs typeface="+mn-ea"/>
+                <a:sym typeface="+mn-lt"/>
+              </a:rPr>
+              <a:t>月</a:t>
+            </a:r>
+            <a:r>
+              <a:rPr lang="en-US" altLang="zh-CN" sz="1187" dirty="0" smtClean="0">
+                <a:solidFill>
+                  <a:srgbClr val="FFFFFF"/>
+                </a:solidFill>
+                <a:cs typeface="+mn-ea"/>
+                <a:sym typeface="+mn-lt"/>
+              </a:rPr>
+              <a:t>11</a:t>
+            </a:r>
+            <a:r>
+              <a:rPr lang="zh-CN" altLang="en-US" sz="1187" dirty="0" smtClean="0">
+                <a:solidFill>
+                  <a:srgbClr val="FFFFFF"/>
+                </a:solidFill>
+                <a:cs typeface="+mn-ea"/>
+                <a:sym typeface="+mn-lt"/>
+              </a:rPr>
+              <a:t>日</a:t>
+            </a:r>
+            <a:r>
+              <a:rPr lang="en-US" altLang="zh-CN" sz="1187" dirty="0" smtClean="0">
+                <a:solidFill>
+                  <a:srgbClr val="FFFFFF"/>
+                </a:solidFill>
+                <a:cs typeface="+mn-ea"/>
+                <a:sym typeface="+mn-lt"/>
+              </a:rPr>
+              <a:t>-13</a:t>
+            </a:r>
+            <a:r>
+              <a:rPr lang="zh-CN" altLang="en-US" sz="1187" dirty="0" smtClean="0">
+                <a:solidFill>
+                  <a:srgbClr val="FFFFFF"/>
+                </a:solidFill>
+                <a:cs typeface="+mn-ea"/>
+                <a:sym typeface="+mn-lt"/>
+              </a:rPr>
+              <a:t>日</a:t>
+            </a:r>
+            <a:r>
+              <a:rPr lang="zh-CN" altLang="en-US" sz="1187" dirty="0">
+                <a:solidFill>
+                  <a:srgbClr val="FFFFFF"/>
+                </a:solidFill>
+                <a:cs typeface="+mn-ea"/>
+                <a:sym typeface="+mn-lt"/>
+              </a:rPr>
+              <a:t>	绍兴</a:t>
+            </a:r>
+            <a:r>
+              <a:rPr lang="zh-CN" altLang="en-US" sz="1187" dirty="0" smtClean="0">
+                <a:solidFill>
+                  <a:srgbClr val="FFFFFF"/>
+                </a:solidFill>
+                <a:cs typeface="+mn-ea"/>
+                <a:sym typeface="+mn-lt"/>
+              </a:rPr>
+              <a:t>车展</a:t>
+            </a:r>
+            <a:endParaRPr lang="en-US" altLang="zh-CN" sz="1187" dirty="0" smtClean="0">
+              <a:solidFill>
+                <a:srgbClr val="FFFFFF"/>
+              </a:solidFill>
+              <a:cs typeface="+mn-ea"/>
+              <a:sym typeface="+mn-lt"/>
+            </a:endParaRPr>
+          </a:p>
+          <a:p>
+            <a:pPr marL="171450" indent="-171450" defTabSz="914397">
+              <a:buFont typeface="Arial" panose="020B0604020202020204" pitchFamily="34" charset="0"/>
+              <a:buChar char="•"/>
+            </a:pPr>
+            <a:r>
+              <a:rPr lang="zh-CN" altLang="en-US" sz="1187" dirty="0" smtClean="0">
+                <a:solidFill>
+                  <a:srgbClr val="FFFFFF"/>
+                </a:solidFill>
+                <a:cs typeface="+mn-ea"/>
+                <a:sym typeface="+mn-lt"/>
+              </a:rPr>
+              <a:t>经销商 </a:t>
             </a:r>
             <a:r>
               <a:rPr lang="en-US" altLang="zh-CN" sz="1187" dirty="0" smtClean="0">
@@ -13467,22 +13658,8 @@
                 <a:cs typeface="+mn-ea"/>
                 <a:sym typeface="+mn-lt"/>
               </a:rPr>
-              <a:t>展车，</a:t>
-            </a:r>
-            <a:endParaRPr lang="en-US" altLang="zh-CN" sz="1187" dirty="0" smtClean="0">
-              <a:solidFill>
-                <a:srgbClr val="FFFFFF"/>
-              </a:solidFill>
-              <a:cs typeface="+mn-ea"/>
-              <a:sym typeface="+mn-lt"/>
-            </a:endParaRPr>
-          </a:p>
-          <a:p>
-            <a:pPr marL="171450" indent="-171450" defTabSz="914397">
-              <a:buFont typeface="Arial" panose="020B0604020202020204" pitchFamily="34" charset="0"/>
-              <a:buChar char="•"/>
-              <a:defRPr/>
-            </a:pPr>
+              <a:t>宾利杭州西湖</a:t>
+            </a:r>
             <a:endParaRPr lang="zh-CN" altLang="en-US" sz="1187" dirty="0">
               <a:solidFill>
                 <a:srgbClr val="FFFFFF"/>
@@ -13501,8 +13678,8 @@
         </p:nvSpPr>
         <p:spPr>
           <a:xfrm>
-            <a:off x="5006128" y="4292866"/>
-            <a:ext cx="6731322" cy="2218465"/>
+            <a:off x="5006128" y="4073022"/>
+            <a:ext cx="6731322" cy="2088781"/>
           </a:xfrm>
           <a:prstGeom prst="roundRect">
             <a:avLst>
@@ -13554,8 +13731,8 @@
         </p:nvSpPr>
         <p:spPr>
           <a:xfrm>
-            <a:off x="8788043" y="1305970"/>
-            <a:ext cx="2961098" cy="522345"/>
+            <a:off x="8788043" y="1305969"/>
+            <a:ext cx="2961098" cy="901153"/>
           </a:xfrm>
           <a:prstGeom prst="roundRect">
             <a:avLst>
@@ -13607,8 +13784,8 @@
         </p:nvSpPr>
         <p:spPr>
           <a:xfrm>
-            <a:off x="5070387" y="4407752"/>
-            <a:ext cx="6884199" cy="914481"/>
+            <a:off x="5096682" y="4134536"/>
+            <a:ext cx="6884199" cy="2010679"/>
           </a:xfrm>
           <a:prstGeom prst="rect">
             <a:avLst/>
@@ -13634,7 +13811,67 @@
                 <a:cs typeface="+mn-ea"/>
                 <a:sym typeface="+mn-lt"/>
               </a:rPr>
-              <a:t>健康愉悦：提供客户独特的生活方式体验如太极、品茶、冥想等</a:t>
+              <a:t>健康愉悦：</a:t>
+            </a:r>
+            <a:r>
+              <a:rPr lang="en-US" sz="1187" dirty="0">
+                <a:solidFill>
+                  <a:srgbClr val="FFFFFF"/>
+                </a:solidFill>
+                <a:cs typeface="+mn-ea"/>
+                <a:sym typeface="+mn-lt"/>
+              </a:rPr>
+              <a:t> </a:t>
+            </a:r>
+          </a:p>
+          <a:p>
+            <a:pPr marL="171450" indent="-171450" defTabSz="914397">
+              <a:lnSpc>
+                <a:spcPct val="150000"/>
+              </a:lnSpc>
+              <a:buFont typeface="Arial" panose="020B0604020202020204" pitchFamily="34" charset="0"/>
+              <a:buChar char="•"/>
+              <a:defRPr/>
+            </a:pPr>
+            <a:r>
+              <a:rPr lang="zh-CN" altLang="en-US" sz="1187" dirty="0">
+                <a:solidFill>
+                  <a:srgbClr val="FFFFFF"/>
+                </a:solidFill>
+                <a:cs typeface="+mn-ea"/>
+                <a:sym typeface="+mn-lt"/>
+              </a:rPr>
+              <a:t>通过新车型沟通健康愉悦</a:t>
+            </a:r>
+            <a:r>
+              <a:rPr lang="en-US" sz="1187" dirty="0">
+                <a:solidFill>
+                  <a:srgbClr val="FFFFFF"/>
+                </a:solidFill>
+                <a:cs typeface="+mn-ea"/>
+                <a:sym typeface="+mn-lt"/>
+              </a:rPr>
+              <a:t> </a:t>
+            </a:r>
+          </a:p>
+          <a:p>
+            <a:pPr marL="171450" indent="-171450" defTabSz="914397">
+              <a:lnSpc>
+                <a:spcPct val="150000"/>
+              </a:lnSpc>
+              <a:buFont typeface="Arial" panose="020B0604020202020204" pitchFamily="34" charset="0"/>
+              <a:buChar char="•"/>
+              <a:defRPr/>
+            </a:pPr>
+            <a:r>
+              <a:rPr lang="zh-CN" altLang="en-US" sz="1187" dirty="0">
+                <a:solidFill>
+                  <a:srgbClr val="FFFFFF"/>
+                </a:solidFill>
+                <a:cs typeface="+mn-ea"/>
+                <a:sym typeface="+mn-lt"/>
+              </a:rPr>
+              <a:t>提供目标受众欣赏新车型的机会</a:t>
             </a:r>
             <a:endParaRPr lang="en-US" sz="1187" dirty="0">
               <a:solidFill>
@@ -13652,6 +13889,16 @@
               <a:defRPr/>
             </a:pPr>
             <a:r>
+              <a:rPr lang="en-US" sz="1187" dirty="0">
+                <a:solidFill>
+                  <a:srgbClr val="FFFFFF"/>
+                </a:solidFill>
+                <a:cs typeface="+mn-ea"/>
+                <a:sym typeface="+mn-lt"/>
+              </a:rPr>
+              <a:t>No.1 </a:t>
+            </a:r>
+            <a:r>
               <a:rPr lang="zh-CN" altLang="en-US" sz="1187" dirty="0">
                 <a:solidFill>
                   <a:srgbClr val="FFFFFF"/>
@@ -13659,7 +13906,42 @@
                 <a:cs typeface="+mn-ea"/>
                 <a:sym typeface="+mn-lt"/>
               </a:rPr>
-              <a:t>独特旅行：提供带有可持续理念和创新的精品酒店及特色餐饮，邀请艺术家提供讲座</a:t>
+              <a:t>调情：客户可以带领儿童前往宾利展台</a:t>
+            </a:r>
+            <a:endParaRPr lang="en-US" altLang="zh-CN" sz="1187" dirty="0">
+              <a:solidFill>
+                <a:srgbClr val="FFFFFF"/>
+              </a:solidFill>
+              <a:cs typeface="+mn-ea"/>
+              <a:sym typeface="+mn-lt"/>
+            </a:endParaRPr>
+          </a:p>
+          <a:p>
+            <a:pPr defTabSz="914397">
+              <a:lnSpc>
+                <a:spcPct val="150000"/>
+              </a:lnSpc>
+              <a:defRPr/>
+            </a:pPr>
+            <a:r>
+              <a:rPr lang="en-US" sz="1187" dirty="0">
+                <a:solidFill>
+                  <a:srgbClr val="FFFFFF"/>
+                </a:solidFill>
+                <a:cs typeface="+mn-ea"/>
+                <a:sym typeface="+mn-lt"/>
+              </a:rPr>
+              <a:t>No.2 </a:t>
+            </a:r>
+            <a:r>
+              <a:rPr lang="zh-CN" altLang="en-US" sz="1187" dirty="0">
+                <a:solidFill>
+                  <a:srgbClr val="FFFFFF"/>
+                </a:solidFill>
+                <a:cs typeface="+mn-ea"/>
+                <a:sym typeface="+mn-lt"/>
+              </a:rPr>
+              <a:t>初次约会：经销商可以邀请潜在客户现场品鉴车辆</a:t>
             </a:r>
             <a:endParaRPr lang="en-US" sz="1187" dirty="0">
               <a:solidFill>
@@ -13677,14 +13959,14 @@
               <a:defRPr/>
             </a:pPr>
             <a:r>
-              <a:rPr lang="en-US" sz="1187" dirty="0" smtClean="0">
+              <a:rPr lang="en-US" sz="1187" dirty="0">
                 <a:solidFill>
                   <a:srgbClr val="FFFFFF"/>
                 </a:solidFill>
                 <a:cs typeface="+mn-ea"/>
                 <a:sym typeface="+mn-lt"/>
               </a:rPr>
-              <a:t>No.5 </a:t>
+              <a:t>No.8 </a:t>
             </a:r>
             <a:r>
               <a:rPr lang="zh-CN" altLang="en-US" sz="1187" dirty="0">
@@ -13694,28 +13976,106 @@
                 <a:cs typeface="+mn-ea"/>
                 <a:sym typeface="+mn-lt"/>
               </a:rPr>
-              <a:t>婚礼仪式：提供定制化的交车</a:t>
-            </a:r>
-            <a:r>
-              <a:rPr lang="zh-CN" altLang="en-US" sz="1187" dirty="0" smtClean="0">
+              <a:t>分享甜蜜：提供忠实客户车展参观机会作为回馈</a:t>
+            </a:r>
+            <a:endParaRPr lang="en-US" sz="1187" dirty="0">
+              <a:solidFill>
+                <a:srgbClr val="FFFFFF"/>
+              </a:solidFill>
+              <a:cs typeface="+mn-ea"/>
+              <a:sym typeface="+mn-lt"/>
+            </a:endParaRPr>
+          </a:p>
+          <a:p>
+            <a:pPr defTabSz="914397">
+              <a:lnSpc>
+                <a:spcPct val="150000"/>
+              </a:lnSpc>
+              <a:defRPr/>
+            </a:pPr>
+            <a:r>
+              <a:rPr lang="en-US" sz="1187" dirty="0">
                 <a:solidFill>
                   <a:srgbClr val="FFFFFF"/>
                 </a:solidFill>
                 <a:cs typeface="+mn-ea"/>
                 <a:sym typeface="+mn-lt"/>
               </a:rPr>
-              <a:t>仪式</a:t>
-            </a:r>
-            <a:endParaRPr lang="en-US" altLang="zh-CN" sz="1187" dirty="0">
-              <a:solidFill>
-                <a:srgbClr val="FFFFFF"/>
-              </a:solidFill>
-              <a:cs typeface="+mn-ea"/>
-              <a:sym typeface="+mn-lt"/>
-            </a:endParaRPr>
+              <a:t>No.9 </a:t>
+            </a:r>
+            <a:r>
+              <a:rPr lang="zh-CN" altLang="en-US" sz="1187" dirty="0">
+                <a:solidFill>
+                  <a:srgbClr val="FFFFFF"/>
+                </a:solidFill>
+                <a:cs typeface="+mn-ea"/>
+                <a:sym typeface="+mn-lt"/>
+              </a:rPr>
+              <a:t>重燃爱火：为现有客户提供具有吸引力的产品体验机会</a:t>
+            </a:r>
           </a:p>
         </p:txBody>
       </p:sp>
+      <p:pic>
+        <p:nvPicPr>
+          <p:cNvPr id="32" name="Picture 31"/>
+          <p:cNvPicPr>
+            <a:picLocks noChangeAspect="1"/>
+          </p:cNvPicPr>
+          <p:nvPr/>
+        </p:nvPicPr>
+        <p:blipFill>
+          <a:blip r:embed="rId8" cstate="email">
+            <a:extLst>
+              <a:ext uri="{28A0092B-C50C-407E-A947-70E740481C1C}">
+                <a14:useLocalDpi xmlns:a14="http://schemas.microsoft.com/office/drawing/2010/main"/>
+              </a:ext>
+            </a:extLst>
+          </a:blip>
+          <a:stretch>
+            <a:fillRect/>
+          </a:stretch>
+        </p:blipFill>
+        <p:spPr>
+          <a:xfrm>
+            <a:off x="484133" y="1408157"/>
+            <a:ext cx="4340379" cy="2405059"/>
+          </a:xfrm>
+          <a:prstGeom prst="rect">
+            <a:avLst/>
+          </a:prstGeom>
+        </p:spPr>
+      </p:pic>
+      <p:pic>
+        <p:nvPicPr>
+          <p:cNvPr id="33" name="Picture 32"/>
+          <p:cNvPicPr>
+            <a:picLocks noChangeAspect="1"/>
+          </p:cNvPicPr>
+          <p:nvPr/>
+        </p:nvPicPr>
+        <p:blipFill>
+          <a:blip r:embed="rId9" cstate="email">
+            <a:extLst>
+              <a:ext uri="{28A0092B-C50C-407E-A947-70E740481C1C}">
+                <a14:useLocalDpi xmlns:a14="http://schemas.microsoft.com/office/drawing/2010/main"/>
+              </a:ext>
+            </a:extLst>
+          </a:blip>
+          <a:stretch>
+            <a:fillRect/>
+          </a:stretch>
+        </p:blipFill>
+        <p:spPr>
+          <a:xfrm>
+            <a:off x="484133" y="3916712"/>
+            <a:ext cx="4355304" cy="2171637"/>
+          </a:xfrm>
+          <a:prstGeom prst="rect">
+            <a:avLst/>
+          </a:prstGeom>
+        </p:spPr>
+      </p:pic>
       <p:sp>
         <p:nvSpPr>
           <p:cNvPr id="34" name="TextBox 33"/>
@@ -13724,7 +14084,7 @@
         </p:nvSpPr>
         <p:spPr>
           <a:xfrm>
-            <a:off x="10526739" y="1348033"/>
+            <a:off x="10556382" y="1416352"/>
             <a:ext cx="2238793" cy="275012"/>
           </a:xfrm>
           <a:prstGeom prst="rect">
@@ -13733,7 +14093,7 @@
           <a:noFill/>
         </p:spPr>
         <p:txBody>
-          <a:bodyPr wrap="square" lIns="85449" rIns="85449" rtlCol="0" anchor="ctr">
+          <a:bodyPr wrap="square" lIns="85449" rIns="85449" rtlCol="0">
             <a:spAutoFit/>
           </a:bodyPr>
           <a:lstStyle/>
@@ -13750,6 +14110,51 @@
                 <a:sym typeface="+mn-lt"/>
               </a:rPr>
               <a:t>车主</a:t>
+            </a:r>
+            <a:endParaRPr lang="en-US" sz="1187" dirty="0">
+              <a:solidFill>
+                <a:srgbClr val="FFFFFF"/>
+              </a:solidFill>
+              <a:cs typeface="+mn-ea"/>
+              <a:sym typeface="+mn-lt"/>
+            </a:endParaRPr>
+          </a:p>
+        </p:txBody>
+      </p:sp>
+      <p:sp>
+        <p:nvSpPr>
+          <p:cNvPr id="35" name="TextBox 34"/>
+          <p:cNvSpPr txBox="1"/>
+          <p:nvPr/>
+        </p:nvSpPr>
+        <p:spPr>
+          <a:xfrm>
+            <a:off x="9045215" y="1660560"/>
+            <a:ext cx="1170417" cy="275012"/>
+          </a:xfrm>
+          <a:prstGeom prst="rect">
+            <a:avLst/>
+          </a:prstGeom>
+          <a:noFill/>
+        </p:spPr>
+        <p:txBody>
+          <a:bodyPr wrap="square" lIns="85449" rIns="85449" rtlCol="0">
+            <a:spAutoFit/>
+          </a:bodyPr>
+          <a:lstStyle/>
+          <a:p>
+            <a:pPr defTabSz="914397">
+              <a:defRPr/>
+            </a:pPr>
+            <a:r>
+              <a:rPr lang="zh-CN" altLang="en-US" sz="1187" dirty="0">
+                <a:solidFill>
+                  <a:srgbClr val="FFFFFF"/>
+                </a:solidFill>
+                <a:cs typeface="+mn-ea"/>
+                <a:sym typeface="+mn-lt"/>
+              </a:rPr>
+              <a:t>潜在客户</a:t>
             </a:r>
             <a:endParaRPr lang="en-US" sz="1187" dirty="0">
               <a:solidFill>
@@ -13771,7 +14176,7 @@
         </p:nvSpPr>
         <p:spPr>
           <a:xfrm>
-            <a:off x="10444153" y="1419042"/>
+            <a:off x="10473796" y="1526461"/>
             <a:ext cx="71999" cy="71999"/>
           </a:xfrm>
           <a:prstGeom prst="rect">
@@ -13794,7 +14199,7 @@
           </a:ln>
         </p:spPr>
         <p:txBody>
-          <a:bodyPr wrap="square" lIns="85449" rIns="85449" rtlCol="0" anchor="ctr">
+          <a:bodyPr wrap="square" lIns="85449" rIns="85449" rtlCol="0" anchor="t">
             <a:prstTxWarp prst="textNoShape">
               <a:avLst/>
             </a:prstTxWarp>
@@ -13823,7 +14228,7 @@
         </p:nvSpPr>
         <p:spPr>
           <a:xfrm>
-            <a:off x="9054505" y="1355552"/>
+            <a:off x="9045213" y="1416352"/>
             <a:ext cx="1337438" cy="275012"/>
           </a:xfrm>
           <a:prstGeom prst="rect">
@@ -13832,7 +14237,7 @@
           <a:noFill/>
         </p:spPr>
         <p:txBody>
-          <a:bodyPr wrap="square" lIns="85449" rIns="85449" rtlCol="0" anchor="ctr">
+          <a:bodyPr wrap="square" lIns="85449" rIns="85449" rtlCol="0">
             <a:spAutoFit/>
           </a:bodyPr>
           <a:lstStyle/>
@@ -13870,7 +14275,7 @@
         </p:nvSpPr>
         <p:spPr>
           <a:xfrm>
-            <a:off x="8924660" y="1437914"/>
+            <a:off x="8916558" y="1526461"/>
             <a:ext cx="71999" cy="71999"/>
           </a:xfrm>
           <a:prstGeom prst="rect">
@@ -13893,7 +14298,7 @@
           </a:ln>
         </p:spPr>
         <p:txBody>
-          <a:bodyPr wrap="square" lIns="85449" rIns="85449" rtlCol="0" anchor="ctr">
+          <a:bodyPr wrap="square" lIns="85449" rIns="85449" rtlCol="0" anchor="t">
             <a:prstTxWarp prst="textNoShape">
               <a:avLst/>
             </a:prstTxWarp>
@@ -13916,190 +14321,7 @@
       </p:sp>
       <p:sp>
         <p:nvSpPr>
-          <p:cNvPr id="41" name="Rectangle 40"/>
-          <p:cNvSpPr/>
-          <p:nvPr/>
-        </p:nvSpPr>
-        <p:spPr>
-          <a:xfrm>
-            <a:off x="5096682" y="1344708"/>
-            <a:ext cx="3203192" cy="457689"/>
-          </a:xfrm>
-          <a:prstGeom prst="rect">
-            <a:avLst/>
-          </a:prstGeom>
-        </p:spPr>
-        <p:txBody>
-          <a:bodyPr wrap="square">
-            <a:spAutoFit/>
-          </a:bodyPr>
-          <a:lstStyle/>
-          <a:p>
-            <a:pPr marL="171450" indent="-171450" defTabSz="914397">
-              <a:buFont typeface="Arial" panose="020B0604020202020204" pitchFamily="34" charset="0"/>
-              <a:buChar char="•"/>
-            </a:pPr>
-            <a:r>
-              <a:rPr lang="en-US" altLang="zh-CN" sz="1187" dirty="0" smtClean="0">
-                <a:solidFill>
-                  <a:srgbClr val="FFFFFF"/>
-                </a:solidFill>
-                <a:cs typeface="+mn-ea"/>
-                <a:sym typeface="+mn-lt"/>
-              </a:rPr>
-              <a:t>2022</a:t>
-            </a:r>
-            <a:r>
-              <a:rPr lang="zh-CN" altLang="en-US" sz="1187" dirty="0" smtClean="0">
-                <a:solidFill>
-                  <a:srgbClr val="FFFFFF"/>
-                </a:solidFill>
-                <a:cs typeface="+mn-ea"/>
-                <a:sym typeface="+mn-lt"/>
-              </a:rPr>
-              <a:t>年</a:t>
-            </a:r>
-            <a:r>
-              <a:rPr lang="en-US" altLang="zh-CN" sz="1187" dirty="0" smtClean="0">
-                <a:solidFill>
-                  <a:srgbClr val="FFFFFF"/>
-                </a:solidFill>
-                <a:cs typeface="+mn-ea"/>
-                <a:sym typeface="+mn-lt"/>
-              </a:rPr>
-              <a:t>4</a:t>
-            </a:r>
-            <a:r>
-              <a:rPr lang="zh-CN" altLang="en-US" sz="1187" dirty="0" smtClean="0">
-                <a:solidFill>
-                  <a:srgbClr val="FFFFFF"/>
-                </a:solidFill>
-                <a:cs typeface="+mn-ea"/>
-                <a:sym typeface="+mn-lt"/>
-              </a:rPr>
-              <a:t>月</a:t>
-            </a:r>
-            <a:r>
-              <a:rPr lang="en-US" altLang="zh-CN" sz="1187" dirty="0" smtClean="0">
-                <a:solidFill>
-                  <a:srgbClr val="FFFFFF"/>
-                </a:solidFill>
-                <a:cs typeface="+mn-ea"/>
-                <a:sym typeface="+mn-lt"/>
-              </a:rPr>
-              <a:t>10</a:t>
-            </a:r>
-            <a:r>
-              <a:rPr lang="zh-CN" altLang="en-US" sz="1187" dirty="0" smtClean="0">
-                <a:solidFill>
-                  <a:srgbClr val="FFFFFF"/>
-                </a:solidFill>
-                <a:cs typeface="+mn-ea"/>
-                <a:sym typeface="+mn-lt"/>
-              </a:rPr>
-              <a:t>日</a:t>
-            </a:r>
-            <a:endParaRPr lang="en-US" altLang="zh-CN" sz="1187" dirty="0">
-              <a:solidFill>
-                <a:srgbClr val="FFFFFF"/>
-              </a:solidFill>
-              <a:cs typeface="+mn-ea"/>
-              <a:sym typeface="+mn-lt"/>
-            </a:endParaRPr>
-          </a:p>
-          <a:p>
-            <a:pPr marL="171450" indent="-171450" defTabSz="914397">
-              <a:buFont typeface="Arial" panose="020B0604020202020204" pitchFamily="34" charset="0"/>
-              <a:buChar char="•"/>
-            </a:pPr>
-            <a:r>
-              <a:rPr lang="zh-CN" altLang="en-US" sz="1187" dirty="0">
-                <a:solidFill>
-                  <a:srgbClr val="FFFFFF"/>
-                </a:solidFill>
-                <a:cs typeface="+mn-ea"/>
-                <a:sym typeface="+mn-lt"/>
-              </a:rPr>
-              <a:t>宾</a:t>
-            </a:r>
-            <a:r>
-              <a:rPr lang="zh-CN" altLang="en-US" sz="1187" dirty="0" smtClean="0">
-                <a:solidFill>
-                  <a:srgbClr val="FFFFFF"/>
-                </a:solidFill>
-                <a:cs typeface="+mn-ea"/>
-                <a:sym typeface="+mn-lt"/>
-              </a:rPr>
-              <a:t>利</a:t>
-            </a:r>
-            <a:r>
-              <a:rPr lang="en-US" altLang="zh-CN" sz="1187" dirty="0" smtClean="0">
-                <a:solidFill>
-                  <a:srgbClr val="FFFFFF"/>
-                </a:solidFill>
-                <a:cs typeface="+mn-ea"/>
-                <a:sym typeface="+mn-lt"/>
-              </a:rPr>
-              <a:t>XXXX</a:t>
-            </a:r>
-            <a:endParaRPr lang="en-US" altLang="zh-CN" sz="1187" dirty="0">
-              <a:solidFill>
-                <a:srgbClr val="FFFFFF"/>
-              </a:solidFill>
-              <a:cs typeface="+mn-ea"/>
-              <a:sym typeface="+mn-lt"/>
-            </a:endParaRPr>
-          </a:p>
-        </p:txBody>
-      </p:sp>
-      <p:sp>
-        <p:nvSpPr>
-          <p:cNvPr id="28" name="TextBox 27"/>
-          <p:cNvSpPr txBox="1"/>
-          <p:nvPr/>
-        </p:nvSpPr>
-        <p:spPr>
-          <a:xfrm>
-            <a:off x="9053317" y="1550806"/>
-            <a:ext cx="1170417" cy="275012"/>
-          </a:xfrm>
-          <a:prstGeom prst="rect">
-            <a:avLst/>
-          </a:prstGeom>
-          <a:noFill/>
-        </p:spPr>
-        <p:txBody>
-          <a:bodyPr wrap="square" lIns="85449" rIns="85449" rtlCol="0">
-            <a:spAutoFit/>
-          </a:bodyPr>
-          <a:lstStyle/>
-          <a:p>
-            <a:pPr defTabSz="914397">
-              <a:defRPr/>
-            </a:pPr>
-            <a:r>
-              <a:rPr lang="zh-CN" altLang="en-US" sz="1187" dirty="0">
-                <a:solidFill>
-                  <a:srgbClr val="FFFFFF"/>
-                </a:solidFill>
-                <a:cs typeface="+mn-ea"/>
-                <a:sym typeface="+mn-lt"/>
-              </a:rPr>
-              <a:t>潜在客户</a:t>
-            </a:r>
-            <a:endParaRPr lang="en-US" sz="1187" dirty="0">
-              <a:solidFill>
-                <a:srgbClr val="FFFFFF"/>
-              </a:solidFill>
-              <a:cs typeface="+mn-ea"/>
-              <a:sym typeface="+mn-lt"/>
-            </a:endParaRPr>
-          </a:p>
-        </p:txBody>
-      </p:sp>
-      <p:sp>
-        <p:nvSpPr>
-          <p:cNvPr id="29" name="Rectangle 28"/>
+          <p:cNvPr id="49" name="Rectangle 48"/>
           <p:cNvSpPr>
             <a:spLocks/>
           </p:cNvSpPr>
@@ -14107,7 +14329,7 @@
         </p:nvSpPr>
         <p:spPr>
           <a:xfrm>
-            <a:off x="8924660" y="1651479"/>
+            <a:off x="8916558" y="1770670"/>
             <a:ext cx="71999" cy="71999"/>
           </a:xfrm>
           <a:prstGeom prst="rect">
@@ -14151,13 +14373,13 @@
       </p:sp>
       <p:sp>
         <p:nvSpPr>
-          <p:cNvPr id="30" name="TextBox 29"/>
+          <p:cNvPr id="50" name="TextBox 49"/>
           <p:cNvSpPr txBox="1"/>
           <p:nvPr/>
         </p:nvSpPr>
         <p:spPr>
           <a:xfrm>
-            <a:off x="10548013" y="1541370"/>
+            <a:off x="10580129" y="1660560"/>
             <a:ext cx="2225176" cy="275012"/>
           </a:xfrm>
           <a:prstGeom prst="rect">
@@ -14175,14 +14397,14 @@
               <a:defRPr/>
             </a:pPr>
             <a:r>
-              <a:rPr lang="zh-CN" altLang="en-US" sz="1187" dirty="0">
+              <a:rPr lang="zh-CN" altLang="en-US" sz="1187" dirty="0" smtClean="0">
                 <a:solidFill>
                   <a:srgbClr val="FFFFFF"/>
                 </a:solidFill>
                 <a:cs typeface="+mn-ea"/>
                 <a:sym typeface="+mn-lt"/>
               </a:rPr>
-              <a:t>媒体</a:t>
+              <a:t>品牌粉丝</a:t>
             </a:r>
             <a:endParaRPr lang="en-US" sz="1187" dirty="0">
               <a:solidFill>
@@ -14196,7 +14418,7 @@
       </p:sp>
       <p:sp>
         <p:nvSpPr>
-          <p:cNvPr id="31" name="Rectangle 30"/>
+          <p:cNvPr id="51" name="Rectangle 50"/>
           <p:cNvSpPr>
             <a:spLocks/>
           </p:cNvSpPr>
@@ -14204,14 +14426,14 @@
         </p:nvSpPr>
         <p:spPr>
           <a:xfrm>
-            <a:off x="10446530" y="1642043"/>
+            <a:off x="10473521" y="1770670"/>
             <a:ext cx="71999" cy="71999"/>
           </a:xfrm>
           <a:prstGeom prst="rect">
             <a:avLst/>
           </a:prstGeom>
           <a:solidFill>
-            <a:schemeClr val="accent2"/>
+            <a:srgbClr val="A49E92"/>
           </a:solidFill>
           <a:ln w="6350" cmpd="sng">
             <a:solidFill>
@@ -14246,155 +14468,106 @@
           </a:p>
         </p:txBody>
       </p:sp>
-      <p:pic>
-        <p:nvPicPr>
-          <p:cNvPr id="32" name="Picture 31"/>
-          <p:cNvPicPr>
-            <a:picLocks noChangeAspect="1"/>
-          </p:cNvPicPr>
+      <p:sp>
+        <p:nvSpPr>
+          <p:cNvPr id="55" name="TextBox 54"/>
+          <p:cNvSpPr txBox="1"/>
           <p:nvPr/>
-        </p:nvPicPr>
-        <p:blipFill rotWithShape="1">
-          <a:blip r:embed="rId8" cstate="email">
-            <a:extLst>
-              <a:ext uri="{28A0092B-C50C-407E-A947-70E740481C1C}">
-                <a14:useLocalDpi xmlns:a14="http://schemas.microsoft.com/office/drawing/2010/main"/>
-              </a:ext>
-            </a:extLst>
-          </a:blip>
-          <a:srcRect l="12632" t="12029" r="8974" b="11943"/>
-          <a:stretch/>
-        </p:blipFill>
+        </p:nvSpPr>
         <p:spPr>
           <a:xfrm>
-            <a:off x="460442" y="1335389"/>
-            <a:ext cx="4376721" cy="1961371"/>
+            <a:off x="9065432" y="1915025"/>
+            <a:ext cx="2225176" cy="275012"/>
           </a:xfrm>
           <a:prstGeom prst="rect">
             <a:avLst/>
           </a:prstGeom>
-          <a:effectLst>
-            <a:outerShdw blurRad="50800" dist="38100" dir="2700000" algn="tl" rotWithShape="0">
-              <a:prstClr val="black">
-                <a:alpha val="40000"/>
-              </a:prstClr>
-            </a:outerShdw>
-          </a:effectLst>
+          <a:noFill/>
         </p:spPr>
-      </p:pic>
-      <p:pic>
-        <p:nvPicPr>
-          <p:cNvPr id="33" name="Picture 32"/>
-          <p:cNvPicPr>
-            <a:picLocks noChangeAspect="1"/>
-          </p:cNvPicPr>
+        <p:txBody>
+          <a:bodyPr wrap="square" lIns="85449" rIns="85449" rtlCol="0">
+            <a:spAutoFit/>
+          </a:bodyPr>
+          <a:lstStyle/>
+          <a:p>
+            <a:pPr defTabSz="914397">
+              <a:defRPr/>
+            </a:pPr>
+            <a:r>
+              <a:rPr lang="zh-CN" altLang="en-US" sz="1187" dirty="0">
+                <a:solidFill>
+                  <a:srgbClr val="FFFFFF"/>
+                </a:solidFill>
+                <a:cs typeface="+mn-ea"/>
+                <a:sym typeface="+mn-lt"/>
+              </a:rPr>
+              <a:t>媒体</a:t>
+            </a:r>
+            <a:endParaRPr lang="en-US" sz="1187" dirty="0">
+              <a:solidFill>
+                <a:srgbClr val="FFFFFF"/>
+              </a:solidFill>
+              <a:cs typeface="+mn-ea"/>
+              <a:sym typeface="+mn-lt"/>
+            </a:endParaRPr>
+          </a:p>
+        </p:txBody>
+      </p:sp>
+      <p:sp>
+        <p:nvSpPr>
+          <p:cNvPr id="56" name="Rectangle 55"/>
+          <p:cNvSpPr>
+            <a:spLocks/>
+          </p:cNvSpPr>
           <p:nvPr/>
-        </p:nvPicPr>
-        <p:blipFill rotWithShape="1">
-          <a:blip r:embed="rId9" cstate="email">
-            <a:extLst>
-              <a:ext uri="{28A0092B-C50C-407E-A947-70E740481C1C}">
-                <a14:useLocalDpi xmlns:a14="http://schemas.microsoft.com/office/drawing/2010/main"/>
-              </a:ext>
-            </a:extLst>
-          </a:blip>
-          <a:srcRect t="14243"/>
-          <a:stretch/>
-        </p:blipFill>
+        </p:nvSpPr>
         <p:spPr>
           <a:xfrm>
-            <a:off x="476039" y="5089870"/>
-            <a:ext cx="2280644" cy="1303867"/>
+            <a:off x="8923179" y="2019745"/>
+            <a:ext cx="71999" cy="71999"/>
           </a:xfrm>
           <a:prstGeom prst="rect">
             <a:avLst/>
           </a:prstGeom>
-          <a:effectLst>
-            <a:outerShdw blurRad="50800" dist="38100" dir="2700000" algn="tl" rotWithShape="0">
-              <a:prstClr val="black">
-                <a:alpha val="40000"/>
-              </a:prstClr>
-            </a:outerShdw>
-          </a:effectLst>
+          <a:solidFill>
+            <a:srgbClr val="A49E92"/>
+          </a:solidFill>
+          <a:ln w="6350" cmpd="sng">
+            <a:solidFill>
+              <a:schemeClr val="bg1">
+                <a:lumMod val="65000"/>
+              </a:schemeClr>
+            </a:solidFill>
+            <a:miter lim="800000"/>
+            <a:headEnd/>
+            <a:tailEnd/>
+          </a:ln>
         </p:spPr>
-      </p:pic>
-      <p:pic>
-        <p:nvPicPr>
-          <p:cNvPr id="38" name="Picture 37"/>
-          <p:cNvPicPr>
-            <a:picLocks noChangeAspect="1"/>
-          </p:cNvPicPr>
-          <p:nvPr/>
-        </p:nvPicPr>
-        <p:blipFill>
-          <a:blip r:embed="rId10" cstate="email">
-            <a:extLst>
-              <a:ext uri="{28A0092B-C50C-407E-A947-70E740481C1C}">
-                <a14:useLocalDpi xmlns:a14="http://schemas.microsoft.com/office/drawing/2010/main"/>
-              </a:ext>
-            </a:extLst>
-          </a:blip>
-          <a:stretch>
-            <a:fillRect/>
-          </a:stretch>
-        </p:blipFill>
-        <p:spPr>
-          <a:xfrm>
-            <a:off x="460442" y="3417760"/>
-            <a:ext cx="2296243" cy="1530432"/>
-          </a:xfrm>
-          <a:prstGeom prst="rect">
-            <a:avLst/>
-          </a:prstGeom>
-          <a:effectLst>
-            <a:outerShdw blurRad="50800" dist="38100" dir="2700000" algn="tl" rotWithShape="0">
-              <a:prstClr val="black">
-                <a:alpha val="40000"/>
-              </a:prstClr>
-            </a:outerShdw>
-          </a:effectLst>
-        </p:spPr>
-      </p:pic>
-      <p:pic>
-        <p:nvPicPr>
-          <p:cNvPr id="39" name="Picture 38"/>
-          <p:cNvPicPr>
-            <a:picLocks noChangeAspect="1"/>
-          </p:cNvPicPr>
-          <p:nvPr/>
-        </p:nvPicPr>
-        <p:blipFill>
-          <a:blip r:embed="rId11" cstate="email">
-            <a:extLst>
-              <a:ext uri="{28A0092B-C50C-407E-A947-70E740481C1C}">
-                <a14:useLocalDpi xmlns:a14="http://schemas.microsoft.com/office/drawing/2010/main"/>
-              </a:ext>
-            </a:extLst>
-          </a:blip>
-          <a:stretch>
-            <a:fillRect/>
-          </a:stretch>
-        </p:blipFill>
-        <p:spPr>
-          <a:xfrm>
-            <a:off x="2854629" y="3417760"/>
-            <a:ext cx="1986455" cy="2978934"/>
-          </a:xfrm>
-          <a:prstGeom prst="rect">
-            <a:avLst/>
-          </a:prstGeom>
-          <a:effectLst>
-            <a:outerShdw blurRad="50800" dist="38100" dir="2700000" algn="tl" rotWithShape="0">
-              <a:prstClr val="black">
-                <a:alpha val="40000"/>
-              </a:prstClr>
-            </a:outerShdw>
-          </a:effectLst>
-        </p:spPr>
-      </p:pic>
+        <p:txBody>
+          <a:bodyPr wrap="square" lIns="85449" rIns="85449" rtlCol="0" anchor="t">
+            <a:prstTxWarp prst="textNoShape">
+              <a:avLst/>
+            </a:prstTxWarp>
+            <a:noAutofit/>
+          </a:bodyPr>
+          <a:lstStyle/>
+          <a:p>
+            <a:pPr defTabSz="914397">
+              <a:defRPr/>
+            </a:pPr>
+            <a:endParaRPr lang="en-US" sz="1187" dirty="0">
+              <a:solidFill>
+                <a:srgbClr val="FFFFFF"/>
+              </a:solidFill>
+              <a:cs typeface="+mn-ea"/>
+              <a:sym typeface="+mn-lt"/>
+            </a:endParaRPr>
+          </a:p>
+        </p:txBody>
+      </p:sp>
       <p:sp>
         <p:nvSpPr>
-          <p:cNvPr id="35" name="TextBox 34"/>
+          <p:cNvPr id="38" name="TextBox 37"/>
           <p:cNvSpPr txBox="1"/>
           <p:nvPr/>
         </p:nvSpPr>
@@ -14455,13 +14628,13 @@
       </p:sp>
       <p:sp>
         <p:nvSpPr>
-          <p:cNvPr id="37" name="TextBox 36"/>
+          <p:cNvPr id="39" name="TextBox 38"/>
           <p:cNvSpPr txBox="1"/>
           <p:nvPr/>
         </p:nvSpPr>
         <p:spPr>
           <a:xfrm>
-            <a:off x="5137842" y="1867972"/>
+            <a:off x="5137842" y="2297539"/>
             <a:ext cx="1410789" cy="217044"/>
           </a:xfrm>
           <a:prstGeom prst="rect">
@@ -14571,14 +14744,14 @@
       </p:sp>
       <p:sp>
         <p:nvSpPr>
-          <p:cNvPr id="42" name="TextBox 41"/>
+          <p:cNvPr id="41" name="TextBox 40"/>
           <p:cNvSpPr txBox="1"/>
           <p:nvPr/>
         </p:nvSpPr>
         <p:spPr>
           <a:xfrm>
-            <a:off x="5083581" y="4190708"/>
-            <a:ext cx="2930099" cy="181311"/>
+            <a:off x="5137842" y="3996823"/>
+            <a:ext cx="2930099" cy="217044"/>
           </a:xfrm>
           <a:prstGeom prst="rect">
             <a:avLst/>
@@ -14639,10 +14812,10 @@
       </p:sp>
       <p:cxnSp>
         <p:nvCxnSpPr>
-          <p:cNvPr id="43" name="Straight Connector 22">
+          <p:cNvPr id="37" name="Straight Connector 22">
             <a:extLst>
               <a:ext uri="{FF2B5EF4-FFF2-40B4-BE49-F238E27FC236}">
-                <a16:creationId xmlns:a16="http://schemas.microsoft.com/office/drawing/2014/main" id="{D9E0EA83-F425-354A-B234-5C13A99CAB2B}"/>
+                <a16:creationId xmlns="" xmlns:a16="http://schemas.microsoft.com/office/drawing/2014/main" id="{145705CD-70A8-344F-AEB6-14ED3BCA6F5B}"/>
               </a:ext>
             </a:extLst>
           </p:cNvPr>
@@ -14692,10 +14865,10 @@
       </p:cxnSp>
       <p:sp>
         <p:nvSpPr>
-          <p:cNvPr id="44" name="Title 2">
+          <p:cNvPr id="42" name="Title 2">
             <a:extLst>
               <a:ext uri="{FF2B5EF4-FFF2-40B4-BE49-F238E27FC236}">
-                <a16:creationId xmlns:a16="http://schemas.microsoft.com/office/drawing/2014/main" id="{767A5C6D-C3A6-764A-BA82-E503F9705EC6}"/>
+                <a16:creationId xmlns="" xmlns:a16="http://schemas.microsoft.com/office/drawing/2014/main" id="{2AA0B7C0-B58E-2540-93F4-0E5771E03B19}"/>
               </a:ext>
             </a:extLst>
           </p:cNvPr>
@@ -14772,13 +14945,13 @@
               <a:t>| </a:t>
             </a:r>
             <a:r>
-              <a:rPr lang="zh-CN" altLang="en-US" sz="2374" dirty="0">
+              <a:rPr lang="zh-CN" altLang="en-US" sz="2374" dirty="0" smtClean="0">
                 <a:latin typeface="+mn-lt"/>
                 <a:ea typeface="+mn-ea"/>
                 <a:cs typeface="+mn-ea"/>
                 <a:sym typeface="+mn-lt"/>
               </a:rPr>
-              <a:t>经销商活动</a:t>
+              <a:t>绍兴车展</a:t>
             </a:r>
             <a:endParaRPr lang="en-US" altLang="zh-CN" sz="2374" dirty="0">
               <a:latin typeface="+mn-lt"/>
@@ -14791,7 +14964,7 @@
       </p:sp>
       <p:sp>
         <p:nvSpPr>
-          <p:cNvPr id="46" name="TextBox 45"/>
+          <p:cNvPr id="2" name="TextBox 1"/>
           <p:cNvSpPr txBox="1"/>
           <p:nvPr/>
         </p:nvSpPr>
@@ -14834,7 +15007,7 @@
     </p:spTree>
     <p:extLst>
       <p:ext uri="{BB962C8B-B14F-4D97-AF65-F5344CB8AC3E}">
-        <p14:creationId xmlns:p14="http://schemas.microsoft.com/office/powerpoint/2010/main" val="3465455413"/>
+        <p14:creationId xmlns:p14="http://schemas.microsoft.com/office/powerpoint/2010/main" val="2070944449"/>
       </p:ext>
     </p:extLst>
   </p:cSld>
@@ -14868,57 +15041,6 @@
           <a:chExt cx="0" cy="0"/>
         </a:xfrm>
       </p:grpSpPr>
-      <p:sp>
-        <p:nvSpPr>
-          <p:cNvPr id="6" name="Title 12"/>
-          <p:cNvSpPr txBox="1">
-            <a:spLocks/>
-          </p:cNvSpPr>
-          <p:nvPr/>
-        </p:nvSpPr>
-        <p:spPr>
-          <a:xfrm>
-            <a:off x="577516" y="675516"/>
-            <a:ext cx="11042227" cy="474878"/>
-          </a:xfrm>
-          <a:prstGeom prst="rect">
-            <a:avLst/>
-          </a:prstGeom>
-        </p:spPr>
-        <p:txBody>
-          <a:bodyPr anchor="b" anchorCtr="0"/>
-          <a:lstStyle>
-            <a:lvl1pPr algn="l" defTabSz="685792" rtl="0" eaLnBrk="1" latinLnBrk="0" hangingPunct="1">
-              <a:lnSpc>
-                <a:spcPct val="85000"/>
-              </a:lnSpc>
-              <a:spcBef>
-                <a:spcPct val="0"/>
-              </a:spcBef>
-              <a:buNone/>
-              <a:defRPr sz="1270" b="0" i="0" kern="1200" spc="-8" baseline="0">
-                <a:solidFill>
-                  <a:schemeClr val="tx1"/>
-                </a:solidFill>
-                <a:latin typeface="Bentley Light" panose="020B0404020201020102" pitchFamily="34" charset="77"/>
-                <a:ea typeface="+mj-ea"/>
-                <a:cs typeface="+mj-cs"/>
-              </a:defRPr>
-            </a:lvl1pPr>
-          </a:lstStyle>
-          <a:p>
-            <a:r>
-              <a:rPr lang="en-US" sz="2000" dirty="0"/>
-              <a:t>Event Photos – Others </a:t>
-            </a:r>
-            <a:r>
-              <a:rPr lang="zh-CN" altLang="en-US" sz="2000" dirty="0" smtClean="0"/>
-              <a:t>其他活动照片</a:t>
-            </a:r>
-            <a:endParaRPr lang="en-US" sz="2000" dirty="0"/>
-          </a:p>
-        </p:txBody>
-      </p:sp>
       <p:sp>
         <p:nvSpPr>
           <p:cNvPr id="2" name="Slide Number Placeholder 1"/>
@@ -15137,369 +15259,6 @@
       </p:sp>
       <p:sp>
         <p:nvSpPr>
-          <p:cNvPr id="10" name="Rectangle 9"/>
-          <p:cNvSpPr/>
-          <p:nvPr/>
-        </p:nvSpPr>
-        <p:spPr>
-          <a:xfrm>
-            <a:off x="538849" y="1123920"/>
-            <a:ext cx="11081395" cy="307777"/>
-          </a:xfrm>
-          <a:prstGeom prst="rect">
-            <a:avLst/>
-          </a:prstGeom>
-          <a:solidFill>
-            <a:schemeClr val="accent1">
-              <a:lumMod val="50000"/>
-            </a:schemeClr>
-          </a:solidFill>
-        </p:spPr>
-        <p:txBody>
-          <a:bodyPr wrap="square">
-            <a:spAutoFit/>
-          </a:bodyPr>
-          <a:lstStyle/>
-          <a:p>
-            <a:pPr algn="ctr" defTabSz="1085210" eaLnBrk="0" fontAlgn="base" hangingPunct="0">
-              <a:spcBef>
-                <a:spcPct val="0"/>
-              </a:spcBef>
-              <a:spcAft>
-                <a:spcPct val="0"/>
-              </a:spcAft>
-              <a:buSzPct val="100000"/>
-            </a:pPr>
-            <a:r>
-              <a:rPr lang="en-US" sz="1400" b="1" dirty="0">
-                <a:solidFill>
-                  <a:srgbClr val="FFFFFF"/>
-                </a:solidFill>
-                <a:cs typeface="+mn-ea"/>
-              </a:rPr>
-              <a:t>Others- </a:t>
-            </a:r>
-            <a:r>
-              <a:rPr lang="zh-CN" altLang="en-US" sz="1400" b="1" dirty="0">
-                <a:solidFill>
-                  <a:srgbClr val="FFFFFF"/>
-                </a:solidFill>
-                <a:cs typeface="+mn-ea"/>
-                <a:sym typeface="+mn-lt"/>
-              </a:rPr>
-              <a:t>其他活动照片</a:t>
-            </a:r>
-          </a:p>
-        </p:txBody>
-      </p:sp>
-      <p:sp>
-        <p:nvSpPr>
-          <p:cNvPr id="12" name="Rectangle 11"/>
-          <p:cNvSpPr/>
-          <p:nvPr/>
-        </p:nvSpPr>
-        <p:spPr>
-          <a:xfrm>
-            <a:off x="539015" y="1562582"/>
-            <a:ext cx="11080728" cy="4761216"/>
-          </a:xfrm>
-          <a:prstGeom prst="rect">
-            <a:avLst/>
-          </a:prstGeom>
-          <a:solidFill>
-            <a:schemeClr val="bg1">
-              <a:lumMod val="95000"/>
-            </a:schemeClr>
-          </a:solidFill>
-          <a:ln w="6350" cmpd="sng">
-            <a:noFill/>
-            <a:miter lim="800000"/>
-            <a:headEnd/>
-            <a:tailEnd/>
-          </a:ln>
-        </p:spPr>
-        <p:txBody>
-          <a:bodyPr wrap="square" lIns="85451" rIns="85451" rtlCol="0" anchor="t">
-            <a:prstTxWarp prst="textNoShape">
-              <a:avLst/>
-            </a:prstTxWarp>
-            <a:noAutofit/>
-          </a:bodyPr>
-          <a:lstStyle/>
-          <a:p>
-            <a:pPr defTabSz="1085210" fontAlgn="base">
-              <a:spcBef>
-                <a:spcPct val="0"/>
-              </a:spcBef>
-              <a:spcAft>
-                <a:spcPct val="0"/>
-              </a:spcAft>
-            </a:pPr>
-            <a:endParaRPr lang="zh-CN" altLang="en-US" sz="1187" dirty="0">
-              <a:solidFill>
-                <a:srgbClr val="232323"/>
-              </a:solidFill>
-              <a:cs typeface="+mn-ea"/>
-              <a:sym typeface="+mn-lt"/>
-            </a:endParaRPr>
-          </a:p>
-        </p:txBody>
-      </p:sp>
-    </p:spTree>
-    <p:extLst>
-      <p:ext uri="{BB962C8B-B14F-4D97-AF65-F5344CB8AC3E}">
-        <p14:creationId xmlns:p14="http://schemas.microsoft.com/office/powerpoint/2010/main" val="1147389265"/>
-      </p:ext>
-    </p:extLst>
-  </p:cSld>
-  <p:clrMapOvr>
-    <a:masterClrMapping/>
-  </p:clrMapOvr>
-  <p:timing>
-    <p:tnLst>
-      <p:par>
-        <p:cTn id="1" dur="indefinite" restart="never" nodeType="tmRoot"/>
-      </p:par>
-    </p:tnLst>
-  </p:timing>
-</p:sld>
-</file>
-
-<file path=ppt/slides/slide11.xml><?xml version="1.0" encoding="utf-8"?>
-<p:sld xmlns:a="http://schemas.openxmlformats.org/drawingml/2006/main" xmlns:r="http://schemas.openxmlformats.org/officeDocument/2006/relationships" xmlns:p="http://schemas.openxmlformats.org/presentationml/2006/main">
-  <p:cSld>
-    <p:spTree>
-      <p:nvGrpSpPr>
-        <p:cNvPr id="1" name=""/>
-        <p:cNvGrpSpPr/>
-        <p:nvPr/>
-      </p:nvGrpSpPr>
-      <p:grpSpPr>
-        <a:xfrm>
-          <a:off x="0" y="0"/>
-          <a:ext cx="0" cy="0"/>
-          <a:chOff x="0" y="0"/>
-          <a:chExt cx="0" cy="0"/>
-        </a:xfrm>
-      </p:grpSpPr>
-      <p:sp>
-        <p:nvSpPr>
-          <p:cNvPr id="2" name="Slide Number Placeholder 1"/>
-          <p:cNvSpPr>
-            <a:spLocks noGrp="1"/>
-          </p:cNvSpPr>
-          <p:nvPr>
-            <p:ph type="sldNum" sz="quarter" idx="4"/>
-          </p:nvPr>
-        </p:nvSpPr>
-        <p:spPr/>
-        <p:txBody>
-          <a:bodyPr/>
-          <a:lstStyle/>
-          <a:p>
-            <a:pPr defTabSz="1085210" fontAlgn="base">
-              <a:spcBef>
-                <a:spcPct val="0"/>
-              </a:spcBef>
-              <a:spcAft>
-                <a:spcPct val="0"/>
-              </a:spcAft>
-              <a:defRPr/>
-            </a:pPr>
-            <a:fld id="{C1A46B1E-1CF5-4801-894B-F57DA2C6389A}" type="slidenum">
-              <a:rPr lang="en-GB">
-                <a:solidFill>
-                  <a:srgbClr val="232323"/>
-                </a:solidFill>
-                <a:latin typeface="+mn-lt"/>
-                <a:cs typeface="+mn-ea"/>
-                <a:sym typeface="+mn-lt"/>
-              </a:rPr>
-              <a:pPr defTabSz="1085210" fontAlgn="base">
-                <a:spcBef>
-                  <a:spcPct val="0"/>
-                </a:spcBef>
-                <a:spcAft>
-                  <a:spcPct val="0"/>
-                </a:spcAft>
-                <a:defRPr/>
-              </a:pPr>
-              <a:t>11</a:t>
-            </a:fld>
-            <a:endParaRPr lang="en-GB" dirty="0">
-              <a:solidFill>
-                <a:srgbClr val="232323"/>
-              </a:solidFill>
-              <a:latin typeface="+mn-lt"/>
-              <a:cs typeface="+mn-ea"/>
-              <a:sym typeface="+mn-lt"/>
-            </a:endParaRPr>
-          </a:p>
-        </p:txBody>
-      </p:sp>
-      <p:sp>
-        <p:nvSpPr>
-          <p:cNvPr id="9" name="Footer Placeholder 3"/>
-          <p:cNvSpPr txBox="1">
-            <a:spLocks/>
-          </p:cNvSpPr>
-          <p:nvPr/>
-        </p:nvSpPr>
-        <p:spPr>
-          <a:xfrm>
-            <a:off x="544315" y="268940"/>
-            <a:ext cx="3809839" cy="214074"/>
-          </a:xfrm>
-          <a:prstGeom prst="rect">
-            <a:avLst/>
-          </a:prstGeom>
-        </p:spPr>
-        <p:txBody>
-          <a:bodyPr lIns="0" tIns="0" rIns="0" bIns="0" anchor="b" anchorCtr="0"/>
-          <a:lstStyle>
-            <a:defPPr>
-              <a:defRPr lang="en-GB"/>
-            </a:defPPr>
-            <a:lvl1pPr marL="0" marR="0" indent="0" algn="l" defTabSz="407672" rtl="0" eaLnBrk="1" fontAlgn="auto" latinLnBrk="0" hangingPunct="1">
-              <a:lnSpc>
-                <a:spcPct val="100000"/>
-              </a:lnSpc>
-              <a:spcBef>
-                <a:spcPts val="0"/>
-              </a:spcBef>
-              <a:spcAft>
-                <a:spcPts val="0"/>
-              </a:spcAft>
-              <a:buClrTx/>
-              <a:buSzTx/>
-              <a:buFontTx/>
-              <a:buNone/>
-              <a:tabLst/>
-              <a:defRPr sz="847" b="0" i="0" kern="1200">
-                <a:solidFill>
-                  <a:schemeClr val="tx1"/>
-                </a:solidFill>
-                <a:latin typeface="Bentley Light" panose="020B0404020201020102" pitchFamily="34" charset="77"/>
-                <a:ea typeface="ＭＳ Ｐゴシック" pitchFamily="34" charset="-128"/>
-                <a:cs typeface="+mn-cs"/>
-              </a:defRPr>
-            </a:lvl1pPr>
-            <a:lvl2pPr marL="457200" algn="l" rtl="0" fontAlgn="base">
-              <a:spcBef>
-                <a:spcPct val="0"/>
-              </a:spcBef>
-              <a:spcAft>
-                <a:spcPct val="0"/>
-              </a:spcAft>
-              <a:defRPr sz="3200" b="1" kern="1200">
-                <a:solidFill>
-                  <a:schemeClr val="tx1"/>
-                </a:solidFill>
-                <a:latin typeface="Gill Sans" pitchFamily="34" charset="0"/>
-                <a:ea typeface="ＭＳ Ｐゴシック" pitchFamily="34" charset="-128"/>
-                <a:cs typeface="+mn-cs"/>
-              </a:defRPr>
-            </a:lvl2pPr>
-            <a:lvl3pPr marL="914400" algn="l" rtl="0" fontAlgn="base">
-              <a:spcBef>
-                <a:spcPct val="0"/>
-              </a:spcBef>
-              <a:spcAft>
-                <a:spcPct val="0"/>
-              </a:spcAft>
-              <a:defRPr sz="3200" b="1" kern="1200">
-                <a:solidFill>
-                  <a:schemeClr val="tx1"/>
-                </a:solidFill>
-                <a:latin typeface="Gill Sans" pitchFamily="34" charset="0"/>
-                <a:ea typeface="ＭＳ Ｐゴシック" pitchFamily="34" charset="-128"/>
-                <a:cs typeface="+mn-cs"/>
-              </a:defRPr>
-            </a:lvl3pPr>
-            <a:lvl4pPr marL="1371600" algn="l" rtl="0" fontAlgn="base">
-              <a:spcBef>
-                <a:spcPct val="0"/>
-              </a:spcBef>
-              <a:spcAft>
-                <a:spcPct val="0"/>
-              </a:spcAft>
-              <a:defRPr sz="3200" b="1" kern="1200">
-                <a:solidFill>
-                  <a:schemeClr val="tx1"/>
-                </a:solidFill>
-                <a:latin typeface="Gill Sans" pitchFamily="34" charset="0"/>
-                <a:ea typeface="ＭＳ Ｐゴシック" pitchFamily="34" charset="-128"/>
-                <a:cs typeface="+mn-cs"/>
-              </a:defRPr>
-            </a:lvl4pPr>
-            <a:lvl5pPr marL="1828800" algn="l" rtl="0" fontAlgn="base">
-              <a:spcBef>
-                <a:spcPct val="0"/>
-              </a:spcBef>
-              <a:spcAft>
-                <a:spcPct val="0"/>
-              </a:spcAft>
-              <a:defRPr sz="3200" b="1" kern="1200">
-                <a:solidFill>
-                  <a:schemeClr val="tx1"/>
-                </a:solidFill>
-                <a:latin typeface="Gill Sans" pitchFamily="34" charset="0"/>
-                <a:ea typeface="ＭＳ Ｐゴシック" pitchFamily="34" charset="-128"/>
-                <a:cs typeface="+mn-cs"/>
-              </a:defRPr>
-            </a:lvl5pPr>
-            <a:lvl6pPr marL="2286000" algn="l" defTabSz="914400" rtl="0" eaLnBrk="1" latinLnBrk="0" hangingPunct="1">
-              <a:defRPr sz="3200" b="1" kern="1200">
-                <a:solidFill>
-                  <a:schemeClr val="tx1"/>
-                </a:solidFill>
-                <a:latin typeface="Gill Sans" pitchFamily="34" charset="0"/>
-                <a:ea typeface="ＭＳ Ｐゴシック" pitchFamily="34" charset="-128"/>
-                <a:cs typeface="+mn-cs"/>
-              </a:defRPr>
-            </a:lvl6pPr>
-            <a:lvl7pPr marL="2743200" algn="l" defTabSz="914400" rtl="0" eaLnBrk="1" latinLnBrk="0" hangingPunct="1">
-              <a:defRPr sz="3200" b="1" kern="1200">
-                <a:solidFill>
-                  <a:schemeClr val="tx1"/>
-                </a:solidFill>
-                <a:latin typeface="Gill Sans" pitchFamily="34" charset="0"/>
-                <a:ea typeface="ＭＳ Ｐゴシック" pitchFamily="34" charset="-128"/>
-                <a:cs typeface="+mn-cs"/>
-              </a:defRPr>
-            </a:lvl7pPr>
-            <a:lvl8pPr marL="3200400" algn="l" defTabSz="914400" rtl="0" eaLnBrk="1" latinLnBrk="0" hangingPunct="1">
-              <a:defRPr sz="3200" b="1" kern="1200">
-                <a:solidFill>
-                  <a:schemeClr val="tx1"/>
-                </a:solidFill>
-                <a:latin typeface="Gill Sans" pitchFamily="34" charset="0"/>
-                <a:ea typeface="ＭＳ Ｐゴシック" pitchFamily="34" charset="-128"/>
-                <a:cs typeface="+mn-cs"/>
-              </a:defRPr>
-            </a:lvl8pPr>
-            <a:lvl9pPr marL="3657600" algn="l" defTabSz="914400" rtl="0" eaLnBrk="1" latinLnBrk="0" hangingPunct="1">
-              <a:defRPr sz="3200" b="1" kern="1200">
-                <a:solidFill>
-                  <a:schemeClr val="tx1"/>
-                </a:solidFill>
-                <a:latin typeface="Gill Sans" pitchFamily="34" charset="0"/>
-                <a:ea typeface="ＭＳ Ｐゴシック" pitchFamily="34" charset="-128"/>
-                <a:cs typeface="+mn-cs"/>
-              </a:defRPr>
-            </a:lvl9pPr>
-          </a:lstStyle>
-          <a:p>
-            <a:r>
-              <a:rPr lang="en-US" altLang="zh-CN" sz="1050" dirty="0" smtClean="0"/>
-              <a:t>Bentley Coop Fund Application - Event Report</a:t>
-            </a:r>
-            <a:endParaRPr lang="en-US" altLang="zh-CN" sz="1050" dirty="0"/>
-          </a:p>
-        </p:txBody>
-      </p:sp>
-      <p:sp>
-        <p:nvSpPr>
           <p:cNvPr id="17" name="Title 12"/>
           <p:cNvSpPr txBox="1">
             <a:spLocks/>
@@ -15962,1733 +15721,6 @@
       </p:grpSpPr>
       <p:graphicFrame>
         <p:nvGraphicFramePr>
-          <p:cNvPr id="26" name="Object 25" hidden="1"/>
-          <p:cNvGraphicFramePr>
-            <a:graphicFrameLocks noChangeAspect="1"/>
-          </p:cNvGraphicFramePr>
-          <p:nvPr>
-            <p:custDataLst>
-              <p:tags r:id="rId2"/>
-            </p:custDataLst>
-            <p:extLst>
-              <p:ext uri="{D42A27DB-BD31-4B8C-83A1-F6EECF244321}">
-                <p14:modId xmlns:p14="http://schemas.microsoft.com/office/powerpoint/2010/main" val="1127535241"/>
-              </p:ext>
-            </p:extLst>
-          </p:nvPr>
-        </p:nvGraphicFramePr>
-        <p:xfrm>
-          <a:off x="1693" y="1647"/>
-          <a:ext cx="1588" cy="1588"/>
-        </p:xfrm>
-        <a:graphic>
-          <a:graphicData uri="http://schemas.openxmlformats.org/presentationml/2006/ole">
-            <mc:AlternateContent xmlns:mc="http://schemas.openxmlformats.org/markup-compatibility/2006">
-              <mc:Choice xmlns:v="urn:schemas-microsoft-com:vml" Requires="v">
-                <p:oleObj spid="_x0000_s16434" name="think-cell Slide" r:id="rId5" imgW="396" imgH="396" progId="TCLayout.ActiveDocument.1">
-                  <p:embed/>
-                </p:oleObj>
-              </mc:Choice>
-              <mc:Fallback>
-                <p:oleObj name="think-cell Slide" r:id="rId5" imgW="396" imgH="396" progId="TCLayout.ActiveDocument.1">
-                  <p:embed/>
-                  <p:pic>
-                    <p:nvPicPr>
-                      <p:cNvPr id="26" name="Object 25" hidden="1"/>
-                      <p:cNvPicPr/>
-                      <p:nvPr/>
-                    </p:nvPicPr>
-                    <p:blipFill>
-                      <a:blip r:embed="rId6"/>
-                      <a:stretch>
-                        <a:fillRect/>
-                      </a:stretch>
-                    </p:blipFill>
-                    <p:spPr>
-                      <a:xfrm>
-                        <a:off x="1693" y="1647"/>
-                        <a:ext cx="1588" cy="1588"/>
-                      </a:xfrm>
-                      <a:prstGeom prst="rect">
-                        <a:avLst/>
-                      </a:prstGeom>
-                    </p:spPr>
-                  </p:pic>
-                </p:oleObj>
-              </mc:Fallback>
-            </mc:AlternateContent>
-          </a:graphicData>
-        </a:graphic>
-      </p:graphicFrame>
-      <p:pic>
-        <p:nvPicPr>
-          <p:cNvPr id="63" name="图片 2">
-            <a:extLst>
-              <a:ext uri="{FF2B5EF4-FFF2-40B4-BE49-F238E27FC236}">
-                <a16:creationId xmlns:a16="http://schemas.microsoft.com/office/drawing/2014/main" id="{321341A2-5A29-6A47-A5DC-E12071424359}"/>
-              </a:ext>
-            </a:extLst>
-          </p:cNvPr>
-          <p:cNvPicPr>
-            <a:picLocks noChangeAspect="1"/>
-          </p:cNvPicPr>
-          <p:nvPr/>
-        </p:nvPicPr>
-        <p:blipFill>
-          <a:blip r:embed="rId7" cstate="email">
-            <a:extLst>
-              <a:ext uri="{28A0092B-C50C-407E-A947-70E740481C1C}">
-                <a14:useLocalDpi xmlns:a14="http://schemas.microsoft.com/office/drawing/2010/main"/>
-              </a:ext>
-            </a:extLst>
-          </a:blip>
-          <a:stretch>
-            <a:fillRect/>
-          </a:stretch>
-        </p:blipFill>
-        <p:spPr>
-          <a:xfrm>
-            <a:off x="1693" y="60"/>
-            <a:ext cx="12282082" cy="6857883"/>
-          </a:xfrm>
-          <a:prstGeom prst="rect">
-            <a:avLst/>
-          </a:prstGeom>
-        </p:spPr>
-      </p:pic>
-      <p:sp>
-        <p:nvSpPr>
-          <p:cNvPr id="69" name="矩形 197">
-            <a:extLst>
-              <a:ext uri="{FF2B5EF4-FFF2-40B4-BE49-F238E27FC236}">
-                <a16:creationId xmlns:a16="http://schemas.microsoft.com/office/drawing/2014/main" id="{A26E02F6-ED45-2E46-B455-D7E64937829D}"/>
-              </a:ext>
-            </a:extLst>
-          </p:cNvPr>
-          <p:cNvSpPr/>
-          <p:nvPr/>
-        </p:nvSpPr>
-        <p:spPr>
-          <a:xfrm>
-            <a:off x="-94148" y="-145558"/>
-            <a:ext cx="12286148" cy="6857883"/>
-          </a:xfrm>
-          <a:prstGeom prst="rect">
-            <a:avLst/>
-          </a:prstGeom>
-          <a:solidFill>
-            <a:schemeClr val="tx1">
-              <a:alpha val="80000"/>
-            </a:schemeClr>
-          </a:solidFill>
-          <a:ln>
-            <a:noFill/>
-          </a:ln>
-        </p:spPr>
-        <p:style>
-          <a:lnRef idx="2">
-            <a:schemeClr val="accent1">
-              <a:shade val="50000"/>
-            </a:schemeClr>
-          </a:lnRef>
-          <a:fillRef idx="1">
-            <a:schemeClr val="accent1"/>
-          </a:fillRef>
-          <a:effectRef idx="0">
-            <a:schemeClr val="accent1"/>
-          </a:effectRef>
-          <a:fontRef idx="minor">
-            <a:schemeClr val="lt1"/>
-          </a:fontRef>
-        </p:style>
-        <p:txBody>
-          <a:bodyPr rtlCol="0" anchor="ctr"/>
-          <a:lstStyle/>
-          <a:p>
-            <a:pPr algn="ctr" defTabSz="914397">
-              <a:defRPr/>
-            </a:pPr>
-            <a:r>
-              <a:rPr kumimoji="1" lang="en-US" altLang="zh-CN" dirty="0">
-                <a:solidFill>
-                  <a:srgbClr val="FFFFFF"/>
-                </a:solidFill>
-                <a:cs typeface="+mn-ea"/>
-                <a:sym typeface="+mn-lt"/>
-              </a:rPr>
-              <a:t>`</a:t>
-            </a:r>
-            <a:endParaRPr kumimoji="1" lang="zh-CN" altLang="en-US" dirty="0">
-              <a:solidFill>
-                <a:srgbClr val="FFFFFF"/>
-              </a:solidFill>
-              <a:cs typeface="+mn-ea"/>
-              <a:sym typeface="+mn-lt"/>
-            </a:endParaRPr>
-          </a:p>
-        </p:txBody>
-      </p:sp>
-      <p:sp>
-        <p:nvSpPr>
-          <p:cNvPr id="27" name="Rectangle 26" hidden="1"/>
-          <p:cNvSpPr/>
-          <p:nvPr>
-            <p:custDataLst>
-              <p:tags r:id="rId3"/>
-            </p:custDataLst>
-          </p:nvPr>
-        </p:nvSpPr>
-        <p:spPr>
-          <a:xfrm>
-            <a:off x="106" y="60"/>
-            <a:ext cx="158747" cy="158747"/>
-          </a:xfrm>
-          <a:prstGeom prst="rect">
-            <a:avLst/>
-          </a:prstGeom>
-          <a:solidFill>
-            <a:schemeClr val="bg2"/>
-          </a:solidFill>
-          <a:ln>
-            <a:noFill/>
-          </a:ln>
-        </p:spPr>
-        <p:style>
-          <a:lnRef idx="2">
-            <a:schemeClr val="accent1">
-              <a:shade val="50000"/>
-            </a:schemeClr>
-          </a:lnRef>
-          <a:fillRef idx="1">
-            <a:schemeClr val="accent1"/>
-          </a:fillRef>
-          <a:effectRef idx="0">
-            <a:schemeClr val="accent1"/>
-          </a:effectRef>
-          <a:fontRef idx="minor">
-            <a:schemeClr val="lt1"/>
-          </a:fontRef>
-        </p:style>
-        <p:txBody>
-          <a:bodyPr wrap="none" lIns="0" tIns="0" rIns="0" bIns="0" numCol="1" spcCol="0" rtlCol="0" anchor="ctr" anchorCtr="0">
-            <a:noAutofit/>
-          </a:bodyPr>
-          <a:lstStyle/>
-          <a:p>
-            <a:pPr algn="ctr" defTabSz="914397">
-              <a:defRPr/>
-            </a:pPr>
-            <a:endParaRPr lang="en-US" dirty="0">
-              <a:solidFill>
-                <a:srgbClr val="FFFFFF"/>
-              </a:solidFill>
-              <a:cs typeface="+mn-ea"/>
-              <a:sym typeface="+mn-lt"/>
-            </a:endParaRPr>
-          </a:p>
-        </p:txBody>
-      </p:sp>
-      <p:sp>
-        <p:nvSpPr>
-          <p:cNvPr id="127" name="Rounded Rectangle 126"/>
-          <p:cNvSpPr/>
-          <p:nvPr/>
-        </p:nvSpPr>
-        <p:spPr>
-          <a:xfrm>
-            <a:off x="432721" y="1558194"/>
-            <a:ext cx="5267356" cy="3982715"/>
-          </a:xfrm>
-          <a:prstGeom prst="roundRect">
-            <a:avLst>
-              <a:gd name="adj" fmla="val 12842"/>
-            </a:avLst>
-          </a:prstGeom>
-          <a:noFill/>
-          <a:ln w="12700" cmpd="sng">
-            <a:solidFill>
-              <a:schemeClr val="bg1">
-                <a:lumMod val="65000"/>
-              </a:schemeClr>
-            </a:solidFill>
-            <a:miter lim="800000"/>
-            <a:headEnd/>
-            <a:tailEnd/>
-          </a:ln>
-        </p:spPr>
-        <p:txBody>
-          <a:bodyPr wrap="square" lIns="85449" rIns="85449" rtlCol="0" anchor="t">
-            <a:prstTxWarp prst="textNoShape">
-              <a:avLst/>
-            </a:prstTxWarp>
-            <a:noAutofit/>
-          </a:bodyPr>
-          <a:lstStyle/>
-          <a:p>
-            <a:pPr defTabSz="914397">
-              <a:defRPr/>
-            </a:pPr>
-            <a:r>
-              <a:rPr lang="en-US" sz="1305" dirty="0">
-                <a:solidFill>
-                  <a:srgbClr val="FFFFFF"/>
-                </a:solidFill>
-                <a:cs typeface="+mn-ea"/>
-                <a:sym typeface="+mn-lt"/>
-              </a:rPr>
-              <a:t>   </a:t>
-            </a:r>
-          </a:p>
-        </p:txBody>
-      </p:sp>
-      <p:sp>
-        <p:nvSpPr>
-          <p:cNvPr id="60" name="Rectangle 59"/>
-          <p:cNvSpPr/>
-          <p:nvPr/>
-        </p:nvSpPr>
-        <p:spPr>
-          <a:xfrm>
-            <a:off x="523276" y="1619707"/>
-            <a:ext cx="5086246" cy="4567532"/>
-          </a:xfrm>
-          <a:prstGeom prst="rect">
-            <a:avLst/>
-          </a:prstGeom>
-        </p:spPr>
-        <p:txBody>
-          <a:bodyPr wrap="square">
-            <a:spAutoFit/>
-          </a:bodyPr>
-          <a:lstStyle/>
-          <a:p>
-            <a:pPr defTabSz="914397">
-              <a:lnSpc>
-                <a:spcPct val="150000"/>
-              </a:lnSpc>
-              <a:defRPr/>
-            </a:pPr>
-            <a:r>
-              <a:rPr lang="zh-CN" altLang="en-US" sz="1400" b="1" dirty="0">
-                <a:solidFill>
-                  <a:srgbClr val="FFFFFF"/>
-                </a:solidFill>
-                <a:cs typeface="+mn-ea"/>
-                <a:sym typeface="+mn-lt"/>
-              </a:rPr>
-              <a:t>健康愉悦：</a:t>
-            </a:r>
-            <a:r>
-              <a:rPr lang="en-US" sz="1400" b="1" dirty="0">
-                <a:solidFill>
-                  <a:srgbClr val="FFFFFF"/>
-                </a:solidFill>
-                <a:cs typeface="+mn-ea"/>
-                <a:sym typeface="+mn-lt"/>
-              </a:rPr>
-              <a:t> </a:t>
-            </a:r>
-          </a:p>
-          <a:p>
-            <a:pPr marL="171450" indent="-171450" defTabSz="914397">
-              <a:lnSpc>
-                <a:spcPct val="150000"/>
-              </a:lnSpc>
-              <a:buFont typeface="Arial" panose="020B0604020202020204" pitchFamily="34" charset="0"/>
-              <a:buChar char="•"/>
-              <a:defRPr/>
-            </a:pPr>
-            <a:r>
-              <a:rPr lang="zh-CN" altLang="en-US" sz="1400" b="1" dirty="0">
-                <a:solidFill>
-                  <a:srgbClr val="FFFFFF"/>
-                </a:solidFill>
-                <a:cs typeface="+mn-ea"/>
-                <a:sym typeface="+mn-lt"/>
-              </a:rPr>
-              <a:t>提倡健康生活方式</a:t>
-            </a:r>
-            <a:r>
-              <a:rPr lang="en-US" sz="1400" b="1" dirty="0">
-                <a:solidFill>
-                  <a:srgbClr val="FFFFFF"/>
-                </a:solidFill>
-                <a:cs typeface="+mn-ea"/>
-                <a:sym typeface="+mn-lt"/>
-              </a:rPr>
-              <a:t> </a:t>
-            </a:r>
-          </a:p>
-          <a:p>
-            <a:pPr marL="171450" indent="-171450" defTabSz="914397">
-              <a:lnSpc>
-                <a:spcPct val="150000"/>
-              </a:lnSpc>
-              <a:buFont typeface="Arial" panose="020B0604020202020204" pitchFamily="34" charset="0"/>
-              <a:buChar char="•"/>
-              <a:defRPr/>
-            </a:pPr>
-            <a:r>
-              <a:rPr lang="zh-CN" altLang="en-US" sz="1400" b="1" dirty="0">
-                <a:solidFill>
-                  <a:srgbClr val="FFFFFF"/>
-                </a:solidFill>
-                <a:cs typeface="+mn-ea"/>
-                <a:sym typeface="+mn-lt"/>
-              </a:rPr>
-              <a:t>提供客户身体锻炼与精神放松的机会</a:t>
-            </a:r>
-            <a:endParaRPr lang="en-US" sz="1400" b="1" dirty="0">
-              <a:solidFill>
-                <a:srgbClr val="FFFFFF"/>
-              </a:solidFill>
-              <a:cs typeface="+mn-ea"/>
-              <a:sym typeface="+mn-lt"/>
-            </a:endParaRPr>
-          </a:p>
-          <a:p>
-            <a:pPr defTabSz="914397">
-              <a:lnSpc>
-                <a:spcPct val="150000"/>
-              </a:lnSpc>
-              <a:defRPr/>
-            </a:pPr>
-            <a:r>
-              <a:rPr lang="zh-CN" altLang="en-US" sz="1400" b="1" dirty="0">
-                <a:solidFill>
-                  <a:srgbClr val="FFFFFF"/>
-                </a:solidFill>
-                <a:cs typeface="+mn-ea"/>
-                <a:sym typeface="+mn-lt"/>
-              </a:rPr>
-              <a:t>独特旅行：提供带有可持续理念和创新的精品酒店及特色餐饮</a:t>
-            </a:r>
-            <a:endParaRPr lang="en-US" altLang="zh-CN" sz="1400" b="1" dirty="0">
-              <a:solidFill>
-                <a:srgbClr val="FFFFFF"/>
-              </a:solidFill>
-              <a:cs typeface="+mn-ea"/>
-              <a:sym typeface="+mn-lt"/>
-            </a:endParaRPr>
-          </a:p>
-          <a:p>
-            <a:pPr defTabSz="914397">
-              <a:lnSpc>
-                <a:spcPct val="150000"/>
-              </a:lnSpc>
-              <a:defRPr/>
-            </a:pPr>
-            <a:r>
-              <a:rPr lang="en-GB" sz="1400" b="1" dirty="0" err="1">
-                <a:solidFill>
-                  <a:srgbClr val="FFFFFF"/>
-                </a:solidFill>
-                <a:cs typeface="+mn-ea"/>
-                <a:sym typeface="+mn-lt"/>
-              </a:rPr>
-              <a:t>音频创意</a:t>
-            </a:r>
-            <a:r>
-              <a:rPr lang="en-US" altLang="zh-CN" sz="1400" b="1" dirty="0" smtClean="0">
-                <a:solidFill>
-                  <a:srgbClr val="FFFFFF"/>
-                </a:solidFill>
-                <a:cs typeface="+mn-ea"/>
-                <a:sym typeface="+mn-lt"/>
-              </a:rPr>
-              <a:t>&amp;</a:t>
-            </a:r>
-            <a:r>
-              <a:rPr lang="zh-CN" altLang="en-US" sz="1400" b="1" dirty="0" smtClean="0">
-                <a:solidFill>
-                  <a:srgbClr val="FFFFFF"/>
-                </a:solidFill>
-                <a:cs typeface="+mn-ea"/>
-                <a:sym typeface="+mn-lt"/>
-              </a:rPr>
-              <a:t>体验：</a:t>
-            </a:r>
-            <a:endParaRPr lang="en-US" altLang="zh-CN" sz="1400" b="1" dirty="0" smtClean="0">
-              <a:solidFill>
-                <a:srgbClr val="FFFFFF"/>
-              </a:solidFill>
-              <a:cs typeface="+mn-ea"/>
-              <a:sym typeface="+mn-lt"/>
-            </a:endParaRPr>
-          </a:p>
-          <a:p>
-            <a:pPr marL="285750" indent="-285750" defTabSz="914397">
-              <a:lnSpc>
-                <a:spcPct val="150000"/>
-              </a:lnSpc>
-              <a:buFont typeface="Arial" panose="020B0604020202020204" pitchFamily="34" charset="0"/>
-              <a:buChar char="•"/>
-              <a:defRPr/>
-            </a:pPr>
-            <a:r>
-              <a:rPr lang="zh-CN" altLang="en-US" sz="1400" b="1" dirty="0" smtClean="0">
-                <a:solidFill>
-                  <a:srgbClr val="FFFFFF"/>
-                </a:solidFill>
-                <a:cs typeface="+mn-ea"/>
-                <a:sym typeface="+mn-lt"/>
-              </a:rPr>
-              <a:t>跟音乐相关的主题活动</a:t>
-            </a:r>
-            <a:endParaRPr lang="en-US" altLang="zh-CN" sz="1400" b="1" dirty="0" smtClean="0">
-              <a:solidFill>
-                <a:srgbClr val="FFFFFF"/>
-              </a:solidFill>
-              <a:cs typeface="+mn-ea"/>
-              <a:sym typeface="+mn-lt"/>
-            </a:endParaRPr>
-          </a:p>
-          <a:p>
-            <a:pPr marL="285750" indent="-285750" defTabSz="914397">
-              <a:lnSpc>
-                <a:spcPct val="150000"/>
-              </a:lnSpc>
-              <a:buFont typeface="Arial" panose="020B0604020202020204" pitchFamily="34" charset="0"/>
-              <a:buChar char="•"/>
-              <a:defRPr/>
-            </a:pPr>
-            <a:r>
-              <a:rPr lang="zh-CN" altLang="en-US" sz="1400" b="1" dirty="0" smtClean="0">
-                <a:solidFill>
-                  <a:srgbClr val="FFFFFF"/>
-                </a:solidFill>
-                <a:cs typeface="+mn-ea"/>
-                <a:sym typeface="+mn-lt"/>
-              </a:rPr>
-              <a:t>跟 </a:t>
-            </a:r>
-            <a:r>
-              <a:rPr lang="en-US" altLang="zh-CN" sz="1400" b="1" dirty="0" err="1" smtClean="0">
-                <a:solidFill>
-                  <a:srgbClr val="FFFFFF"/>
-                </a:solidFill>
-                <a:cs typeface="+mn-ea"/>
-                <a:sym typeface="+mn-lt"/>
-              </a:rPr>
-              <a:t>Naim</a:t>
-            </a:r>
-            <a:r>
-              <a:rPr lang="en-US" altLang="zh-CN" sz="1400" b="1" dirty="0" smtClean="0">
-                <a:solidFill>
-                  <a:srgbClr val="FFFFFF"/>
-                </a:solidFill>
-                <a:cs typeface="+mn-ea"/>
-                <a:sym typeface="+mn-lt"/>
-              </a:rPr>
-              <a:t> </a:t>
-            </a:r>
-            <a:r>
-              <a:rPr lang="zh-CN" altLang="en-US" sz="1400" b="1" dirty="0" smtClean="0">
-                <a:solidFill>
-                  <a:srgbClr val="FFFFFF"/>
-                </a:solidFill>
-                <a:cs typeface="+mn-ea"/>
-                <a:sym typeface="+mn-lt"/>
-              </a:rPr>
-              <a:t>品牌合作</a:t>
-            </a:r>
-            <a:endParaRPr lang="en-US" altLang="zh-CN" sz="1400" b="1" dirty="0" smtClean="0">
-              <a:solidFill>
-                <a:srgbClr val="FFFFFF"/>
-              </a:solidFill>
-              <a:cs typeface="+mn-ea"/>
-              <a:sym typeface="+mn-lt"/>
-            </a:endParaRPr>
-          </a:p>
-          <a:p>
-            <a:pPr defTabSz="914397">
-              <a:lnSpc>
-                <a:spcPct val="150000"/>
-              </a:lnSpc>
-              <a:defRPr/>
-            </a:pPr>
-            <a:r>
-              <a:rPr lang="zh-CN" altLang="en-US" sz="1400" b="1" dirty="0">
-                <a:solidFill>
-                  <a:srgbClr val="FFFFFF"/>
-                </a:solidFill>
-                <a:cs typeface="+mn-ea"/>
-                <a:sym typeface="+mn-lt"/>
-              </a:rPr>
-              <a:t>房地产</a:t>
-            </a:r>
-            <a:r>
-              <a:rPr lang="en-US" altLang="zh-CN" sz="1400" b="1" dirty="0">
-                <a:solidFill>
-                  <a:srgbClr val="FFFFFF"/>
-                </a:solidFill>
-                <a:cs typeface="+mn-ea"/>
-                <a:sym typeface="+mn-lt"/>
-              </a:rPr>
-              <a:t>-</a:t>
-            </a:r>
-            <a:r>
-              <a:rPr lang="zh-CN" altLang="en-US" sz="1400" b="1" dirty="0">
-                <a:solidFill>
-                  <a:srgbClr val="FFFFFF"/>
-                </a:solidFill>
-                <a:cs typeface="+mn-ea"/>
-                <a:sym typeface="+mn-lt"/>
-              </a:rPr>
-              <a:t>投资与生活方式</a:t>
-            </a:r>
-            <a:endParaRPr lang="en-GB" sz="1400" b="1" dirty="0">
-              <a:solidFill>
-                <a:srgbClr val="FFFFFF"/>
-              </a:solidFill>
-              <a:cs typeface="+mn-ea"/>
-              <a:sym typeface="+mn-lt"/>
-            </a:endParaRPr>
-          </a:p>
-          <a:p>
-            <a:pPr marL="285750" indent="-285750" defTabSz="914397">
-              <a:lnSpc>
-                <a:spcPct val="150000"/>
-              </a:lnSpc>
-              <a:buFont typeface="Arial" panose="020B0604020202020204" pitchFamily="34" charset="0"/>
-              <a:buChar char="•"/>
-              <a:defRPr/>
-            </a:pPr>
-            <a:r>
-              <a:rPr lang="zh-CN" altLang="en-US" sz="1400" b="1" dirty="0" smtClean="0">
-                <a:solidFill>
-                  <a:srgbClr val="FFFFFF"/>
-                </a:solidFill>
-                <a:cs typeface="+mn-ea"/>
-                <a:sym typeface="+mn-lt"/>
-              </a:rPr>
-              <a:t>跟某高端房地产合作，进行品鉴活动（需跟</a:t>
-            </a:r>
-            <a:r>
-              <a:rPr lang="en-US" altLang="zh-CN" sz="1400" b="1" dirty="0" smtClean="0">
-                <a:solidFill>
-                  <a:srgbClr val="FFFFFF"/>
-                </a:solidFill>
-                <a:cs typeface="+mn-ea"/>
-                <a:sym typeface="+mn-lt"/>
-              </a:rPr>
-              <a:t>BMC</a:t>
-            </a:r>
-            <a:r>
-              <a:rPr lang="zh-CN" altLang="en-US" sz="1400" b="1" dirty="0" smtClean="0">
-                <a:solidFill>
-                  <a:srgbClr val="FFFFFF"/>
-                </a:solidFill>
-                <a:cs typeface="+mn-ea"/>
-                <a:sym typeface="+mn-lt"/>
-              </a:rPr>
-              <a:t>报备）</a:t>
-            </a:r>
-            <a:endParaRPr lang="en-US" altLang="zh-CN" sz="1400" b="1" dirty="0" smtClean="0">
-              <a:solidFill>
-                <a:srgbClr val="FFFFFF"/>
-              </a:solidFill>
-              <a:cs typeface="+mn-ea"/>
-              <a:sym typeface="+mn-lt"/>
-            </a:endParaRPr>
-          </a:p>
-          <a:p>
-            <a:pPr marL="285750" indent="-285750" defTabSz="914397">
-              <a:lnSpc>
-                <a:spcPct val="150000"/>
-              </a:lnSpc>
-              <a:buFont typeface="Arial" panose="020B0604020202020204" pitchFamily="34" charset="0"/>
-              <a:buChar char="•"/>
-              <a:defRPr/>
-            </a:pPr>
-            <a:r>
-              <a:rPr lang="zh-CN" altLang="en-US" sz="1400" b="1" dirty="0" smtClean="0">
-                <a:solidFill>
-                  <a:srgbClr val="FFFFFF"/>
-                </a:solidFill>
-                <a:cs typeface="+mn-ea"/>
-                <a:sym typeface="+mn-lt"/>
-              </a:rPr>
-              <a:t>禁止以宾利品牌的名义进行酒店主题套房，联名主题下午茶等活动</a:t>
-            </a:r>
-            <a:endParaRPr lang="en-US" altLang="zh-CN" sz="1400" b="1" dirty="0" smtClean="0">
-              <a:solidFill>
-                <a:srgbClr val="FFFFFF"/>
-              </a:solidFill>
-              <a:cs typeface="+mn-ea"/>
-              <a:sym typeface="+mn-lt"/>
-            </a:endParaRPr>
-          </a:p>
-          <a:p>
-            <a:pPr marL="285750" indent="-285750" defTabSz="914397">
-              <a:lnSpc>
-                <a:spcPct val="150000"/>
-              </a:lnSpc>
-              <a:buFont typeface="Arial" panose="020B0604020202020204" pitchFamily="34" charset="0"/>
-              <a:buChar char="•"/>
-              <a:defRPr/>
-            </a:pPr>
-            <a:endParaRPr lang="en-US" altLang="zh-CN" sz="1400" b="1" dirty="0" smtClean="0">
-              <a:solidFill>
-                <a:srgbClr val="FFFFFF"/>
-              </a:solidFill>
-              <a:cs typeface="+mn-ea"/>
-              <a:sym typeface="+mn-lt"/>
-            </a:endParaRPr>
-          </a:p>
-          <a:p>
-            <a:pPr defTabSz="914397">
-              <a:lnSpc>
-                <a:spcPct val="150000"/>
-              </a:lnSpc>
-              <a:defRPr/>
-            </a:pPr>
-            <a:endParaRPr lang="en-US" altLang="zh-CN" sz="1400" dirty="0" smtClean="0">
-              <a:solidFill>
-                <a:srgbClr val="FFFFFF"/>
-              </a:solidFill>
-              <a:cs typeface="+mn-ea"/>
-              <a:sym typeface="+mn-lt"/>
-            </a:endParaRPr>
-          </a:p>
-          <a:p>
-            <a:pPr defTabSz="914397">
-              <a:lnSpc>
-                <a:spcPct val="150000"/>
-              </a:lnSpc>
-              <a:defRPr/>
-            </a:pPr>
-            <a:endParaRPr lang="zh-CN" altLang="en-US" sz="1187" dirty="0">
-              <a:solidFill>
-                <a:srgbClr val="FFFFFF"/>
-              </a:solidFill>
-              <a:cs typeface="+mn-ea"/>
-              <a:sym typeface="+mn-lt"/>
-            </a:endParaRPr>
-          </a:p>
-        </p:txBody>
-      </p:sp>
-      <p:sp>
-        <p:nvSpPr>
-          <p:cNvPr id="39" name="TextBox 38"/>
-          <p:cNvSpPr txBox="1"/>
-          <p:nvPr/>
-        </p:nvSpPr>
-        <p:spPr>
-          <a:xfrm>
-            <a:off x="535560" y="1447846"/>
-            <a:ext cx="2095087" cy="217044"/>
-          </a:xfrm>
-          <a:prstGeom prst="rect">
-            <a:avLst/>
-          </a:prstGeom>
-          <a:solidFill>
-            <a:srgbClr val="1C1C1D"/>
-          </a:solidFill>
-        </p:spPr>
-        <p:txBody>
-          <a:bodyPr wrap="none" lIns="85449" rIns="85449" rtlCol="0" anchor="ctr" anchorCtr="0">
-            <a:noAutofit/>
-          </a:bodyPr>
-          <a:lstStyle/>
-          <a:p>
-            <a:pPr defTabSz="914397" eaLnBrk="0" hangingPunct="0">
-              <a:buSzPct val="100000"/>
-              <a:defRPr/>
-            </a:pPr>
-            <a:r>
-              <a:rPr lang="zh-CN" altLang="en-US" sz="1424" b="1" dirty="0">
-                <a:solidFill>
-                  <a:srgbClr val="FFFFFF"/>
-                </a:solidFill>
-                <a:cs typeface="+mn-ea"/>
-                <a:sym typeface="+mn-lt"/>
-              </a:rPr>
-              <a:t>目标人群兴趣</a:t>
-            </a:r>
-            <a:r>
-              <a:rPr lang="zh-CN" altLang="en-US" sz="1424" b="1" dirty="0" smtClean="0">
-                <a:solidFill>
-                  <a:srgbClr val="FFFFFF"/>
-                </a:solidFill>
-                <a:cs typeface="+mn-ea"/>
-                <a:sym typeface="+mn-lt"/>
-              </a:rPr>
-              <a:t>点</a:t>
-            </a:r>
-            <a:endParaRPr lang="en-US" altLang="zh-CN" sz="1424" b="1" dirty="0">
-              <a:solidFill>
-                <a:srgbClr val="FFFFFF"/>
-              </a:solidFill>
-              <a:cs typeface="+mn-ea"/>
-              <a:sym typeface="+mn-lt"/>
-            </a:endParaRPr>
-          </a:p>
-        </p:txBody>
-      </p:sp>
-      <p:cxnSp>
-        <p:nvCxnSpPr>
-          <p:cNvPr id="29" name="Straight Connector 22">
-            <a:extLst>
-              <a:ext uri="{FF2B5EF4-FFF2-40B4-BE49-F238E27FC236}">
-                <a16:creationId xmlns:a16="http://schemas.microsoft.com/office/drawing/2014/main" id="{A91957F7-9F5B-6349-B0C8-443F34AF3D16}"/>
-              </a:ext>
-            </a:extLst>
-          </p:cNvPr>
-          <p:cNvCxnSpPr>
-            <a:cxnSpLocks/>
-          </p:cNvCxnSpPr>
-          <p:nvPr/>
-        </p:nvCxnSpPr>
-        <p:spPr>
-          <a:xfrm>
-            <a:off x="105" y="919424"/>
-            <a:ext cx="3798277" cy="0"/>
-          </a:xfrm>
-          <a:prstGeom prst="line">
-            <a:avLst/>
-          </a:prstGeom>
-          <a:ln>
-            <a:gradFill>
-              <a:gsLst>
-                <a:gs pos="0">
-                  <a:schemeClr val="tx1">
-                    <a:alpha val="0"/>
-                  </a:schemeClr>
-                </a:gs>
-                <a:gs pos="100000">
-                  <a:schemeClr val="bg1"/>
-                </a:gs>
-              </a:gsLst>
-              <a:lin ang="0" scaled="0"/>
-            </a:gradFill>
-          </a:ln>
-        </p:spPr>
-        <p:style>
-          <a:lnRef idx="1">
-            <a:schemeClr val="accent1"/>
-          </a:lnRef>
-          <a:fillRef idx="0">
-            <a:schemeClr val="accent1"/>
-          </a:fillRef>
-          <a:effectRef idx="0">
-            <a:schemeClr val="accent1"/>
-          </a:effectRef>
-          <a:fontRef idx="minor">
-            <a:schemeClr val="tx1"/>
-          </a:fontRef>
-        </p:style>
-      </p:cxnSp>
-      <p:sp>
-        <p:nvSpPr>
-          <p:cNvPr id="42" name="Rounded Rectangle 41"/>
-          <p:cNvSpPr/>
-          <p:nvPr/>
-        </p:nvSpPr>
-        <p:spPr>
-          <a:xfrm>
-            <a:off x="5840529" y="1546969"/>
-            <a:ext cx="5883041" cy="4189689"/>
-          </a:xfrm>
-          <a:prstGeom prst="roundRect">
-            <a:avLst>
-              <a:gd name="adj" fmla="val 12842"/>
-            </a:avLst>
-          </a:prstGeom>
-          <a:noFill/>
-          <a:ln w="12700" cmpd="sng">
-            <a:solidFill>
-              <a:schemeClr val="bg1">
-                <a:lumMod val="65000"/>
-              </a:schemeClr>
-            </a:solidFill>
-            <a:miter lim="800000"/>
-            <a:headEnd/>
-            <a:tailEnd/>
-          </a:ln>
-        </p:spPr>
-        <p:txBody>
-          <a:bodyPr wrap="square" lIns="85449" rIns="85449" rtlCol="0" anchor="t">
-            <a:prstTxWarp prst="textNoShape">
-              <a:avLst/>
-            </a:prstTxWarp>
-            <a:noAutofit/>
-          </a:bodyPr>
-          <a:lstStyle/>
-          <a:p>
-            <a:pPr defTabSz="914397">
-              <a:defRPr/>
-            </a:pPr>
-            <a:r>
-              <a:rPr lang="en-US" sz="1400" dirty="0">
-                <a:solidFill>
-                  <a:srgbClr val="FFFFFF"/>
-                </a:solidFill>
-                <a:cs typeface="+mn-ea"/>
-                <a:sym typeface="+mn-lt"/>
-              </a:rPr>
-              <a:t>   </a:t>
-            </a:r>
-          </a:p>
-        </p:txBody>
-      </p:sp>
-      <p:sp>
-        <p:nvSpPr>
-          <p:cNvPr id="43" name="Rectangle 42"/>
-          <p:cNvSpPr/>
-          <p:nvPr/>
-        </p:nvSpPr>
-        <p:spPr>
-          <a:xfrm>
-            <a:off x="5931084" y="1646982"/>
-            <a:ext cx="5561479" cy="4053417"/>
-          </a:xfrm>
-          <a:prstGeom prst="rect">
-            <a:avLst/>
-          </a:prstGeom>
-        </p:spPr>
-        <p:txBody>
-          <a:bodyPr wrap="square">
-            <a:spAutoFit/>
-          </a:bodyPr>
-          <a:lstStyle/>
-          <a:p>
-            <a:pPr defTabSz="914397">
-              <a:lnSpc>
-                <a:spcPct val="150000"/>
-              </a:lnSpc>
-              <a:defRPr/>
-            </a:pPr>
-            <a:r>
-              <a:rPr lang="en-US" altLang="zh-CN" sz="1400" b="1" dirty="0" smtClean="0">
-                <a:solidFill>
-                  <a:srgbClr val="FFFFFF"/>
-                </a:solidFill>
-                <a:cs typeface="+mn-ea"/>
-                <a:sym typeface="+mn-lt"/>
-              </a:rPr>
-              <a:t>No.1 </a:t>
-            </a:r>
-            <a:r>
-              <a:rPr lang="zh-CN" altLang="en-US" sz="1400" b="1" dirty="0" smtClean="0">
-                <a:solidFill>
-                  <a:srgbClr val="FFFFFF"/>
-                </a:solidFill>
-                <a:cs typeface="+mn-ea"/>
-                <a:sym typeface="+mn-lt"/>
-              </a:rPr>
-              <a:t>调情</a:t>
-            </a:r>
-            <a:r>
-              <a:rPr lang="en-US" altLang="zh-CN" sz="1400" b="1" dirty="0" smtClean="0">
-                <a:solidFill>
-                  <a:srgbClr val="FFFFFF"/>
-                </a:solidFill>
-                <a:cs typeface="+mn-ea"/>
-                <a:sym typeface="+mn-lt"/>
-              </a:rPr>
-              <a:t>: 	</a:t>
-            </a:r>
-            <a:r>
-              <a:rPr lang="zh-CN" altLang="en-US" sz="1400" b="1" dirty="0" smtClean="0">
-                <a:solidFill>
-                  <a:srgbClr val="FFFFFF"/>
-                </a:solidFill>
-                <a:cs typeface="+mn-ea"/>
-                <a:sym typeface="+mn-lt"/>
-              </a:rPr>
-              <a:t>创造</a:t>
-            </a:r>
-            <a:r>
-              <a:rPr lang="zh-CN" altLang="en-US" sz="1400" b="1" dirty="0">
-                <a:solidFill>
-                  <a:srgbClr val="FFFFFF"/>
-                </a:solidFill>
-                <a:cs typeface="+mn-ea"/>
-                <a:sym typeface="+mn-lt"/>
-              </a:rPr>
-              <a:t>与品牌、产品及经销商的初次接触</a:t>
-            </a:r>
-          </a:p>
-          <a:p>
-            <a:pPr defTabSz="914397">
-              <a:lnSpc>
-                <a:spcPct val="150000"/>
-              </a:lnSpc>
-              <a:spcAft>
-                <a:spcPts val="600"/>
-              </a:spcAft>
-              <a:defRPr/>
-            </a:pPr>
-            <a:r>
-              <a:rPr lang="en-US" altLang="zh-CN" sz="1400" b="1" dirty="0" smtClean="0">
-                <a:solidFill>
-                  <a:srgbClr val="FFFFFF"/>
-                </a:solidFill>
-                <a:cs typeface="+mn-ea"/>
-                <a:sym typeface="+mn-lt"/>
-              </a:rPr>
-              <a:t>	</a:t>
-            </a:r>
-            <a:r>
-              <a:rPr lang="zh-CN" altLang="en-US" sz="1400" b="1" dirty="0" smtClean="0">
-                <a:solidFill>
-                  <a:srgbClr val="FFFFFF"/>
-                </a:solidFill>
-                <a:cs typeface="+mn-ea"/>
-                <a:sym typeface="+mn-lt"/>
-              </a:rPr>
-              <a:t>例如</a:t>
-            </a:r>
-            <a:r>
-              <a:rPr lang="zh-CN" altLang="en-US" sz="1400" b="1" dirty="0">
-                <a:solidFill>
-                  <a:srgbClr val="FFFFFF"/>
-                </a:solidFill>
-                <a:cs typeface="+mn-ea"/>
-                <a:sym typeface="+mn-lt"/>
-              </a:rPr>
-              <a:t>客户带孩子参加宾</a:t>
-            </a:r>
-            <a:r>
-              <a:rPr lang="zh-CN" altLang="en-US" sz="1400" b="1" dirty="0" smtClean="0">
-                <a:solidFill>
-                  <a:srgbClr val="FFFFFF"/>
-                </a:solidFill>
-                <a:cs typeface="+mn-ea"/>
-                <a:sym typeface="+mn-lt"/>
-              </a:rPr>
-              <a:t>利经销商的线下活动</a:t>
-            </a:r>
-            <a:endParaRPr lang="en-US" altLang="zh-CN" sz="1400" b="1" dirty="0" smtClean="0">
-              <a:solidFill>
-                <a:srgbClr val="FFFFFF"/>
-              </a:solidFill>
-              <a:cs typeface="+mn-ea"/>
-              <a:sym typeface="+mn-lt"/>
-            </a:endParaRPr>
-          </a:p>
-          <a:p>
-            <a:pPr defTabSz="914397">
-              <a:lnSpc>
-                <a:spcPct val="80000"/>
-              </a:lnSpc>
-              <a:spcBef>
-                <a:spcPts val="600"/>
-              </a:spcBef>
-              <a:spcAft>
-                <a:spcPts val="600"/>
-              </a:spcAft>
-              <a:defRPr/>
-            </a:pPr>
-            <a:r>
-              <a:rPr lang="en-US" sz="1400" b="1" dirty="0" smtClean="0">
-                <a:solidFill>
-                  <a:srgbClr val="FFFFFF"/>
-                </a:solidFill>
-                <a:cs typeface="+mn-ea"/>
-                <a:sym typeface="+mn-lt"/>
-              </a:rPr>
-              <a:t>No.2 </a:t>
-            </a:r>
-            <a:r>
-              <a:rPr lang="zh-CN" altLang="en-US" sz="1400" b="1" dirty="0">
-                <a:solidFill>
-                  <a:srgbClr val="FFFFFF"/>
-                </a:solidFill>
-                <a:cs typeface="+mn-ea"/>
-                <a:sym typeface="+mn-lt"/>
-              </a:rPr>
-              <a:t>初次</a:t>
-            </a:r>
-            <a:r>
-              <a:rPr lang="zh-CN" altLang="en-US" sz="1400" b="1" dirty="0" smtClean="0">
-                <a:solidFill>
-                  <a:srgbClr val="FFFFFF"/>
-                </a:solidFill>
-                <a:cs typeface="+mn-ea"/>
-                <a:sym typeface="+mn-lt"/>
-              </a:rPr>
-              <a:t>约会</a:t>
-            </a:r>
-            <a:r>
-              <a:rPr lang="en-US" altLang="zh-CN" sz="1400" b="1" dirty="0" smtClean="0">
-                <a:solidFill>
-                  <a:srgbClr val="FFFFFF"/>
-                </a:solidFill>
-                <a:cs typeface="+mn-ea"/>
-                <a:sym typeface="+mn-lt"/>
-              </a:rPr>
-              <a:t>:  </a:t>
-            </a:r>
-            <a:r>
-              <a:rPr lang="zh-CN" altLang="en-US" sz="1400" b="1" spc="-9" dirty="0" smtClean="0">
-                <a:solidFill>
-                  <a:schemeClr val="bg1"/>
-                </a:solidFill>
-                <a:cs typeface="+mn-ea"/>
-                <a:sym typeface="+mn-lt"/>
-              </a:rPr>
-              <a:t>例如</a:t>
-            </a:r>
-            <a:r>
-              <a:rPr lang="zh-CN" altLang="en-US" sz="1400" b="1" i="1" spc="-9" dirty="0">
-                <a:solidFill>
-                  <a:schemeClr val="bg1"/>
-                </a:solidFill>
-                <a:cs typeface="+mn-ea"/>
-                <a:sym typeface="+mn-lt"/>
-              </a:rPr>
-              <a:t>试驾</a:t>
-            </a:r>
-            <a:r>
-              <a:rPr lang="zh-CN" altLang="en-US" sz="1400" b="1" i="1" spc="-9" dirty="0" smtClean="0">
-                <a:solidFill>
-                  <a:schemeClr val="bg1"/>
-                </a:solidFill>
-                <a:cs typeface="+mn-ea"/>
-                <a:sym typeface="+mn-lt"/>
-              </a:rPr>
-              <a:t>体验</a:t>
-            </a:r>
-            <a:endParaRPr lang="en-US" altLang="zh-CN" sz="1400" b="1" i="1" spc="-9" dirty="0" smtClean="0">
-              <a:solidFill>
-                <a:schemeClr val="bg1"/>
-              </a:solidFill>
-              <a:cs typeface="+mn-ea"/>
-              <a:sym typeface="+mn-lt"/>
-            </a:endParaRPr>
-          </a:p>
-          <a:p>
-            <a:pPr defTabSz="914397">
-              <a:lnSpc>
-                <a:spcPct val="80000"/>
-              </a:lnSpc>
-              <a:spcBef>
-                <a:spcPts val="600"/>
-              </a:spcBef>
-              <a:spcAft>
-                <a:spcPts val="601"/>
-              </a:spcAft>
-              <a:defRPr/>
-            </a:pPr>
-            <a:r>
-              <a:rPr lang="en-US" altLang="zh-CN" sz="1400" b="1" i="1" spc="-9" dirty="0">
-                <a:solidFill>
-                  <a:schemeClr val="bg1"/>
-                </a:solidFill>
-                <a:cs typeface="+mn-ea"/>
-                <a:sym typeface="+mn-lt"/>
-              </a:rPr>
-              <a:t> </a:t>
-            </a:r>
-            <a:r>
-              <a:rPr lang="en-US" altLang="zh-CN" sz="1400" b="1" i="1" spc="-9" dirty="0" smtClean="0">
-                <a:solidFill>
-                  <a:schemeClr val="bg1"/>
-                </a:solidFill>
-                <a:cs typeface="+mn-ea"/>
-                <a:sym typeface="+mn-lt"/>
-              </a:rPr>
-              <a:t>	       </a:t>
-            </a:r>
-            <a:r>
-              <a:rPr lang="zh-CN" altLang="en-US" sz="1400" b="1" spc="-9" dirty="0" smtClean="0">
-                <a:solidFill>
-                  <a:schemeClr val="bg1"/>
-                </a:solidFill>
-                <a:cs typeface="+mn-ea"/>
-                <a:sym typeface="+mn-lt"/>
-              </a:rPr>
-              <a:t>在</a:t>
-            </a:r>
-            <a:r>
-              <a:rPr lang="zh-CN" altLang="en-US" sz="1400" b="1" spc="-9" dirty="0">
-                <a:solidFill>
-                  <a:schemeClr val="bg1"/>
-                </a:solidFill>
-                <a:cs typeface="+mn-ea"/>
-                <a:sym typeface="+mn-lt"/>
-              </a:rPr>
-              <a:t>经销商店头通过</a:t>
-            </a:r>
-            <a:r>
-              <a:rPr lang="en-US" altLang="zh-CN" sz="1400" b="1" spc="-9" dirty="0">
-                <a:solidFill>
-                  <a:schemeClr val="bg1"/>
-                </a:solidFill>
-                <a:cs typeface="+mn-ea"/>
-                <a:sym typeface="+mn-lt"/>
-              </a:rPr>
-              <a:t>VR</a:t>
-            </a:r>
-            <a:r>
-              <a:rPr lang="zh-CN" altLang="en-US" sz="1400" b="1" spc="-9" dirty="0">
-                <a:solidFill>
-                  <a:schemeClr val="bg1"/>
-                </a:solidFill>
-                <a:cs typeface="+mn-ea"/>
-                <a:sym typeface="+mn-lt"/>
-              </a:rPr>
-              <a:t>设备了解品牌</a:t>
-            </a:r>
-            <a:endParaRPr lang="en-US" sz="1400" b="1" spc="-9" dirty="0">
-              <a:solidFill>
-                <a:schemeClr val="bg1"/>
-              </a:solidFill>
-              <a:cs typeface="+mn-ea"/>
-              <a:sym typeface="+mn-lt"/>
-            </a:endParaRPr>
-          </a:p>
-          <a:p>
-            <a:pPr defTabSz="914397">
-              <a:lnSpc>
-                <a:spcPct val="150000"/>
-              </a:lnSpc>
-              <a:defRPr/>
-            </a:pPr>
-            <a:r>
-              <a:rPr lang="en-US" sz="1400" b="1" dirty="0" smtClean="0">
-                <a:solidFill>
-                  <a:schemeClr val="bg1"/>
-                </a:solidFill>
-                <a:cs typeface="+mn-ea"/>
-                <a:sym typeface="+mn-lt"/>
-              </a:rPr>
-              <a:t>No.3 </a:t>
-            </a:r>
-            <a:r>
-              <a:rPr lang="zh-CN" altLang="en-US" sz="1400" b="1" dirty="0" smtClean="0">
-                <a:solidFill>
-                  <a:schemeClr val="bg1"/>
-                </a:solidFill>
-                <a:cs typeface="+mn-ea"/>
-                <a:sym typeface="+mn-lt"/>
-              </a:rPr>
-              <a:t>拜见</a:t>
-            </a:r>
-            <a:r>
-              <a:rPr lang="zh-CN" altLang="en-US" sz="1400" b="1" dirty="0">
-                <a:solidFill>
-                  <a:schemeClr val="bg1"/>
-                </a:solidFill>
-                <a:cs typeface="+mn-ea"/>
-                <a:sym typeface="+mn-lt"/>
-              </a:rPr>
-              <a:t>父母</a:t>
-            </a:r>
-            <a:r>
-              <a:rPr lang="zh-CN" altLang="en-US" sz="1400" b="1" dirty="0" smtClean="0">
-                <a:solidFill>
-                  <a:schemeClr val="bg1"/>
-                </a:solidFill>
-                <a:cs typeface="+mn-ea"/>
-                <a:sym typeface="+mn-lt"/>
-              </a:rPr>
-              <a:t>：例如</a:t>
-            </a:r>
-            <a:r>
-              <a:rPr lang="zh-CN" altLang="en-US" sz="1400" b="1" dirty="0">
-                <a:solidFill>
-                  <a:schemeClr val="bg1"/>
-                </a:solidFill>
-                <a:cs typeface="+mn-ea"/>
-                <a:sym typeface="+mn-lt"/>
-              </a:rPr>
-              <a:t>以虚拟形式参观工厂</a:t>
-            </a:r>
-          </a:p>
-          <a:p>
-            <a:pPr defTabSz="914397">
-              <a:lnSpc>
-                <a:spcPct val="150000"/>
-              </a:lnSpc>
-              <a:defRPr/>
-            </a:pPr>
-            <a:r>
-              <a:rPr lang="en-US" sz="1400" b="1" dirty="0" smtClean="0">
-                <a:solidFill>
-                  <a:srgbClr val="FFFFFF"/>
-                </a:solidFill>
-                <a:cs typeface="+mn-ea"/>
-                <a:sym typeface="+mn-lt"/>
-              </a:rPr>
-              <a:t>No.4 </a:t>
-            </a:r>
-            <a:r>
-              <a:rPr lang="zh-CN" altLang="en-US" sz="1400" b="1" dirty="0">
-                <a:solidFill>
-                  <a:srgbClr val="FFFFFF"/>
-                </a:solidFill>
-                <a:cs typeface="+mn-ea"/>
-                <a:sym typeface="+mn-lt"/>
-              </a:rPr>
-              <a:t>求婚仪式：上门服务下订单</a:t>
-            </a:r>
-          </a:p>
-          <a:p>
-            <a:pPr defTabSz="914397">
-              <a:lnSpc>
-                <a:spcPct val="150000"/>
-              </a:lnSpc>
-              <a:defRPr/>
-            </a:pPr>
-            <a:r>
-              <a:rPr lang="en-US" sz="1400" b="1" dirty="0" smtClean="0">
-                <a:solidFill>
-                  <a:srgbClr val="FFFFFF"/>
-                </a:solidFill>
-                <a:cs typeface="+mn-ea"/>
-                <a:sym typeface="+mn-lt"/>
-              </a:rPr>
-              <a:t>No.5 </a:t>
-            </a:r>
-            <a:r>
-              <a:rPr lang="zh-CN" altLang="en-US" sz="1400" b="1" dirty="0">
-                <a:solidFill>
-                  <a:srgbClr val="FFFFFF"/>
-                </a:solidFill>
-                <a:cs typeface="+mn-ea"/>
-                <a:sym typeface="+mn-lt"/>
-              </a:rPr>
-              <a:t>婚礼仪式：提供定制化的交车仪式</a:t>
-            </a:r>
-            <a:endParaRPr lang="en-US" altLang="zh-CN" sz="1400" b="1" dirty="0">
-              <a:solidFill>
-                <a:srgbClr val="FFFFFF"/>
-              </a:solidFill>
-              <a:cs typeface="+mn-ea"/>
-              <a:sym typeface="+mn-lt"/>
-            </a:endParaRPr>
-          </a:p>
-          <a:p>
-            <a:pPr defTabSz="914397">
-              <a:lnSpc>
-                <a:spcPct val="150000"/>
-              </a:lnSpc>
-              <a:defRPr/>
-            </a:pPr>
-            <a:r>
-              <a:rPr lang="en-US" sz="1400" b="1" dirty="0">
-                <a:solidFill>
-                  <a:srgbClr val="FFFFFF"/>
-                </a:solidFill>
-                <a:cs typeface="+mn-ea"/>
-                <a:sym typeface="+mn-lt"/>
-              </a:rPr>
-              <a:t>No.6 </a:t>
-            </a:r>
-            <a:r>
-              <a:rPr lang="zh-CN" altLang="en-US" sz="1400" b="1" dirty="0">
-                <a:solidFill>
-                  <a:srgbClr val="FFFFFF"/>
-                </a:solidFill>
-                <a:cs typeface="+mn-ea"/>
-                <a:sym typeface="+mn-lt"/>
-              </a:rPr>
-              <a:t>初次争吵</a:t>
-            </a:r>
-            <a:r>
-              <a:rPr lang="zh-CN" altLang="en-US" sz="1400" b="1" dirty="0" smtClean="0">
-                <a:solidFill>
-                  <a:srgbClr val="FFFFFF"/>
-                </a:solidFill>
-                <a:cs typeface="+mn-ea"/>
-                <a:sym typeface="+mn-lt"/>
-              </a:rPr>
-              <a:t>：呼叫中心以及专门的客户关怀经理</a:t>
-            </a:r>
-            <a:endParaRPr lang="en-US" altLang="zh-CN" sz="1400" b="1" dirty="0" smtClean="0">
-              <a:solidFill>
-                <a:srgbClr val="FFFFFF"/>
-              </a:solidFill>
-              <a:cs typeface="+mn-ea"/>
-              <a:sym typeface="+mn-lt"/>
-            </a:endParaRPr>
-          </a:p>
-          <a:p>
-            <a:pPr defTabSz="914397">
-              <a:lnSpc>
-                <a:spcPct val="150000"/>
-              </a:lnSpc>
-              <a:defRPr/>
-            </a:pPr>
-            <a:r>
-              <a:rPr lang="en-US" sz="1400" b="1" dirty="0" smtClean="0">
-                <a:solidFill>
-                  <a:srgbClr val="FFFFFF"/>
-                </a:solidFill>
-                <a:cs typeface="+mn-ea"/>
-                <a:sym typeface="+mn-lt"/>
-              </a:rPr>
-              <a:t>No.7 </a:t>
-            </a:r>
-            <a:r>
-              <a:rPr lang="zh-CN" altLang="en-US" sz="1400" b="1" dirty="0">
-                <a:solidFill>
-                  <a:srgbClr val="FFFFFF"/>
-                </a:solidFill>
-                <a:cs typeface="+mn-ea"/>
-                <a:sym typeface="+mn-lt"/>
-              </a:rPr>
-              <a:t>纪念日问候：例如纪念日礼物</a:t>
-            </a:r>
-          </a:p>
-          <a:p>
-            <a:pPr defTabSz="914397">
-              <a:lnSpc>
-                <a:spcPct val="150000"/>
-              </a:lnSpc>
-              <a:defRPr/>
-            </a:pPr>
-            <a:r>
-              <a:rPr lang="en-US" sz="1400" b="1" dirty="0" smtClean="0">
-                <a:solidFill>
-                  <a:srgbClr val="FFFFFF"/>
-                </a:solidFill>
-                <a:cs typeface="+mn-ea"/>
-                <a:sym typeface="+mn-lt"/>
-              </a:rPr>
-              <a:t>No.8 </a:t>
-            </a:r>
-            <a:r>
-              <a:rPr lang="zh-CN" altLang="en-US" sz="1400" b="1" dirty="0">
-                <a:solidFill>
-                  <a:srgbClr val="FFFFFF"/>
-                </a:solidFill>
-                <a:cs typeface="+mn-ea"/>
-                <a:sym typeface="+mn-lt"/>
-              </a:rPr>
-              <a:t>分享甜蜜</a:t>
-            </a:r>
-            <a:r>
-              <a:rPr lang="zh-CN" altLang="en-US" sz="1400" b="1" dirty="0" smtClean="0">
-                <a:solidFill>
-                  <a:srgbClr val="FFFFFF"/>
-                </a:solidFill>
-                <a:cs typeface="+mn-ea"/>
-                <a:sym typeface="+mn-lt"/>
-              </a:rPr>
-              <a:t>：</a:t>
-            </a:r>
-            <a:r>
-              <a:rPr lang="zh-CN" altLang="en-US" sz="1400" b="1" dirty="0">
-                <a:solidFill>
-                  <a:srgbClr val="FFFFFF"/>
-                </a:solidFill>
-                <a:cs typeface="+mn-ea"/>
-                <a:sym typeface="+mn-lt"/>
-              </a:rPr>
-              <a:t>车主转</a:t>
-            </a:r>
-            <a:r>
-              <a:rPr lang="zh-CN" altLang="en-US" sz="1400" b="1" dirty="0" smtClean="0">
-                <a:solidFill>
-                  <a:srgbClr val="FFFFFF"/>
-                </a:solidFill>
-                <a:cs typeface="+mn-ea"/>
-                <a:sym typeface="+mn-lt"/>
-              </a:rPr>
-              <a:t>介绍，提供</a:t>
-            </a:r>
-            <a:r>
-              <a:rPr lang="zh-CN" altLang="en-US" sz="1400" b="1" dirty="0">
-                <a:solidFill>
-                  <a:srgbClr val="FFFFFF"/>
-                </a:solidFill>
-                <a:cs typeface="+mn-ea"/>
-                <a:sym typeface="+mn-lt"/>
-              </a:rPr>
-              <a:t>忠诚客户活动参加资格作为</a:t>
-            </a:r>
-            <a:r>
-              <a:rPr lang="zh-CN" altLang="en-US" sz="1400" b="1" dirty="0" smtClean="0">
-                <a:solidFill>
-                  <a:srgbClr val="FFFFFF"/>
-                </a:solidFill>
-                <a:cs typeface="+mn-ea"/>
-                <a:sym typeface="+mn-lt"/>
-              </a:rPr>
-              <a:t>回馈</a:t>
-            </a:r>
-            <a:endParaRPr lang="en-US" sz="1400" b="1" dirty="0">
-              <a:solidFill>
-                <a:srgbClr val="FFFFFF"/>
-              </a:solidFill>
-              <a:cs typeface="+mn-ea"/>
-              <a:sym typeface="+mn-lt"/>
-            </a:endParaRPr>
-          </a:p>
-          <a:p>
-            <a:pPr defTabSz="914397">
-              <a:lnSpc>
-                <a:spcPct val="150000"/>
-              </a:lnSpc>
-              <a:defRPr/>
-            </a:pPr>
-            <a:r>
-              <a:rPr lang="en-US" sz="1400" b="1" dirty="0">
-                <a:solidFill>
-                  <a:srgbClr val="FFFFFF"/>
-                </a:solidFill>
-                <a:cs typeface="+mn-ea"/>
-                <a:sym typeface="+mn-lt"/>
-              </a:rPr>
-              <a:t>No.9 </a:t>
-            </a:r>
-            <a:r>
-              <a:rPr lang="zh-CN" altLang="en-US" sz="1400" b="1" dirty="0">
-                <a:solidFill>
-                  <a:srgbClr val="FFFFFF"/>
-                </a:solidFill>
-                <a:cs typeface="+mn-ea"/>
-                <a:sym typeface="+mn-lt"/>
-              </a:rPr>
-              <a:t>重燃爱火</a:t>
-            </a:r>
-            <a:r>
-              <a:rPr lang="zh-CN" altLang="en-US" sz="1400" b="1" dirty="0" smtClean="0">
-                <a:solidFill>
-                  <a:srgbClr val="FFFFFF"/>
-                </a:solidFill>
-                <a:cs typeface="+mn-ea"/>
-                <a:sym typeface="+mn-lt"/>
-              </a:rPr>
-              <a:t>：通过</a:t>
-            </a:r>
-            <a:r>
-              <a:rPr lang="zh-CN" altLang="en-US" sz="1400" b="1" dirty="0">
-                <a:solidFill>
-                  <a:srgbClr val="FFFFFF"/>
-                </a:solidFill>
-                <a:cs typeface="+mn-ea"/>
-                <a:sym typeface="+mn-lt"/>
-              </a:rPr>
-              <a:t>提供专属体验鼓励客户复购或升级</a:t>
-            </a:r>
-          </a:p>
-          <a:p>
-            <a:pPr defTabSz="914397">
-              <a:lnSpc>
-                <a:spcPct val="150000"/>
-              </a:lnSpc>
-              <a:defRPr/>
-            </a:pPr>
-            <a:r>
-              <a:rPr lang="en-US" sz="1400" b="1" dirty="0" smtClean="0">
-                <a:solidFill>
-                  <a:srgbClr val="FFFFFF"/>
-                </a:solidFill>
-                <a:cs typeface="+mn-ea"/>
-                <a:sym typeface="+mn-lt"/>
-              </a:rPr>
-              <a:t>No.10 </a:t>
-            </a:r>
-            <a:r>
-              <a:rPr lang="zh-CN" altLang="en-US" sz="1400" b="1" dirty="0">
-                <a:solidFill>
-                  <a:srgbClr val="FFFFFF"/>
-                </a:solidFill>
-                <a:cs typeface="+mn-ea"/>
-                <a:sym typeface="+mn-lt"/>
-              </a:rPr>
-              <a:t>使之永恒：组织客户参与慈善类活动如拜访孤儿院、捐助等</a:t>
-            </a:r>
-            <a:endParaRPr lang="en-US" sz="1400" b="1" dirty="0">
-              <a:solidFill>
-                <a:srgbClr val="FFFFFF"/>
-              </a:solidFill>
-              <a:cs typeface="+mn-ea"/>
-              <a:sym typeface="+mn-lt"/>
-            </a:endParaRPr>
-          </a:p>
-        </p:txBody>
-      </p:sp>
-      <p:sp>
-        <p:nvSpPr>
-          <p:cNvPr id="44" name="TextBox 43"/>
-          <p:cNvSpPr txBox="1"/>
-          <p:nvPr/>
-        </p:nvSpPr>
-        <p:spPr>
-          <a:xfrm>
-            <a:off x="5933744" y="1475121"/>
-            <a:ext cx="2095087" cy="217044"/>
-          </a:xfrm>
-          <a:prstGeom prst="rect">
-            <a:avLst/>
-          </a:prstGeom>
-          <a:solidFill>
-            <a:srgbClr val="1C1C1D"/>
-          </a:solidFill>
-        </p:spPr>
-        <p:txBody>
-          <a:bodyPr wrap="none" lIns="85449" rIns="85449" rtlCol="0" anchor="ctr" anchorCtr="0">
-            <a:noAutofit/>
-          </a:bodyPr>
-          <a:lstStyle/>
-          <a:p>
-            <a:pPr defTabSz="914397" eaLnBrk="0" hangingPunct="0">
-              <a:buSzPct val="100000"/>
-              <a:defRPr/>
-            </a:pPr>
-            <a:r>
-              <a:rPr lang="zh-CN" altLang="en-US" sz="1424" b="1" dirty="0" smtClean="0">
-                <a:solidFill>
-                  <a:srgbClr val="FFFFFF"/>
-                </a:solidFill>
-                <a:cs typeface="+mn-ea"/>
-                <a:sym typeface="+mn-lt"/>
-              </a:rPr>
-              <a:t>宾</a:t>
-            </a:r>
-            <a:r>
-              <a:rPr lang="zh-CN" altLang="en-US" sz="1424" b="1" dirty="0">
-                <a:solidFill>
-                  <a:srgbClr val="FFFFFF"/>
-                </a:solidFill>
-                <a:cs typeface="+mn-ea"/>
-                <a:sym typeface="+mn-lt"/>
-              </a:rPr>
-              <a:t>利非凡客户旅程</a:t>
-            </a:r>
-            <a:endParaRPr lang="en-US" altLang="zh-CN" sz="1424" b="1" dirty="0">
-              <a:solidFill>
-                <a:srgbClr val="FFFFFF"/>
-              </a:solidFill>
-              <a:cs typeface="+mn-ea"/>
-              <a:sym typeface="+mn-lt"/>
-            </a:endParaRPr>
-          </a:p>
-        </p:txBody>
-      </p:sp>
-      <p:sp>
-        <p:nvSpPr>
-          <p:cNvPr id="2" name="TextBox 1"/>
-          <p:cNvSpPr txBox="1"/>
-          <p:nvPr/>
-        </p:nvSpPr>
-        <p:spPr>
-          <a:xfrm>
-            <a:off x="523276" y="550092"/>
-            <a:ext cx="5759910" cy="369332"/>
-          </a:xfrm>
-          <a:prstGeom prst="rect">
-            <a:avLst/>
-          </a:prstGeom>
-          <a:noFill/>
-        </p:spPr>
-        <p:txBody>
-          <a:bodyPr wrap="none" rtlCol="0">
-            <a:spAutoFit/>
-          </a:bodyPr>
-          <a:lstStyle/>
-          <a:p>
-            <a:r>
-              <a:rPr lang="zh-CN" altLang="en-US" b="1" dirty="0" smtClean="0">
-                <a:solidFill>
-                  <a:schemeClr val="bg1"/>
-                </a:solidFill>
-                <a:cs typeface="+mn-ea"/>
-                <a:sym typeface="+mn-lt"/>
-              </a:rPr>
-              <a:t>经销商本地市场活动，都要根据以下两个方面进行挂靠</a:t>
-            </a:r>
-            <a:endParaRPr lang="en-US" b="1" dirty="0">
-              <a:solidFill>
-                <a:schemeClr val="bg1"/>
-              </a:solidFill>
-              <a:cs typeface="+mn-ea"/>
-              <a:sym typeface="+mn-lt"/>
-            </a:endParaRPr>
-          </a:p>
-        </p:txBody>
-      </p:sp>
-      <p:sp>
-        <p:nvSpPr>
-          <p:cNvPr id="3" name="TextBox 2"/>
-          <p:cNvSpPr txBox="1"/>
-          <p:nvPr/>
-        </p:nvSpPr>
-        <p:spPr>
-          <a:xfrm>
-            <a:off x="6804769" y="792017"/>
-            <a:ext cx="4884671" cy="369332"/>
-          </a:xfrm>
-          <a:prstGeom prst="rect">
-            <a:avLst/>
-          </a:prstGeom>
-          <a:noFill/>
-        </p:spPr>
-        <p:txBody>
-          <a:bodyPr wrap="none" rtlCol="0">
-            <a:spAutoFit/>
-          </a:bodyPr>
-          <a:lstStyle/>
-          <a:p>
-            <a:r>
-              <a:rPr lang="zh-CN" altLang="en-US" dirty="0" smtClean="0">
-                <a:solidFill>
-                  <a:schemeClr val="bg1"/>
-                </a:solidFill>
-              </a:rPr>
-              <a:t>此页面仅供参考之用，不用体现在活动报告中</a:t>
-            </a:r>
-            <a:endParaRPr lang="en-US" dirty="0">
-              <a:solidFill>
-                <a:schemeClr val="bg1"/>
-              </a:solidFill>
-            </a:endParaRPr>
-          </a:p>
-        </p:txBody>
-      </p:sp>
-    </p:spTree>
-    <p:extLst>
-      <p:ext uri="{BB962C8B-B14F-4D97-AF65-F5344CB8AC3E}">
-        <p14:creationId xmlns:p14="http://schemas.microsoft.com/office/powerpoint/2010/main" val="2139118761"/>
-      </p:ext>
-    </p:extLst>
-  </p:cSld>
-  <p:clrMapOvr>
-    <a:masterClrMapping/>
-  </p:clrMapOvr>
-  <mc:AlternateContent xmlns:mc="http://schemas.openxmlformats.org/markup-compatibility/2006" xmlns:p14="http://schemas.microsoft.com/office/powerpoint/2010/main">
-    <mc:Choice Requires="p14">
-      <p:transition spd="slow" p14:dur="2000"/>
-    </mc:Choice>
-    <mc:Fallback xmlns="">
-      <p:transition spd="slow"/>
-    </mc:Fallback>
-  </mc:AlternateContent>
-  <p:timing>
-    <p:tnLst>
-      <p:par>
-        <p:cTn id="1" dur="indefinite" restart="never" nodeType="tmRoot"/>
-      </p:par>
-    </p:tnLst>
-  </p:timing>
-</p:sld>
-</file>
-
-<file path=ppt/slides/slide3.xml><?xml version="1.0" encoding="utf-8"?>
-<p:sld xmlns:a="http://schemas.openxmlformats.org/drawingml/2006/main" xmlns:r="http://schemas.openxmlformats.org/officeDocument/2006/relationships" xmlns:p="http://schemas.openxmlformats.org/presentationml/2006/main">
-  <p:cSld>
-    <p:spTree>
-      <p:nvGrpSpPr>
-        <p:cNvPr id="1" name=""/>
-        <p:cNvGrpSpPr/>
-        <p:nvPr/>
-      </p:nvGrpSpPr>
-      <p:grpSpPr>
-        <a:xfrm>
-          <a:off x="0" y="0"/>
-          <a:ext cx="0" cy="0"/>
-          <a:chOff x="0" y="0"/>
-          <a:chExt cx="0" cy="0"/>
-        </a:xfrm>
-      </p:grpSpPr>
-      <p:graphicFrame>
-        <p:nvGraphicFramePr>
           <p:cNvPr id="4" name="Object 3" hidden="1"/>
           <p:cNvGraphicFramePr>
             <a:graphicFrameLocks noChangeAspect="1"/>
@@ -17712,7 +15744,7 @@
           <a:graphicData uri="http://schemas.openxmlformats.org/presentationml/2006/ole">
             <mc:AlternateContent xmlns:mc="http://schemas.openxmlformats.org/markup-compatibility/2006">
               <mc:Choice xmlns:v="urn:schemas-microsoft-com:vml" Requires="v">
-                <p:oleObj spid="_x0000_s42025" name="think-cell Slide" r:id="rId6" imgW="416" imgH="416" progId="TCLayout.ActiveDocument.1">
+                <p:oleObj spid="_x0000_s42030" name="think-cell Slide" r:id="rId6" imgW="416" imgH="416" progId="TCLayout.ActiveDocument.1">
                   <p:embed/>
                 </p:oleObj>
               </mc:Choice>
@@ -17789,7 +15821,7 @@
                 </a:spcAft>
                 <a:defRPr/>
               </a:pPr>
-              <a:t>3</a:t>
+              <a:t>2</a:t>
             </a:fld>
             <a:endParaRPr lang="en-GB" dirty="0">
               <a:solidFill>
@@ -18116,7 +16148,7 @@
           <p:nvPr>
             <p:extLst>
               <p:ext uri="{D42A27DB-BD31-4B8C-83A1-F6EECF244321}">
-                <p14:modId xmlns:p14="http://schemas.microsoft.com/office/powerpoint/2010/main" val="1954897931"/>
+                <p14:modId xmlns:p14="http://schemas.microsoft.com/office/powerpoint/2010/main" val="4197255004"/>
               </p:ext>
             </p:extLst>
           </p:nvPr>
@@ -18135,35 +16167,35 @@
                 <a:gridCol w="1624339">
                   <a:extLst>
                     <a:ext uri="{9D8B030D-6E8A-4147-A177-3AD203B41FA5}">
-                      <a16:colId xmlns:a16="http://schemas.microsoft.com/office/drawing/2014/main" val="1228268629"/>
+                      <a16:colId xmlns="" xmlns:a16="http://schemas.microsoft.com/office/drawing/2014/main" val="1228268629"/>
                     </a:ext>
                   </a:extLst>
                 </a:gridCol>
                 <a:gridCol w="1886015">
                   <a:extLst>
                     <a:ext uri="{9D8B030D-6E8A-4147-A177-3AD203B41FA5}">
-                      <a16:colId xmlns:a16="http://schemas.microsoft.com/office/drawing/2014/main" val="4045974056"/>
+                      <a16:colId xmlns="" xmlns:a16="http://schemas.microsoft.com/office/drawing/2014/main" val="4045974056"/>
                     </a:ext>
                   </a:extLst>
                 </a:gridCol>
                 <a:gridCol w="1428139">
                   <a:extLst>
                     <a:ext uri="{9D8B030D-6E8A-4147-A177-3AD203B41FA5}">
-                      <a16:colId xmlns:a16="http://schemas.microsoft.com/office/drawing/2014/main" val="2462729159"/>
+                      <a16:colId xmlns="" xmlns:a16="http://schemas.microsoft.com/office/drawing/2014/main" val="2462729159"/>
                     </a:ext>
                   </a:extLst>
                 </a:gridCol>
                 <a:gridCol w="2349121">
                   <a:extLst>
                     <a:ext uri="{9D8B030D-6E8A-4147-A177-3AD203B41FA5}">
-                      <a16:colId xmlns:a16="http://schemas.microsoft.com/office/drawing/2014/main" val="978489334"/>
+                      <a16:colId xmlns="" xmlns:a16="http://schemas.microsoft.com/office/drawing/2014/main" val="978489334"/>
                     </a:ext>
                   </a:extLst>
                 </a:gridCol>
                 <a:gridCol w="3777260">
                   <a:extLst>
                     <a:ext uri="{9D8B030D-6E8A-4147-A177-3AD203B41FA5}">
-                      <a16:colId xmlns:a16="http://schemas.microsoft.com/office/drawing/2014/main" val="988664389"/>
+                      <a16:colId xmlns="" xmlns:a16="http://schemas.microsoft.com/office/drawing/2014/main" val="988664389"/>
                     </a:ext>
                   </a:extLst>
                 </a:gridCol>
@@ -18333,7 +16365,7 @@
                 </a:tc>
                 <a:extLst>
                   <a:ext uri="{0D108BD9-81ED-4DB2-BD59-A6C34878D82A}">
-                    <a16:rowId xmlns:a16="http://schemas.microsoft.com/office/drawing/2014/main" val="1879564901"/>
+                    <a16:rowId xmlns="" xmlns:a16="http://schemas.microsoft.com/office/drawing/2014/main" val="1879564901"/>
                   </a:ext>
                 </a:extLst>
               </a:tr>
@@ -18438,17 +16470,14 @@
                         <a:tabLst/>
                         <a:defRPr/>
                       </a:pPr>
-                      <a:r>
-                        <a:rPr lang="en-US" sz="1200" b="0" kern="1200" dirty="0" smtClean="0">
-                          <a:solidFill>
-                            <a:schemeClr val="tx1"/>
-                          </a:solidFill>
-                          <a:latin typeface="+mn-lt"/>
-                          <a:ea typeface="+mn-ea"/>
-                          <a:cs typeface="+mn-cs"/>
-                        </a:rPr>
-                        <a:t>XXXX</a:t>
-                      </a:r>
+                      <a:endParaRPr lang="en-US" sz="1200" b="0" kern="1200" dirty="0" smtClean="0">
+                        <a:solidFill>
+                          <a:schemeClr val="tx1"/>
+                        </a:solidFill>
+                        <a:latin typeface="+mn-lt"/>
+                        <a:ea typeface="+mn-ea"/>
+                        <a:cs typeface="+mn-cs"/>
+                      </a:endParaRPr>
                     </a:p>
                   </a:txBody>
                   <a:tcPr marL="102727" marR="102727" marT="51364" marB="51364" anchor="ctr">
@@ -18553,17 +16582,14 @@
                         <a:tabLst/>
                         <a:defRPr/>
                       </a:pPr>
-                      <a:r>
-                        <a:rPr lang="en-US" sz="1200" b="0" kern="1200" dirty="0" smtClean="0">
-                          <a:solidFill>
-                            <a:schemeClr val="tx1"/>
-                          </a:solidFill>
-                          <a:latin typeface="+mn-lt"/>
-                          <a:ea typeface="+mn-ea"/>
-                          <a:cs typeface="+mn-cs"/>
-                        </a:rPr>
-                        <a:t>XX/XX/2022 – XX/XX/2022</a:t>
-                      </a:r>
+                      <a:endParaRPr lang="en-US" sz="1200" b="0" kern="1200" dirty="0" smtClean="0">
+                        <a:solidFill>
+                          <a:schemeClr val="tx1"/>
+                        </a:solidFill>
+                        <a:latin typeface="+mn-lt"/>
+                        <a:ea typeface="+mn-ea"/>
+                        <a:cs typeface="+mn-cs"/>
+                      </a:endParaRPr>
                     </a:p>
                   </a:txBody>
                   <a:tcPr marL="102727" marR="102727" marT="51364" marB="51364" anchor="ctr">
@@ -18574,7 +16600,7 @@
                 </a:tc>
                 <a:extLst>
                   <a:ext uri="{0D108BD9-81ED-4DB2-BD59-A6C34878D82A}">
-                    <a16:rowId xmlns:a16="http://schemas.microsoft.com/office/drawing/2014/main" val="359195167"/>
+                    <a16:rowId xmlns="" xmlns:a16="http://schemas.microsoft.com/office/drawing/2014/main" val="359195167"/>
                   </a:ext>
                 </a:extLst>
               </a:tr>
@@ -18647,14 +16673,6 @@
                     <a:bodyPr/>
                     <a:lstStyle/>
                     <a:p>
-                      <a:r>
-                        <a:rPr lang="en-US" sz="1200" dirty="0" smtClean="0">
-                          <a:solidFill>
-                            <a:schemeClr val="tx1"/>
-                          </a:solidFill>
-                        </a:rPr>
-                        <a:t>XXXX</a:t>
-                      </a:r>
                       <a:endParaRPr lang="en-US" sz="1200" dirty="0">
                         <a:solidFill>
                           <a:schemeClr val="tx1"/>
@@ -18733,7 +16751,7 @@
                 </a:tc>
                 <a:extLst>
                   <a:ext uri="{0D108BD9-81ED-4DB2-BD59-A6C34878D82A}">
-                    <a16:rowId xmlns:a16="http://schemas.microsoft.com/office/drawing/2014/main" val="2388008764"/>
+                    <a16:rowId xmlns="" xmlns:a16="http://schemas.microsoft.com/office/drawing/2014/main" val="2388008764"/>
                   </a:ext>
                 </a:extLst>
               </a:tr>
@@ -19033,7 +17051,7 @@
                 </a:tc>
                 <a:extLst>
                   <a:ext uri="{0D108BD9-81ED-4DB2-BD59-A6C34878D82A}">
-                    <a16:rowId xmlns:a16="http://schemas.microsoft.com/office/drawing/2014/main" val="3742758418"/>
+                    <a16:rowId xmlns="" xmlns:a16="http://schemas.microsoft.com/office/drawing/2014/main" val="3742758418"/>
                   </a:ext>
                 </a:extLst>
               </a:tr>
@@ -19175,14 +17193,6 @@
                     <a:bodyPr/>
                     <a:lstStyle/>
                     <a:p>
-                      <a:r>
-                        <a:rPr lang="en-US" sz="1200" dirty="0" smtClean="0">
-                          <a:solidFill>
-                            <a:schemeClr val="tx1"/>
-                          </a:solidFill>
-                        </a:rPr>
-                        <a:t>XX</a:t>
-                      </a:r>
                       <a:endParaRPr lang="en-US" sz="1200" dirty="0">
                         <a:solidFill>
                           <a:schemeClr val="tx1"/>
@@ -19243,14 +17253,6 @@
                     <a:bodyPr/>
                     <a:lstStyle/>
                     <a:p>
-                      <a:r>
-                        <a:rPr lang="en-US" sz="1200" dirty="0" smtClean="0">
-                          <a:solidFill>
-                            <a:schemeClr val="tx1"/>
-                          </a:solidFill>
-                        </a:rPr>
-                        <a:t>XX</a:t>
-                      </a:r>
                       <a:endParaRPr lang="en-US" sz="1200" dirty="0">
                         <a:solidFill>
                           <a:schemeClr val="tx1"/>
@@ -19268,7 +17270,7 @@
                 </a:tc>
                 <a:extLst>
                   <a:ext uri="{0D108BD9-81ED-4DB2-BD59-A6C34878D82A}">
-                    <a16:rowId xmlns:a16="http://schemas.microsoft.com/office/drawing/2014/main" val="3286601418"/>
+                    <a16:rowId xmlns="" xmlns:a16="http://schemas.microsoft.com/office/drawing/2014/main" val="3286601418"/>
                   </a:ext>
                 </a:extLst>
               </a:tr>
@@ -19410,14 +17412,6 @@
                     <a:bodyPr/>
                     <a:lstStyle/>
                     <a:p>
-                      <a:r>
-                        <a:rPr lang="en-US" sz="1200" dirty="0" smtClean="0">
-                          <a:solidFill>
-                            <a:schemeClr val="tx1"/>
-                          </a:solidFill>
-                        </a:rPr>
-                        <a:t>XX</a:t>
-                      </a:r>
                       <a:endParaRPr lang="en-US" sz="1200" dirty="0">
                         <a:solidFill>
                           <a:schemeClr val="tx1"/>
@@ -19478,14 +17472,6 @@
                     <a:bodyPr/>
                     <a:lstStyle/>
                     <a:p>
-                      <a:r>
-                        <a:rPr lang="en-US" sz="1200" dirty="0" smtClean="0">
-                          <a:solidFill>
-                            <a:schemeClr val="tx1"/>
-                          </a:solidFill>
-                        </a:rPr>
-                        <a:t>XX</a:t>
-                      </a:r>
                       <a:endParaRPr lang="en-US" sz="1200" dirty="0">
                         <a:solidFill>
                           <a:schemeClr val="tx1"/>
@@ -19503,7 +17489,7 @@
                 </a:tc>
                 <a:extLst>
                   <a:ext uri="{0D108BD9-81ED-4DB2-BD59-A6C34878D82A}">
-                    <a16:rowId xmlns:a16="http://schemas.microsoft.com/office/drawing/2014/main" val="628591838"/>
+                    <a16:rowId xmlns="" xmlns:a16="http://schemas.microsoft.com/office/drawing/2014/main" val="628591838"/>
                   </a:ext>
                 </a:extLst>
               </a:tr>
@@ -19634,14 +17620,6 @@
                     <a:bodyPr/>
                     <a:lstStyle/>
                     <a:p>
-                      <a:r>
-                        <a:rPr lang="en-US" sz="1200" dirty="0" smtClean="0">
-                          <a:solidFill>
-                            <a:schemeClr val="tx1"/>
-                          </a:solidFill>
-                        </a:rPr>
-                        <a:t>RMB X,XXX</a:t>
-                      </a:r>
                       <a:endParaRPr lang="en-US" sz="1200" dirty="0">
                         <a:solidFill>
                           <a:schemeClr val="tx1"/>
@@ -19702,14 +17680,6 @@
                     <a:bodyPr/>
                     <a:lstStyle/>
                     <a:p>
-                      <a:r>
-                        <a:rPr lang="en-US" sz="1200" dirty="0" smtClean="0">
-                          <a:solidFill>
-                            <a:schemeClr val="tx1"/>
-                          </a:solidFill>
-                        </a:rPr>
-                        <a:t>RMB X,XXX</a:t>
-                      </a:r>
                       <a:endParaRPr lang="en-US" sz="1200" dirty="0">
                         <a:solidFill>
                           <a:schemeClr val="tx1"/>
@@ -19727,7 +17697,7 @@
                 </a:tc>
                 <a:extLst>
                   <a:ext uri="{0D108BD9-81ED-4DB2-BD59-A6C34878D82A}">
-                    <a16:rowId xmlns:a16="http://schemas.microsoft.com/office/drawing/2014/main" val="1485137538"/>
+                    <a16:rowId xmlns="" xmlns:a16="http://schemas.microsoft.com/office/drawing/2014/main" val="1485137538"/>
                   </a:ext>
                 </a:extLst>
               </a:tr>
@@ -19883,14 +17853,6 @@
                     <a:bodyPr/>
                     <a:lstStyle/>
                     <a:p>
-                      <a:r>
-                        <a:rPr lang="en-US" sz="1200" dirty="0" smtClean="0">
-                          <a:solidFill>
-                            <a:schemeClr val="tx1"/>
-                          </a:solidFill>
-                        </a:rPr>
-                        <a:t>XX</a:t>
-                      </a:r>
                       <a:endParaRPr lang="en-US" sz="1200" dirty="0">
                         <a:solidFill>
                           <a:schemeClr val="tx1"/>
@@ -19951,14 +17913,6 @@
                     <a:bodyPr/>
                     <a:lstStyle/>
                     <a:p>
-                      <a:r>
-                        <a:rPr lang="en-US" sz="1200" dirty="0" smtClean="0">
-                          <a:solidFill>
-                            <a:schemeClr val="tx1"/>
-                          </a:solidFill>
-                        </a:rPr>
-                        <a:t>XX</a:t>
-                      </a:r>
                       <a:endParaRPr lang="en-US" sz="1200" dirty="0">
                         <a:solidFill>
                           <a:schemeClr val="tx1"/>
@@ -19976,7 +17930,7 @@
                 </a:tc>
                 <a:extLst>
                   <a:ext uri="{0D108BD9-81ED-4DB2-BD59-A6C34878D82A}">
-                    <a16:rowId xmlns:a16="http://schemas.microsoft.com/office/drawing/2014/main" val="1220343380"/>
+                    <a16:rowId xmlns="" xmlns:a16="http://schemas.microsoft.com/office/drawing/2014/main" val="1220343380"/>
                   </a:ext>
                 </a:extLst>
               </a:tr>
@@ -20013,35 +17967,35 @@
                 <a:gridCol w="2454326">
                   <a:extLst>
                     <a:ext uri="{9D8B030D-6E8A-4147-A177-3AD203B41FA5}">
-                      <a16:colId xmlns:a16="http://schemas.microsoft.com/office/drawing/2014/main" val="20000"/>
+                      <a16:colId xmlns="" xmlns:a16="http://schemas.microsoft.com/office/drawing/2014/main" val="20000"/>
                     </a:ext>
                   </a:extLst>
                 </a:gridCol>
                 <a:gridCol w="2306453">
                   <a:extLst>
                     <a:ext uri="{9D8B030D-6E8A-4147-A177-3AD203B41FA5}">
-                      <a16:colId xmlns:a16="http://schemas.microsoft.com/office/drawing/2014/main" val="20002"/>
+                      <a16:colId xmlns="" xmlns:a16="http://schemas.microsoft.com/office/drawing/2014/main" val="20002"/>
                     </a:ext>
                   </a:extLst>
                 </a:gridCol>
                 <a:gridCol w="2254336">
                   <a:extLst>
                     <a:ext uri="{9D8B030D-6E8A-4147-A177-3AD203B41FA5}">
-                      <a16:colId xmlns:a16="http://schemas.microsoft.com/office/drawing/2014/main" val="2575180168"/>
+                      <a16:colId xmlns="" xmlns:a16="http://schemas.microsoft.com/office/drawing/2014/main" val="2575180168"/>
                     </a:ext>
                   </a:extLst>
                 </a:gridCol>
                 <a:gridCol w="2355667">
                   <a:extLst>
                     <a:ext uri="{9D8B030D-6E8A-4147-A177-3AD203B41FA5}">
-                      <a16:colId xmlns:a16="http://schemas.microsoft.com/office/drawing/2014/main" val="20003"/>
+                      <a16:colId xmlns="" xmlns:a16="http://schemas.microsoft.com/office/drawing/2014/main" val="20003"/>
                     </a:ext>
                   </a:extLst>
                 </a:gridCol>
                 <a:gridCol w="1661586">
                   <a:extLst>
                     <a:ext uri="{9D8B030D-6E8A-4147-A177-3AD203B41FA5}">
-                      <a16:colId xmlns:a16="http://schemas.microsoft.com/office/drawing/2014/main" val="1141158204"/>
+                      <a16:colId xmlns="" xmlns:a16="http://schemas.microsoft.com/office/drawing/2014/main" val="1141158204"/>
                     </a:ext>
                   </a:extLst>
                 </a:gridCol>
@@ -20725,7 +18679,7 @@
                 </a:tc>
                 <a:extLst>
                   <a:ext uri="{0D108BD9-81ED-4DB2-BD59-A6C34878D82A}">
-                    <a16:rowId xmlns:a16="http://schemas.microsoft.com/office/drawing/2014/main" val="10000"/>
+                    <a16:rowId xmlns="" xmlns:a16="http://schemas.microsoft.com/office/drawing/2014/main" val="10000"/>
                   </a:ext>
                 </a:extLst>
               </a:tr>
@@ -21113,7 +19067,7 @@
                 </a:tc>
                 <a:extLst>
                   <a:ext uri="{0D108BD9-81ED-4DB2-BD59-A6C34878D82A}">
-                    <a16:rowId xmlns:a16="http://schemas.microsoft.com/office/drawing/2014/main" val="3242880312"/>
+                    <a16:rowId xmlns="" xmlns:a16="http://schemas.microsoft.com/office/drawing/2014/main" val="3242880312"/>
                   </a:ext>
                 </a:extLst>
               </a:tr>
@@ -21149,7 +19103,7 @@
 </p:sld>
 </file>
 
-<file path=ppt/slides/slide4.xml><?xml version="1.0" encoding="utf-8"?>
+<file path=ppt/slides/slide3.xml><?xml version="1.0" encoding="utf-8"?>
 <p:sld xmlns:a="http://schemas.openxmlformats.org/drawingml/2006/main" xmlns:r="http://schemas.openxmlformats.org/officeDocument/2006/relationships" xmlns:p="http://schemas.openxmlformats.org/presentationml/2006/main">
   <p:cSld>
     <p:spTree>
@@ -21193,7 +19147,7 @@
               <a:pPr>
                 <a:defRPr/>
               </a:pPr>
-              <a:t>4</a:t>
+              <a:t>3</a:t>
             </a:fld>
             <a:endParaRPr lang="en-GB" dirty="0">
               <a:latin typeface="+mn-lt"/>
@@ -21456,7 +19410,7 @@
                 <a:gridCol w="11048531">
                   <a:extLst>
                     <a:ext uri="{9D8B030D-6E8A-4147-A177-3AD203B41FA5}">
-                      <a16:colId xmlns:a16="http://schemas.microsoft.com/office/drawing/2014/main" val="1357581311"/>
+                      <a16:colId xmlns="" xmlns:a16="http://schemas.microsoft.com/office/drawing/2014/main" val="1357581311"/>
                     </a:ext>
                   </a:extLst>
                 </a:gridCol>
@@ -21543,7 +19497,7 @@
                 </a:tc>
                 <a:extLst>
                   <a:ext uri="{0D108BD9-81ED-4DB2-BD59-A6C34878D82A}">
-                    <a16:rowId xmlns:a16="http://schemas.microsoft.com/office/drawing/2014/main" val="3203583067"/>
+                    <a16:rowId xmlns="" xmlns:a16="http://schemas.microsoft.com/office/drawing/2014/main" val="3203583067"/>
                   </a:ext>
                 </a:extLst>
               </a:tr>
@@ -21579,21 +19533,21 @@
                 <a:gridCol w="3682842">
                   <a:extLst>
                     <a:ext uri="{9D8B030D-6E8A-4147-A177-3AD203B41FA5}">
-                      <a16:colId xmlns:a16="http://schemas.microsoft.com/office/drawing/2014/main" val="1109671872"/>
+                      <a16:colId xmlns="" xmlns:a16="http://schemas.microsoft.com/office/drawing/2014/main" val="1109671872"/>
                     </a:ext>
                   </a:extLst>
                 </a:gridCol>
                 <a:gridCol w="3682842">
                   <a:extLst>
                     <a:ext uri="{9D8B030D-6E8A-4147-A177-3AD203B41FA5}">
-                      <a16:colId xmlns:a16="http://schemas.microsoft.com/office/drawing/2014/main" val="390604985"/>
+                      <a16:colId xmlns="" xmlns:a16="http://schemas.microsoft.com/office/drawing/2014/main" val="390604985"/>
                     </a:ext>
                   </a:extLst>
                 </a:gridCol>
                 <a:gridCol w="3682842">
                   <a:extLst>
                     <a:ext uri="{9D8B030D-6E8A-4147-A177-3AD203B41FA5}">
-                      <a16:colId xmlns:a16="http://schemas.microsoft.com/office/drawing/2014/main" val="3548678291"/>
+                      <a16:colId xmlns="" xmlns:a16="http://schemas.microsoft.com/office/drawing/2014/main" val="3548678291"/>
                     </a:ext>
                   </a:extLst>
                 </a:gridCol>
@@ -21703,7 +19657,7 @@
                 </a:tc>
                 <a:extLst>
                   <a:ext uri="{0D108BD9-81ED-4DB2-BD59-A6C34878D82A}">
-                    <a16:rowId xmlns:a16="http://schemas.microsoft.com/office/drawing/2014/main" val="2826780448"/>
+                    <a16:rowId xmlns="" xmlns:a16="http://schemas.microsoft.com/office/drawing/2014/main" val="2826780448"/>
                   </a:ext>
                 </a:extLst>
               </a:tr>
@@ -21813,7 +19767,7 @@
                 </a:tc>
                 <a:extLst>
                   <a:ext uri="{0D108BD9-81ED-4DB2-BD59-A6C34878D82A}">
-                    <a16:rowId xmlns:a16="http://schemas.microsoft.com/office/drawing/2014/main" val="2074693909"/>
+                    <a16:rowId xmlns="" xmlns:a16="http://schemas.microsoft.com/office/drawing/2014/main" val="2074693909"/>
                   </a:ext>
                 </a:extLst>
               </a:tr>
@@ -21923,7 +19877,7 @@
                 </a:tc>
                 <a:extLst>
                   <a:ext uri="{0D108BD9-81ED-4DB2-BD59-A6C34878D82A}">
-                    <a16:rowId xmlns:a16="http://schemas.microsoft.com/office/drawing/2014/main" val="3442556936"/>
+                    <a16:rowId xmlns="" xmlns:a16="http://schemas.microsoft.com/office/drawing/2014/main" val="3442556936"/>
                   </a:ext>
                 </a:extLst>
               </a:tr>
@@ -21940,7 +19894,7 @@
           <p:nvPr>
             <p:extLst>
               <p:ext uri="{D42A27DB-BD31-4B8C-83A1-F6EECF244321}">
-                <p14:modId xmlns:p14="http://schemas.microsoft.com/office/powerpoint/2010/main" val="2162377206"/>
+                <p14:modId xmlns:p14="http://schemas.microsoft.com/office/powerpoint/2010/main" val="4226811499"/>
               </p:ext>
             </p:extLst>
           </p:nvPr>
@@ -21959,35 +19913,35 @@
                 <a:gridCol w="2209707">
                   <a:extLst>
                     <a:ext uri="{9D8B030D-6E8A-4147-A177-3AD203B41FA5}">
-                      <a16:colId xmlns:a16="http://schemas.microsoft.com/office/drawing/2014/main" val="4105844897"/>
+                      <a16:colId xmlns="" xmlns:a16="http://schemas.microsoft.com/office/drawing/2014/main" val="4105844897"/>
                     </a:ext>
                   </a:extLst>
                 </a:gridCol>
                 <a:gridCol w="2547324">
                   <a:extLst>
                     <a:ext uri="{9D8B030D-6E8A-4147-A177-3AD203B41FA5}">
-                      <a16:colId xmlns:a16="http://schemas.microsoft.com/office/drawing/2014/main" val="4142034472"/>
+                      <a16:colId xmlns="" xmlns:a16="http://schemas.microsoft.com/office/drawing/2014/main" val="4142034472"/>
                     </a:ext>
                   </a:extLst>
                 </a:gridCol>
                 <a:gridCol w="2601685">
                   <a:extLst>
                     <a:ext uri="{9D8B030D-6E8A-4147-A177-3AD203B41FA5}">
-                      <a16:colId xmlns:a16="http://schemas.microsoft.com/office/drawing/2014/main" val="2076643704"/>
+                      <a16:colId xmlns="" xmlns:a16="http://schemas.microsoft.com/office/drawing/2014/main" val="2076643704"/>
                     </a:ext>
                   </a:extLst>
                 </a:gridCol>
                 <a:gridCol w="1480110">
                   <a:extLst>
                     <a:ext uri="{9D8B030D-6E8A-4147-A177-3AD203B41FA5}">
-                      <a16:colId xmlns:a16="http://schemas.microsoft.com/office/drawing/2014/main" val="3774860856"/>
+                      <a16:colId xmlns="" xmlns:a16="http://schemas.microsoft.com/office/drawing/2014/main" val="3774860856"/>
                     </a:ext>
                   </a:extLst>
                 </a:gridCol>
                 <a:gridCol w="2209707">
                   <a:extLst>
                     <a:ext uri="{9D8B030D-6E8A-4147-A177-3AD203B41FA5}">
-                      <a16:colId xmlns:a16="http://schemas.microsoft.com/office/drawing/2014/main" val="690038618"/>
+                      <a16:colId xmlns="" xmlns:a16="http://schemas.microsoft.com/office/drawing/2014/main" val="690038618"/>
                     </a:ext>
                   </a:extLst>
                 </a:gridCol>
@@ -22275,7 +20229,7 @@
                 </a:tc>
                 <a:extLst>
                   <a:ext uri="{0D108BD9-81ED-4DB2-BD59-A6C34878D82A}">
-                    <a16:rowId xmlns:a16="http://schemas.microsoft.com/office/drawing/2014/main" val="2703049425"/>
+                    <a16:rowId xmlns="" xmlns:a16="http://schemas.microsoft.com/office/drawing/2014/main" val="2703049425"/>
                   </a:ext>
                 </a:extLst>
               </a:tr>
@@ -22375,18 +20329,15 @@
                         <a:tabLst/>
                         <a:defRPr/>
                       </a:pPr>
-                      <a:r>
-                        <a:rPr lang="en-US" altLang="zh-CN" sz="1100" b="0" dirty="0" smtClean="0">
-                          <a:solidFill>
-                            <a:schemeClr val="tx1"/>
-                          </a:solidFill>
-                          <a:latin typeface="+mn-lt"/>
-                          <a:ea typeface="+mn-ea"/>
-                          <a:cs typeface="+mn-ea"/>
-                          <a:sym typeface="+mn-lt"/>
-                        </a:rPr>
-                        <a:t>RMB XX,XXX</a:t>
-                      </a:r>
+                      <a:endParaRPr lang="en-US" altLang="zh-CN" sz="1100" b="0" dirty="0" smtClean="0">
+                        <a:solidFill>
+                          <a:schemeClr val="tx1"/>
+                        </a:solidFill>
+                        <a:latin typeface="+mn-lt"/>
+                        <a:ea typeface="+mn-ea"/>
+                        <a:cs typeface="+mn-ea"/>
+                        <a:sym typeface="+mn-lt"/>
+                      </a:endParaRPr>
                     </a:p>
                   </a:txBody>
                   <a:tcPr marL="102727" marR="102727" marT="51364" marB="51364" anchor="ctr">
@@ -22420,18 +20371,15 @@
                         <a:tabLst/>
                         <a:defRPr/>
                       </a:pPr>
-                      <a:r>
-                        <a:rPr lang="en-US" altLang="zh-CN" sz="1100" b="0" dirty="0" smtClean="0">
-                          <a:solidFill>
-                            <a:schemeClr val="tx1"/>
-                          </a:solidFill>
-                          <a:latin typeface="+mn-lt"/>
-                          <a:ea typeface="+mn-ea"/>
-                          <a:cs typeface="+mn-ea"/>
-                          <a:sym typeface="+mn-lt"/>
-                        </a:rPr>
-                        <a:t>RMB XX,XXX</a:t>
-                      </a:r>
+                      <a:endParaRPr lang="en-US" altLang="zh-CN" sz="1100" b="0" dirty="0" smtClean="0">
+                        <a:solidFill>
+                          <a:schemeClr val="tx1"/>
+                        </a:solidFill>
+                        <a:latin typeface="+mn-lt"/>
+                        <a:ea typeface="+mn-ea"/>
+                        <a:cs typeface="+mn-ea"/>
+                        <a:sym typeface="+mn-lt"/>
+                      </a:endParaRPr>
                     </a:p>
                   </a:txBody>
                   <a:tcPr marL="102727" marR="102727" marT="51364" marB="51364" anchor="ctr">
@@ -22446,30 +20394,6 @@
                     <a:lstStyle/>
                     <a:p>
                       <a:pPr algn="ctr"/>
-                      <a:r>
-                        <a:rPr lang="zh-CN" altLang="en-US" sz="1100" dirty="0" smtClean="0">
-                          <a:solidFill>
-                            <a:schemeClr val="tx1"/>
-                          </a:solidFill>
-                        </a:rPr>
-                        <a:t>是</a:t>
-                      </a:r>
-                      <a:r>
-                        <a:rPr lang="en-US" altLang="zh-CN" sz="1100" dirty="0" smtClean="0">
-                          <a:solidFill>
-                            <a:schemeClr val="tx1"/>
-                          </a:solidFill>
-                        </a:rPr>
-                        <a:t>/</a:t>
-                      </a:r>
-                      <a:r>
-                        <a:rPr lang="zh-CN" altLang="en-US" sz="1100" dirty="0" smtClean="0">
-                          <a:solidFill>
-                            <a:schemeClr val="tx1"/>
-                          </a:solidFill>
-                        </a:rPr>
-                        <a:t>否</a:t>
-                      </a:r>
                       <a:endParaRPr lang="en-US" sz="1100" dirty="0">
                         <a:solidFill>
                           <a:schemeClr val="tx1"/>
@@ -22495,20 +20419,6 @@
                         <a:buFontTx/>
                         <a:buNone/>
                       </a:pPr>
-                      <a:r>
-                        <a:rPr lang="zh-CN" altLang="en-US" sz="1100" b="0" dirty="0" smtClean="0">
-                          <a:solidFill>
-                            <a:schemeClr val="accent1">
-                              <a:lumMod val="75000"/>
-                            </a:schemeClr>
-                          </a:solidFill>
-                          <a:latin typeface="+mn-lt"/>
-                          <a:ea typeface="+mn-ea"/>
-                          <a:cs typeface="+mn-ea"/>
-                          <a:sym typeface="+mn-lt"/>
-                        </a:rPr>
-                        <a:t>本地市场活动</a:t>
-                      </a:r>
                       <a:endParaRPr lang="en-US" altLang="zh-CN" sz="1100" b="0" dirty="0" smtClean="0">
                         <a:solidFill>
                           <a:schemeClr val="accent1">
@@ -22545,7 +20455,7 @@
                 </a:tc>
                 <a:extLst>
                   <a:ext uri="{0D108BD9-81ED-4DB2-BD59-A6C34878D82A}">
-                    <a16:rowId xmlns:a16="http://schemas.microsoft.com/office/drawing/2014/main" val="741824064"/>
+                    <a16:rowId xmlns="" xmlns:a16="http://schemas.microsoft.com/office/drawing/2014/main" val="741824064"/>
                   </a:ext>
                 </a:extLst>
               </a:tr>
@@ -22633,18 +20543,15 @@
                         <a:tabLst/>
                         <a:defRPr/>
                       </a:pPr>
-                      <a:r>
-                        <a:rPr lang="en-US" altLang="zh-CN" sz="1100" b="0" dirty="0" smtClean="0">
-                          <a:solidFill>
-                            <a:schemeClr val="tx1"/>
-                          </a:solidFill>
-                          <a:latin typeface="+mn-lt"/>
-                          <a:ea typeface="+mn-ea"/>
-                          <a:cs typeface="+mn-ea"/>
-                          <a:sym typeface="+mn-lt"/>
-                        </a:rPr>
-                        <a:t>RMB XX,XXX</a:t>
-                      </a:r>
+                      <a:endParaRPr lang="en-US" altLang="zh-CN" sz="1100" b="0" dirty="0" smtClean="0">
+                        <a:solidFill>
+                          <a:schemeClr val="tx1"/>
+                        </a:solidFill>
+                        <a:latin typeface="+mn-lt"/>
+                        <a:ea typeface="+mn-ea"/>
+                        <a:cs typeface="+mn-ea"/>
+                        <a:sym typeface="+mn-lt"/>
+                      </a:endParaRPr>
                     </a:p>
                   </a:txBody>
                   <a:tcPr marL="102727" marR="102727" marT="51364" marB="51364" anchor="ctr">
@@ -22678,18 +20585,15 @@
                         <a:tabLst/>
                         <a:defRPr/>
                       </a:pPr>
-                      <a:r>
-                        <a:rPr lang="en-US" altLang="zh-CN" sz="1100" b="0" dirty="0" smtClean="0">
-                          <a:solidFill>
-                            <a:schemeClr val="tx1"/>
-                          </a:solidFill>
-                          <a:latin typeface="+mn-lt"/>
-                          <a:ea typeface="+mn-ea"/>
-                          <a:cs typeface="+mn-ea"/>
-                          <a:sym typeface="+mn-lt"/>
-                        </a:rPr>
-                        <a:t>RMB XX,XXX</a:t>
-                      </a:r>
+                      <a:endParaRPr lang="en-US" altLang="zh-CN" sz="1100" b="0" dirty="0" smtClean="0">
+                        <a:solidFill>
+                          <a:schemeClr val="tx1"/>
+                        </a:solidFill>
+                        <a:latin typeface="+mn-lt"/>
+                        <a:ea typeface="+mn-ea"/>
+                        <a:cs typeface="+mn-ea"/>
+                        <a:sym typeface="+mn-lt"/>
+                      </a:endParaRPr>
                     </a:p>
                   </a:txBody>
                   <a:tcPr marL="102727" marR="102727" marT="51364" marB="51364" anchor="ctr">
@@ -22720,30 +20624,6 @@
                         <a:tabLst/>
                         <a:defRPr/>
                       </a:pPr>
-                      <a:r>
-                        <a:rPr lang="zh-CN" altLang="en-US" sz="1100" dirty="0" smtClean="0">
-                          <a:solidFill>
-                            <a:schemeClr val="tx1"/>
-                          </a:solidFill>
-                        </a:rPr>
-                        <a:t>是</a:t>
-                      </a:r>
-                      <a:r>
-                        <a:rPr lang="en-US" altLang="zh-CN" sz="1100" dirty="0" smtClean="0">
-                          <a:solidFill>
-                            <a:schemeClr val="tx1"/>
-                          </a:solidFill>
-                        </a:rPr>
-                        <a:t>/</a:t>
-                      </a:r>
-                      <a:r>
-                        <a:rPr lang="zh-CN" altLang="en-US" sz="1100" dirty="0" smtClean="0">
-                          <a:solidFill>
-                            <a:schemeClr val="tx1"/>
-                          </a:solidFill>
-                        </a:rPr>
-                        <a:t>否</a:t>
-                      </a:r>
                       <a:endParaRPr lang="en-US" sz="1100" dirty="0" smtClean="0">
                         <a:solidFill>
                           <a:schemeClr val="tx1"/>
@@ -22782,20 +20662,6 @@
                         <a:tabLst/>
                         <a:defRPr/>
                       </a:pPr>
-                      <a:r>
-                        <a:rPr lang="zh-CN" altLang="en-US" sz="1100" b="0" dirty="0" smtClean="0">
-                          <a:solidFill>
-                            <a:schemeClr val="accent1">
-                              <a:lumMod val="75000"/>
-                            </a:schemeClr>
-                          </a:solidFill>
-                          <a:latin typeface="+mn-lt"/>
-                          <a:ea typeface="+mn-ea"/>
-                          <a:cs typeface="+mn-ea"/>
-                          <a:sym typeface="+mn-lt"/>
-                        </a:rPr>
-                        <a:t>本地市场活动</a:t>
-                      </a:r>
                       <a:endParaRPr lang="en-US" altLang="zh-CN" sz="1100" b="0" dirty="0" smtClean="0">
                         <a:solidFill>
                           <a:schemeClr val="accent1">
@@ -22832,7 +20698,7 @@
                 </a:tc>
                 <a:extLst>
                   <a:ext uri="{0D108BD9-81ED-4DB2-BD59-A6C34878D82A}">
-                    <a16:rowId xmlns:a16="http://schemas.microsoft.com/office/drawing/2014/main" val="3076205638"/>
+                    <a16:rowId xmlns="" xmlns:a16="http://schemas.microsoft.com/office/drawing/2014/main" val="3076205638"/>
                   </a:ext>
                 </a:extLst>
               </a:tr>
@@ -22932,18 +20798,15 @@
                         <a:tabLst/>
                         <a:defRPr/>
                       </a:pPr>
-                      <a:r>
-                        <a:rPr lang="en-US" altLang="zh-CN" sz="1100" b="0" dirty="0" smtClean="0">
-                          <a:solidFill>
-                            <a:schemeClr val="tx1"/>
-                          </a:solidFill>
-                          <a:latin typeface="+mn-lt"/>
-                          <a:ea typeface="+mn-ea"/>
-                          <a:cs typeface="+mn-ea"/>
-                          <a:sym typeface="+mn-lt"/>
-                        </a:rPr>
-                        <a:t>RMB XX,XXX</a:t>
-                      </a:r>
+                      <a:endParaRPr lang="en-US" altLang="zh-CN" sz="1100" b="0" dirty="0" smtClean="0">
+                        <a:solidFill>
+                          <a:schemeClr val="tx1"/>
+                        </a:solidFill>
+                        <a:latin typeface="+mn-lt"/>
+                        <a:ea typeface="+mn-ea"/>
+                        <a:cs typeface="+mn-ea"/>
+                        <a:sym typeface="+mn-lt"/>
+                      </a:endParaRPr>
                     </a:p>
                   </a:txBody>
                   <a:tcPr marL="102727" marR="102727" marT="51364" marB="51364" anchor="ctr">
@@ -22977,18 +20840,15 @@
                         <a:tabLst/>
                         <a:defRPr/>
                       </a:pPr>
-                      <a:r>
-                        <a:rPr lang="en-US" altLang="zh-CN" sz="1100" b="0" dirty="0" smtClean="0">
-                          <a:solidFill>
-                            <a:schemeClr val="tx1"/>
-                          </a:solidFill>
-                          <a:latin typeface="+mn-lt"/>
-                          <a:ea typeface="+mn-ea"/>
-                          <a:cs typeface="+mn-ea"/>
-                          <a:sym typeface="+mn-lt"/>
-                        </a:rPr>
-                        <a:t>RMB XX,XXX</a:t>
-                      </a:r>
+                      <a:endParaRPr lang="en-US" altLang="zh-CN" sz="1100" b="0" dirty="0" smtClean="0">
+                        <a:solidFill>
+                          <a:schemeClr val="tx1"/>
+                        </a:solidFill>
+                        <a:latin typeface="+mn-lt"/>
+                        <a:ea typeface="+mn-ea"/>
+                        <a:cs typeface="+mn-ea"/>
+                        <a:sym typeface="+mn-lt"/>
+                      </a:endParaRPr>
                     </a:p>
                   </a:txBody>
                   <a:tcPr marL="102727" marR="102727" marT="51364" marB="51364" anchor="ctr">
@@ -23003,30 +20863,6 @@
                     <a:lstStyle/>
                     <a:p>
                       <a:pPr algn="ctr"/>
-                      <a:r>
-                        <a:rPr lang="zh-CN" altLang="en-US" sz="1100" dirty="0" smtClean="0">
-                          <a:solidFill>
-                            <a:schemeClr val="tx1"/>
-                          </a:solidFill>
-                        </a:rPr>
-                        <a:t>是</a:t>
-                      </a:r>
-                      <a:r>
-                        <a:rPr lang="en-US" altLang="zh-CN" sz="1100" dirty="0" smtClean="0">
-                          <a:solidFill>
-                            <a:schemeClr val="tx1"/>
-                          </a:solidFill>
-                        </a:rPr>
-                        <a:t>/</a:t>
-                      </a:r>
-                      <a:r>
-                        <a:rPr lang="zh-CN" altLang="en-US" sz="1100" dirty="0" smtClean="0">
-                          <a:solidFill>
-                            <a:schemeClr val="tx1"/>
-                          </a:solidFill>
-                        </a:rPr>
-                        <a:t>否</a:t>
-                      </a:r>
                       <a:endParaRPr lang="en-US" sz="1100" dirty="0">
                         <a:solidFill>
                           <a:schemeClr val="tx1"/>
@@ -23065,26 +20901,6 @@
                         <a:tabLst/>
                         <a:defRPr/>
                       </a:pPr>
-                      <a:r>
-                        <a:rPr kumimoji="0" lang="zh-CN" altLang="en-US" sz="1100" b="0" i="0" u="none" strike="noStrike" kern="1200" cap="none" spc="0" normalizeH="0" baseline="0" noProof="0" dirty="0" smtClean="0">
-                          <a:ln>
-                            <a:noFill/>
-                          </a:ln>
-                          <a:solidFill>
-                            <a:schemeClr val="accent1">
-                              <a:lumMod val="75000"/>
-                            </a:schemeClr>
-                          </a:solidFill>
-                          <a:effectLst/>
-                          <a:uLnTx/>
-                          <a:uFillTx/>
-                          <a:latin typeface="+mn-lt"/>
-                          <a:ea typeface="+mn-ea"/>
-                          <a:cs typeface="+mn-ea"/>
-                          <a:sym typeface="+mn-lt"/>
-                        </a:rPr>
-                        <a:t>特殊定制</a:t>
-                      </a:r>
                       <a:endParaRPr kumimoji="0" lang="en-US" altLang="zh-CN" sz="1100" b="0" i="0" u="none" strike="noStrike" kern="1200" cap="none" spc="0" normalizeH="0" baseline="0" noProof="0" dirty="0" smtClean="0">
                         <a:ln>
                           <a:noFill/>
@@ -23127,7 +20943,7 @@
                 </a:tc>
                 <a:extLst>
                   <a:ext uri="{0D108BD9-81ED-4DB2-BD59-A6C34878D82A}">
-                    <a16:rowId xmlns:a16="http://schemas.microsoft.com/office/drawing/2014/main" val="2309071906"/>
+                    <a16:rowId xmlns="" xmlns:a16="http://schemas.microsoft.com/office/drawing/2014/main" val="2309071906"/>
                   </a:ext>
                 </a:extLst>
               </a:tr>
@@ -23227,18 +21043,15 @@
                         <a:tabLst/>
                         <a:defRPr/>
                       </a:pPr>
-                      <a:r>
-                        <a:rPr lang="en-US" altLang="zh-CN" sz="1100" b="0" dirty="0" smtClean="0">
-                          <a:solidFill>
-                            <a:schemeClr val="tx1"/>
-                          </a:solidFill>
-                          <a:latin typeface="+mn-lt"/>
-                          <a:ea typeface="+mn-ea"/>
-                          <a:cs typeface="+mn-ea"/>
-                          <a:sym typeface="+mn-lt"/>
-                        </a:rPr>
-                        <a:t>RMB XX,XXX</a:t>
-                      </a:r>
+                      <a:endParaRPr lang="en-US" altLang="zh-CN" sz="1100" b="0" dirty="0" smtClean="0">
+                        <a:solidFill>
+                          <a:schemeClr val="tx1"/>
+                        </a:solidFill>
+                        <a:latin typeface="+mn-lt"/>
+                        <a:ea typeface="+mn-ea"/>
+                        <a:cs typeface="+mn-ea"/>
+                        <a:sym typeface="+mn-lt"/>
+                      </a:endParaRPr>
                     </a:p>
                   </a:txBody>
                   <a:tcPr marL="102727" marR="102727" marT="51364" marB="51364" anchor="ctr">
@@ -23272,18 +21085,15 @@
                         <a:tabLst/>
                         <a:defRPr/>
                       </a:pPr>
-                      <a:r>
-                        <a:rPr lang="en-US" altLang="zh-CN" sz="1100" b="0" dirty="0" smtClean="0">
-                          <a:solidFill>
-                            <a:schemeClr val="tx1"/>
-                          </a:solidFill>
-                          <a:latin typeface="+mn-lt"/>
-                          <a:ea typeface="+mn-ea"/>
-                          <a:cs typeface="+mn-ea"/>
-                          <a:sym typeface="+mn-lt"/>
-                        </a:rPr>
-                        <a:t>RMB XX,XXX</a:t>
-                      </a:r>
+                      <a:endParaRPr lang="en-US" altLang="zh-CN" sz="1100" b="0" dirty="0" smtClean="0">
+                        <a:solidFill>
+                          <a:schemeClr val="tx1"/>
+                        </a:solidFill>
+                        <a:latin typeface="+mn-lt"/>
+                        <a:ea typeface="+mn-ea"/>
+                        <a:cs typeface="+mn-ea"/>
+                        <a:sym typeface="+mn-lt"/>
+                      </a:endParaRPr>
                     </a:p>
                   </a:txBody>
                   <a:tcPr marL="102727" marR="102727" marT="51364" marB="51364" anchor="ctr">
@@ -23314,30 +21124,6 @@
                         <a:tabLst/>
                         <a:defRPr/>
                       </a:pPr>
-                      <a:r>
-                        <a:rPr lang="zh-CN" altLang="en-US" sz="1100" dirty="0" smtClean="0">
-                          <a:solidFill>
-                            <a:schemeClr val="tx1"/>
-                          </a:solidFill>
-                        </a:rPr>
-                        <a:t>是</a:t>
-                      </a:r>
-                      <a:r>
-                        <a:rPr lang="en-US" altLang="zh-CN" sz="1100" dirty="0" smtClean="0">
-                          <a:solidFill>
-                            <a:schemeClr val="tx1"/>
-                          </a:solidFill>
-                        </a:rPr>
-                        <a:t>/</a:t>
-                      </a:r>
-                      <a:r>
-                        <a:rPr lang="zh-CN" altLang="en-US" sz="1100" dirty="0" smtClean="0">
-                          <a:solidFill>
-                            <a:schemeClr val="tx1"/>
-                          </a:solidFill>
-                        </a:rPr>
-                        <a:t>否</a:t>
-                      </a:r>
                       <a:endParaRPr lang="en-US" sz="1100" dirty="0" smtClean="0">
                         <a:solidFill>
                           <a:schemeClr val="tx1"/>
@@ -23398,7 +21184,7 @@
                 </a:tc>
                 <a:extLst>
                   <a:ext uri="{0D108BD9-81ED-4DB2-BD59-A6C34878D82A}">
-                    <a16:rowId xmlns:a16="http://schemas.microsoft.com/office/drawing/2014/main" val="2470890304"/>
+                    <a16:rowId xmlns="" xmlns:a16="http://schemas.microsoft.com/office/drawing/2014/main" val="2470890304"/>
                   </a:ext>
                 </a:extLst>
               </a:tr>
@@ -23498,18 +21284,15 @@
                         <a:tabLst/>
                         <a:defRPr/>
                       </a:pPr>
-                      <a:r>
-                        <a:rPr lang="en-US" altLang="zh-CN" sz="1100" b="0" dirty="0" smtClean="0">
-                          <a:solidFill>
-                            <a:schemeClr val="tx1"/>
-                          </a:solidFill>
-                          <a:latin typeface="+mn-lt"/>
-                          <a:ea typeface="+mn-ea"/>
-                          <a:cs typeface="+mn-ea"/>
-                          <a:sym typeface="+mn-lt"/>
-                        </a:rPr>
-                        <a:t>RMB XX,XXX</a:t>
-                      </a:r>
+                      <a:endParaRPr lang="en-US" altLang="zh-CN" sz="1100" b="0" dirty="0" smtClean="0">
+                        <a:solidFill>
+                          <a:schemeClr val="tx1"/>
+                        </a:solidFill>
+                        <a:latin typeface="+mn-lt"/>
+                        <a:ea typeface="+mn-ea"/>
+                        <a:cs typeface="+mn-ea"/>
+                        <a:sym typeface="+mn-lt"/>
+                      </a:endParaRPr>
                     </a:p>
                   </a:txBody>
                   <a:tcPr marL="102727" marR="102727" marT="51364" marB="51364" anchor="ctr">
@@ -23543,18 +21326,15 @@
                         <a:tabLst/>
                         <a:defRPr/>
                       </a:pPr>
-                      <a:r>
-                        <a:rPr lang="en-US" altLang="zh-CN" sz="1100" b="0" dirty="0" smtClean="0">
-                          <a:solidFill>
-                            <a:schemeClr val="tx1"/>
-                          </a:solidFill>
-                          <a:latin typeface="+mn-lt"/>
-                          <a:ea typeface="+mn-ea"/>
-                          <a:cs typeface="+mn-ea"/>
-                          <a:sym typeface="+mn-lt"/>
-                        </a:rPr>
-                        <a:t>RMB XX,XXX</a:t>
-                      </a:r>
+                      <a:endParaRPr lang="en-US" altLang="zh-CN" sz="1100" b="0" dirty="0" smtClean="0">
+                        <a:solidFill>
+                          <a:schemeClr val="tx1"/>
+                        </a:solidFill>
+                        <a:latin typeface="+mn-lt"/>
+                        <a:ea typeface="+mn-ea"/>
+                        <a:cs typeface="+mn-ea"/>
+                        <a:sym typeface="+mn-lt"/>
+                      </a:endParaRPr>
                     </a:p>
                   </a:txBody>
                   <a:tcPr marL="102727" marR="102727" marT="51364" marB="51364" anchor="ctr">
@@ -23585,30 +21365,6 @@
                         <a:tabLst/>
                         <a:defRPr/>
                       </a:pPr>
-                      <a:r>
-                        <a:rPr lang="zh-CN" altLang="en-US" sz="1100" dirty="0" smtClean="0">
-                          <a:solidFill>
-                            <a:schemeClr val="tx1"/>
-                          </a:solidFill>
-                        </a:rPr>
-                        <a:t>是</a:t>
-                      </a:r>
-                      <a:r>
-                        <a:rPr lang="en-US" altLang="zh-CN" sz="1100" dirty="0" smtClean="0">
-                          <a:solidFill>
-                            <a:schemeClr val="tx1"/>
-                          </a:solidFill>
-                        </a:rPr>
-                        <a:t>/</a:t>
-                      </a:r>
-                      <a:r>
-                        <a:rPr lang="zh-CN" altLang="en-US" sz="1100" dirty="0" smtClean="0">
-                          <a:solidFill>
-                            <a:schemeClr val="tx1"/>
-                          </a:solidFill>
-                        </a:rPr>
-                        <a:t>否</a:t>
-                      </a:r>
                       <a:endParaRPr lang="en-US" sz="1100" dirty="0" smtClean="0">
                         <a:solidFill>
                           <a:schemeClr val="tx1"/>
@@ -23669,7 +21425,7 @@
                 </a:tc>
                 <a:extLst>
                   <a:ext uri="{0D108BD9-81ED-4DB2-BD59-A6C34878D82A}">
-                    <a16:rowId xmlns:a16="http://schemas.microsoft.com/office/drawing/2014/main" val="2698866000"/>
+                    <a16:rowId xmlns="" xmlns:a16="http://schemas.microsoft.com/office/drawing/2014/main" val="2698866000"/>
                   </a:ext>
                 </a:extLst>
               </a:tr>
@@ -23705,7 +21461,7 @@
                 <a:gridCol w="11048534">
                   <a:extLst>
                     <a:ext uri="{9D8B030D-6E8A-4147-A177-3AD203B41FA5}">
-                      <a16:colId xmlns:a16="http://schemas.microsoft.com/office/drawing/2014/main" val="1357581311"/>
+                      <a16:colId xmlns="" xmlns:a16="http://schemas.microsoft.com/office/drawing/2014/main" val="1357581311"/>
                     </a:ext>
                   </a:extLst>
                 </a:gridCol>
@@ -23792,7 +21548,7 @@
                 </a:tc>
                 <a:extLst>
                   <a:ext uri="{0D108BD9-81ED-4DB2-BD59-A6C34878D82A}">
-                    <a16:rowId xmlns:a16="http://schemas.microsoft.com/office/drawing/2014/main" val="3203583067"/>
+                    <a16:rowId xmlns="" xmlns:a16="http://schemas.microsoft.com/office/drawing/2014/main" val="3203583067"/>
                   </a:ext>
                 </a:extLst>
               </a:tr>
@@ -23820,7 +21576,7 @@
 </p:sld>
 </file>
 
-<file path=ppt/slides/slide5.xml><?xml version="1.0" encoding="utf-8"?>
+<file path=ppt/slides/slide4.xml><?xml version="1.0" encoding="utf-8"?>
 <p:sld xmlns:a="http://schemas.openxmlformats.org/drawingml/2006/main" xmlns:r="http://schemas.openxmlformats.org/officeDocument/2006/relationships" xmlns:p="http://schemas.openxmlformats.org/presentationml/2006/main">
   <p:cSld>
     <p:spTree>
@@ -23946,7 +21702,7 @@
           <p:nvPr>
             <p:extLst>
               <p:ext uri="{D42A27DB-BD31-4B8C-83A1-F6EECF244321}">
-                <p14:modId xmlns:p14="http://schemas.microsoft.com/office/powerpoint/2010/main" val="725122476"/>
+                <p14:modId xmlns:p14="http://schemas.microsoft.com/office/powerpoint/2010/main" val="3941367389"/>
               </p:ext>
             </p:extLst>
           </p:nvPr>
@@ -23965,28 +21721,28 @@
                 <a:gridCol w="628595">
                   <a:extLst>
                     <a:ext uri="{9D8B030D-6E8A-4147-A177-3AD203B41FA5}">
-                      <a16:colId xmlns:a16="http://schemas.microsoft.com/office/drawing/2014/main" val="207362988"/>
+                      <a16:colId xmlns="" xmlns:a16="http://schemas.microsoft.com/office/drawing/2014/main" val="207362988"/>
                     </a:ext>
                   </a:extLst>
                 </a:gridCol>
                 <a:gridCol w="2213264">
                   <a:extLst>
                     <a:ext uri="{9D8B030D-6E8A-4147-A177-3AD203B41FA5}">
-                      <a16:colId xmlns:a16="http://schemas.microsoft.com/office/drawing/2014/main" val="20000"/>
+                      <a16:colId xmlns="" xmlns:a16="http://schemas.microsoft.com/office/drawing/2014/main" val="20000"/>
                     </a:ext>
                   </a:extLst>
                 </a:gridCol>
                 <a:gridCol w="2556164">
                   <a:extLst>
                     <a:ext uri="{9D8B030D-6E8A-4147-A177-3AD203B41FA5}">
-                      <a16:colId xmlns:a16="http://schemas.microsoft.com/office/drawing/2014/main" val="20001"/>
+                      <a16:colId xmlns="" xmlns:a16="http://schemas.microsoft.com/office/drawing/2014/main" val="20001"/>
                     </a:ext>
                   </a:extLst>
                 </a:gridCol>
                 <a:gridCol w="5634579">
                   <a:extLst>
                     <a:ext uri="{9D8B030D-6E8A-4147-A177-3AD203B41FA5}">
-                      <a16:colId xmlns:a16="http://schemas.microsoft.com/office/drawing/2014/main" val="610373499"/>
+                      <a16:colId xmlns="" xmlns:a16="http://schemas.microsoft.com/office/drawing/2014/main" val="610373499"/>
                     </a:ext>
                   </a:extLst>
                 </a:gridCol>
@@ -24255,31 +22011,7 @@
                           <a:cs typeface="+mn-ea"/>
                           <a:sym typeface="+mn-lt"/>
                         </a:rPr>
-                        <a:t>Event</a:t>
-                      </a:r>
-                      <a:r>
-                        <a:rPr lang="en-US" altLang="zh-CN" sz="1400" b="1" kern="1200" baseline="0" dirty="0" smtClean="0">
-                          <a:solidFill>
-                            <a:schemeClr val="lt1"/>
-                          </a:solidFill>
-                          <a:latin typeface="+mn-lt"/>
-                          <a:ea typeface="+mn-ea"/>
-                          <a:cs typeface="+mn-ea"/>
-                          <a:sym typeface="+mn-lt"/>
-                        </a:rPr>
-                        <a:t> </a:t>
-                      </a:r>
-                      <a:r>
-                        <a:rPr lang="en-US" altLang="zh-CN" sz="1400" b="1" kern="1200" dirty="0" smtClean="0">
-                          <a:solidFill>
-                            <a:schemeClr val="lt1"/>
-                          </a:solidFill>
-                          <a:latin typeface="+mn-lt"/>
-                          <a:ea typeface="+mn-ea"/>
-                          <a:cs typeface="+mn-ea"/>
-                          <a:sym typeface="+mn-lt"/>
-                        </a:rPr>
-                        <a:t>Highlight </a:t>
+                        <a:t>Process </a:t>
                       </a:r>
                       <a:r>
                         <a:rPr lang="zh-CN" altLang="en-US" sz="1400" b="1" kern="1200" dirty="0" smtClean="0">
@@ -24291,7 +22023,7 @@
                           <a:cs typeface="+mn-ea"/>
                           <a:sym typeface="+mn-lt"/>
                         </a:rPr>
-                        <a:t>活动主要亮点</a:t>
+                        <a:t>主要流程</a:t>
                       </a:r>
                       <a:endParaRPr lang="zh-CN" altLang="en-US" sz="1400" b="1" kern="1200" dirty="0">
                         <a:solidFill>
@@ -24350,7 +22082,7 @@
                 </a:tc>
                 <a:extLst>
                   <a:ext uri="{0D108BD9-81ED-4DB2-BD59-A6C34878D82A}">
-                    <a16:rowId xmlns:a16="http://schemas.microsoft.com/office/drawing/2014/main" val="10000"/>
+                    <a16:rowId xmlns="" xmlns:a16="http://schemas.microsoft.com/office/drawing/2014/main" val="10000"/>
                   </a:ext>
                 </a:extLst>
               </a:tr>
@@ -24680,7 +22412,7 @@
                 </a:tc>
                 <a:extLst>
                   <a:ext uri="{0D108BD9-81ED-4DB2-BD59-A6C34878D82A}">
-                    <a16:rowId xmlns:a16="http://schemas.microsoft.com/office/drawing/2014/main" val="10001"/>
+                    <a16:rowId xmlns="" xmlns:a16="http://schemas.microsoft.com/office/drawing/2014/main" val="10001"/>
                   </a:ext>
                 </a:extLst>
               </a:tr>
@@ -25038,7 +22770,7 @@
                 </a:tc>
                 <a:extLst>
                   <a:ext uri="{0D108BD9-81ED-4DB2-BD59-A6C34878D82A}">
-                    <a16:rowId xmlns:a16="http://schemas.microsoft.com/office/drawing/2014/main" val="10002"/>
+                    <a16:rowId xmlns="" xmlns:a16="http://schemas.microsoft.com/office/drawing/2014/main" val="10002"/>
                   </a:ext>
                 </a:extLst>
               </a:tr>
@@ -25396,7 +23128,7 @@
                 </a:tc>
                 <a:extLst>
                   <a:ext uri="{0D108BD9-81ED-4DB2-BD59-A6C34878D82A}">
-                    <a16:rowId xmlns:a16="http://schemas.microsoft.com/office/drawing/2014/main" val="10003"/>
+                    <a16:rowId xmlns="" xmlns:a16="http://schemas.microsoft.com/office/drawing/2014/main" val="10003"/>
                   </a:ext>
                 </a:extLst>
               </a:tr>
@@ -25754,7 +23486,7 @@
                 </a:tc>
                 <a:extLst>
                   <a:ext uri="{0D108BD9-81ED-4DB2-BD59-A6C34878D82A}">
-                    <a16:rowId xmlns:a16="http://schemas.microsoft.com/office/drawing/2014/main" val="10004"/>
+                    <a16:rowId xmlns="" xmlns:a16="http://schemas.microsoft.com/office/drawing/2014/main" val="10004"/>
                   </a:ext>
                 </a:extLst>
               </a:tr>
@@ -26112,7 +23844,7 @@
                 </a:tc>
                 <a:extLst>
                   <a:ext uri="{0D108BD9-81ED-4DB2-BD59-A6C34878D82A}">
-                    <a16:rowId xmlns:a16="http://schemas.microsoft.com/office/drawing/2014/main" val="2987373226"/>
+                    <a16:rowId xmlns="" xmlns:a16="http://schemas.microsoft.com/office/drawing/2014/main" val="2987373226"/>
                   </a:ext>
                 </a:extLst>
               </a:tr>
@@ -26470,7 +24202,7 @@
                 </a:tc>
                 <a:extLst>
                   <a:ext uri="{0D108BD9-81ED-4DB2-BD59-A6C34878D82A}">
-                    <a16:rowId xmlns:a16="http://schemas.microsoft.com/office/drawing/2014/main" val="2639051246"/>
+                    <a16:rowId xmlns="" xmlns:a16="http://schemas.microsoft.com/office/drawing/2014/main" val="2639051246"/>
                   </a:ext>
                 </a:extLst>
               </a:tr>
@@ -26828,7 +24560,7 @@
                 </a:tc>
                 <a:extLst>
                   <a:ext uri="{0D108BD9-81ED-4DB2-BD59-A6C34878D82A}">
-                    <a16:rowId xmlns:a16="http://schemas.microsoft.com/office/drawing/2014/main" val="1177553746"/>
+                    <a16:rowId xmlns="" xmlns:a16="http://schemas.microsoft.com/office/drawing/2014/main" val="1177553746"/>
                   </a:ext>
                 </a:extLst>
               </a:tr>
@@ -27178,7 +24910,7 @@
                 </a:tc>
                 <a:extLst>
                   <a:ext uri="{0D108BD9-81ED-4DB2-BD59-A6C34878D82A}">
-                    <a16:rowId xmlns:a16="http://schemas.microsoft.com/office/drawing/2014/main" val="4230401121"/>
+                    <a16:rowId xmlns="" xmlns:a16="http://schemas.microsoft.com/office/drawing/2014/main" val="4230401121"/>
                   </a:ext>
                 </a:extLst>
               </a:tr>
@@ -27228,63 +24960,13 @@
                 </a:spcAft>
                 <a:defRPr/>
               </a:pPr>
-              <a:t>5</a:t>
+              <a:t>4</a:t>
             </a:fld>
             <a:endParaRPr lang="en-GB" dirty="0">
               <a:solidFill>
                 <a:srgbClr val="232323"/>
               </a:solidFill>
               <a:latin typeface="+mn-lt"/>
-              <a:cs typeface="+mn-ea"/>
-              <a:sym typeface="+mn-lt"/>
-            </a:endParaRPr>
-          </a:p>
-        </p:txBody>
-      </p:sp>
-      <p:sp>
-        <p:nvSpPr>
-          <p:cNvPr id="3" name="TextBox 2"/>
-          <p:cNvSpPr txBox="1"/>
-          <p:nvPr/>
-        </p:nvSpPr>
-        <p:spPr>
-          <a:xfrm>
-            <a:off x="2930507" y="3492957"/>
-            <a:ext cx="8042586" cy="461665"/>
-          </a:xfrm>
-          <a:prstGeom prst="rect">
-            <a:avLst/>
-          </a:prstGeom>
-          <a:noFill/>
-        </p:spPr>
-        <p:txBody>
-          <a:bodyPr wrap="none" rtlCol="0">
-            <a:spAutoFit/>
-          </a:bodyPr>
-          <a:lstStyle/>
-          <a:p>
-            <a:r>
-              <a:rPr lang="zh-CN" altLang="en-US" dirty="0" smtClean="0">
-                <a:cs typeface="+mn-ea"/>
-                <a:sym typeface="+mn-lt"/>
-              </a:rPr>
-              <a:t>请根据</a:t>
-            </a:r>
-            <a:r>
-              <a:rPr lang="zh-CN" altLang="en-US" sz="2400" b="1" u="sng" dirty="0" smtClean="0">
-                <a:cs typeface="+mn-ea"/>
-                <a:sym typeface="+mn-lt"/>
-              </a:rPr>
-              <a:t>实际执行情况</a:t>
-            </a:r>
-            <a:r>
-              <a:rPr lang="zh-CN" altLang="en-US" dirty="0" smtClean="0">
-                <a:cs typeface="+mn-ea"/>
-                <a:sym typeface="+mn-lt"/>
-              </a:rPr>
-              <a:t>提供本月每场交车活动的清单，需包含简要活动流程</a:t>
-            </a:r>
-            <a:endParaRPr lang="en-US" dirty="0">
               <a:cs typeface="+mn-ea"/>
               <a:sym typeface="+mn-lt"/>
             </a:endParaRPr>
@@ -27480,7 +25162,7 @@
 </p:sld>
 </file>
 
-<file path=ppt/slides/slide6.xml><?xml version="1.0" encoding="utf-8"?>
+<file path=ppt/slides/slide5.xml><?xml version="1.0" encoding="utf-8"?>
 <p:sld xmlns:a="http://schemas.openxmlformats.org/drawingml/2006/main" xmlns:r="http://schemas.openxmlformats.org/officeDocument/2006/relationships" xmlns:p="http://schemas.openxmlformats.org/presentationml/2006/main">
   <p:cSld>
     <p:spTree>
@@ -27725,7 +25407,7 @@
                 </a:spcAft>
                 <a:defRPr/>
               </a:pPr>
-              <a:t>6</a:t>
+              <a:t>5</a:t>
             </a:fld>
             <a:endParaRPr lang="en-GB" dirty="0">
               <a:solidFill>
@@ -28256,7 +25938,7 @@
 </p:sld>
 </file>
 
-<file path=ppt/slides/slide7.xml><?xml version="1.0" encoding="utf-8"?>
+<file path=ppt/slides/slide6.xml><?xml version="1.0" encoding="utf-8"?>
 <p:sld xmlns:a="http://schemas.openxmlformats.org/drawingml/2006/main" xmlns:r="http://schemas.openxmlformats.org/officeDocument/2006/relationships" xmlns:p="http://schemas.openxmlformats.org/presentationml/2006/main">
   <p:cSld>
     <p:spTree>
@@ -28300,7 +25982,7 @@
           </a:ln>
         </p:spPr>
         <p:txBody>
-          <a:bodyPr wrap="square" lIns="85451" rIns="85451" rtlCol="0" anchor="ctr">
+          <a:bodyPr wrap="square" lIns="85451" rIns="85451" rtlCol="0" anchor="t">
             <a:prstTxWarp prst="textNoShape">
               <a:avLst/>
             </a:prstTxWarp>
@@ -28308,7 +25990,7 @@
           </a:bodyPr>
           <a:lstStyle/>
           <a:p>
-            <a:pPr algn="ctr" defTabSz="1085210" fontAlgn="base">
+            <a:pPr defTabSz="1085210" fontAlgn="base">
               <a:spcBef>
                 <a:spcPct val="0"/>
               </a:spcBef>
@@ -28316,27 +25998,7 @@
                 <a:spcPct val="0"/>
               </a:spcAft>
             </a:pPr>
-            <a:r>
-              <a:rPr lang="zh-CN" altLang="en-US" sz="2000" dirty="0">
-                <a:solidFill>
-                  <a:srgbClr val="232323"/>
-                </a:solidFill>
-                <a:cs typeface="+mn-ea"/>
-                <a:sym typeface="+mn-lt"/>
-              </a:rPr>
-              <a:t>请提供本月所有交车仪式</a:t>
-            </a:r>
-            <a:r>
-              <a:rPr lang="zh-CN" altLang="en-US" sz="2000" dirty="0" smtClean="0">
-                <a:solidFill>
-                  <a:srgbClr val="232323"/>
-                </a:solidFill>
-                <a:cs typeface="+mn-ea"/>
-                <a:sym typeface="+mn-lt"/>
-              </a:rPr>
-              <a:t>的车辆照片</a:t>
-            </a:r>
-            <a:endParaRPr lang="zh-CN" altLang="en-US" sz="2000" dirty="0">
+            <a:endParaRPr lang="zh-CN" altLang="en-US" sz="1187" dirty="0">
               <a:solidFill>
                 <a:srgbClr val="232323"/>
               </a:solidFill>
@@ -28549,7 +26211,7 @@
                 </a:spcAft>
                 <a:defRPr/>
               </a:pPr>
-              <a:t>7</a:t>
+              <a:t>6</a:t>
             </a:fld>
             <a:endParaRPr lang="en-GB" dirty="0">
               <a:solidFill>
@@ -28743,7 +26405,7 @@
 </p:sld>
 </file>
 
-<file path=ppt/slides/slide8.xml><?xml version="1.0" encoding="utf-8"?>
+<file path=ppt/slides/slide7.xml><?xml version="1.0" encoding="utf-8"?>
 <p:sld xmlns:a="http://schemas.openxmlformats.org/drawingml/2006/main" xmlns:r="http://schemas.openxmlformats.org/officeDocument/2006/relationships" xmlns:p="http://schemas.openxmlformats.org/presentationml/2006/main">
   <p:cSld>
     <p:spTree>
@@ -28785,7 +26447,7 @@
           <a:graphicData uri="http://schemas.openxmlformats.org/presentationml/2006/ole">
             <mc:AlternateContent xmlns:mc="http://schemas.openxmlformats.org/markup-compatibility/2006">
               <mc:Choice xmlns:v="urn:schemas-microsoft-com:vml" Requires="v">
-                <p:oleObj spid="_x0000_s44066" name="think-cell Slide" r:id="rId5" imgW="416" imgH="416" progId="TCLayout.ActiveDocument.1">
+                <p:oleObj spid="_x0000_s44071" name="think-cell Slide" r:id="rId5" imgW="416" imgH="416" progId="TCLayout.ActiveDocument.1">
                   <p:embed/>
                 </p:oleObj>
               </mc:Choice>
@@ -28921,7 +26583,7 @@
               <a:pPr>
                 <a:defRPr/>
               </a:pPr>
-              <a:t>8</a:t>
+              <a:t>7</a:t>
             </a:fld>
             <a:endParaRPr lang="en-GB" dirty="0">
               <a:latin typeface="+mn-lt"/>
@@ -29201,19 +26863,9 @@
                 <a:cs typeface="+mn-ea"/>
                 <a:sym typeface="+mn-lt"/>
               </a:rPr>
-              <a:t>请提供本月所有交车仪式的主视觉</a:t>
-            </a:r>
-            <a:r>
-              <a:rPr lang="zh-CN" altLang="en-US" sz="2000" dirty="0" smtClean="0">
-                <a:solidFill>
-                  <a:srgbClr val="232323"/>
-                </a:solidFill>
-                <a:cs typeface="+mn-ea"/>
-                <a:sym typeface="+mn-lt"/>
-              </a:rPr>
-              <a:t>照片</a:t>
-            </a:r>
-            <a:endParaRPr lang="en-US" altLang="zh-CN" sz="2000" dirty="0" smtClean="0">
+              <a:t>请提供本月所有交车仪式的主视觉照片</a:t>
+            </a:r>
+            <a:endParaRPr lang="zh-CN" altLang="en-US" sz="2000" dirty="0">
               <a:solidFill>
                 <a:srgbClr val="232323"/>
               </a:solidFill>
@@ -29243,7 +26895,7 @@
 </p:sld>
 </file>
 
-<file path=ppt/slides/slide9.xml><?xml version="1.0" encoding="utf-8"?>
+<file path=ppt/slides/slide8.xml><?xml version="1.0" encoding="utf-8"?>
 <p:sld xmlns:a="http://schemas.openxmlformats.org/drawingml/2006/main" xmlns:r="http://schemas.openxmlformats.org/officeDocument/2006/relationships" xmlns:p="http://schemas.openxmlformats.org/presentationml/2006/main">
   <p:cSld>
     <p:spTree>
@@ -29370,7 +27022,7 @@
                 </a:spcAft>
                 <a:defRPr/>
               </a:pPr>
-              <a:t>9</a:t>
+              <a:t>8</a:t>
             </a:fld>
             <a:endParaRPr lang="en-GB" dirty="0">
               <a:solidFill>
@@ -29695,6 +27347,420 @@
 </p:sld>
 </file>
 
+<file path=ppt/slides/slide9.xml><?xml version="1.0" encoding="utf-8"?>
+<p:sld xmlns:a="http://schemas.openxmlformats.org/drawingml/2006/main" xmlns:r="http://schemas.openxmlformats.org/officeDocument/2006/relationships" xmlns:p="http://schemas.openxmlformats.org/presentationml/2006/main">
+  <p:cSld>
+    <p:spTree>
+      <p:nvGrpSpPr>
+        <p:cNvPr id="1" name=""/>
+        <p:cNvGrpSpPr/>
+        <p:nvPr/>
+      </p:nvGrpSpPr>
+      <p:grpSpPr>
+        <a:xfrm>
+          <a:off x="0" y="0"/>
+          <a:ext cx="0" cy="0"/>
+          <a:chOff x="0" y="0"/>
+          <a:chExt cx="0" cy="0"/>
+        </a:xfrm>
+      </p:grpSpPr>
+      <p:sp>
+        <p:nvSpPr>
+          <p:cNvPr id="6" name="Title 12"/>
+          <p:cNvSpPr txBox="1">
+            <a:spLocks/>
+          </p:cNvSpPr>
+          <p:nvPr/>
+        </p:nvSpPr>
+        <p:spPr>
+          <a:xfrm>
+            <a:off x="577516" y="675516"/>
+            <a:ext cx="11042227" cy="474878"/>
+          </a:xfrm>
+          <a:prstGeom prst="rect">
+            <a:avLst/>
+          </a:prstGeom>
+        </p:spPr>
+        <p:txBody>
+          <a:bodyPr anchor="b" anchorCtr="0"/>
+          <a:lstStyle>
+            <a:lvl1pPr algn="l" defTabSz="685792" rtl="0" eaLnBrk="1" latinLnBrk="0" hangingPunct="1">
+              <a:lnSpc>
+                <a:spcPct val="85000"/>
+              </a:lnSpc>
+              <a:spcBef>
+                <a:spcPct val="0"/>
+              </a:spcBef>
+              <a:buNone/>
+              <a:defRPr sz="1270" b="0" i="0" kern="1200" spc="-8" baseline="0">
+                <a:solidFill>
+                  <a:schemeClr val="tx1"/>
+                </a:solidFill>
+                <a:latin typeface="Bentley Light" panose="020B0404020201020102" pitchFamily="34" charset="77"/>
+                <a:ea typeface="+mj-ea"/>
+                <a:cs typeface="+mj-cs"/>
+              </a:defRPr>
+            </a:lvl1pPr>
+          </a:lstStyle>
+          <a:p>
+            <a:r>
+              <a:rPr lang="en-US" sz="2000" dirty="0"/>
+              <a:t>Event Photos – Others </a:t>
+            </a:r>
+            <a:r>
+              <a:rPr lang="zh-CN" altLang="en-US" sz="2000" dirty="0" smtClean="0"/>
+              <a:t>其他活动照片</a:t>
+            </a:r>
+            <a:endParaRPr lang="en-US" sz="2000" dirty="0"/>
+          </a:p>
+        </p:txBody>
+      </p:sp>
+      <p:sp>
+        <p:nvSpPr>
+          <p:cNvPr id="2" name="Slide Number Placeholder 1"/>
+          <p:cNvSpPr>
+            <a:spLocks noGrp="1"/>
+          </p:cNvSpPr>
+          <p:nvPr>
+            <p:ph type="sldNum" sz="quarter" idx="4"/>
+          </p:nvPr>
+        </p:nvSpPr>
+        <p:spPr/>
+        <p:txBody>
+          <a:bodyPr/>
+          <a:lstStyle/>
+          <a:p>
+            <a:pPr defTabSz="1085210" fontAlgn="base">
+              <a:spcBef>
+                <a:spcPct val="0"/>
+              </a:spcBef>
+              <a:spcAft>
+                <a:spcPct val="0"/>
+              </a:spcAft>
+              <a:defRPr/>
+            </a:pPr>
+            <a:fld id="{C1A46B1E-1CF5-4801-894B-F57DA2C6389A}" type="slidenum">
+              <a:rPr lang="en-GB">
+                <a:solidFill>
+                  <a:srgbClr val="232323"/>
+                </a:solidFill>
+                <a:latin typeface="+mn-lt"/>
+                <a:cs typeface="+mn-ea"/>
+                <a:sym typeface="+mn-lt"/>
+              </a:rPr>
+              <a:pPr defTabSz="1085210" fontAlgn="base">
+                <a:spcBef>
+                  <a:spcPct val="0"/>
+                </a:spcBef>
+                <a:spcAft>
+                  <a:spcPct val="0"/>
+                </a:spcAft>
+                <a:defRPr/>
+              </a:pPr>
+              <a:t>9</a:t>
+            </a:fld>
+            <a:endParaRPr lang="en-GB" dirty="0">
+              <a:solidFill>
+                <a:srgbClr val="232323"/>
+              </a:solidFill>
+              <a:latin typeface="+mn-lt"/>
+              <a:cs typeface="+mn-ea"/>
+              <a:sym typeface="+mn-lt"/>
+            </a:endParaRPr>
+          </a:p>
+        </p:txBody>
+      </p:sp>
+      <p:sp>
+        <p:nvSpPr>
+          <p:cNvPr id="9" name="Footer Placeholder 3"/>
+          <p:cNvSpPr txBox="1">
+            <a:spLocks/>
+          </p:cNvSpPr>
+          <p:nvPr/>
+        </p:nvSpPr>
+        <p:spPr>
+          <a:xfrm>
+            <a:off x="544315" y="268940"/>
+            <a:ext cx="3809839" cy="214074"/>
+          </a:xfrm>
+          <a:prstGeom prst="rect">
+            <a:avLst/>
+          </a:prstGeom>
+        </p:spPr>
+        <p:txBody>
+          <a:bodyPr lIns="0" tIns="0" rIns="0" bIns="0" anchor="b" anchorCtr="0"/>
+          <a:lstStyle>
+            <a:defPPr>
+              <a:defRPr lang="en-GB"/>
+            </a:defPPr>
+            <a:lvl1pPr marL="0" marR="0" indent="0" algn="l" defTabSz="407672" rtl="0" eaLnBrk="1" fontAlgn="auto" latinLnBrk="0" hangingPunct="1">
+              <a:lnSpc>
+                <a:spcPct val="100000"/>
+              </a:lnSpc>
+              <a:spcBef>
+                <a:spcPts val="0"/>
+              </a:spcBef>
+              <a:spcAft>
+                <a:spcPts val="0"/>
+              </a:spcAft>
+              <a:buClrTx/>
+              <a:buSzTx/>
+              <a:buFontTx/>
+              <a:buNone/>
+              <a:tabLst/>
+              <a:defRPr sz="847" b="0" i="0" kern="1200">
+                <a:solidFill>
+                  <a:schemeClr val="tx1"/>
+                </a:solidFill>
+                <a:latin typeface="Bentley Light" panose="020B0404020201020102" pitchFamily="34" charset="77"/>
+                <a:ea typeface="ＭＳ Ｐゴシック" pitchFamily="34" charset="-128"/>
+                <a:cs typeface="+mn-cs"/>
+              </a:defRPr>
+            </a:lvl1pPr>
+            <a:lvl2pPr marL="457200" algn="l" rtl="0" fontAlgn="base">
+              <a:spcBef>
+                <a:spcPct val="0"/>
+              </a:spcBef>
+              <a:spcAft>
+                <a:spcPct val="0"/>
+              </a:spcAft>
+              <a:defRPr sz="3200" b="1" kern="1200">
+                <a:solidFill>
+                  <a:schemeClr val="tx1"/>
+                </a:solidFill>
+                <a:latin typeface="Gill Sans" pitchFamily="34" charset="0"/>
+                <a:ea typeface="ＭＳ Ｐゴシック" pitchFamily="34" charset="-128"/>
+                <a:cs typeface="+mn-cs"/>
+              </a:defRPr>
+            </a:lvl2pPr>
+            <a:lvl3pPr marL="914400" algn="l" rtl="0" fontAlgn="base">
+              <a:spcBef>
+                <a:spcPct val="0"/>
+              </a:spcBef>
+              <a:spcAft>
+                <a:spcPct val="0"/>
+              </a:spcAft>
+              <a:defRPr sz="3200" b="1" kern="1200">
+                <a:solidFill>
+                  <a:schemeClr val="tx1"/>
+                </a:solidFill>
+                <a:latin typeface="Gill Sans" pitchFamily="34" charset="0"/>
+                <a:ea typeface="ＭＳ Ｐゴシック" pitchFamily="34" charset="-128"/>
+                <a:cs typeface="+mn-cs"/>
+              </a:defRPr>
+            </a:lvl3pPr>
+            <a:lvl4pPr marL="1371600" algn="l" rtl="0" fontAlgn="base">
+              <a:spcBef>
+                <a:spcPct val="0"/>
+              </a:spcBef>
+              <a:spcAft>
+                <a:spcPct val="0"/>
+              </a:spcAft>
+              <a:defRPr sz="3200" b="1" kern="1200">
+                <a:solidFill>
+                  <a:schemeClr val="tx1"/>
+                </a:solidFill>
+                <a:latin typeface="Gill Sans" pitchFamily="34" charset="0"/>
+                <a:ea typeface="ＭＳ Ｐゴシック" pitchFamily="34" charset="-128"/>
+                <a:cs typeface="+mn-cs"/>
+              </a:defRPr>
+            </a:lvl4pPr>
+            <a:lvl5pPr marL="1828800" algn="l" rtl="0" fontAlgn="base">
+              <a:spcBef>
+                <a:spcPct val="0"/>
+              </a:spcBef>
+              <a:spcAft>
+                <a:spcPct val="0"/>
+              </a:spcAft>
+              <a:defRPr sz="3200" b="1" kern="1200">
+                <a:solidFill>
+                  <a:schemeClr val="tx1"/>
+                </a:solidFill>
+                <a:latin typeface="Gill Sans" pitchFamily="34" charset="0"/>
+                <a:ea typeface="ＭＳ Ｐゴシック" pitchFamily="34" charset="-128"/>
+                <a:cs typeface="+mn-cs"/>
+              </a:defRPr>
+            </a:lvl5pPr>
+            <a:lvl6pPr marL="2286000" algn="l" defTabSz="914400" rtl="0" eaLnBrk="1" latinLnBrk="0" hangingPunct="1">
+              <a:defRPr sz="3200" b="1" kern="1200">
+                <a:solidFill>
+                  <a:schemeClr val="tx1"/>
+                </a:solidFill>
+                <a:latin typeface="Gill Sans" pitchFamily="34" charset="0"/>
+                <a:ea typeface="ＭＳ Ｐゴシック" pitchFamily="34" charset="-128"/>
+                <a:cs typeface="+mn-cs"/>
+              </a:defRPr>
+            </a:lvl6pPr>
+            <a:lvl7pPr marL="2743200" algn="l" defTabSz="914400" rtl="0" eaLnBrk="1" latinLnBrk="0" hangingPunct="1">
+              <a:defRPr sz="3200" b="1" kern="1200">
+                <a:solidFill>
+                  <a:schemeClr val="tx1"/>
+                </a:solidFill>
+                <a:latin typeface="Gill Sans" pitchFamily="34" charset="0"/>
+                <a:ea typeface="ＭＳ Ｐゴシック" pitchFamily="34" charset="-128"/>
+                <a:cs typeface="+mn-cs"/>
+              </a:defRPr>
+            </a:lvl7pPr>
+            <a:lvl8pPr marL="3200400" algn="l" defTabSz="914400" rtl="0" eaLnBrk="1" latinLnBrk="0" hangingPunct="1">
+              <a:defRPr sz="3200" b="1" kern="1200">
+                <a:solidFill>
+                  <a:schemeClr val="tx1"/>
+                </a:solidFill>
+                <a:latin typeface="Gill Sans" pitchFamily="34" charset="0"/>
+                <a:ea typeface="ＭＳ Ｐゴシック" pitchFamily="34" charset="-128"/>
+                <a:cs typeface="+mn-cs"/>
+              </a:defRPr>
+            </a:lvl8pPr>
+            <a:lvl9pPr marL="3657600" algn="l" defTabSz="914400" rtl="0" eaLnBrk="1" latinLnBrk="0" hangingPunct="1">
+              <a:defRPr sz="3200" b="1" kern="1200">
+                <a:solidFill>
+                  <a:schemeClr val="tx1"/>
+                </a:solidFill>
+                <a:latin typeface="Gill Sans" pitchFamily="34" charset="0"/>
+                <a:ea typeface="ＭＳ Ｐゴシック" pitchFamily="34" charset="-128"/>
+                <a:cs typeface="+mn-cs"/>
+              </a:defRPr>
+            </a:lvl9pPr>
+          </a:lstStyle>
+          <a:p>
+            <a:r>
+              <a:rPr lang="en-US" altLang="zh-CN" sz="1050" dirty="0" smtClean="0"/>
+              <a:t>Bentley Coop Fund Application - Event Report</a:t>
+            </a:r>
+            <a:endParaRPr lang="en-US" altLang="zh-CN" sz="1050" dirty="0"/>
+          </a:p>
+        </p:txBody>
+      </p:sp>
+      <p:sp>
+        <p:nvSpPr>
+          <p:cNvPr id="10" name="Rectangle 9"/>
+          <p:cNvSpPr/>
+          <p:nvPr/>
+        </p:nvSpPr>
+        <p:spPr>
+          <a:xfrm>
+            <a:off x="538849" y="1123920"/>
+            <a:ext cx="11081395" cy="307777"/>
+          </a:xfrm>
+          <a:prstGeom prst="rect">
+            <a:avLst/>
+          </a:prstGeom>
+          <a:solidFill>
+            <a:schemeClr val="accent1">
+              <a:lumMod val="50000"/>
+            </a:schemeClr>
+          </a:solidFill>
+        </p:spPr>
+        <p:txBody>
+          <a:bodyPr wrap="square">
+            <a:spAutoFit/>
+          </a:bodyPr>
+          <a:lstStyle/>
+          <a:p>
+            <a:pPr algn="ctr" defTabSz="1085210" eaLnBrk="0" fontAlgn="base" hangingPunct="0">
+              <a:spcBef>
+                <a:spcPct val="0"/>
+              </a:spcBef>
+              <a:spcAft>
+                <a:spcPct val="0"/>
+              </a:spcAft>
+              <a:buSzPct val="100000"/>
+            </a:pPr>
+            <a:r>
+              <a:rPr lang="en-US" sz="1400" b="1" dirty="0">
+                <a:solidFill>
+                  <a:srgbClr val="FFFFFF"/>
+                </a:solidFill>
+                <a:cs typeface="+mn-ea"/>
+              </a:rPr>
+              <a:t>Others- </a:t>
+            </a:r>
+            <a:r>
+              <a:rPr lang="zh-CN" altLang="en-US" sz="1400" b="1" dirty="0">
+                <a:solidFill>
+                  <a:srgbClr val="FFFFFF"/>
+                </a:solidFill>
+                <a:cs typeface="+mn-ea"/>
+                <a:sym typeface="+mn-lt"/>
+              </a:rPr>
+              <a:t>其他活动照片</a:t>
+            </a:r>
+          </a:p>
+        </p:txBody>
+      </p:sp>
+      <p:sp>
+        <p:nvSpPr>
+          <p:cNvPr id="12" name="Rectangle 11"/>
+          <p:cNvSpPr/>
+          <p:nvPr/>
+        </p:nvSpPr>
+        <p:spPr>
+          <a:xfrm>
+            <a:off x="539015" y="1562582"/>
+            <a:ext cx="11080728" cy="4761216"/>
+          </a:xfrm>
+          <a:prstGeom prst="rect">
+            <a:avLst/>
+          </a:prstGeom>
+          <a:solidFill>
+            <a:schemeClr val="bg1">
+              <a:lumMod val="95000"/>
+            </a:schemeClr>
+          </a:solidFill>
+          <a:ln w="6350" cmpd="sng">
+            <a:noFill/>
+            <a:miter lim="800000"/>
+            <a:headEnd/>
+            <a:tailEnd/>
+          </a:ln>
+        </p:spPr>
+        <p:txBody>
+          <a:bodyPr wrap="square" lIns="85451" rIns="85451" rtlCol="0" anchor="t">
+            <a:prstTxWarp prst="textNoShape">
+              <a:avLst/>
+            </a:prstTxWarp>
+            <a:noAutofit/>
+          </a:bodyPr>
+          <a:lstStyle/>
+          <a:p>
+            <a:pPr defTabSz="1085210" fontAlgn="base">
+              <a:spcBef>
+                <a:spcPct val="0"/>
+              </a:spcBef>
+              <a:spcAft>
+                <a:spcPct val="0"/>
+              </a:spcAft>
+            </a:pPr>
+            <a:endParaRPr lang="zh-CN" altLang="en-US" sz="1187" dirty="0">
+              <a:solidFill>
+                <a:srgbClr val="232323"/>
+              </a:solidFill>
+              <a:cs typeface="+mn-ea"/>
+              <a:sym typeface="+mn-lt"/>
+            </a:endParaRPr>
+          </a:p>
+        </p:txBody>
+      </p:sp>
+    </p:spTree>
+    <p:extLst>
+      <p:ext uri="{BB962C8B-B14F-4D97-AF65-F5344CB8AC3E}">
+        <p14:creationId xmlns:p14="http://schemas.microsoft.com/office/powerpoint/2010/main" val="1147389265"/>
+      </p:ext>
+    </p:extLst>
+  </p:cSld>
+  <p:clrMapOvr>
+    <a:masterClrMapping/>
+  </p:clrMapOvr>
+  <p:timing>
+    <p:tnLst>
+      <p:par>
+        <p:cTn id="1" dur="indefinite" restart="never" nodeType="tmRoot"/>
+      </p:par>
+    </p:tnLst>
+  </p:timing>
+</p:sld>
+</file>
+
 <file path=ppt/tags/tag1.xml><?xml version="1.0" encoding="utf-8"?>
 <p:tagLst xmlns:a="http://schemas.openxmlformats.org/drawingml/2006/main" xmlns:r="http://schemas.openxmlformats.org/officeDocument/2006/relationships" xmlns:p="http://schemas.openxmlformats.org/presentationml/2006/main">
   <p:tag name="THINKCELLUNDODONOTDELETE" val="0"/>
@@ -29787,23 +27853,11 @@
 
 <file path=ppt/tags/tag23.xml><?xml version="1.0" encoding="utf-8"?>
 <p:tagLst xmlns:a="http://schemas.openxmlformats.org/drawingml/2006/main" xmlns:r="http://schemas.openxmlformats.org/officeDocument/2006/relationships" xmlns:p="http://schemas.openxmlformats.org/presentationml/2006/main">
-  <p:tag name="THINKCELLSHAPEDONOTDELETE" val="tQw3miQ7.1X1Q3ghpj6faAw"/>
+  <p:tag name="THINKCELLSHAPEDONOTDELETE" val="pxI7QwSDGFEKBDcoj1l7SdA"/>
 </p:tagLst>
 </file>
 
 <file path=ppt/tags/tag24.xml><?xml version="1.0" encoding="utf-8"?>
-<p:tagLst xmlns:a="http://schemas.openxmlformats.org/drawingml/2006/main" xmlns:r="http://schemas.openxmlformats.org/officeDocument/2006/relationships" xmlns:p="http://schemas.openxmlformats.org/presentationml/2006/main">
-  <p:tag name="THINKCELLSHAPEDONOTDELETE" val="thinkcellActiveDocDoNotDelete"/>
-</p:tagLst>
-</file>
-
-<file path=ppt/tags/tag25.xml><?xml version="1.0" encoding="utf-8"?>
-<p:tagLst xmlns:a="http://schemas.openxmlformats.org/drawingml/2006/main" xmlns:r="http://schemas.openxmlformats.org/officeDocument/2006/relationships" xmlns:p="http://schemas.openxmlformats.org/presentationml/2006/main">
-  <p:tag name="THINKCELLSHAPEDONOTDELETE" val="pxI7QwSDGFEKBDcoj1l7SdA"/>
-</p:tagLst>
-</file>
-
-<file path=ppt/tags/tag26.xml><?xml version="1.0" encoding="utf-8"?>
 <p:tagLst xmlns:a="http://schemas.openxmlformats.org/drawingml/2006/main" xmlns:r="http://schemas.openxmlformats.org/officeDocument/2006/relationships" xmlns:p="http://schemas.openxmlformats.org/presentationml/2006/main">
   <p:tag name="THINKCELLSHAPEDONOTDELETE" val="thinkcellActiveDocDoNotDelete"/>
 </p:tagLst>
@@ -29894,12 +27948,12 @@
     </a:clrScheme>
     <a:fontScheme name="1hz2wouy">
       <a:majorFont>
-        <a:latin typeface="Bentley Light" panose="020F0302020204030204"/>
+        <a:latin typeface="Bentley Light"/>
         <a:ea typeface="黑体"/>
         <a:cs typeface=""/>
       </a:majorFont>
       <a:minorFont>
-        <a:latin typeface="Bentley Light" panose="020F0502020204030204"/>
+        <a:latin typeface="Bentley Light"/>
         <a:ea typeface="黑体"/>
         <a:cs typeface=""/>
       </a:minorFont>
@@ -30046,7 +28100,7 @@
   <a:extraClrSchemeLst/>
   <a:extLst>
     <a:ext uri="{05A4C25C-085E-4340-85A3-A5531E510DB2}">
-      <thm15:themeFamily xmlns:thm15="http://schemas.microsoft.com/office/thememl/2012/main" name="Office Theme" id="{62F939B6-93AF-4DB8-9C6B-D6C7DFDC589F}" vid="{4A3C46E8-61CC-4603-A589-7422A47A8E4A}"/>
+      <thm15:themeFamily xmlns="" xmlns:thm15="http://schemas.microsoft.com/office/thememl/2012/main" name="Office Theme" id="{62F939B6-93AF-4DB8-9C6B-D6C7DFDC589F}" vid="{4A3C46E8-61CC-4603-A589-7422A47A8E4A}"/>
     </a:ext>
   </a:extLst>
 </a:theme>
@@ -30095,12 +28149,12 @@
     </a:clrScheme>
     <a:fontScheme name="1hz2wouy">
       <a:majorFont>
-        <a:latin typeface="Bentley Light" panose="020F0302020204030204"/>
+        <a:latin typeface="Bentley Light"/>
         <a:ea typeface="黑体"/>
         <a:cs typeface=""/>
       </a:majorFont>
       <a:minorFont>
-        <a:latin typeface="Bentley Light" panose="020F0502020204030204"/>
+        <a:latin typeface="Bentley Light"/>
         <a:ea typeface="黑体"/>
         <a:cs typeface=""/>
       </a:minorFont>
@@ -30280,7 +28334,7 @@
   <a:extraClrSchemeLst/>
   <a:extLst>
     <a:ext uri="{05A4C25C-085E-4340-85A3-A5531E510DB2}">
-      <thm15:themeFamily xmlns:thm15="http://schemas.microsoft.com/office/thememl/2012/main" name="Bentley template 2021.potx" id="{C9F80F40-B2B1-4DB6-919B-71F3AAFFE5B0}" vid="{F9D38CA0-4F02-4029-A6BC-9642EF690A5C}"/>
+      <thm15:themeFamily xmlns="" xmlns:thm15="http://schemas.microsoft.com/office/thememl/2012/main" name="Bentley template 2021.potx" id="{C9F80F40-B2B1-4DB6-919B-71F3AAFFE5B0}" vid="{F9D38CA0-4F02-4029-A6BC-9642EF690A5C}"/>
     </a:ext>
   </a:extLst>
 </a:theme>
@@ -30329,12 +28383,12 @@
     </a:clrScheme>
     <a:fontScheme name="1hz2wouy">
       <a:majorFont>
-        <a:latin typeface="Bentley Light" panose="020F0302020204030204"/>
+        <a:latin typeface="Bentley Light"/>
         <a:ea typeface="黑体"/>
         <a:cs typeface=""/>
       </a:majorFont>
       <a:minorFont>
-        <a:latin typeface="Bentley Light" panose="020F0502020204030204"/>
+        <a:latin typeface="Bentley Light"/>
         <a:ea typeface="黑体"/>
         <a:cs typeface=""/>
       </a:minorFont>
@@ -30514,7 +28568,7 @@
   <a:extraClrSchemeLst/>
   <a:extLst>
     <a:ext uri="{05A4C25C-085E-4340-85A3-A5531E510DB2}">
-      <thm15:themeFamily xmlns:thm15="http://schemas.microsoft.com/office/thememl/2012/main" name="Bentley template 2021.potx" id="{C9F80F40-B2B1-4DB6-919B-71F3AAFFE5B0}" vid="{F9D38CA0-4F02-4029-A6BC-9642EF690A5C}"/>
+      <thm15:themeFamily xmlns="" xmlns:thm15="http://schemas.microsoft.com/office/thememl/2012/main" name="Bentley template 2021.potx" id="{C9F80F40-B2B1-4DB6-919B-71F3AAFFE5B0}" vid="{F9D38CA0-4F02-4029-A6BC-9642EF690A5C}"/>
     </a:ext>
   </a:extLst>
 </a:theme>
@@ -30563,7 +28617,7 @@
     </a:clrScheme>
     <a:fontScheme name="Office">
       <a:majorFont>
-        <a:latin typeface="Calibri Light" panose="020F0302020204030204"/>
+        <a:latin typeface="Calibri Light"/>
         <a:ea typeface=""/>
         <a:cs typeface=""/>
         <a:font script="Jpan" typeface="游ゴシック Light"/>
@@ -30598,7 +28652,7 @@
         <a:font script="Geor" typeface="Sylfaen"/>
       </a:majorFont>
       <a:minorFont>
-        <a:latin typeface="Calibri" panose="020F0502020204030204"/>
+        <a:latin typeface="Calibri"/>
         <a:ea typeface=""/>
         <a:cs typeface=""/>
         <a:font script="Jpan" typeface="游ゴシック"/>
@@ -30775,7 +28829,7 @@
   <a:extraClrSchemeLst/>
   <a:extLst>
     <a:ext uri="{05A4C25C-085E-4340-85A3-A5531E510DB2}">
-      <thm15:themeFamily xmlns:thm15="http://schemas.microsoft.com/office/thememl/2012/main" name="Office Theme" id="{62F939B6-93AF-4DB8-9C6B-D6C7DFDC589F}" vid="{4A3C46E8-61CC-4603-A589-7422A47A8E4A}"/>
+      <thm15:themeFamily xmlns="" xmlns:thm15="http://schemas.microsoft.com/office/thememl/2012/main" name="Office Theme" id="{62F939B6-93AF-4DB8-9C6B-D6C7DFDC589F}" vid="{4A3C46E8-61CC-4603-A589-7422A47A8E4A}"/>
     </a:ext>
   </a:extLst>
 </a:theme>

--- a/com.yrtech.bentleyAPI/com.yrtech.InventoryAPI/template/ReportHandOver.pptx
+++ b/com.yrtech.bentleyAPI/com.yrtech.InventoryAPI/template/ReportHandOver.pptx
@@ -123,7 +123,7 @@
   </p:defaultTextStyle>
   <p:extLst>
     <p:ext uri="{EFAFB233-063F-42B5-8137-9DF3F51BA10A}">
-      <p15:sldGuideLst xmlns="" xmlns:p15="http://schemas.microsoft.com/office/powerpoint/2012/main">
+      <p15:sldGuideLst xmlns:p15="http://schemas.microsoft.com/office/powerpoint/2012/main" xmlns="">
         <p15:guide id="1" pos="7310" userDrawn="1">
           <p15:clr>
             <a:srgbClr val="A4A3A4"/>
@@ -222,7 +222,7 @@
           <a:p>
             <a:fld id="{69A4D669-94F9-4D70-8C76-4C2D35D4E5D0}" type="datetimeFigureOut">
               <a:rPr lang="en-US" smtClean="0"/>
-              <a:t>4/1/2022</a:t>
+              <a:t>4/9/2022</a:t>
             </a:fld>
             <a:endParaRPr lang="en-US"/>
           </a:p>
@@ -1431,7 +1431,7 @@
           <a:p>
             <a:fld id="{CB9F8517-1271-4F8B-9742-ECB8BBF22693}" type="datetimeFigureOut">
               <a:rPr lang="en-US" smtClean="0"/>
-              <a:t>4/1/2022</a:t>
+              <a:t>4/9/2022</a:t>
             </a:fld>
             <a:endParaRPr lang="en-US"/>
           </a:p>
@@ -1601,7 +1601,7 @@
           <a:p>
             <a:fld id="{CB9F8517-1271-4F8B-9742-ECB8BBF22693}" type="datetimeFigureOut">
               <a:rPr lang="en-US" smtClean="0"/>
-              <a:t>4/1/2022</a:t>
+              <a:t>4/9/2022</a:t>
             </a:fld>
             <a:endParaRPr lang="en-US"/>
           </a:p>
@@ -1781,7 +1781,7 @@
           <a:p>
             <a:fld id="{CB9F8517-1271-4F8B-9742-ECB8BBF22693}" type="datetimeFigureOut">
               <a:rPr lang="en-US" smtClean="0"/>
-              <a:t>4/1/2022</a:t>
+              <a:t>4/9/2022</a:t>
             </a:fld>
             <a:endParaRPr lang="en-US"/>
           </a:p>
@@ -1879,7 +1879,7 @@
           <a:graphicData uri="http://schemas.openxmlformats.org/presentationml/2006/ole">
             <mc:AlternateContent xmlns:mc="http://schemas.openxmlformats.org/markup-compatibility/2006">
               <mc:Choice xmlns:v="urn:schemas-microsoft-com:vml" Requires="v">
-                <p:oleObj spid="_x0000_s3123" name="think-cell Slide" r:id="rId4" imgW="216" imgH="216" progId="TCLayout.ActiveDocument.1">
+                <p:oleObj spid="_x0000_s3124" name="think-cell Slide" r:id="rId4" imgW="216" imgH="216" progId="TCLayout.ActiveDocument.1">
                   <p:embed/>
                 </p:oleObj>
               </mc:Choice>
@@ -1919,7 +1919,7 @@
           <p:cNvPr id="8" name="Title 7">
             <a:extLst>
               <a:ext uri="{FF2B5EF4-FFF2-40B4-BE49-F238E27FC236}">
-                <a16:creationId xmlns="" xmlns:a16="http://schemas.microsoft.com/office/drawing/2014/main" id="{8A6F1540-D306-D44E-B1B3-1ACCF1041F70}"/>
+                <a16:creationId xmlns:a16="http://schemas.microsoft.com/office/drawing/2014/main" xmlns="" id="{8A6F1540-D306-D44E-B1B3-1ACCF1041F70}"/>
               </a:ext>
             </a:extLst>
           </p:cNvPr>
@@ -2715,7 +2715,7 @@
           <p:cNvPr id="37" name="Footer Placeholder 3">
             <a:extLst>
               <a:ext uri="{FF2B5EF4-FFF2-40B4-BE49-F238E27FC236}">
-                <a16:creationId xmlns="" xmlns:a16="http://schemas.microsoft.com/office/drawing/2014/main" id="{DBA440F4-82E0-7E45-8A6F-4A8C7572AEE5}"/>
+                <a16:creationId xmlns:a16="http://schemas.microsoft.com/office/drawing/2014/main" xmlns="" id="{DBA440F4-82E0-7E45-8A6F-4A8C7572AEE5}"/>
               </a:ext>
             </a:extLst>
           </p:cNvPr>
@@ -2774,7 +2774,7 @@
           <p:cNvPr id="38" name="Slide Number Placeholder 5">
             <a:extLst>
               <a:ext uri="{FF2B5EF4-FFF2-40B4-BE49-F238E27FC236}">
-                <a16:creationId xmlns="" xmlns:a16="http://schemas.microsoft.com/office/drawing/2014/main" id="{CC67CD5C-67EC-5144-B858-5347C50D1ACD}"/>
+                <a16:creationId xmlns:a16="http://schemas.microsoft.com/office/drawing/2014/main" xmlns="" id="{CC67CD5C-67EC-5144-B858-5347C50D1ACD}"/>
               </a:ext>
             </a:extLst>
           </p:cNvPr>
@@ -2821,7 +2821,7 @@
           <p:cNvPr id="39" name="Straight Connector 38">
             <a:extLst>
               <a:ext uri="{FF2B5EF4-FFF2-40B4-BE49-F238E27FC236}">
-                <a16:creationId xmlns="" xmlns:a16="http://schemas.microsoft.com/office/drawing/2014/main" id="{95C486A1-9876-924E-85C2-906892F8B9AC}"/>
+                <a16:creationId xmlns:a16="http://schemas.microsoft.com/office/drawing/2014/main" xmlns="" id="{95C486A1-9876-924E-85C2-906892F8B9AC}"/>
               </a:ext>
             </a:extLst>
           </p:cNvPr>
@@ -2917,7 +2917,7 @@
           <a:graphicData uri="http://schemas.openxmlformats.org/presentationml/2006/ole">
             <mc:AlternateContent xmlns:mc="http://schemas.openxmlformats.org/markup-compatibility/2006">
               <mc:Choice xmlns:v="urn:schemas-microsoft-com:vml" Requires="v">
-                <p:oleObj spid="_x0000_s32807" name="think-cell Slide" r:id="rId5" imgW="216" imgH="216" progId="TCLayout.ActiveDocument.1">
+                <p:oleObj spid="_x0000_s32808" name="think-cell Slide" r:id="rId5" imgW="216" imgH="216" progId="TCLayout.ActiveDocument.1">
                   <p:embed/>
                 </p:oleObj>
               </mc:Choice>
@@ -3114,7 +3114,7 @@
           <p:cNvPr id="4" name="Footer Placeholder 3">
             <a:extLst>
               <a:ext uri="{FF2B5EF4-FFF2-40B4-BE49-F238E27FC236}">
-                <a16:creationId xmlns="" xmlns:a16="http://schemas.microsoft.com/office/drawing/2014/main" id="{17D6DE4C-D976-4B4B-B087-C035EF8D4F6F}"/>
+                <a16:creationId xmlns:a16="http://schemas.microsoft.com/office/drawing/2014/main" xmlns="" id="{17D6DE4C-D976-4B4B-B087-C035EF8D4F6F}"/>
               </a:ext>
             </a:extLst>
           </p:cNvPr>
@@ -3173,7 +3173,7 @@
           <p:cNvPr id="13" name="Straight Connector 12">
             <a:extLst>
               <a:ext uri="{FF2B5EF4-FFF2-40B4-BE49-F238E27FC236}">
-                <a16:creationId xmlns="" xmlns:a16="http://schemas.microsoft.com/office/drawing/2014/main" id="{95C486A1-9876-924E-85C2-906892F8B9AC}"/>
+                <a16:creationId xmlns:a16="http://schemas.microsoft.com/office/drawing/2014/main" xmlns="" id="{95C486A1-9876-924E-85C2-906892F8B9AC}"/>
               </a:ext>
             </a:extLst>
           </p:cNvPr>
@@ -3216,7 +3216,7 @@
           <p:cNvPr id="17" name="Slide Number Placeholder 5">
             <a:extLst>
               <a:ext uri="{FF2B5EF4-FFF2-40B4-BE49-F238E27FC236}">
-                <a16:creationId xmlns="" xmlns:a16="http://schemas.microsoft.com/office/drawing/2014/main" id="{CC67CD5C-67EC-5144-B858-5347C50D1ACD}"/>
+                <a16:creationId xmlns:a16="http://schemas.microsoft.com/office/drawing/2014/main" xmlns="" id="{CC67CD5C-67EC-5144-B858-5347C50D1ACD}"/>
               </a:ext>
             </a:extLst>
           </p:cNvPr>
@@ -3268,7 +3268,7 @@
           <p:cNvPr id="8" name="Title 7">
             <a:extLst>
               <a:ext uri="{FF2B5EF4-FFF2-40B4-BE49-F238E27FC236}">
-                <a16:creationId xmlns="" xmlns:a16="http://schemas.microsoft.com/office/drawing/2014/main" id="{8A6F1540-D306-D44E-B1B3-1ACCF1041F70}"/>
+                <a16:creationId xmlns:a16="http://schemas.microsoft.com/office/drawing/2014/main" xmlns="" id="{8A6F1540-D306-D44E-B1B3-1ACCF1041F70}"/>
               </a:ext>
             </a:extLst>
           </p:cNvPr>
@@ -3394,7 +3394,7 @@
           <a:graphicData uri="http://schemas.openxmlformats.org/presentationml/2006/ole">
             <mc:AlternateContent xmlns:mc="http://schemas.openxmlformats.org/markup-compatibility/2006">
               <mc:Choice xmlns:v="urn:schemas-microsoft-com:vml" Requires="v">
-                <p:oleObj spid="_x0000_s33831" name="think-cell Slide" r:id="rId4" imgW="216" imgH="216" progId="TCLayout.ActiveDocument.1">
+                <p:oleObj spid="_x0000_s33832" name="think-cell Slide" r:id="rId4" imgW="216" imgH="216" progId="TCLayout.ActiveDocument.1">
                   <p:embed/>
                 </p:oleObj>
               </mc:Choice>
@@ -3520,7 +3520,7 @@
           <p:cNvPr id="8" name="Title 7">
             <a:extLst>
               <a:ext uri="{FF2B5EF4-FFF2-40B4-BE49-F238E27FC236}">
-                <a16:creationId xmlns="" xmlns:a16="http://schemas.microsoft.com/office/drawing/2014/main" id="{8A6F1540-D306-D44E-B1B3-1ACCF1041F70}"/>
+                <a16:creationId xmlns:a16="http://schemas.microsoft.com/office/drawing/2014/main" xmlns="" id="{8A6F1540-D306-D44E-B1B3-1ACCF1041F70}"/>
               </a:ext>
             </a:extLst>
           </p:cNvPr>
@@ -3556,7 +3556,7 @@
           <p:cNvPr id="9" name="Content Placeholder 2">
             <a:extLst>
               <a:ext uri="{FF2B5EF4-FFF2-40B4-BE49-F238E27FC236}">
-                <a16:creationId xmlns="" xmlns:a16="http://schemas.microsoft.com/office/drawing/2014/main" id="{0A7C1352-3D49-F849-9BC3-BC0AF9CD8F04}"/>
+                <a16:creationId xmlns:a16="http://schemas.microsoft.com/office/drawing/2014/main" xmlns="" id="{0A7C1352-3D49-F849-9BC3-BC0AF9CD8F04}"/>
               </a:ext>
             </a:extLst>
           </p:cNvPr>
@@ -3648,7 +3648,7 @@
           <p:cNvPr id="10" name="Content Placeholder 2">
             <a:extLst>
               <a:ext uri="{FF2B5EF4-FFF2-40B4-BE49-F238E27FC236}">
-                <a16:creationId xmlns="" xmlns:a16="http://schemas.microsoft.com/office/drawing/2014/main" id="{D1AA7CFB-7669-2648-A3E1-E647E531399E}"/>
+                <a16:creationId xmlns:a16="http://schemas.microsoft.com/office/drawing/2014/main" xmlns="" id="{D1AA7CFB-7669-2648-A3E1-E647E531399E}"/>
               </a:ext>
             </a:extLst>
           </p:cNvPr>
@@ -3740,7 +3740,7 @@
           <p:cNvPr id="11" name="Content Placeholder 2">
             <a:extLst>
               <a:ext uri="{FF2B5EF4-FFF2-40B4-BE49-F238E27FC236}">
-                <a16:creationId xmlns="" xmlns:a16="http://schemas.microsoft.com/office/drawing/2014/main" id="{2E4B4082-D988-5D43-9C32-2C7F747717ED}"/>
+                <a16:creationId xmlns:a16="http://schemas.microsoft.com/office/drawing/2014/main" xmlns="" id="{2E4B4082-D988-5D43-9C32-2C7F747717ED}"/>
               </a:ext>
             </a:extLst>
           </p:cNvPr>
@@ -3832,7 +3832,7 @@
           <p:cNvPr id="12" name="Content Placeholder 2">
             <a:extLst>
               <a:ext uri="{FF2B5EF4-FFF2-40B4-BE49-F238E27FC236}">
-                <a16:creationId xmlns="" xmlns:a16="http://schemas.microsoft.com/office/drawing/2014/main" id="{45B8DE4D-1F9B-7341-8CB2-D70634815B55}"/>
+                <a16:creationId xmlns:a16="http://schemas.microsoft.com/office/drawing/2014/main" xmlns="" id="{45B8DE4D-1F9B-7341-8CB2-D70634815B55}"/>
               </a:ext>
             </a:extLst>
           </p:cNvPr>
@@ -3924,7 +3924,7 @@
           <p:cNvPr id="14" name="Footer Placeholder 3">
             <a:extLst>
               <a:ext uri="{FF2B5EF4-FFF2-40B4-BE49-F238E27FC236}">
-                <a16:creationId xmlns="" xmlns:a16="http://schemas.microsoft.com/office/drawing/2014/main" id="{DBA440F4-82E0-7E45-8A6F-4A8C7572AEE5}"/>
+                <a16:creationId xmlns:a16="http://schemas.microsoft.com/office/drawing/2014/main" xmlns="" id="{DBA440F4-82E0-7E45-8A6F-4A8C7572AEE5}"/>
               </a:ext>
             </a:extLst>
           </p:cNvPr>
@@ -3983,7 +3983,7 @@
           <p:cNvPr id="15" name="Slide Number Placeholder 5">
             <a:extLst>
               <a:ext uri="{FF2B5EF4-FFF2-40B4-BE49-F238E27FC236}">
-                <a16:creationId xmlns="" xmlns:a16="http://schemas.microsoft.com/office/drawing/2014/main" id="{CC67CD5C-67EC-5144-B858-5347C50D1ACD}"/>
+                <a16:creationId xmlns:a16="http://schemas.microsoft.com/office/drawing/2014/main" xmlns="" id="{CC67CD5C-67EC-5144-B858-5347C50D1ACD}"/>
               </a:ext>
             </a:extLst>
           </p:cNvPr>
@@ -4035,7 +4035,7 @@
           <p:cNvPr id="16" name="Straight Connector 15">
             <a:extLst>
               <a:ext uri="{FF2B5EF4-FFF2-40B4-BE49-F238E27FC236}">
-                <a16:creationId xmlns="" xmlns:a16="http://schemas.microsoft.com/office/drawing/2014/main" id="{95C486A1-9876-924E-85C2-906892F8B9AC}"/>
+                <a16:creationId xmlns:a16="http://schemas.microsoft.com/office/drawing/2014/main" xmlns="" id="{95C486A1-9876-924E-85C2-906892F8B9AC}"/>
               </a:ext>
             </a:extLst>
           </p:cNvPr>
@@ -4131,7 +4131,7 @@
           <a:graphicData uri="http://schemas.openxmlformats.org/presentationml/2006/ole">
             <mc:AlternateContent xmlns:mc="http://schemas.openxmlformats.org/markup-compatibility/2006">
               <mc:Choice xmlns:v="urn:schemas-microsoft-com:vml" Requires="v">
-                <p:oleObj spid="_x0000_s34855" name="think-cell Slide" r:id="rId4" imgW="216" imgH="216" progId="TCLayout.ActiveDocument.1">
+                <p:oleObj spid="_x0000_s34856" name="think-cell Slide" r:id="rId4" imgW="216" imgH="216" progId="TCLayout.ActiveDocument.1">
                   <p:embed/>
                 </p:oleObj>
               </mc:Choice>
@@ -4171,7 +4171,7 @@
           <p:cNvPr id="8" name="Title 7">
             <a:extLst>
               <a:ext uri="{FF2B5EF4-FFF2-40B4-BE49-F238E27FC236}">
-                <a16:creationId xmlns="" xmlns:a16="http://schemas.microsoft.com/office/drawing/2014/main" id="{8A6F1540-D306-D44E-B1B3-1ACCF1041F70}"/>
+                <a16:creationId xmlns:a16="http://schemas.microsoft.com/office/drawing/2014/main" xmlns="" id="{8A6F1540-D306-D44E-B1B3-1ACCF1041F70}"/>
               </a:ext>
             </a:extLst>
           </p:cNvPr>
@@ -4967,7 +4967,7 @@
           <p:cNvPr id="37" name="Footer Placeholder 3">
             <a:extLst>
               <a:ext uri="{FF2B5EF4-FFF2-40B4-BE49-F238E27FC236}">
-                <a16:creationId xmlns="" xmlns:a16="http://schemas.microsoft.com/office/drawing/2014/main" id="{DBA440F4-82E0-7E45-8A6F-4A8C7572AEE5}"/>
+                <a16:creationId xmlns:a16="http://schemas.microsoft.com/office/drawing/2014/main" xmlns="" id="{DBA440F4-82E0-7E45-8A6F-4A8C7572AEE5}"/>
               </a:ext>
             </a:extLst>
           </p:cNvPr>
@@ -5026,7 +5026,7 @@
           <p:cNvPr id="38" name="Slide Number Placeholder 5">
             <a:extLst>
               <a:ext uri="{FF2B5EF4-FFF2-40B4-BE49-F238E27FC236}">
-                <a16:creationId xmlns="" xmlns:a16="http://schemas.microsoft.com/office/drawing/2014/main" id="{CC67CD5C-67EC-5144-B858-5347C50D1ACD}"/>
+                <a16:creationId xmlns:a16="http://schemas.microsoft.com/office/drawing/2014/main" xmlns="" id="{CC67CD5C-67EC-5144-B858-5347C50D1ACD}"/>
               </a:ext>
             </a:extLst>
           </p:cNvPr>
@@ -5078,7 +5078,7 @@
           <p:cNvPr id="39" name="Straight Connector 38">
             <a:extLst>
               <a:ext uri="{FF2B5EF4-FFF2-40B4-BE49-F238E27FC236}">
-                <a16:creationId xmlns="" xmlns:a16="http://schemas.microsoft.com/office/drawing/2014/main" id="{95C486A1-9876-924E-85C2-906892F8B9AC}"/>
+                <a16:creationId xmlns:a16="http://schemas.microsoft.com/office/drawing/2014/main" xmlns="" id="{95C486A1-9876-924E-85C2-906892F8B9AC}"/>
               </a:ext>
             </a:extLst>
           </p:cNvPr>
@@ -5179,7 +5179,7 @@
           <a:graphicData uri="http://schemas.openxmlformats.org/presentationml/2006/ole">
             <mc:AlternateContent xmlns:mc="http://schemas.openxmlformats.org/markup-compatibility/2006">
               <mc:Choice xmlns:v="urn:schemas-microsoft-com:vml" Requires="v">
-                <p:oleObj spid="_x0000_s35879" name="think-cell Slide" r:id="rId5" imgW="216" imgH="216" progId="TCLayout.ActiveDocument.1">
+                <p:oleObj spid="_x0000_s35880" name="think-cell Slide" r:id="rId5" imgW="216" imgH="216" progId="TCLayout.ActiveDocument.1">
                   <p:embed/>
                 </p:oleObj>
               </mc:Choice>
@@ -5396,7 +5396,7 @@
           <p:cNvPr id="4" name="Footer Placeholder 3">
             <a:extLst>
               <a:ext uri="{FF2B5EF4-FFF2-40B4-BE49-F238E27FC236}">
-                <a16:creationId xmlns="" xmlns:a16="http://schemas.microsoft.com/office/drawing/2014/main" id="{17D6DE4C-D976-4B4B-B087-C035EF8D4F6F}"/>
+                <a16:creationId xmlns:a16="http://schemas.microsoft.com/office/drawing/2014/main" xmlns="" id="{17D6DE4C-D976-4B4B-B087-C035EF8D4F6F}"/>
               </a:ext>
             </a:extLst>
           </p:cNvPr>
@@ -5455,7 +5455,7 @@
           <p:cNvPr id="17" name="Slide Number Placeholder 5">
             <a:extLst>
               <a:ext uri="{FF2B5EF4-FFF2-40B4-BE49-F238E27FC236}">
-                <a16:creationId xmlns="" xmlns:a16="http://schemas.microsoft.com/office/drawing/2014/main" id="{CC67CD5C-67EC-5144-B858-5347C50D1ACD}"/>
+                <a16:creationId xmlns:a16="http://schemas.microsoft.com/office/drawing/2014/main" xmlns="" id="{CC67CD5C-67EC-5144-B858-5347C50D1ACD}"/>
               </a:ext>
             </a:extLst>
           </p:cNvPr>
@@ -5507,7 +5507,7 @@
           <p:cNvPr id="8" name="Title 7">
             <a:extLst>
               <a:ext uri="{FF2B5EF4-FFF2-40B4-BE49-F238E27FC236}">
-                <a16:creationId xmlns="" xmlns:a16="http://schemas.microsoft.com/office/drawing/2014/main" id="{8A6F1540-D306-D44E-B1B3-1ACCF1041F70}"/>
+                <a16:creationId xmlns:a16="http://schemas.microsoft.com/office/drawing/2014/main" xmlns="" id="{8A6F1540-D306-D44E-B1B3-1ACCF1041F70}"/>
               </a:ext>
             </a:extLst>
           </p:cNvPr>
@@ -5551,7 +5551,7 @@
           <p:cNvPr id="9" name="Straight Connector 8">
             <a:extLst>
               <a:ext uri="{FF2B5EF4-FFF2-40B4-BE49-F238E27FC236}">
-                <a16:creationId xmlns="" xmlns:a16="http://schemas.microsoft.com/office/drawing/2014/main" id="{BB1AA2BE-B537-254D-958A-FBAFDE7E90DC}"/>
+                <a16:creationId xmlns:a16="http://schemas.microsoft.com/office/drawing/2014/main" xmlns="" id="{BB1AA2BE-B537-254D-958A-FBAFDE7E90DC}"/>
               </a:ext>
             </a:extLst>
           </p:cNvPr>
@@ -5594,7 +5594,7 @@
           <p:cNvPr id="10" name="Straight Connector 9">
             <a:extLst>
               <a:ext uri="{FF2B5EF4-FFF2-40B4-BE49-F238E27FC236}">
-                <a16:creationId xmlns="" xmlns:a16="http://schemas.microsoft.com/office/drawing/2014/main" id="{95C486A1-9876-924E-85C2-906892F8B9AC}"/>
+                <a16:creationId xmlns:a16="http://schemas.microsoft.com/office/drawing/2014/main" xmlns="" id="{95C486A1-9876-924E-85C2-906892F8B9AC}"/>
               </a:ext>
             </a:extLst>
           </p:cNvPr>
@@ -5971,7 +5971,7 @@
           <a:graphicData uri="http://schemas.openxmlformats.org/presentationml/2006/ole">
             <mc:AlternateContent xmlns:mc="http://schemas.openxmlformats.org/markup-compatibility/2006">
               <mc:Choice xmlns:v="urn:schemas-microsoft-com:vml" Requires="v">
-                <p:oleObj spid="_x0000_s37927" name="think-cell Slide" r:id="rId5" imgW="216" imgH="216" progId="TCLayout.ActiveDocument.1">
+                <p:oleObj spid="_x0000_s37928" name="think-cell Slide" r:id="rId5" imgW="216" imgH="216" progId="TCLayout.ActiveDocument.1">
                   <p:embed/>
                 </p:oleObj>
               </mc:Choice>
@@ -6168,7 +6168,7 @@
           <p:cNvPr id="4" name="Footer Placeholder 3">
             <a:extLst>
               <a:ext uri="{FF2B5EF4-FFF2-40B4-BE49-F238E27FC236}">
-                <a16:creationId xmlns="" xmlns:a16="http://schemas.microsoft.com/office/drawing/2014/main" id="{17D6DE4C-D976-4B4B-B087-C035EF8D4F6F}"/>
+                <a16:creationId xmlns:a16="http://schemas.microsoft.com/office/drawing/2014/main" xmlns="" id="{17D6DE4C-D976-4B4B-B087-C035EF8D4F6F}"/>
               </a:ext>
             </a:extLst>
           </p:cNvPr>
@@ -6227,7 +6227,7 @@
           <p:cNvPr id="13" name="Straight Connector 12">
             <a:extLst>
               <a:ext uri="{FF2B5EF4-FFF2-40B4-BE49-F238E27FC236}">
-                <a16:creationId xmlns="" xmlns:a16="http://schemas.microsoft.com/office/drawing/2014/main" id="{95C486A1-9876-924E-85C2-906892F8B9AC}"/>
+                <a16:creationId xmlns:a16="http://schemas.microsoft.com/office/drawing/2014/main" xmlns="" id="{95C486A1-9876-924E-85C2-906892F8B9AC}"/>
               </a:ext>
             </a:extLst>
           </p:cNvPr>
@@ -6270,7 +6270,7 @@
           <p:cNvPr id="17" name="Slide Number Placeholder 5">
             <a:extLst>
               <a:ext uri="{FF2B5EF4-FFF2-40B4-BE49-F238E27FC236}">
-                <a16:creationId xmlns="" xmlns:a16="http://schemas.microsoft.com/office/drawing/2014/main" id="{CC67CD5C-67EC-5144-B858-5347C50D1ACD}"/>
+                <a16:creationId xmlns:a16="http://schemas.microsoft.com/office/drawing/2014/main" xmlns="" id="{CC67CD5C-67EC-5144-B858-5347C50D1ACD}"/>
               </a:ext>
             </a:extLst>
           </p:cNvPr>
@@ -6322,7 +6322,7 @@
           <p:cNvPr id="8" name="Title 7">
             <a:extLst>
               <a:ext uri="{FF2B5EF4-FFF2-40B4-BE49-F238E27FC236}">
-                <a16:creationId xmlns="" xmlns:a16="http://schemas.microsoft.com/office/drawing/2014/main" id="{8A6F1540-D306-D44E-B1B3-1ACCF1041F70}"/>
+                <a16:creationId xmlns:a16="http://schemas.microsoft.com/office/drawing/2014/main" xmlns="" id="{8A6F1540-D306-D44E-B1B3-1ACCF1041F70}"/>
               </a:ext>
             </a:extLst>
           </p:cNvPr>
@@ -6448,7 +6448,7 @@
           <a:graphicData uri="http://schemas.openxmlformats.org/presentationml/2006/ole">
             <mc:AlternateContent xmlns:mc="http://schemas.openxmlformats.org/markup-compatibility/2006">
               <mc:Choice xmlns:v="urn:schemas-microsoft-com:vml" Requires="v">
-                <p:oleObj spid="_x0000_s38951" name="think-cell Slide" r:id="rId4" imgW="216" imgH="216" progId="TCLayout.ActiveDocument.1">
+                <p:oleObj spid="_x0000_s38952" name="think-cell Slide" r:id="rId4" imgW="216" imgH="216" progId="TCLayout.ActiveDocument.1">
                   <p:embed/>
                 </p:oleObj>
               </mc:Choice>
@@ -6574,7 +6574,7 @@
           <p:cNvPr id="8" name="Title 7">
             <a:extLst>
               <a:ext uri="{FF2B5EF4-FFF2-40B4-BE49-F238E27FC236}">
-                <a16:creationId xmlns="" xmlns:a16="http://schemas.microsoft.com/office/drawing/2014/main" id="{8A6F1540-D306-D44E-B1B3-1ACCF1041F70}"/>
+                <a16:creationId xmlns:a16="http://schemas.microsoft.com/office/drawing/2014/main" xmlns="" id="{8A6F1540-D306-D44E-B1B3-1ACCF1041F70}"/>
               </a:ext>
             </a:extLst>
           </p:cNvPr>
@@ -6610,7 +6610,7 @@
           <p:cNvPr id="9" name="Content Placeholder 2">
             <a:extLst>
               <a:ext uri="{FF2B5EF4-FFF2-40B4-BE49-F238E27FC236}">
-                <a16:creationId xmlns="" xmlns:a16="http://schemas.microsoft.com/office/drawing/2014/main" id="{0A7C1352-3D49-F849-9BC3-BC0AF9CD8F04}"/>
+                <a16:creationId xmlns:a16="http://schemas.microsoft.com/office/drawing/2014/main" xmlns="" id="{0A7C1352-3D49-F849-9BC3-BC0AF9CD8F04}"/>
               </a:ext>
             </a:extLst>
           </p:cNvPr>
@@ -6702,7 +6702,7 @@
           <p:cNvPr id="10" name="Content Placeholder 2">
             <a:extLst>
               <a:ext uri="{FF2B5EF4-FFF2-40B4-BE49-F238E27FC236}">
-                <a16:creationId xmlns="" xmlns:a16="http://schemas.microsoft.com/office/drawing/2014/main" id="{D1AA7CFB-7669-2648-A3E1-E647E531399E}"/>
+                <a16:creationId xmlns:a16="http://schemas.microsoft.com/office/drawing/2014/main" xmlns="" id="{D1AA7CFB-7669-2648-A3E1-E647E531399E}"/>
               </a:ext>
             </a:extLst>
           </p:cNvPr>
@@ -6794,7 +6794,7 @@
           <p:cNvPr id="11" name="Content Placeholder 2">
             <a:extLst>
               <a:ext uri="{FF2B5EF4-FFF2-40B4-BE49-F238E27FC236}">
-                <a16:creationId xmlns="" xmlns:a16="http://schemas.microsoft.com/office/drawing/2014/main" id="{2E4B4082-D988-5D43-9C32-2C7F747717ED}"/>
+                <a16:creationId xmlns:a16="http://schemas.microsoft.com/office/drawing/2014/main" xmlns="" id="{2E4B4082-D988-5D43-9C32-2C7F747717ED}"/>
               </a:ext>
             </a:extLst>
           </p:cNvPr>
@@ -6886,7 +6886,7 @@
           <p:cNvPr id="12" name="Content Placeholder 2">
             <a:extLst>
               <a:ext uri="{FF2B5EF4-FFF2-40B4-BE49-F238E27FC236}">
-                <a16:creationId xmlns="" xmlns:a16="http://schemas.microsoft.com/office/drawing/2014/main" id="{45B8DE4D-1F9B-7341-8CB2-D70634815B55}"/>
+                <a16:creationId xmlns:a16="http://schemas.microsoft.com/office/drawing/2014/main" xmlns="" id="{45B8DE4D-1F9B-7341-8CB2-D70634815B55}"/>
               </a:ext>
             </a:extLst>
           </p:cNvPr>
@@ -6978,7 +6978,7 @@
           <p:cNvPr id="14" name="Footer Placeholder 3">
             <a:extLst>
               <a:ext uri="{FF2B5EF4-FFF2-40B4-BE49-F238E27FC236}">
-                <a16:creationId xmlns="" xmlns:a16="http://schemas.microsoft.com/office/drawing/2014/main" id="{DBA440F4-82E0-7E45-8A6F-4A8C7572AEE5}"/>
+                <a16:creationId xmlns:a16="http://schemas.microsoft.com/office/drawing/2014/main" xmlns="" id="{DBA440F4-82E0-7E45-8A6F-4A8C7572AEE5}"/>
               </a:ext>
             </a:extLst>
           </p:cNvPr>
@@ -7037,7 +7037,7 @@
           <p:cNvPr id="15" name="Slide Number Placeholder 5">
             <a:extLst>
               <a:ext uri="{FF2B5EF4-FFF2-40B4-BE49-F238E27FC236}">
-                <a16:creationId xmlns="" xmlns:a16="http://schemas.microsoft.com/office/drawing/2014/main" id="{CC67CD5C-67EC-5144-B858-5347C50D1ACD}"/>
+                <a16:creationId xmlns:a16="http://schemas.microsoft.com/office/drawing/2014/main" xmlns="" id="{CC67CD5C-67EC-5144-B858-5347C50D1ACD}"/>
               </a:ext>
             </a:extLst>
           </p:cNvPr>
@@ -7089,7 +7089,7 @@
           <p:cNvPr id="16" name="Straight Connector 15">
             <a:extLst>
               <a:ext uri="{FF2B5EF4-FFF2-40B4-BE49-F238E27FC236}">
-                <a16:creationId xmlns="" xmlns:a16="http://schemas.microsoft.com/office/drawing/2014/main" id="{95C486A1-9876-924E-85C2-906892F8B9AC}"/>
+                <a16:creationId xmlns:a16="http://schemas.microsoft.com/office/drawing/2014/main" xmlns="" id="{95C486A1-9876-924E-85C2-906892F8B9AC}"/>
               </a:ext>
             </a:extLst>
           </p:cNvPr>
@@ -7256,7 +7256,7 @@
           <a:p>
             <a:fld id="{CB9F8517-1271-4F8B-9742-ECB8BBF22693}" type="datetimeFigureOut">
               <a:rPr lang="en-US" smtClean="0"/>
-              <a:t>4/1/2022</a:t>
+              <a:t>4/9/2022</a:t>
             </a:fld>
             <a:endParaRPr lang="en-US"/>
           </a:p>
@@ -7355,7 +7355,7 @@
           <a:graphicData uri="http://schemas.openxmlformats.org/presentationml/2006/ole">
             <mc:AlternateContent xmlns:mc="http://schemas.openxmlformats.org/markup-compatibility/2006">
               <mc:Choice xmlns:v="urn:schemas-microsoft-com:vml" Requires="v">
-                <p:oleObj spid="_x0000_s39975" name="think-cell Slide" r:id="rId4" imgW="216" imgH="216" progId="TCLayout.ActiveDocument.1">
+                <p:oleObj spid="_x0000_s39976" name="think-cell Slide" r:id="rId4" imgW="216" imgH="216" progId="TCLayout.ActiveDocument.1">
                   <p:embed/>
                 </p:oleObj>
               </mc:Choice>
@@ -7395,7 +7395,7 @@
           <p:cNvPr id="8" name="Title 7">
             <a:extLst>
               <a:ext uri="{FF2B5EF4-FFF2-40B4-BE49-F238E27FC236}">
-                <a16:creationId xmlns="" xmlns:a16="http://schemas.microsoft.com/office/drawing/2014/main" id="{8A6F1540-D306-D44E-B1B3-1ACCF1041F70}"/>
+                <a16:creationId xmlns:a16="http://schemas.microsoft.com/office/drawing/2014/main" xmlns="" id="{8A6F1540-D306-D44E-B1B3-1ACCF1041F70}"/>
               </a:ext>
             </a:extLst>
           </p:cNvPr>
@@ -8191,7 +8191,7 @@
           <p:cNvPr id="37" name="Footer Placeholder 3">
             <a:extLst>
               <a:ext uri="{FF2B5EF4-FFF2-40B4-BE49-F238E27FC236}">
-                <a16:creationId xmlns="" xmlns:a16="http://schemas.microsoft.com/office/drawing/2014/main" id="{DBA440F4-82E0-7E45-8A6F-4A8C7572AEE5}"/>
+                <a16:creationId xmlns:a16="http://schemas.microsoft.com/office/drawing/2014/main" xmlns="" id="{DBA440F4-82E0-7E45-8A6F-4A8C7572AEE5}"/>
               </a:ext>
             </a:extLst>
           </p:cNvPr>
@@ -8250,7 +8250,7 @@
           <p:cNvPr id="38" name="Slide Number Placeholder 5">
             <a:extLst>
               <a:ext uri="{FF2B5EF4-FFF2-40B4-BE49-F238E27FC236}">
-                <a16:creationId xmlns="" xmlns:a16="http://schemas.microsoft.com/office/drawing/2014/main" id="{CC67CD5C-67EC-5144-B858-5347C50D1ACD}"/>
+                <a16:creationId xmlns:a16="http://schemas.microsoft.com/office/drawing/2014/main" xmlns="" id="{CC67CD5C-67EC-5144-B858-5347C50D1ACD}"/>
               </a:ext>
             </a:extLst>
           </p:cNvPr>
@@ -8302,7 +8302,7 @@
           <p:cNvPr id="39" name="Straight Connector 38">
             <a:extLst>
               <a:ext uri="{FF2B5EF4-FFF2-40B4-BE49-F238E27FC236}">
-                <a16:creationId xmlns="" xmlns:a16="http://schemas.microsoft.com/office/drawing/2014/main" id="{95C486A1-9876-924E-85C2-906892F8B9AC}"/>
+                <a16:creationId xmlns:a16="http://schemas.microsoft.com/office/drawing/2014/main" xmlns="" id="{95C486A1-9876-924E-85C2-906892F8B9AC}"/>
               </a:ext>
             </a:extLst>
           </p:cNvPr>
@@ -8403,7 +8403,7 @@
           <a:graphicData uri="http://schemas.openxmlformats.org/presentationml/2006/ole">
             <mc:AlternateContent xmlns:mc="http://schemas.openxmlformats.org/markup-compatibility/2006">
               <mc:Choice xmlns:v="urn:schemas-microsoft-com:vml" Requires="v">
-                <p:oleObj spid="_x0000_s40999" name="think-cell Slide" r:id="rId5" imgW="216" imgH="216" progId="TCLayout.ActiveDocument.1">
+                <p:oleObj spid="_x0000_s41000" name="think-cell Slide" r:id="rId5" imgW="216" imgH="216" progId="TCLayout.ActiveDocument.1">
                   <p:embed/>
                 </p:oleObj>
               </mc:Choice>
@@ -8620,7 +8620,7 @@
           <p:cNvPr id="4" name="Footer Placeholder 3">
             <a:extLst>
               <a:ext uri="{FF2B5EF4-FFF2-40B4-BE49-F238E27FC236}">
-                <a16:creationId xmlns="" xmlns:a16="http://schemas.microsoft.com/office/drawing/2014/main" id="{17D6DE4C-D976-4B4B-B087-C035EF8D4F6F}"/>
+                <a16:creationId xmlns:a16="http://schemas.microsoft.com/office/drawing/2014/main" xmlns="" id="{17D6DE4C-D976-4B4B-B087-C035EF8D4F6F}"/>
               </a:ext>
             </a:extLst>
           </p:cNvPr>
@@ -8679,7 +8679,7 @@
           <p:cNvPr id="17" name="Slide Number Placeholder 5">
             <a:extLst>
               <a:ext uri="{FF2B5EF4-FFF2-40B4-BE49-F238E27FC236}">
-                <a16:creationId xmlns="" xmlns:a16="http://schemas.microsoft.com/office/drawing/2014/main" id="{CC67CD5C-67EC-5144-B858-5347C50D1ACD}"/>
+                <a16:creationId xmlns:a16="http://schemas.microsoft.com/office/drawing/2014/main" xmlns="" id="{CC67CD5C-67EC-5144-B858-5347C50D1ACD}"/>
               </a:ext>
             </a:extLst>
           </p:cNvPr>
@@ -8731,7 +8731,7 @@
           <p:cNvPr id="8" name="Title 7">
             <a:extLst>
               <a:ext uri="{FF2B5EF4-FFF2-40B4-BE49-F238E27FC236}">
-                <a16:creationId xmlns="" xmlns:a16="http://schemas.microsoft.com/office/drawing/2014/main" id="{8A6F1540-D306-D44E-B1B3-1ACCF1041F70}"/>
+                <a16:creationId xmlns:a16="http://schemas.microsoft.com/office/drawing/2014/main" xmlns="" id="{8A6F1540-D306-D44E-B1B3-1ACCF1041F70}"/>
               </a:ext>
             </a:extLst>
           </p:cNvPr>
@@ -8775,7 +8775,7 @@
           <p:cNvPr id="9" name="Straight Connector 8">
             <a:extLst>
               <a:ext uri="{FF2B5EF4-FFF2-40B4-BE49-F238E27FC236}">
-                <a16:creationId xmlns="" xmlns:a16="http://schemas.microsoft.com/office/drawing/2014/main" id="{BB1AA2BE-B537-254D-958A-FBAFDE7E90DC}"/>
+                <a16:creationId xmlns:a16="http://schemas.microsoft.com/office/drawing/2014/main" xmlns="" id="{BB1AA2BE-B537-254D-958A-FBAFDE7E90DC}"/>
               </a:ext>
             </a:extLst>
           </p:cNvPr>
@@ -8818,7 +8818,7 @@
           <p:cNvPr id="10" name="Straight Connector 9">
             <a:extLst>
               <a:ext uri="{FF2B5EF4-FFF2-40B4-BE49-F238E27FC236}">
-                <a16:creationId xmlns="" xmlns:a16="http://schemas.microsoft.com/office/drawing/2014/main" id="{95C486A1-9876-924E-85C2-906892F8B9AC}"/>
+                <a16:creationId xmlns:a16="http://schemas.microsoft.com/office/drawing/2014/main" xmlns="" id="{95C486A1-9876-924E-85C2-906892F8B9AC}"/>
               </a:ext>
             </a:extLst>
           </p:cNvPr>
@@ -9342,7 +9342,7 @@
           <a:p>
             <a:fld id="{CB9F8517-1271-4F8B-9742-ECB8BBF22693}" type="datetimeFigureOut">
               <a:rPr lang="en-US" smtClean="0"/>
-              <a:t>4/1/2022</a:t>
+              <a:t>4/9/2022</a:t>
             </a:fld>
             <a:endParaRPr lang="en-US"/>
           </a:p>
@@ -9574,7 +9574,7 @@
           <a:p>
             <a:fld id="{CB9F8517-1271-4F8B-9742-ECB8BBF22693}" type="datetimeFigureOut">
               <a:rPr lang="en-US" smtClean="0"/>
-              <a:t>4/1/2022</a:t>
+              <a:t>4/9/2022</a:t>
             </a:fld>
             <a:endParaRPr lang="en-US"/>
           </a:p>
@@ -9941,7 +9941,7 @@
           <a:p>
             <a:fld id="{CB9F8517-1271-4F8B-9742-ECB8BBF22693}" type="datetimeFigureOut">
               <a:rPr lang="en-US" smtClean="0"/>
-              <a:t>4/1/2022</a:t>
+              <a:t>4/9/2022</a:t>
             </a:fld>
             <a:endParaRPr lang="en-US"/>
           </a:p>
@@ -10059,7 +10059,7 @@
           <a:p>
             <a:fld id="{CB9F8517-1271-4F8B-9742-ECB8BBF22693}" type="datetimeFigureOut">
               <a:rPr lang="en-US" smtClean="0"/>
-              <a:t>4/1/2022</a:t>
+              <a:t>4/9/2022</a:t>
             </a:fld>
             <a:endParaRPr lang="en-US"/>
           </a:p>
@@ -10154,7 +10154,7 @@
           <a:p>
             <a:fld id="{CB9F8517-1271-4F8B-9742-ECB8BBF22693}" type="datetimeFigureOut">
               <a:rPr lang="en-US" smtClean="0"/>
-              <a:t>4/1/2022</a:t>
+              <a:t>4/9/2022</a:t>
             </a:fld>
             <a:endParaRPr lang="en-US"/>
           </a:p>
@@ -10431,7 +10431,7 @@
           <a:p>
             <a:fld id="{CB9F8517-1271-4F8B-9742-ECB8BBF22693}" type="datetimeFigureOut">
               <a:rPr lang="en-US" smtClean="0"/>
-              <a:t>4/1/2022</a:t>
+              <a:t>4/9/2022</a:t>
             </a:fld>
             <a:endParaRPr lang="en-US"/>
           </a:p>
@@ -10684,7 +10684,7 @@
           <a:p>
             <a:fld id="{CB9F8517-1271-4F8B-9742-ECB8BBF22693}" type="datetimeFigureOut">
               <a:rPr lang="en-US" smtClean="0"/>
-              <a:t>4/1/2022</a:t>
+              <a:t>4/9/2022</a:t>
             </a:fld>
             <a:endParaRPr lang="en-US"/>
           </a:p>
@@ -10792,7 +10792,7 @@
           <a:graphicData uri="http://schemas.openxmlformats.org/presentationml/2006/ole">
             <mc:AlternateContent xmlns:mc="http://schemas.openxmlformats.org/markup-compatibility/2006">
               <mc:Choice xmlns:v="urn:schemas-microsoft-com:vml" Requires="v">
-                <p:oleObj spid="_x0000_s1075" name="think-cell Slide" r:id="rId16" imgW="416" imgH="416" progId="TCLayout.ActiveDocument.1">
+                <p:oleObj spid="_x0000_s1076" name="think-cell Slide" r:id="rId16" imgW="416" imgH="416" progId="TCLayout.ActiveDocument.1">
                   <p:embed/>
                 </p:oleObj>
               </mc:Choice>
@@ -10957,7 +10957,7 @@
           <a:p>
             <a:fld id="{CB9F8517-1271-4F8B-9742-ECB8BBF22693}" type="datetimeFigureOut">
               <a:rPr lang="en-US" smtClean="0"/>
-              <a:t>4/1/2022</a:t>
+              <a:t>4/9/2022</a:t>
             </a:fld>
             <a:endParaRPr lang="en-US"/>
           </a:p>
@@ -11393,7 +11393,7 @@
           <a:graphicData uri="http://schemas.openxmlformats.org/presentationml/2006/ole">
             <mc:AlternateContent xmlns:mc="http://schemas.openxmlformats.org/markup-compatibility/2006">
               <mc:Choice xmlns:v="urn:schemas-microsoft-com:vml" Requires="v">
-                <p:oleObj spid="_x0000_s31783" name="think-cell Slide" r:id="rId10" imgW="216" imgH="216" progId="TCLayout.ActiveDocument.1">
+                <p:oleObj spid="_x0000_s31784" name="think-cell Slide" r:id="rId10" imgW="216" imgH="216" progId="TCLayout.ActiveDocument.1">
                   <p:embed/>
                 </p:oleObj>
               </mc:Choice>
@@ -11513,7 +11513,7 @@
           <p:cNvPr id="10" name="Straight Connector 9">
             <a:extLst>
               <a:ext uri="{FF2B5EF4-FFF2-40B4-BE49-F238E27FC236}">
-                <a16:creationId xmlns="" xmlns:a16="http://schemas.microsoft.com/office/drawing/2014/main" id="{BB1AA2BE-B537-254D-958A-FBAFDE7E90DC}"/>
+                <a16:creationId xmlns:a16="http://schemas.microsoft.com/office/drawing/2014/main" xmlns="" id="{BB1AA2BE-B537-254D-958A-FBAFDE7E90DC}"/>
               </a:ext>
             </a:extLst>
           </p:cNvPr>
@@ -11556,7 +11556,7 @@
           <p:cNvPr id="15" name="Footer Placeholder 3">
             <a:extLst>
               <a:ext uri="{FF2B5EF4-FFF2-40B4-BE49-F238E27FC236}">
-                <a16:creationId xmlns="" xmlns:a16="http://schemas.microsoft.com/office/drawing/2014/main" id="{DBA440F4-82E0-7E45-8A6F-4A8C7572AEE5}"/>
+                <a16:creationId xmlns:a16="http://schemas.microsoft.com/office/drawing/2014/main" xmlns="" id="{DBA440F4-82E0-7E45-8A6F-4A8C7572AEE5}"/>
               </a:ext>
             </a:extLst>
           </p:cNvPr>
@@ -11615,7 +11615,7 @@
           <p:cNvPr id="16" name="Slide Number Placeholder 5">
             <a:extLst>
               <a:ext uri="{FF2B5EF4-FFF2-40B4-BE49-F238E27FC236}">
-                <a16:creationId xmlns="" xmlns:a16="http://schemas.microsoft.com/office/drawing/2014/main" id="{2D9636C8-FF6B-E141-B9E1-70C7091B23B1}"/>
+                <a16:creationId xmlns:a16="http://schemas.microsoft.com/office/drawing/2014/main" xmlns="" id="{2D9636C8-FF6B-E141-B9E1-70C7091B23B1}"/>
               </a:ext>
             </a:extLst>
           </p:cNvPr>
@@ -11982,7 +11982,7 @@
   </p:txStyles>
   <p:extLst mod="1">
     <p:ext uri="{27BBF7A9-308A-43DC-89C8-2F10F3537804}">
-      <p15:sldGuideLst xmlns="" xmlns:p15="http://schemas.microsoft.com/office/powerpoint/2012/main">
+      <p15:sldGuideLst xmlns:p15="http://schemas.microsoft.com/office/powerpoint/2012/main" xmlns="">
         <p15:guide id="1" orient="horz" pos="2041">
           <p15:clr>
             <a:srgbClr val="F26B43"/>
@@ -12151,7 +12151,7 @@
           <a:graphicData uri="http://schemas.openxmlformats.org/presentationml/2006/ole">
             <mc:AlternateContent xmlns:mc="http://schemas.openxmlformats.org/markup-compatibility/2006">
               <mc:Choice xmlns:v="urn:schemas-microsoft-com:vml" Requires="v">
-                <p:oleObj spid="_x0000_s36904" name="think-cell Slide" r:id="rId10" imgW="216" imgH="216" progId="TCLayout.ActiveDocument.1">
+                <p:oleObj spid="_x0000_s36905" name="think-cell Slide" r:id="rId10" imgW="216" imgH="216" progId="TCLayout.ActiveDocument.1">
                   <p:embed/>
                 </p:oleObj>
               </mc:Choice>
@@ -12271,7 +12271,7 @@
           <p:cNvPr id="10" name="Straight Connector 9">
             <a:extLst>
               <a:ext uri="{FF2B5EF4-FFF2-40B4-BE49-F238E27FC236}">
-                <a16:creationId xmlns="" xmlns:a16="http://schemas.microsoft.com/office/drawing/2014/main" id="{BB1AA2BE-B537-254D-958A-FBAFDE7E90DC}"/>
+                <a16:creationId xmlns:a16="http://schemas.microsoft.com/office/drawing/2014/main" xmlns="" id="{BB1AA2BE-B537-254D-958A-FBAFDE7E90DC}"/>
               </a:ext>
             </a:extLst>
           </p:cNvPr>
@@ -12314,7 +12314,7 @@
           <p:cNvPr id="15" name="Footer Placeholder 3">
             <a:extLst>
               <a:ext uri="{FF2B5EF4-FFF2-40B4-BE49-F238E27FC236}">
-                <a16:creationId xmlns="" xmlns:a16="http://schemas.microsoft.com/office/drawing/2014/main" id="{DBA440F4-82E0-7E45-8A6F-4A8C7572AEE5}"/>
+                <a16:creationId xmlns:a16="http://schemas.microsoft.com/office/drawing/2014/main" xmlns="" id="{DBA440F4-82E0-7E45-8A6F-4A8C7572AEE5}"/>
               </a:ext>
             </a:extLst>
           </p:cNvPr>
@@ -12373,7 +12373,7 @@
           <p:cNvPr id="16" name="Slide Number Placeholder 5">
             <a:extLst>
               <a:ext uri="{FF2B5EF4-FFF2-40B4-BE49-F238E27FC236}">
-                <a16:creationId xmlns="" xmlns:a16="http://schemas.microsoft.com/office/drawing/2014/main" id="{2D9636C8-FF6B-E141-B9E1-70C7091B23B1}"/>
+                <a16:creationId xmlns:a16="http://schemas.microsoft.com/office/drawing/2014/main" xmlns="" id="{2D9636C8-FF6B-E141-B9E1-70C7091B23B1}"/>
               </a:ext>
             </a:extLst>
           </p:cNvPr>
@@ -12740,7 +12740,7 @@
   </p:txStyles>
   <p:extLst mod="1">
     <p:ext uri="{27BBF7A9-308A-43DC-89C8-2F10F3537804}">
-      <p15:sldGuideLst xmlns="" xmlns:p15="http://schemas.microsoft.com/office/powerpoint/2012/main">
+      <p15:sldGuideLst xmlns:p15="http://schemas.microsoft.com/office/powerpoint/2012/main" xmlns="">
         <p15:guide id="1" orient="horz" pos="2041">
           <p15:clr>
             <a:srgbClr val="F26B43"/>
@@ -12904,7 +12904,7 @@
           <a:graphicData uri="http://schemas.openxmlformats.org/presentationml/2006/ole">
             <mc:AlternateContent xmlns:mc="http://schemas.openxmlformats.org/markup-compatibility/2006">
               <mc:Choice xmlns:v="urn:schemas-microsoft-com:vml" Requires="v">
-                <p:oleObj spid="_x0000_s14390" name="think-cell Slide" r:id="rId5" imgW="396" imgH="396" progId="TCLayout.ActiveDocument.1">
+                <p:oleObj spid="_x0000_s14391" name="think-cell Slide" r:id="rId5" imgW="396" imgH="396" progId="TCLayout.ActiveDocument.1">
                   <p:embed/>
                 </p:oleObj>
               </mc:Choice>
@@ -12944,7 +12944,7 @@
           <p:cNvPr id="63" name="图片 2">
             <a:extLst>
               <a:ext uri="{FF2B5EF4-FFF2-40B4-BE49-F238E27FC236}">
-                <a16:creationId xmlns="" xmlns:a16="http://schemas.microsoft.com/office/drawing/2014/main" id="{321341A2-5A29-6A47-A5DC-E12071424359}"/>
+                <a16:creationId xmlns:a16="http://schemas.microsoft.com/office/drawing/2014/main" xmlns="" id="{321341A2-5A29-6A47-A5DC-E12071424359}"/>
               </a:ext>
             </a:extLst>
           </p:cNvPr>
@@ -12980,7 +12980,7 @@
           <p:cNvPr id="69" name="矩形 197">
             <a:extLst>
               <a:ext uri="{FF2B5EF4-FFF2-40B4-BE49-F238E27FC236}">
-                <a16:creationId xmlns="" xmlns:a16="http://schemas.microsoft.com/office/drawing/2014/main" id="{A26E02F6-ED45-2E46-B455-D7E64937829D}"/>
+                <a16:creationId xmlns:a16="http://schemas.microsoft.com/office/drawing/2014/main" xmlns="" id="{A26E02F6-ED45-2E46-B455-D7E64937829D}"/>
               </a:ext>
             </a:extLst>
           </p:cNvPr>
@@ -14815,7 +14815,7 @@
           <p:cNvPr id="37" name="Straight Connector 22">
             <a:extLst>
               <a:ext uri="{FF2B5EF4-FFF2-40B4-BE49-F238E27FC236}">
-                <a16:creationId xmlns="" xmlns:a16="http://schemas.microsoft.com/office/drawing/2014/main" id="{145705CD-70A8-344F-AEB6-14ED3BCA6F5B}"/>
+                <a16:creationId xmlns:a16="http://schemas.microsoft.com/office/drawing/2014/main" xmlns="" id="{145705CD-70A8-344F-AEB6-14ED3BCA6F5B}"/>
               </a:ext>
             </a:extLst>
           </p:cNvPr>
@@ -14868,7 +14868,7 @@
           <p:cNvPr id="42" name="Title 2">
             <a:extLst>
               <a:ext uri="{FF2B5EF4-FFF2-40B4-BE49-F238E27FC236}">
-                <a16:creationId xmlns="" xmlns:a16="http://schemas.microsoft.com/office/drawing/2014/main" id="{2AA0B7C0-B58E-2540-93F4-0E5771E03B19}"/>
+                <a16:creationId xmlns:a16="http://schemas.microsoft.com/office/drawing/2014/main" xmlns="" id="{2AA0B7C0-B58E-2540-93F4-0E5771E03B19}"/>
               </a:ext>
             </a:extLst>
           </p:cNvPr>
@@ -15744,7 +15744,7 @@
           <a:graphicData uri="http://schemas.openxmlformats.org/presentationml/2006/ole">
             <mc:AlternateContent xmlns:mc="http://schemas.openxmlformats.org/markup-compatibility/2006">
               <mc:Choice xmlns:v="urn:schemas-microsoft-com:vml" Requires="v">
-                <p:oleObj spid="_x0000_s42030" name="think-cell Slide" r:id="rId6" imgW="416" imgH="416" progId="TCLayout.ActiveDocument.1">
+                <p:oleObj spid="_x0000_s42031" name="think-cell Slide" r:id="rId6" imgW="416" imgH="416" progId="TCLayout.ActiveDocument.1">
                   <p:embed/>
                 </p:oleObj>
               </mc:Choice>
@@ -16167,35 +16167,35 @@
                 <a:gridCol w="1624339">
                   <a:extLst>
                     <a:ext uri="{9D8B030D-6E8A-4147-A177-3AD203B41FA5}">
-                      <a16:colId xmlns="" xmlns:a16="http://schemas.microsoft.com/office/drawing/2014/main" val="1228268629"/>
+                      <a16:colId xmlns:a16="http://schemas.microsoft.com/office/drawing/2014/main" xmlns="" val="1228268629"/>
                     </a:ext>
                   </a:extLst>
                 </a:gridCol>
                 <a:gridCol w="1886015">
                   <a:extLst>
                     <a:ext uri="{9D8B030D-6E8A-4147-A177-3AD203B41FA5}">
-                      <a16:colId xmlns="" xmlns:a16="http://schemas.microsoft.com/office/drawing/2014/main" val="4045974056"/>
+                      <a16:colId xmlns:a16="http://schemas.microsoft.com/office/drawing/2014/main" xmlns="" val="4045974056"/>
                     </a:ext>
                   </a:extLst>
                 </a:gridCol>
                 <a:gridCol w="1428139">
                   <a:extLst>
                     <a:ext uri="{9D8B030D-6E8A-4147-A177-3AD203B41FA5}">
-                      <a16:colId xmlns="" xmlns:a16="http://schemas.microsoft.com/office/drawing/2014/main" val="2462729159"/>
+                      <a16:colId xmlns:a16="http://schemas.microsoft.com/office/drawing/2014/main" xmlns="" val="2462729159"/>
                     </a:ext>
                   </a:extLst>
                 </a:gridCol>
                 <a:gridCol w="2349121">
                   <a:extLst>
                     <a:ext uri="{9D8B030D-6E8A-4147-A177-3AD203B41FA5}">
-                      <a16:colId xmlns="" xmlns:a16="http://schemas.microsoft.com/office/drawing/2014/main" val="978489334"/>
+                      <a16:colId xmlns:a16="http://schemas.microsoft.com/office/drawing/2014/main" xmlns="" val="978489334"/>
                     </a:ext>
                   </a:extLst>
                 </a:gridCol>
                 <a:gridCol w="3777260">
                   <a:extLst>
                     <a:ext uri="{9D8B030D-6E8A-4147-A177-3AD203B41FA5}">
-                      <a16:colId xmlns="" xmlns:a16="http://schemas.microsoft.com/office/drawing/2014/main" val="988664389"/>
+                      <a16:colId xmlns:a16="http://schemas.microsoft.com/office/drawing/2014/main" xmlns="" val="988664389"/>
                     </a:ext>
                   </a:extLst>
                 </a:gridCol>
@@ -16365,7 +16365,7 @@
                 </a:tc>
                 <a:extLst>
                   <a:ext uri="{0D108BD9-81ED-4DB2-BD59-A6C34878D82A}">
-                    <a16:rowId xmlns="" xmlns:a16="http://schemas.microsoft.com/office/drawing/2014/main" val="1879564901"/>
+                    <a16:rowId xmlns:a16="http://schemas.microsoft.com/office/drawing/2014/main" xmlns="" val="1879564901"/>
                   </a:ext>
                 </a:extLst>
               </a:tr>
@@ -16600,7 +16600,7 @@
                 </a:tc>
                 <a:extLst>
                   <a:ext uri="{0D108BD9-81ED-4DB2-BD59-A6C34878D82A}">
-                    <a16:rowId xmlns="" xmlns:a16="http://schemas.microsoft.com/office/drawing/2014/main" val="359195167"/>
+                    <a16:rowId xmlns:a16="http://schemas.microsoft.com/office/drawing/2014/main" xmlns="" val="359195167"/>
                   </a:ext>
                 </a:extLst>
               </a:tr>
@@ -16751,7 +16751,7 @@
                 </a:tc>
                 <a:extLst>
                   <a:ext uri="{0D108BD9-81ED-4DB2-BD59-A6C34878D82A}">
-                    <a16:rowId xmlns="" xmlns:a16="http://schemas.microsoft.com/office/drawing/2014/main" val="2388008764"/>
+                    <a16:rowId xmlns:a16="http://schemas.microsoft.com/office/drawing/2014/main" xmlns="" val="2388008764"/>
                   </a:ext>
                 </a:extLst>
               </a:tr>
@@ -17051,7 +17051,7 @@
                 </a:tc>
                 <a:extLst>
                   <a:ext uri="{0D108BD9-81ED-4DB2-BD59-A6C34878D82A}">
-                    <a16:rowId xmlns="" xmlns:a16="http://schemas.microsoft.com/office/drawing/2014/main" val="3742758418"/>
+                    <a16:rowId xmlns:a16="http://schemas.microsoft.com/office/drawing/2014/main" xmlns="" val="3742758418"/>
                   </a:ext>
                 </a:extLst>
               </a:tr>
@@ -17270,7 +17270,7 @@
                 </a:tc>
                 <a:extLst>
                   <a:ext uri="{0D108BD9-81ED-4DB2-BD59-A6C34878D82A}">
-                    <a16:rowId xmlns="" xmlns:a16="http://schemas.microsoft.com/office/drawing/2014/main" val="3286601418"/>
+                    <a16:rowId xmlns:a16="http://schemas.microsoft.com/office/drawing/2014/main" xmlns="" val="3286601418"/>
                   </a:ext>
                 </a:extLst>
               </a:tr>
@@ -17489,7 +17489,7 @@
                 </a:tc>
                 <a:extLst>
                   <a:ext uri="{0D108BD9-81ED-4DB2-BD59-A6C34878D82A}">
-                    <a16:rowId xmlns="" xmlns:a16="http://schemas.microsoft.com/office/drawing/2014/main" val="628591838"/>
+                    <a16:rowId xmlns:a16="http://schemas.microsoft.com/office/drawing/2014/main" xmlns="" val="628591838"/>
                   </a:ext>
                 </a:extLst>
               </a:tr>
@@ -17697,7 +17697,7 @@
                 </a:tc>
                 <a:extLst>
                   <a:ext uri="{0D108BD9-81ED-4DB2-BD59-A6C34878D82A}">
-                    <a16:rowId xmlns="" xmlns:a16="http://schemas.microsoft.com/office/drawing/2014/main" val="1485137538"/>
+                    <a16:rowId xmlns:a16="http://schemas.microsoft.com/office/drawing/2014/main" xmlns="" val="1485137538"/>
                   </a:ext>
                 </a:extLst>
               </a:tr>
@@ -17930,7 +17930,7 @@
                 </a:tc>
                 <a:extLst>
                   <a:ext uri="{0D108BD9-81ED-4DB2-BD59-A6C34878D82A}">
-                    <a16:rowId xmlns="" xmlns:a16="http://schemas.microsoft.com/office/drawing/2014/main" val="1220343380"/>
+                    <a16:rowId xmlns:a16="http://schemas.microsoft.com/office/drawing/2014/main" xmlns="" val="1220343380"/>
                   </a:ext>
                 </a:extLst>
               </a:tr>
@@ -17967,35 +17967,35 @@
                 <a:gridCol w="2454326">
                   <a:extLst>
                     <a:ext uri="{9D8B030D-6E8A-4147-A177-3AD203B41FA5}">
-                      <a16:colId xmlns="" xmlns:a16="http://schemas.microsoft.com/office/drawing/2014/main" val="20000"/>
+                      <a16:colId xmlns:a16="http://schemas.microsoft.com/office/drawing/2014/main" xmlns="" val="20000"/>
                     </a:ext>
                   </a:extLst>
                 </a:gridCol>
                 <a:gridCol w="2306453">
                   <a:extLst>
                     <a:ext uri="{9D8B030D-6E8A-4147-A177-3AD203B41FA5}">
-                      <a16:colId xmlns="" xmlns:a16="http://schemas.microsoft.com/office/drawing/2014/main" val="20002"/>
+                      <a16:colId xmlns:a16="http://schemas.microsoft.com/office/drawing/2014/main" xmlns="" val="20002"/>
                     </a:ext>
                   </a:extLst>
                 </a:gridCol>
                 <a:gridCol w="2254336">
                   <a:extLst>
                     <a:ext uri="{9D8B030D-6E8A-4147-A177-3AD203B41FA5}">
-                      <a16:colId xmlns="" xmlns:a16="http://schemas.microsoft.com/office/drawing/2014/main" val="2575180168"/>
+                      <a16:colId xmlns:a16="http://schemas.microsoft.com/office/drawing/2014/main" xmlns="" val="2575180168"/>
                     </a:ext>
                   </a:extLst>
                 </a:gridCol>
                 <a:gridCol w="2355667">
                   <a:extLst>
                     <a:ext uri="{9D8B030D-6E8A-4147-A177-3AD203B41FA5}">
-                      <a16:colId xmlns="" xmlns:a16="http://schemas.microsoft.com/office/drawing/2014/main" val="20003"/>
+                      <a16:colId xmlns:a16="http://schemas.microsoft.com/office/drawing/2014/main" xmlns="" val="20003"/>
                     </a:ext>
                   </a:extLst>
                 </a:gridCol>
                 <a:gridCol w="1661586">
                   <a:extLst>
                     <a:ext uri="{9D8B030D-6E8A-4147-A177-3AD203B41FA5}">
-                      <a16:colId xmlns="" xmlns:a16="http://schemas.microsoft.com/office/drawing/2014/main" val="1141158204"/>
+                      <a16:colId xmlns:a16="http://schemas.microsoft.com/office/drawing/2014/main" xmlns="" val="1141158204"/>
                     </a:ext>
                   </a:extLst>
                 </a:gridCol>
@@ -18679,7 +18679,7 @@
                 </a:tc>
                 <a:extLst>
                   <a:ext uri="{0D108BD9-81ED-4DB2-BD59-A6C34878D82A}">
-                    <a16:rowId xmlns="" xmlns:a16="http://schemas.microsoft.com/office/drawing/2014/main" val="10000"/>
+                    <a16:rowId xmlns:a16="http://schemas.microsoft.com/office/drawing/2014/main" xmlns="" val="10000"/>
                   </a:ext>
                 </a:extLst>
               </a:tr>
@@ -19067,7 +19067,7 @@
                 </a:tc>
                 <a:extLst>
                   <a:ext uri="{0D108BD9-81ED-4DB2-BD59-A6C34878D82A}">
-                    <a16:rowId xmlns="" xmlns:a16="http://schemas.microsoft.com/office/drawing/2014/main" val="3242880312"/>
+                    <a16:rowId xmlns:a16="http://schemas.microsoft.com/office/drawing/2014/main" xmlns="" val="3242880312"/>
                   </a:ext>
                 </a:extLst>
               </a:tr>
@@ -19410,7 +19410,7 @@
                 <a:gridCol w="11048531">
                   <a:extLst>
                     <a:ext uri="{9D8B030D-6E8A-4147-A177-3AD203B41FA5}">
-                      <a16:colId xmlns="" xmlns:a16="http://schemas.microsoft.com/office/drawing/2014/main" val="1357581311"/>
+                      <a16:colId xmlns:a16="http://schemas.microsoft.com/office/drawing/2014/main" xmlns="" val="1357581311"/>
                     </a:ext>
                   </a:extLst>
                 </a:gridCol>
@@ -19497,7 +19497,7 @@
                 </a:tc>
                 <a:extLst>
                   <a:ext uri="{0D108BD9-81ED-4DB2-BD59-A6C34878D82A}">
-                    <a16:rowId xmlns="" xmlns:a16="http://schemas.microsoft.com/office/drawing/2014/main" val="3203583067"/>
+                    <a16:rowId xmlns:a16="http://schemas.microsoft.com/office/drawing/2014/main" xmlns="" val="3203583067"/>
                   </a:ext>
                 </a:extLst>
               </a:tr>
@@ -19533,21 +19533,21 @@
                 <a:gridCol w="3682842">
                   <a:extLst>
                     <a:ext uri="{9D8B030D-6E8A-4147-A177-3AD203B41FA5}">
-                      <a16:colId xmlns="" xmlns:a16="http://schemas.microsoft.com/office/drawing/2014/main" val="1109671872"/>
+                      <a16:colId xmlns:a16="http://schemas.microsoft.com/office/drawing/2014/main" xmlns="" val="1109671872"/>
                     </a:ext>
                   </a:extLst>
                 </a:gridCol>
                 <a:gridCol w="3682842">
                   <a:extLst>
                     <a:ext uri="{9D8B030D-6E8A-4147-A177-3AD203B41FA5}">
-                      <a16:colId xmlns="" xmlns:a16="http://schemas.microsoft.com/office/drawing/2014/main" val="390604985"/>
+                      <a16:colId xmlns:a16="http://schemas.microsoft.com/office/drawing/2014/main" xmlns="" val="390604985"/>
                     </a:ext>
                   </a:extLst>
                 </a:gridCol>
                 <a:gridCol w="3682842">
                   <a:extLst>
                     <a:ext uri="{9D8B030D-6E8A-4147-A177-3AD203B41FA5}">
-                      <a16:colId xmlns="" xmlns:a16="http://schemas.microsoft.com/office/drawing/2014/main" val="3548678291"/>
+                      <a16:colId xmlns:a16="http://schemas.microsoft.com/office/drawing/2014/main" xmlns="" val="3548678291"/>
                     </a:ext>
                   </a:extLst>
                 </a:gridCol>
@@ -19657,7 +19657,7 @@
                 </a:tc>
                 <a:extLst>
                   <a:ext uri="{0D108BD9-81ED-4DB2-BD59-A6C34878D82A}">
-                    <a16:rowId xmlns="" xmlns:a16="http://schemas.microsoft.com/office/drawing/2014/main" val="2826780448"/>
+                    <a16:rowId xmlns:a16="http://schemas.microsoft.com/office/drawing/2014/main" xmlns="" val="2826780448"/>
                   </a:ext>
                 </a:extLst>
               </a:tr>
@@ -19767,7 +19767,7 @@
                 </a:tc>
                 <a:extLst>
                   <a:ext uri="{0D108BD9-81ED-4DB2-BD59-A6C34878D82A}">
-                    <a16:rowId xmlns="" xmlns:a16="http://schemas.microsoft.com/office/drawing/2014/main" val="2074693909"/>
+                    <a16:rowId xmlns:a16="http://schemas.microsoft.com/office/drawing/2014/main" xmlns="" val="2074693909"/>
                   </a:ext>
                 </a:extLst>
               </a:tr>
@@ -19877,7 +19877,7 @@
                 </a:tc>
                 <a:extLst>
                   <a:ext uri="{0D108BD9-81ED-4DB2-BD59-A6C34878D82A}">
-                    <a16:rowId xmlns="" xmlns:a16="http://schemas.microsoft.com/office/drawing/2014/main" val="3442556936"/>
+                    <a16:rowId xmlns:a16="http://schemas.microsoft.com/office/drawing/2014/main" xmlns="" val="3442556936"/>
                   </a:ext>
                 </a:extLst>
               </a:tr>
@@ -19913,35 +19913,35 @@
                 <a:gridCol w="2209707">
                   <a:extLst>
                     <a:ext uri="{9D8B030D-6E8A-4147-A177-3AD203B41FA5}">
-                      <a16:colId xmlns="" xmlns:a16="http://schemas.microsoft.com/office/drawing/2014/main" val="4105844897"/>
+                      <a16:colId xmlns:a16="http://schemas.microsoft.com/office/drawing/2014/main" xmlns="" val="4105844897"/>
                     </a:ext>
                   </a:extLst>
                 </a:gridCol>
                 <a:gridCol w="2547324">
                   <a:extLst>
                     <a:ext uri="{9D8B030D-6E8A-4147-A177-3AD203B41FA5}">
-                      <a16:colId xmlns="" xmlns:a16="http://schemas.microsoft.com/office/drawing/2014/main" val="4142034472"/>
+                      <a16:colId xmlns:a16="http://schemas.microsoft.com/office/drawing/2014/main" xmlns="" val="4142034472"/>
                     </a:ext>
                   </a:extLst>
                 </a:gridCol>
                 <a:gridCol w="2601685">
                   <a:extLst>
                     <a:ext uri="{9D8B030D-6E8A-4147-A177-3AD203B41FA5}">
-                      <a16:colId xmlns="" xmlns:a16="http://schemas.microsoft.com/office/drawing/2014/main" val="2076643704"/>
+                      <a16:colId xmlns:a16="http://schemas.microsoft.com/office/drawing/2014/main" xmlns="" val="2076643704"/>
                     </a:ext>
                   </a:extLst>
                 </a:gridCol>
                 <a:gridCol w="1480110">
                   <a:extLst>
                     <a:ext uri="{9D8B030D-6E8A-4147-A177-3AD203B41FA5}">
-                      <a16:colId xmlns="" xmlns:a16="http://schemas.microsoft.com/office/drawing/2014/main" val="3774860856"/>
+                      <a16:colId xmlns:a16="http://schemas.microsoft.com/office/drawing/2014/main" xmlns="" val="3774860856"/>
                     </a:ext>
                   </a:extLst>
                 </a:gridCol>
                 <a:gridCol w="2209707">
                   <a:extLst>
                     <a:ext uri="{9D8B030D-6E8A-4147-A177-3AD203B41FA5}">
-                      <a16:colId xmlns="" xmlns:a16="http://schemas.microsoft.com/office/drawing/2014/main" val="690038618"/>
+                      <a16:colId xmlns:a16="http://schemas.microsoft.com/office/drawing/2014/main" xmlns="" val="690038618"/>
                     </a:ext>
                   </a:extLst>
                 </a:gridCol>
@@ -20229,7 +20229,7 @@
                 </a:tc>
                 <a:extLst>
                   <a:ext uri="{0D108BD9-81ED-4DB2-BD59-A6C34878D82A}">
-                    <a16:rowId xmlns="" xmlns:a16="http://schemas.microsoft.com/office/drawing/2014/main" val="2703049425"/>
+                    <a16:rowId xmlns:a16="http://schemas.microsoft.com/office/drawing/2014/main" xmlns="" val="2703049425"/>
                   </a:ext>
                 </a:extLst>
               </a:tr>
@@ -20455,7 +20455,7 @@
                 </a:tc>
                 <a:extLst>
                   <a:ext uri="{0D108BD9-81ED-4DB2-BD59-A6C34878D82A}">
-                    <a16:rowId xmlns="" xmlns:a16="http://schemas.microsoft.com/office/drawing/2014/main" val="741824064"/>
+                    <a16:rowId xmlns:a16="http://schemas.microsoft.com/office/drawing/2014/main" xmlns="" val="741824064"/>
                   </a:ext>
                 </a:extLst>
               </a:tr>
@@ -20698,7 +20698,7 @@
                 </a:tc>
                 <a:extLst>
                   <a:ext uri="{0D108BD9-81ED-4DB2-BD59-A6C34878D82A}">
-                    <a16:rowId xmlns="" xmlns:a16="http://schemas.microsoft.com/office/drawing/2014/main" val="3076205638"/>
+                    <a16:rowId xmlns:a16="http://schemas.microsoft.com/office/drawing/2014/main" xmlns="" val="3076205638"/>
                   </a:ext>
                 </a:extLst>
               </a:tr>
@@ -20943,7 +20943,7 @@
                 </a:tc>
                 <a:extLst>
                   <a:ext uri="{0D108BD9-81ED-4DB2-BD59-A6C34878D82A}">
-                    <a16:rowId xmlns="" xmlns:a16="http://schemas.microsoft.com/office/drawing/2014/main" val="2309071906"/>
+                    <a16:rowId xmlns:a16="http://schemas.microsoft.com/office/drawing/2014/main" xmlns="" val="2309071906"/>
                   </a:ext>
                 </a:extLst>
               </a:tr>
@@ -21184,7 +21184,7 @@
                 </a:tc>
                 <a:extLst>
                   <a:ext uri="{0D108BD9-81ED-4DB2-BD59-A6C34878D82A}">
-                    <a16:rowId xmlns="" xmlns:a16="http://schemas.microsoft.com/office/drawing/2014/main" val="2470890304"/>
+                    <a16:rowId xmlns:a16="http://schemas.microsoft.com/office/drawing/2014/main" xmlns="" val="2470890304"/>
                   </a:ext>
                 </a:extLst>
               </a:tr>
@@ -21425,7 +21425,7 @@
                 </a:tc>
                 <a:extLst>
                   <a:ext uri="{0D108BD9-81ED-4DB2-BD59-A6C34878D82A}">
-                    <a16:rowId xmlns="" xmlns:a16="http://schemas.microsoft.com/office/drawing/2014/main" val="2698866000"/>
+                    <a16:rowId xmlns:a16="http://schemas.microsoft.com/office/drawing/2014/main" xmlns="" val="2698866000"/>
                   </a:ext>
                 </a:extLst>
               </a:tr>
@@ -21461,7 +21461,7 @@
                 <a:gridCol w="11048534">
                   <a:extLst>
                     <a:ext uri="{9D8B030D-6E8A-4147-A177-3AD203B41FA5}">
-                      <a16:colId xmlns="" xmlns:a16="http://schemas.microsoft.com/office/drawing/2014/main" val="1357581311"/>
+                      <a16:colId xmlns:a16="http://schemas.microsoft.com/office/drawing/2014/main" xmlns="" val="1357581311"/>
                     </a:ext>
                   </a:extLst>
                 </a:gridCol>
@@ -21548,7 +21548,7 @@
                 </a:tc>
                 <a:extLst>
                   <a:ext uri="{0D108BD9-81ED-4DB2-BD59-A6C34878D82A}">
-                    <a16:rowId xmlns="" xmlns:a16="http://schemas.microsoft.com/office/drawing/2014/main" val="3203583067"/>
+                    <a16:rowId xmlns:a16="http://schemas.microsoft.com/office/drawing/2014/main" xmlns="" val="3203583067"/>
                   </a:ext>
                 </a:extLst>
               </a:tr>
@@ -21721,28 +21721,28 @@
                 <a:gridCol w="628595">
                   <a:extLst>
                     <a:ext uri="{9D8B030D-6E8A-4147-A177-3AD203B41FA5}">
-                      <a16:colId xmlns="" xmlns:a16="http://schemas.microsoft.com/office/drawing/2014/main" val="207362988"/>
+                      <a16:colId xmlns:a16="http://schemas.microsoft.com/office/drawing/2014/main" xmlns="" val="207362988"/>
                     </a:ext>
                   </a:extLst>
                 </a:gridCol>
                 <a:gridCol w="2213264">
                   <a:extLst>
                     <a:ext uri="{9D8B030D-6E8A-4147-A177-3AD203B41FA5}">
-                      <a16:colId xmlns="" xmlns:a16="http://schemas.microsoft.com/office/drawing/2014/main" val="20000"/>
+                      <a16:colId xmlns:a16="http://schemas.microsoft.com/office/drawing/2014/main" xmlns="" val="20000"/>
                     </a:ext>
                   </a:extLst>
                 </a:gridCol>
                 <a:gridCol w="2556164">
                   <a:extLst>
                     <a:ext uri="{9D8B030D-6E8A-4147-A177-3AD203B41FA5}">
-                      <a16:colId xmlns="" xmlns:a16="http://schemas.microsoft.com/office/drawing/2014/main" val="20001"/>
+                      <a16:colId xmlns:a16="http://schemas.microsoft.com/office/drawing/2014/main" xmlns="" val="20001"/>
                     </a:ext>
                   </a:extLst>
                 </a:gridCol>
                 <a:gridCol w="5634579">
                   <a:extLst>
                     <a:ext uri="{9D8B030D-6E8A-4147-A177-3AD203B41FA5}">
-                      <a16:colId xmlns="" xmlns:a16="http://schemas.microsoft.com/office/drawing/2014/main" val="610373499"/>
+                      <a16:colId xmlns:a16="http://schemas.microsoft.com/office/drawing/2014/main" xmlns="" val="610373499"/>
                     </a:ext>
                   </a:extLst>
                 </a:gridCol>
@@ -22082,7 +22082,7 @@
                 </a:tc>
                 <a:extLst>
                   <a:ext uri="{0D108BD9-81ED-4DB2-BD59-A6C34878D82A}">
-                    <a16:rowId xmlns="" xmlns:a16="http://schemas.microsoft.com/office/drawing/2014/main" val="10000"/>
+                    <a16:rowId xmlns:a16="http://schemas.microsoft.com/office/drawing/2014/main" xmlns="" val="10000"/>
                   </a:ext>
                 </a:extLst>
               </a:tr>
@@ -22412,7 +22412,7 @@
                 </a:tc>
                 <a:extLst>
                   <a:ext uri="{0D108BD9-81ED-4DB2-BD59-A6C34878D82A}">
-                    <a16:rowId xmlns="" xmlns:a16="http://schemas.microsoft.com/office/drawing/2014/main" val="10001"/>
+                    <a16:rowId xmlns:a16="http://schemas.microsoft.com/office/drawing/2014/main" xmlns="" val="10001"/>
                   </a:ext>
                 </a:extLst>
               </a:tr>
@@ -22770,7 +22770,7 @@
                 </a:tc>
                 <a:extLst>
                   <a:ext uri="{0D108BD9-81ED-4DB2-BD59-A6C34878D82A}">
-                    <a16:rowId xmlns="" xmlns:a16="http://schemas.microsoft.com/office/drawing/2014/main" val="10002"/>
+                    <a16:rowId xmlns:a16="http://schemas.microsoft.com/office/drawing/2014/main" xmlns="" val="10002"/>
                   </a:ext>
                 </a:extLst>
               </a:tr>
@@ -23128,7 +23128,7 @@
                 </a:tc>
                 <a:extLst>
                   <a:ext uri="{0D108BD9-81ED-4DB2-BD59-A6C34878D82A}">
-                    <a16:rowId xmlns="" xmlns:a16="http://schemas.microsoft.com/office/drawing/2014/main" val="10003"/>
+                    <a16:rowId xmlns:a16="http://schemas.microsoft.com/office/drawing/2014/main" xmlns="" val="10003"/>
                   </a:ext>
                 </a:extLst>
               </a:tr>
@@ -23486,7 +23486,7 @@
                 </a:tc>
                 <a:extLst>
                   <a:ext uri="{0D108BD9-81ED-4DB2-BD59-A6C34878D82A}">
-                    <a16:rowId xmlns="" xmlns:a16="http://schemas.microsoft.com/office/drawing/2014/main" val="10004"/>
+                    <a16:rowId xmlns:a16="http://schemas.microsoft.com/office/drawing/2014/main" xmlns="" val="10004"/>
                   </a:ext>
                 </a:extLst>
               </a:tr>
@@ -23844,7 +23844,7 @@
                 </a:tc>
                 <a:extLst>
                   <a:ext uri="{0D108BD9-81ED-4DB2-BD59-A6C34878D82A}">
-                    <a16:rowId xmlns="" xmlns:a16="http://schemas.microsoft.com/office/drawing/2014/main" val="2987373226"/>
+                    <a16:rowId xmlns:a16="http://schemas.microsoft.com/office/drawing/2014/main" xmlns="" val="2987373226"/>
                   </a:ext>
                 </a:extLst>
               </a:tr>
@@ -24202,7 +24202,7 @@
                 </a:tc>
                 <a:extLst>
                   <a:ext uri="{0D108BD9-81ED-4DB2-BD59-A6C34878D82A}">
-                    <a16:rowId xmlns="" xmlns:a16="http://schemas.microsoft.com/office/drawing/2014/main" val="2639051246"/>
+                    <a16:rowId xmlns:a16="http://schemas.microsoft.com/office/drawing/2014/main" xmlns="" val="2639051246"/>
                   </a:ext>
                 </a:extLst>
               </a:tr>
@@ -24560,7 +24560,7 @@
                 </a:tc>
                 <a:extLst>
                   <a:ext uri="{0D108BD9-81ED-4DB2-BD59-A6C34878D82A}">
-                    <a16:rowId xmlns="" xmlns:a16="http://schemas.microsoft.com/office/drawing/2014/main" val="1177553746"/>
+                    <a16:rowId xmlns:a16="http://schemas.microsoft.com/office/drawing/2014/main" xmlns="" val="1177553746"/>
                   </a:ext>
                 </a:extLst>
               </a:tr>
@@ -24910,7 +24910,7 @@
                 </a:tc>
                 <a:extLst>
                   <a:ext uri="{0D108BD9-81ED-4DB2-BD59-A6C34878D82A}">
-                    <a16:rowId xmlns="" xmlns:a16="http://schemas.microsoft.com/office/drawing/2014/main" val="4230401121"/>
+                    <a16:rowId xmlns:a16="http://schemas.microsoft.com/office/drawing/2014/main" xmlns="" val="4230401121"/>
                   </a:ext>
                 </a:extLst>
               </a:tr>
@@ -26447,7 +26447,7 @@
           <a:graphicData uri="http://schemas.openxmlformats.org/presentationml/2006/ole">
             <mc:AlternateContent xmlns:mc="http://schemas.openxmlformats.org/markup-compatibility/2006">
               <mc:Choice xmlns:v="urn:schemas-microsoft-com:vml" Requires="v">
-                <p:oleObj spid="_x0000_s44071" name="think-cell Slide" r:id="rId5" imgW="416" imgH="416" progId="TCLayout.ActiveDocument.1">
+                <p:oleObj spid="_x0000_s44072" name="think-cell Slide" r:id="rId5" imgW="416" imgH="416" progId="TCLayout.ActiveDocument.1">
                   <p:embed/>
                 </p:oleObj>
               </mc:Choice>
@@ -26868,6 +26868,87 @@
             <a:endParaRPr lang="zh-CN" altLang="en-US" sz="2000" dirty="0">
               <a:solidFill>
                 <a:srgbClr val="232323"/>
+              </a:solidFill>
+              <a:cs typeface="+mn-ea"/>
+              <a:sym typeface="+mn-lt"/>
+            </a:endParaRPr>
+          </a:p>
+        </p:txBody>
+      </p:sp>
+      <p:sp>
+        <p:nvSpPr>
+          <p:cNvPr id="10" name="Rectangle 3"/>
+          <p:cNvSpPr/>
+          <p:nvPr/>
+        </p:nvSpPr>
+        <p:spPr>
+          <a:xfrm>
+            <a:off x="8177026" y="6255883"/>
+            <a:ext cx="3442716" cy="466056"/>
+          </a:xfrm>
+          <a:prstGeom prst="rect">
+            <a:avLst/>
+          </a:prstGeom>
+          <a:solidFill>
+            <a:schemeClr val="accent1">
+              <a:lumMod val="50000"/>
+              <a:alpha val="50196"/>
+            </a:schemeClr>
+          </a:solidFill>
+          <a:ln w="6350" cmpd="sng">
+            <a:noFill/>
+            <a:miter lim="800000"/>
+            <a:headEnd/>
+            <a:tailEnd/>
+          </a:ln>
+        </p:spPr>
+        <p:txBody>
+          <a:bodyPr wrap="square" lIns="85451" rIns="85451" rtlCol="0" anchor="ctr">
+            <a:prstTxWarp prst="textNoShape">
+              <a:avLst/>
+            </a:prstTxWarp>
+            <a:noAutofit/>
+          </a:bodyPr>
+          <a:lstStyle/>
+          <a:p>
+            <a:pPr algn="r">
+              <a:lnSpc>
+                <a:spcPct val="130000"/>
+              </a:lnSpc>
+            </a:pPr>
+            <a:r>
+              <a:rPr lang="zh-CN" altLang="en-US" sz="1424" dirty="0" smtClean="0">
+                <a:solidFill>
+                  <a:schemeClr val="bg1"/>
+                </a:solidFill>
+                <a:cs typeface="+mn-ea"/>
+                <a:sym typeface="+mn-lt"/>
+              </a:rPr>
+              <a:t>请说明主</a:t>
+            </a:r>
+            <a:r>
+              <a:rPr lang="zh-CN" altLang="en-US" sz="1424" dirty="0">
+                <a:solidFill>
+                  <a:schemeClr val="bg1"/>
+                </a:solidFill>
+                <a:cs typeface="+mn-ea"/>
+                <a:sym typeface="+mn-lt"/>
+              </a:rPr>
+              <a:t>视觉</a:t>
+            </a:r>
+            <a:r>
+              <a:rPr lang="zh-CN" altLang="en-US" sz="1424" dirty="0" smtClean="0">
+                <a:solidFill>
+                  <a:schemeClr val="bg1"/>
+                </a:solidFill>
+                <a:cs typeface="+mn-ea"/>
+                <a:sym typeface="+mn-lt"/>
+              </a:rPr>
+              <a:t>图片是否已经获得批准</a:t>
+            </a:r>
+            <a:endParaRPr lang="zh-CN" altLang="en-US" sz="1424" dirty="0">
+              <a:solidFill>
+                <a:schemeClr val="bg1"/>
               </a:solidFill>
               <a:cs typeface="+mn-ea"/>
               <a:sym typeface="+mn-lt"/>
@@ -28100,7 +28181,7 @@
   <a:extraClrSchemeLst/>
   <a:extLst>
     <a:ext uri="{05A4C25C-085E-4340-85A3-A5531E510DB2}">
-      <thm15:themeFamily xmlns="" xmlns:thm15="http://schemas.microsoft.com/office/thememl/2012/main" name="Office Theme" id="{62F939B6-93AF-4DB8-9C6B-D6C7DFDC589F}" vid="{4A3C46E8-61CC-4603-A589-7422A47A8E4A}"/>
+      <thm15:themeFamily xmlns:thm15="http://schemas.microsoft.com/office/thememl/2012/main" xmlns="" name="Office Theme" id="{62F939B6-93AF-4DB8-9C6B-D6C7DFDC589F}" vid="{4A3C46E8-61CC-4603-A589-7422A47A8E4A}"/>
     </a:ext>
   </a:extLst>
 </a:theme>
@@ -28334,7 +28415,7 @@
   <a:extraClrSchemeLst/>
   <a:extLst>
     <a:ext uri="{05A4C25C-085E-4340-85A3-A5531E510DB2}">
-      <thm15:themeFamily xmlns="" xmlns:thm15="http://schemas.microsoft.com/office/thememl/2012/main" name="Bentley template 2021.potx" id="{C9F80F40-B2B1-4DB6-919B-71F3AAFFE5B0}" vid="{F9D38CA0-4F02-4029-A6BC-9642EF690A5C}"/>
+      <thm15:themeFamily xmlns:thm15="http://schemas.microsoft.com/office/thememl/2012/main" xmlns="" name="Bentley template 2021.potx" id="{C9F80F40-B2B1-4DB6-919B-71F3AAFFE5B0}" vid="{F9D38CA0-4F02-4029-A6BC-9642EF690A5C}"/>
     </a:ext>
   </a:extLst>
 </a:theme>
@@ -28568,7 +28649,7 @@
   <a:extraClrSchemeLst/>
   <a:extLst>
     <a:ext uri="{05A4C25C-085E-4340-85A3-A5531E510DB2}">
-      <thm15:themeFamily xmlns="" xmlns:thm15="http://schemas.microsoft.com/office/thememl/2012/main" name="Bentley template 2021.potx" id="{C9F80F40-B2B1-4DB6-919B-71F3AAFFE5B0}" vid="{F9D38CA0-4F02-4029-A6BC-9642EF690A5C}"/>
+      <thm15:themeFamily xmlns:thm15="http://schemas.microsoft.com/office/thememl/2012/main" xmlns="" name="Bentley template 2021.potx" id="{C9F80F40-B2B1-4DB6-919B-71F3AAFFE5B0}" vid="{F9D38CA0-4F02-4029-A6BC-9642EF690A5C}"/>
     </a:ext>
   </a:extLst>
 </a:theme>
@@ -28829,7 +28910,7 @@
   <a:extraClrSchemeLst/>
   <a:extLst>
     <a:ext uri="{05A4C25C-085E-4340-85A3-A5531E510DB2}">
-      <thm15:themeFamily xmlns="" xmlns:thm15="http://schemas.microsoft.com/office/thememl/2012/main" name="Office Theme" id="{62F939B6-93AF-4DB8-9C6B-D6C7DFDC589F}" vid="{4A3C46E8-61CC-4603-A589-7422A47A8E4A}"/>
+      <thm15:themeFamily xmlns:thm15="http://schemas.microsoft.com/office/thememl/2012/main" xmlns="" name="Office Theme" id="{62F939B6-93AF-4DB8-9C6B-D6C7DFDC589F}" vid="{4A3C46E8-61CC-4603-A589-7422A47A8E4A}"/>
     </a:ext>
   </a:extLst>
 </a:theme>

--- a/com.yrtech.bentleyAPI/com.yrtech.InventoryAPI/template/ReportHandOver.pptx
+++ b/com.yrtech.bentleyAPI/com.yrtech.InventoryAPI/template/ReportHandOver.pptx
@@ -123,7 +123,7 @@
   </p:defaultTextStyle>
   <p:extLst>
     <p:ext uri="{EFAFB233-063F-42B5-8137-9DF3F51BA10A}">
-      <p15:sldGuideLst xmlns:p15="http://schemas.microsoft.com/office/powerpoint/2012/main" xmlns="">
+      <p15:sldGuideLst xmlns:p15="http://schemas.microsoft.com/office/powerpoint/2012/main">
         <p15:guide id="1" pos="7310" userDrawn="1">
           <p15:clr>
             <a:srgbClr val="A4A3A4"/>
@@ -222,7 +222,7 @@
           <a:p>
             <a:fld id="{69A4D669-94F9-4D70-8C76-4C2D35D4E5D0}" type="datetimeFigureOut">
               <a:rPr lang="en-US" smtClean="0"/>
-              <a:t>4/9/2022</a:t>
+              <a:t>4/26/2022</a:t>
             </a:fld>
             <a:endParaRPr lang="en-US"/>
           </a:p>
@@ -1431,7 +1431,7 @@
           <a:p>
             <a:fld id="{CB9F8517-1271-4F8B-9742-ECB8BBF22693}" type="datetimeFigureOut">
               <a:rPr lang="en-US" smtClean="0"/>
-              <a:t>4/9/2022</a:t>
+              <a:t>4/26/2022</a:t>
             </a:fld>
             <a:endParaRPr lang="en-US"/>
           </a:p>
@@ -1601,7 +1601,7 @@
           <a:p>
             <a:fld id="{CB9F8517-1271-4F8B-9742-ECB8BBF22693}" type="datetimeFigureOut">
               <a:rPr lang="en-US" smtClean="0"/>
-              <a:t>4/9/2022</a:t>
+              <a:t>4/26/2022</a:t>
             </a:fld>
             <a:endParaRPr lang="en-US"/>
           </a:p>
@@ -1781,7 +1781,7 @@
           <a:p>
             <a:fld id="{CB9F8517-1271-4F8B-9742-ECB8BBF22693}" type="datetimeFigureOut">
               <a:rPr lang="en-US" smtClean="0"/>
-              <a:t>4/9/2022</a:t>
+              <a:t>4/26/2022</a:t>
             </a:fld>
             <a:endParaRPr lang="en-US"/>
           </a:p>
@@ -1879,7 +1879,7 @@
           <a:graphicData uri="http://schemas.openxmlformats.org/presentationml/2006/ole">
             <mc:AlternateContent xmlns:mc="http://schemas.openxmlformats.org/markup-compatibility/2006">
               <mc:Choice xmlns:v="urn:schemas-microsoft-com:vml" Requires="v">
-                <p:oleObj spid="_x0000_s3124" name="think-cell Slide" r:id="rId4" imgW="216" imgH="216" progId="TCLayout.ActiveDocument.1">
+                <p:oleObj spid="_x0000_s3125" name="think-cell Slide" r:id="rId4" imgW="216" imgH="216" progId="TCLayout.ActiveDocument.1">
                   <p:embed/>
                 </p:oleObj>
               </mc:Choice>
@@ -1919,7 +1919,7 @@
           <p:cNvPr id="8" name="Title 7">
             <a:extLst>
               <a:ext uri="{FF2B5EF4-FFF2-40B4-BE49-F238E27FC236}">
-                <a16:creationId xmlns:a16="http://schemas.microsoft.com/office/drawing/2014/main" xmlns="" id="{8A6F1540-D306-D44E-B1B3-1ACCF1041F70}"/>
+                <a16:creationId xmlns:a16="http://schemas.microsoft.com/office/drawing/2014/main" id="{8A6F1540-D306-D44E-B1B3-1ACCF1041F70}"/>
               </a:ext>
             </a:extLst>
           </p:cNvPr>
@@ -2715,7 +2715,7 @@
           <p:cNvPr id="37" name="Footer Placeholder 3">
             <a:extLst>
               <a:ext uri="{FF2B5EF4-FFF2-40B4-BE49-F238E27FC236}">
-                <a16:creationId xmlns:a16="http://schemas.microsoft.com/office/drawing/2014/main" xmlns="" id="{DBA440F4-82E0-7E45-8A6F-4A8C7572AEE5}"/>
+                <a16:creationId xmlns:a16="http://schemas.microsoft.com/office/drawing/2014/main" id="{DBA440F4-82E0-7E45-8A6F-4A8C7572AEE5}"/>
               </a:ext>
             </a:extLst>
           </p:cNvPr>
@@ -2774,7 +2774,7 @@
           <p:cNvPr id="38" name="Slide Number Placeholder 5">
             <a:extLst>
               <a:ext uri="{FF2B5EF4-FFF2-40B4-BE49-F238E27FC236}">
-                <a16:creationId xmlns:a16="http://schemas.microsoft.com/office/drawing/2014/main" xmlns="" id="{CC67CD5C-67EC-5144-B858-5347C50D1ACD}"/>
+                <a16:creationId xmlns:a16="http://schemas.microsoft.com/office/drawing/2014/main" id="{CC67CD5C-67EC-5144-B858-5347C50D1ACD}"/>
               </a:ext>
             </a:extLst>
           </p:cNvPr>
@@ -2821,7 +2821,7 @@
           <p:cNvPr id="39" name="Straight Connector 38">
             <a:extLst>
               <a:ext uri="{FF2B5EF4-FFF2-40B4-BE49-F238E27FC236}">
-                <a16:creationId xmlns:a16="http://schemas.microsoft.com/office/drawing/2014/main" xmlns="" id="{95C486A1-9876-924E-85C2-906892F8B9AC}"/>
+                <a16:creationId xmlns:a16="http://schemas.microsoft.com/office/drawing/2014/main" id="{95C486A1-9876-924E-85C2-906892F8B9AC}"/>
               </a:ext>
             </a:extLst>
           </p:cNvPr>
@@ -2917,7 +2917,7 @@
           <a:graphicData uri="http://schemas.openxmlformats.org/presentationml/2006/ole">
             <mc:AlternateContent xmlns:mc="http://schemas.openxmlformats.org/markup-compatibility/2006">
               <mc:Choice xmlns:v="urn:schemas-microsoft-com:vml" Requires="v">
-                <p:oleObj spid="_x0000_s32808" name="think-cell Slide" r:id="rId5" imgW="216" imgH="216" progId="TCLayout.ActiveDocument.1">
+                <p:oleObj spid="_x0000_s32809" name="think-cell Slide" r:id="rId5" imgW="216" imgH="216" progId="TCLayout.ActiveDocument.1">
                   <p:embed/>
                 </p:oleObj>
               </mc:Choice>
@@ -3114,7 +3114,7 @@
           <p:cNvPr id="4" name="Footer Placeholder 3">
             <a:extLst>
               <a:ext uri="{FF2B5EF4-FFF2-40B4-BE49-F238E27FC236}">
-                <a16:creationId xmlns:a16="http://schemas.microsoft.com/office/drawing/2014/main" xmlns="" id="{17D6DE4C-D976-4B4B-B087-C035EF8D4F6F}"/>
+                <a16:creationId xmlns:a16="http://schemas.microsoft.com/office/drawing/2014/main" id="{17D6DE4C-D976-4B4B-B087-C035EF8D4F6F}"/>
               </a:ext>
             </a:extLst>
           </p:cNvPr>
@@ -3173,7 +3173,7 @@
           <p:cNvPr id="13" name="Straight Connector 12">
             <a:extLst>
               <a:ext uri="{FF2B5EF4-FFF2-40B4-BE49-F238E27FC236}">
-                <a16:creationId xmlns:a16="http://schemas.microsoft.com/office/drawing/2014/main" xmlns="" id="{95C486A1-9876-924E-85C2-906892F8B9AC}"/>
+                <a16:creationId xmlns:a16="http://schemas.microsoft.com/office/drawing/2014/main" id="{95C486A1-9876-924E-85C2-906892F8B9AC}"/>
               </a:ext>
             </a:extLst>
           </p:cNvPr>
@@ -3216,7 +3216,7 @@
           <p:cNvPr id="17" name="Slide Number Placeholder 5">
             <a:extLst>
               <a:ext uri="{FF2B5EF4-FFF2-40B4-BE49-F238E27FC236}">
-                <a16:creationId xmlns:a16="http://schemas.microsoft.com/office/drawing/2014/main" xmlns="" id="{CC67CD5C-67EC-5144-B858-5347C50D1ACD}"/>
+                <a16:creationId xmlns:a16="http://schemas.microsoft.com/office/drawing/2014/main" id="{CC67CD5C-67EC-5144-B858-5347C50D1ACD}"/>
               </a:ext>
             </a:extLst>
           </p:cNvPr>
@@ -3268,7 +3268,7 @@
           <p:cNvPr id="8" name="Title 7">
             <a:extLst>
               <a:ext uri="{FF2B5EF4-FFF2-40B4-BE49-F238E27FC236}">
-                <a16:creationId xmlns:a16="http://schemas.microsoft.com/office/drawing/2014/main" xmlns="" id="{8A6F1540-D306-D44E-B1B3-1ACCF1041F70}"/>
+                <a16:creationId xmlns:a16="http://schemas.microsoft.com/office/drawing/2014/main" id="{8A6F1540-D306-D44E-B1B3-1ACCF1041F70}"/>
               </a:ext>
             </a:extLst>
           </p:cNvPr>
@@ -3394,7 +3394,7 @@
           <a:graphicData uri="http://schemas.openxmlformats.org/presentationml/2006/ole">
             <mc:AlternateContent xmlns:mc="http://schemas.openxmlformats.org/markup-compatibility/2006">
               <mc:Choice xmlns:v="urn:schemas-microsoft-com:vml" Requires="v">
-                <p:oleObj spid="_x0000_s33832" name="think-cell Slide" r:id="rId4" imgW="216" imgH="216" progId="TCLayout.ActiveDocument.1">
+                <p:oleObj spid="_x0000_s33833" name="think-cell Slide" r:id="rId4" imgW="216" imgH="216" progId="TCLayout.ActiveDocument.1">
                   <p:embed/>
                 </p:oleObj>
               </mc:Choice>
@@ -3520,7 +3520,7 @@
           <p:cNvPr id="8" name="Title 7">
             <a:extLst>
               <a:ext uri="{FF2B5EF4-FFF2-40B4-BE49-F238E27FC236}">
-                <a16:creationId xmlns:a16="http://schemas.microsoft.com/office/drawing/2014/main" xmlns="" id="{8A6F1540-D306-D44E-B1B3-1ACCF1041F70}"/>
+                <a16:creationId xmlns:a16="http://schemas.microsoft.com/office/drawing/2014/main" id="{8A6F1540-D306-D44E-B1B3-1ACCF1041F70}"/>
               </a:ext>
             </a:extLst>
           </p:cNvPr>
@@ -3556,7 +3556,7 @@
           <p:cNvPr id="9" name="Content Placeholder 2">
             <a:extLst>
               <a:ext uri="{FF2B5EF4-FFF2-40B4-BE49-F238E27FC236}">
-                <a16:creationId xmlns:a16="http://schemas.microsoft.com/office/drawing/2014/main" xmlns="" id="{0A7C1352-3D49-F849-9BC3-BC0AF9CD8F04}"/>
+                <a16:creationId xmlns:a16="http://schemas.microsoft.com/office/drawing/2014/main" id="{0A7C1352-3D49-F849-9BC3-BC0AF9CD8F04}"/>
               </a:ext>
             </a:extLst>
           </p:cNvPr>
@@ -3648,7 +3648,7 @@
           <p:cNvPr id="10" name="Content Placeholder 2">
             <a:extLst>
               <a:ext uri="{FF2B5EF4-FFF2-40B4-BE49-F238E27FC236}">
-                <a16:creationId xmlns:a16="http://schemas.microsoft.com/office/drawing/2014/main" xmlns="" id="{D1AA7CFB-7669-2648-A3E1-E647E531399E}"/>
+                <a16:creationId xmlns:a16="http://schemas.microsoft.com/office/drawing/2014/main" id="{D1AA7CFB-7669-2648-A3E1-E647E531399E}"/>
               </a:ext>
             </a:extLst>
           </p:cNvPr>
@@ -3740,7 +3740,7 @@
           <p:cNvPr id="11" name="Content Placeholder 2">
             <a:extLst>
               <a:ext uri="{FF2B5EF4-FFF2-40B4-BE49-F238E27FC236}">
-                <a16:creationId xmlns:a16="http://schemas.microsoft.com/office/drawing/2014/main" xmlns="" id="{2E4B4082-D988-5D43-9C32-2C7F747717ED}"/>
+                <a16:creationId xmlns:a16="http://schemas.microsoft.com/office/drawing/2014/main" id="{2E4B4082-D988-5D43-9C32-2C7F747717ED}"/>
               </a:ext>
             </a:extLst>
           </p:cNvPr>
@@ -3832,7 +3832,7 @@
           <p:cNvPr id="12" name="Content Placeholder 2">
             <a:extLst>
               <a:ext uri="{FF2B5EF4-FFF2-40B4-BE49-F238E27FC236}">
-                <a16:creationId xmlns:a16="http://schemas.microsoft.com/office/drawing/2014/main" xmlns="" id="{45B8DE4D-1F9B-7341-8CB2-D70634815B55}"/>
+                <a16:creationId xmlns:a16="http://schemas.microsoft.com/office/drawing/2014/main" id="{45B8DE4D-1F9B-7341-8CB2-D70634815B55}"/>
               </a:ext>
             </a:extLst>
           </p:cNvPr>
@@ -3924,7 +3924,7 @@
           <p:cNvPr id="14" name="Footer Placeholder 3">
             <a:extLst>
               <a:ext uri="{FF2B5EF4-FFF2-40B4-BE49-F238E27FC236}">
-                <a16:creationId xmlns:a16="http://schemas.microsoft.com/office/drawing/2014/main" xmlns="" id="{DBA440F4-82E0-7E45-8A6F-4A8C7572AEE5}"/>
+                <a16:creationId xmlns:a16="http://schemas.microsoft.com/office/drawing/2014/main" id="{DBA440F4-82E0-7E45-8A6F-4A8C7572AEE5}"/>
               </a:ext>
             </a:extLst>
           </p:cNvPr>
@@ -3983,7 +3983,7 @@
           <p:cNvPr id="15" name="Slide Number Placeholder 5">
             <a:extLst>
               <a:ext uri="{FF2B5EF4-FFF2-40B4-BE49-F238E27FC236}">
-                <a16:creationId xmlns:a16="http://schemas.microsoft.com/office/drawing/2014/main" xmlns="" id="{CC67CD5C-67EC-5144-B858-5347C50D1ACD}"/>
+                <a16:creationId xmlns:a16="http://schemas.microsoft.com/office/drawing/2014/main" id="{CC67CD5C-67EC-5144-B858-5347C50D1ACD}"/>
               </a:ext>
             </a:extLst>
           </p:cNvPr>
@@ -4035,7 +4035,7 @@
           <p:cNvPr id="16" name="Straight Connector 15">
             <a:extLst>
               <a:ext uri="{FF2B5EF4-FFF2-40B4-BE49-F238E27FC236}">
-                <a16:creationId xmlns:a16="http://schemas.microsoft.com/office/drawing/2014/main" xmlns="" id="{95C486A1-9876-924E-85C2-906892F8B9AC}"/>
+                <a16:creationId xmlns:a16="http://schemas.microsoft.com/office/drawing/2014/main" id="{95C486A1-9876-924E-85C2-906892F8B9AC}"/>
               </a:ext>
             </a:extLst>
           </p:cNvPr>
@@ -4131,7 +4131,7 @@
           <a:graphicData uri="http://schemas.openxmlformats.org/presentationml/2006/ole">
             <mc:AlternateContent xmlns:mc="http://schemas.openxmlformats.org/markup-compatibility/2006">
               <mc:Choice xmlns:v="urn:schemas-microsoft-com:vml" Requires="v">
-                <p:oleObj spid="_x0000_s34856" name="think-cell Slide" r:id="rId4" imgW="216" imgH="216" progId="TCLayout.ActiveDocument.1">
+                <p:oleObj spid="_x0000_s34857" name="think-cell Slide" r:id="rId4" imgW="216" imgH="216" progId="TCLayout.ActiveDocument.1">
                   <p:embed/>
                 </p:oleObj>
               </mc:Choice>
@@ -4171,7 +4171,7 @@
           <p:cNvPr id="8" name="Title 7">
             <a:extLst>
               <a:ext uri="{FF2B5EF4-FFF2-40B4-BE49-F238E27FC236}">
-                <a16:creationId xmlns:a16="http://schemas.microsoft.com/office/drawing/2014/main" xmlns="" id="{8A6F1540-D306-D44E-B1B3-1ACCF1041F70}"/>
+                <a16:creationId xmlns:a16="http://schemas.microsoft.com/office/drawing/2014/main" id="{8A6F1540-D306-D44E-B1B3-1ACCF1041F70}"/>
               </a:ext>
             </a:extLst>
           </p:cNvPr>
@@ -4967,7 +4967,7 @@
           <p:cNvPr id="37" name="Footer Placeholder 3">
             <a:extLst>
               <a:ext uri="{FF2B5EF4-FFF2-40B4-BE49-F238E27FC236}">
-                <a16:creationId xmlns:a16="http://schemas.microsoft.com/office/drawing/2014/main" xmlns="" id="{DBA440F4-82E0-7E45-8A6F-4A8C7572AEE5}"/>
+                <a16:creationId xmlns:a16="http://schemas.microsoft.com/office/drawing/2014/main" id="{DBA440F4-82E0-7E45-8A6F-4A8C7572AEE5}"/>
               </a:ext>
             </a:extLst>
           </p:cNvPr>
@@ -5026,7 +5026,7 @@
           <p:cNvPr id="38" name="Slide Number Placeholder 5">
             <a:extLst>
               <a:ext uri="{FF2B5EF4-FFF2-40B4-BE49-F238E27FC236}">
-                <a16:creationId xmlns:a16="http://schemas.microsoft.com/office/drawing/2014/main" xmlns="" id="{CC67CD5C-67EC-5144-B858-5347C50D1ACD}"/>
+                <a16:creationId xmlns:a16="http://schemas.microsoft.com/office/drawing/2014/main" id="{CC67CD5C-67EC-5144-B858-5347C50D1ACD}"/>
               </a:ext>
             </a:extLst>
           </p:cNvPr>
@@ -5078,7 +5078,7 @@
           <p:cNvPr id="39" name="Straight Connector 38">
             <a:extLst>
               <a:ext uri="{FF2B5EF4-FFF2-40B4-BE49-F238E27FC236}">
-                <a16:creationId xmlns:a16="http://schemas.microsoft.com/office/drawing/2014/main" xmlns="" id="{95C486A1-9876-924E-85C2-906892F8B9AC}"/>
+                <a16:creationId xmlns:a16="http://schemas.microsoft.com/office/drawing/2014/main" id="{95C486A1-9876-924E-85C2-906892F8B9AC}"/>
               </a:ext>
             </a:extLst>
           </p:cNvPr>
@@ -5179,7 +5179,7 @@
           <a:graphicData uri="http://schemas.openxmlformats.org/presentationml/2006/ole">
             <mc:AlternateContent xmlns:mc="http://schemas.openxmlformats.org/markup-compatibility/2006">
               <mc:Choice xmlns:v="urn:schemas-microsoft-com:vml" Requires="v">
-                <p:oleObj spid="_x0000_s35880" name="think-cell Slide" r:id="rId5" imgW="216" imgH="216" progId="TCLayout.ActiveDocument.1">
+                <p:oleObj spid="_x0000_s35881" name="think-cell Slide" r:id="rId5" imgW="216" imgH="216" progId="TCLayout.ActiveDocument.1">
                   <p:embed/>
                 </p:oleObj>
               </mc:Choice>
@@ -5396,7 +5396,7 @@
           <p:cNvPr id="4" name="Footer Placeholder 3">
             <a:extLst>
               <a:ext uri="{FF2B5EF4-FFF2-40B4-BE49-F238E27FC236}">
-                <a16:creationId xmlns:a16="http://schemas.microsoft.com/office/drawing/2014/main" xmlns="" id="{17D6DE4C-D976-4B4B-B087-C035EF8D4F6F}"/>
+                <a16:creationId xmlns:a16="http://schemas.microsoft.com/office/drawing/2014/main" id="{17D6DE4C-D976-4B4B-B087-C035EF8D4F6F}"/>
               </a:ext>
             </a:extLst>
           </p:cNvPr>
@@ -5455,7 +5455,7 @@
           <p:cNvPr id="17" name="Slide Number Placeholder 5">
             <a:extLst>
               <a:ext uri="{FF2B5EF4-FFF2-40B4-BE49-F238E27FC236}">
-                <a16:creationId xmlns:a16="http://schemas.microsoft.com/office/drawing/2014/main" xmlns="" id="{CC67CD5C-67EC-5144-B858-5347C50D1ACD}"/>
+                <a16:creationId xmlns:a16="http://schemas.microsoft.com/office/drawing/2014/main" id="{CC67CD5C-67EC-5144-B858-5347C50D1ACD}"/>
               </a:ext>
             </a:extLst>
           </p:cNvPr>
@@ -5507,7 +5507,7 @@
           <p:cNvPr id="8" name="Title 7">
             <a:extLst>
               <a:ext uri="{FF2B5EF4-FFF2-40B4-BE49-F238E27FC236}">
-                <a16:creationId xmlns:a16="http://schemas.microsoft.com/office/drawing/2014/main" xmlns="" id="{8A6F1540-D306-D44E-B1B3-1ACCF1041F70}"/>
+                <a16:creationId xmlns:a16="http://schemas.microsoft.com/office/drawing/2014/main" id="{8A6F1540-D306-D44E-B1B3-1ACCF1041F70}"/>
               </a:ext>
             </a:extLst>
           </p:cNvPr>
@@ -5551,7 +5551,7 @@
           <p:cNvPr id="9" name="Straight Connector 8">
             <a:extLst>
               <a:ext uri="{FF2B5EF4-FFF2-40B4-BE49-F238E27FC236}">
-                <a16:creationId xmlns:a16="http://schemas.microsoft.com/office/drawing/2014/main" xmlns="" id="{BB1AA2BE-B537-254D-958A-FBAFDE7E90DC}"/>
+                <a16:creationId xmlns:a16="http://schemas.microsoft.com/office/drawing/2014/main" id="{BB1AA2BE-B537-254D-958A-FBAFDE7E90DC}"/>
               </a:ext>
             </a:extLst>
           </p:cNvPr>
@@ -5594,7 +5594,7 @@
           <p:cNvPr id="10" name="Straight Connector 9">
             <a:extLst>
               <a:ext uri="{FF2B5EF4-FFF2-40B4-BE49-F238E27FC236}">
-                <a16:creationId xmlns:a16="http://schemas.microsoft.com/office/drawing/2014/main" xmlns="" id="{95C486A1-9876-924E-85C2-906892F8B9AC}"/>
+                <a16:creationId xmlns:a16="http://schemas.microsoft.com/office/drawing/2014/main" id="{95C486A1-9876-924E-85C2-906892F8B9AC}"/>
               </a:ext>
             </a:extLst>
           </p:cNvPr>
@@ -5971,7 +5971,7 @@
           <a:graphicData uri="http://schemas.openxmlformats.org/presentationml/2006/ole">
             <mc:AlternateContent xmlns:mc="http://schemas.openxmlformats.org/markup-compatibility/2006">
               <mc:Choice xmlns:v="urn:schemas-microsoft-com:vml" Requires="v">
-                <p:oleObj spid="_x0000_s37928" name="think-cell Slide" r:id="rId5" imgW="216" imgH="216" progId="TCLayout.ActiveDocument.1">
+                <p:oleObj spid="_x0000_s37929" name="think-cell Slide" r:id="rId5" imgW="216" imgH="216" progId="TCLayout.ActiveDocument.1">
                   <p:embed/>
                 </p:oleObj>
               </mc:Choice>
@@ -6168,7 +6168,7 @@
           <p:cNvPr id="4" name="Footer Placeholder 3">
             <a:extLst>
               <a:ext uri="{FF2B5EF4-FFF2-40B4-BE49-F238E27FC236}">
-                <a16:creationId xmlns:a16="http://schemas.microsoft.com/office/drawing/2014/main" xmlns="" id="{17D6DE4C-D976-4B4B-B087-C035EF8D4F6F}"/>
+                <a16:creationId xmlns:a16="http://schemas.microsoft.com/office/drawing/2014/main" id="{17D6DE4C-D976-4B4B-B087-C035EF8D4F6F}"/>
               </a:ext>
             </a:extLst>
           </p:cNvPr>
@@ -6227,7 +6227,7 @@
           <p:cNvPr id="13" name="Straight Connector 12">
             <a:extLst>
               <a:ext uri="{FF2B5EF4-FFF2-40B4-BE49-F238E27FC236}">
-                <a16:creationId xmlns:a16="http://schemas.microsoft.com/office/drawing/2014/main" xmlns="" id="{95C486A1-9876-924E-85C2-906892F8B9AC}"/>
+                <a16:creationId xmlns:a16="http://schemas.microsoft.com/office/drawing/2014/main" id="{95C486A1-9876-924E-85C2-906892F8B9AC}"/>
               </a:ext>
             </a:extLst>
           </p:cNvPr>
@@ -6270,7 +6270,7 @@
           <p:cNvPr id="17" name="Slide Number Placeholder 5">
             <a:extLst>
               <a:ext uri="{FF2B5EF4-FFF2-40B4-BE49-F238E27FC236}">
-                <a16:creationId xmlns:a16="http://schemas.microsoft.com/office/drawing/2014/main" xmlns="" id="{CC67CD5C-67EC-5144-B858-5347C50D1ACD}"/>
+                <a16:creationId xmlns:a16="http://schemas.microsoft.com/office/drawing/2014/main" id="{CC67CD5C-67EC-5144-B858-5347C50D1ACD}"/>
               </a:ext>
             </a:extLst>
           </p:cNvPr>
@@ -6322,7 +6322,7 @@
           <p:cNvPr id="8" name="Title 7">
             <a:extLst>
               <a:ext uri="{FF2B5EF4-FFF2-40B4-BE49-F238E27FC236}">
-                <a16:creationId xmlns:a16="http://schemas.microsoft.com/office/drawing/2014/main" xmlns="" id="{8A6F1540-D306-D44E-B1B3-1ACCF1041F70}"/>
+                <a16:creationId xmlns:a16="http://schemas.microsoft.com/office/drawing/2014/main" id="{8A6F1540-D306-D44E-B1B3-1ACCF1041F70}"/>
               </a:ext>
             </a:extLst>
           </p:cNvPr>
@@ -6448,7 +6448,7 @@
           <a:graphicData uri="http://schemas.openxmlformats.org/presentationml/2006/ole">
             <mc:AlternateContent xmlns:mc="http://schemas.openxmlformats.org/markup-compatibility/2006">
               <mc:Choice xmlns:v="urn:schemas-microsoft-com:vml" Requires="v">
-                <p:oleObj spid="_x0000_s38952" name="think-cell Slide" r:id="rId4" imgW="216" imgH="216" progId="TCLayout.ActiveDocument.1">
+                <p:oleObj spid="_x0000_s38953" name="think-cell Slide" r:id="rId4" imgW="216" imgH="216" progId="TCLayout.ActiveDocument.1">
                   <p:embed/>
                 </p:oleObj>
               </mc:Choice>
@@ -6574,7 +6574,7 @@
           <p:cNvPr id="8" name="Title 7">
             <a:extLst>
               <a:ext uri="{FF2B5EF4-FFF2-40B4-BE49-F238E27FC236}">
-                <a16:creationId xmlns:a16="http://schemas.microsoft.com/office/drawing/2014/main" xmlns="" id="{8A6F1540-D306-D44E-B1B3-1ACCF1041F70}"/>
+                <a16:creationId xmlns:a16="http://schemas.microsoft.com/office/drawing/2014/main" id="{8A6F1540-D306-D44E-B1B3-1ACCF1041F70}"/>
               </a:ext>
             </a:extLst>
           </p:cNvPr>
@@ -6610,7 +6610,7 @@
           <p:cNvPr id="9" name="Content Placeholder 2">
             <a:extLst>
               <a:ext uri="{FF2B5EF4-FFF2-40B4-BE49-F238E27FC236}">
-                <a16:creationId xmlns:a16="http://schemas.microsoft.com/office/drawing/2014/main" xmlns="" id="{0A7C1352-3D49-F849-9BC3-BC0AF9CD8F04}"/>
+                <a16:creationId xmlns:a16="http://schemas.microsoft.com/office/drawing/2014/main" id="{0A7C1352-3D49-F849-9BC3-BC0AF9CD8F04}"/>
               </a:ext>
             </a:extLst>
           </p:cNvPr>
@@ -6702,7 +6702,7 @@
           <p:cNvPr id="10" name="Content Placeholder 2">
             <a:extLst>
               <a:ext uri="{FF2B5EF4-FFF2-40B4-BE49-F238E27FC236}">
-                <a16:creationId xmlns:a16="http://schemas.microsoft.com/office/drawing/2014/main" xmlns="" id="{D1AA7CFB-7669-2648-A3E1-E647E531399E}"/>
+                <a16:creationId xmlns:a16="http://schemas.microsoft.com/office/drawing/2014/main" id="{D1AA7CFB-7669-2648-A3E1-E647E531399E}"/>
               </a:ext>
             </a:extLst>
           </p:cNvPr>
@@ -6794,7 +6794,7 @@
           <p:cNvPr id="11" name="Content Placeholder 2">
             <a:extLst>
               <a:ext uri="{FF2B5EF4-FFF2-40B4-BE49-F238E27FC236}">
-                <a16:creationId xmlns:a16="http://schemas.microsoft.com/office/drawing/2014/main" xmlns="" id="{2E4B4082-D988-5D43-9C32-2C7F747717ED}"/>
+                <a16:creationId xmlns:a16="http://schemas.microsoft.com/office/drawing/2014/main" id="{2E4B4082-D988-5D43-9C32-2C7F747717ED}"/>
               </a:ext>
             </a:extLst>
           </p:cNvPr>
@@ -6886,7 +6886,7 @@
           <p:cNvPr id="12" name="Content Placeholder 2">
             <a:extLst>
               <a:ext uri="{FF2B5EF4-FFF2-40B4-BE49-F238E27FC236}">
-                <a16:creationId xmlns:a16="http://schemas.microsoft.com/office/drawing/2014/main" xmlns="" id="{45B8DE4D-1F9B-7341-8CB2-D70634815B55}"/>
+                <a16:creationId xmlns:a16="http://schemas.microsoft.com/office/drawing/2014/main" id="{45B8DE4D-1F9B-7341-8CB2-D70634815B55}"/>
               </a:ext>
             </a:extLst>
           </p:cNvPr>
@@ -6978,7 +6978,7 @@
           <p:cNvPr id="14" name="Footer Placeholder 3">
             <a:extLst>
               <a:ext uri="{FF2B5EF4-FFF2-40B4-BE49-F238E27FC236}">
-                <a16:creationId xmlns:a16="http://schemas.microsoft.com/office/drawing/2014/main" xmlns="" id="{DBA440F4-82E0-7E45-8A6F-4A8C7572AEE5}"/>
+                <a16:creationId xmlns:a16="http://schemas.microsoft.com/office/drawing/2014/main" id="{DBA440F4-82E0-7E45-8A6F-4A8C7572AEE5}"/>
               </a:ext>
             </a:extLst>
           </p:cNvPr>
@@ -7037,7 +7037,7 @@
           <p:cNvPr id="15" name="Slide Number Placeholder 5">
             <a:extLst>
               <a:ext uri="{FF2B5EF4-FFF2-40B4-BE49-F238E27FC236}">
-                <a16:creationId xmlns:a16="http://schemas.microsoft.com/office/drawing/2014/main" xmlns="" id="{CC67CD5C-67EC-5144-B858-5347C50D1ACD}"/>
+                <a16:creationId xmlns:a16="http://schemas.microsoft.com/office/drawing/2014/main" id="{CC67CD5C-67EC-5144-B858-5347C50D1ACD}"/>
               </a:ext>
             </a:extLst>
           </p:cNvPr>
@@ -7089,7 +7089,7 @@
           <p:cNvPr id="16" name="Straight Connector 15">
             <a:extLst>
               <a:ext uri="{FF2B5EF4-FFF2-40B4-BE49-F238E27FC236}">
-                <a16:creationId xmlns:a16="http://schemas.microsoft.com/office/drawing/2014/main" xmlns="" id="{95C486A1-9876-924E-85C2-906892F8B9AC}"/>
+                <a16:creationId xmlns:a16="http://schemas.microsoft.com/office/drawing/2014/main" id="{95C486A1-9876-924E-85C2-906892F8B9AC}"/>
               </a:ext>
             </a:extLst>
           </p:cNvPr>
@@ -7256,7 +7256,7 @@
           <a:p>
             <a:fld id="{CB9F8517-1271-4F8B-9742-ECB8BBF22693}" type="datetimeFigureOut">
               <a:rPr lang="en-US" smtClean="0"/>
-              <a:t>4/9/2022</a:t>
+              <a:t>4/26/2022</a:t>
             </a:fld>
             <a:endParaRPr lang="en-US"/>
           </a:p>
@@ -7355,7 +7355,7 @@
           <a:graphicData uri="http://schemas.openxmlformats.org/presentationml/2006/ole">
             <mc:AlternateContent xmlns:mc="http://schemas.openxmlformats.org/markup-compatibility/2006">
               <mc:Choice xmlns:v="urn:schemas-microsoft-com:vml" Requires="v">
-                <p:oleObj spid="_x0000_s39976" name="think-cell Slide" r:id="rId4" imgW="216" imgH="216" progId="TCLayout.ActiveDocument.1">
+                <p:oleObj spid="_x0000_s39977" name="think-cell Slide" r:id="rId4" imgW="216" imgH="216" progId="TCLayout.ActiveDocument.1">
                   <p:embed/>
                 </p:oleObj>
               </mc:Choice>
@@ -7395,7 +7395,7 @@
           <p:cNvPr id="8" name="Title 7">
             <a:extLst>
               <a:ext uri="{FF2B5EF4-FFF2-40B4-BE49-F238E27FC236}">
-                <a16:creationId xmlns:a16="http://schemas.microsoft.com/office/drawing/2014/main" xmlns="" id="{8A6F1540-D306-D44E-B1B3-1ACCF1041F70}"/>
+                <a16:creationId xmlns:a16="http://schemas.microsoft.com/office/drawing/2014/main" id="{8A6F1540-D306-D44E-B1B3-1ACCF1041F70}"/>
               </a:ext>
             </a:extLst>
           </p:cNvPr>
@@ -8191,7 +8191,7 @@
           <p:cNvPr id="37" name="Footer Placeholder 3">
             <a:extLst>
               <a:ext uri="{FF2B5EF4-FFF2-40B4-BE49-F238E27FC236}">
-                <a16:creationId xmlns:a16="http://schemas.microsoft.com/office/drawing/2014/main" xmlns="" id="{DBA440F4-82E0-7E45-8A6F-4A8C7572AEE5}"/>
+                <a16:creationId xmlns:a16="http://schemas.microsoft.com/office/drawing/2014/main" id="{DBA440F4-82E0-7E45-8A6F-4A8C7572AEE5}"/>
               </a:ext>
             </a:extLst>
           </p:cNvPr>
@@ -8250,7 +8250,7 @@
           <p:cNvPr id="38" name="Slide Number Placeholder 5">
             <a:extLst>
               <a:ext uri="{FF2B5EF4-FFF2-40B4-BE49-F238E27FC236}">
-                <a16:creationId xmlns:a16="http://schemas.microsoft.com/office/drawing/2014/main" xmlns="" id="{CC67CD5C-67EC-5144-B858-5347C50D1ACD}"/>
+                <a16:creationId xmlns:a16="http://schemas.microsoft.com/office/drawing/2014/main" id="{CC67CD5C-67EC-5144-B858-5347C50D1ACD}"/>
               </a:ext>
             </a:extLst>
           </p:cNvPr>
@@ -8302,7 +8302,7 @@
           <p:cNvPr id="39" name="Straight Connector 38">
             <a:extLst>
               <a:ext uri="{FF2B5EF4-FFF2-40B4-BE49-F238E27FC236}">
-                <a16:creationId xmlns:a16="http://schemas.microsoft.com/office/drawing/2014/main" xmlns="" id="{95C486A1-9876-924E-85C2-906892F8B9AC}"/>
+                <a16:creationId xmlns:a16="http://schemas.microsoft.com/office/drawing/2014/main" id="{95C486A1-9876-924E-85C2-906892F8B9AC}"/>
               </a:ext>
             </a:extLst>
           </p:cNvPr>
@@ -8403,7 +8403,7 @@
           <a:graphicData uri="http://schemas.openxmlformats.org/presentationml/2006/ole">
             <mc:AlternateContent xmlns:mc="http://schemas.openxmlformats.org/markup-compatibility/2006">
               <mc:Choice xmlns:v="urn:schemas-microsoft-com:vml" Requires="v">
-                <p:oleObj spid="_x0000_s41000" name="think-cell Slide" r:id="rId5" imgW="216" imgH="216" progId="TCLayout.ActiveDocument.1">
+                <p:oleObj spid="_x0000_s41001" name="think-cell Slide" r:id="rId5" imgW="216" imgH="216" progId="TCLayout.ActiveDocument.1">
                   <p:embed/>
                 </p:oleObj>
               </mc:Choice>
@@ -8620,7 +8620,7 @@
           <p:cNvPr id="4" name="Footer Placeholder 3">
             <a:extLst>
               <a:ext uri="{FF2B5EF4-FFF2-40B4-BE49-F238E27FC236}">
-                <a16:creationId xmlns:a16="http://schemas.microsoft.com/office/drawing/2014/main" xmlns="" id="{17D6DE4C-D976-4B4B-B087-C035EF8D4F6F}"/>
+                <a16:creationId xmlns:a16="http://schemas.microsoft.com/office/drawing/2014/main" id="{17D6DE4C-D976-4B4B-B087-C035EF8D4F6F}"/>
               </a:ext>
             </a:extLst>
           </p:cNvPr>
@@ -8679,7 +8679,7 @@
           <p:cNvPr id="17" name="Slide Number Placeholder 5">
             <a:extLst>
               <a:ext uri="{FF2B5EF4-FFF2-40B4-BE49-F238E27FC236}">
-                <a16:creationId xmlns:a16="http://schemas.microsoft.com/office/drawing/2014/main" xmlns="" id="{CC67CD5C-67EC-5144-B858-5347C50D1ACD}"/>
+                <a16:creationId xmlns:a16="http://schemas.microsoft.com/office/drawing/2014/main" id="{CC67CD5C-67EC-5144-B858-5347C50D1ACD}"/>
               </a:ext>
             </a:extLst>
           </p:cNvPr>
@@ -8731,7 +8731,7 @@
           <p:cNvPr id="8" name="Title 7">
             <a:extLst>
               <a:ext uri="{FF2B5EF4-FFF2-40B4-BE49-F238E27FC236}">
-                <a16:creationId xmlns:a16="http://schemas.microsoft.com/office/drawing/2014/main" xmlns="" id="{8A6F1540-D306-D44E-B1B3-1ACCF1041F70}"/>
+                <a16:creationId xmlns:a16="http://schemas.microsoft.com/office/drawing/2014/main" id="{8A6F1540-D306-D44E-B1B3-1ACCF1041F70}"/>
               </a:ext>
             </a:extLst>
           </p:cNvPr>
@@ -8775,7 +8775,7 @@
           <p:cNvPr id="9" name="Straight Connector 8">
             <a:extLst>
               <a:ext uri="{FF2B5EF4-FFF2-40B4-BE49-F238E27FC236}">
-                <a16:creationId xmlns:a16="http://schemas.microsoft.com/office/drawing/2014/main" xmlns="" id="{BB1AA2BE-B537-254D-958A-FBAFDE7E90DC}"/>
+                <a16:creationId xmlns:a16="http://schemas.microsoft.com/office/drawing/2014/main" id="{BB1AA2BE-B537-254D-958A-FBAFDE7E90DC}"/>
               </a:ext>
             </a:extLst>
           </p:cNvPr>
@@ -8818,7 +8818,7 @@
           <p:cNvPr id="10" name="Straight Connector 9">
             <a:extLst>
               <a:ext uri="{FF2B5EF4-FFF2-40B4-BE49-F238E27FC236}">
-                <a16:creationId xmlns:a16="http://schemas.microsoft.com/office/drawing/2014/main" xmlns="" id="{95C486A1-9876-924E-85C2-906892F8B9AC}"/>
+                <a16:creationId xmlns:a16="http://schemas.microsoft.com/office/drawing/2014/main" id="{95C486A1-9876-924E-85C2-906892F8B9AC}"/>
               </a:ext>
             </a:extLst>
           </p:cNvPr>
@@ -9342,7 +9342,7 @@
           <a:p>
             <a:fld id="{CB9F8517-1271-4F8B-9742-ECB8BBF22693}" type="datetimeFigureOut">
               <a:rPr lang="en-US" smtClean="0"/>
-              <a:t>4/9/2022</a:t>
+              <a:t>4/26/2022</a:t>
             </a:fld>
             <a:endParaRPr lang="en-US"/>
           </a:p>
@@ -9574,7 +9574,7 @@
           <a:p>
             <a:fld id="{CB9F8517-1271-4F8B-9742-ECB8BBF22693}" type="datetimeFigureOut">
               <a:rPr lang="en-US" smtClean="0"/>
-              <a:t>4/9/2022</a:t>
+              <a:t>4/26/2022</a:t>
             </a:fld>
             <a:endParaRPr lang="en-US"/>
           </a:p>
@@ -9941,7 +9941,7 @@
           <a:p>
             <a:fld id="{CB9F8517-1271-4F8B-9742-ECB8BBF22693}" type="datetimeFigureOut">
               <a:rPr lang="en-US" smtClean="0"/>
-              <a:t>4/9/2022</a:t>
+              <a:t>4/26/2022</a:t>
             </a:fld>
             <a:endParaRPr lang="en-US"/>
           </a:p>
@@ -10059,7 +10059,7 @@
           <a:p>
             <a:fld id="{CB9F8517-1271-4F8B-9742-ECB8BBF22693}" type="datetimeFigureOut">
               <a:rPr lang="en-US" smtClean="0"/>
-              <a:t>4/9/2022</a:t>
+              <a:t>4/26/2022</a:t>
             </a:fld>
             <a:endParaRPr lang="en-US"/>
           </a:p>
@@ -10154,7 +10154,7 @@
           <a:p>
             <a:fld id="{CB9F8517-1271-4F8B-9742-ECB8BBF22693}" type="datetimeFigureOut">
               <a:rPr lang="en-US" smtClean="0"/>
-              <a:t>4/9/2022</a:t>
+              <a:t>4/26/2022</a:t>
             </a:fld>
             <a:endParaRPr lang="en-US"/>
           </a:p>
@@ -10431,7 +10431,7 @@
           <a:p>
             <a:fld id="{CB9F8517-1271-4F8B-9742-ECB8BBF22693}" type="datetimeFigureOut">
               <a:rPr lang="en-US" smtClean="0"/>
-              <a:t>4/9/2022</a:t>
+              <a:t>4/26/2022</a:t>
             </a:fld>
             <a:endParaRPr lang="en-US"/>
           </a:p>
@@ -10684,7 +10684,7 @@
           <a:p>
             <a:fld id="{CB9F8517-1271-4F8B-9742-ECB8BBF22693}" type="datetimeFigureOut">
               <a:rPr lang="en-US" smtClean="0"/>
-              <a:t>4/9/2022</a:t>
+              <a:t>4/26/2022</a:t>
             </a:fld>
             <a:endParaRPr lang="en-US"/>
           </a:p>
@@ -10792,7 +10792,7 @@
           <a:graphicData uri="http://schemas.openxmlformats.org/presentationml/2006/ole">
             <mc:AlternateContent xmlns:mc="http://schemas.openxmlformats.org/markup-compatibility/2006">
               <mc:Choice xmlns:v="urn:schemas-microsoft-com:vml" Requires="v">
-                <p:oleObj spid="_x0000_s1076" name="think-cell Slide" r:id="rId16" imgW="416" imgH="416" progId="TCLayout.ActiveDocument.1">
+                <p:oleObj spid="_x0000_s1077" name="think-cell Slide" r:id="rId16" imgW="416" imgH="416" progId="TCLayout.ActiveDocument.1">
                   <p:embed/>
                 </p:oleObj>
               </mc:Choice>
@@ -10957,7 +10957,7 @@
           <a:p>
             <a:fld id="{CB9F8517-1271-4F8B-9742-ECB8BBF22693}" type="datetimeFigureOut">
               <a:rPr lang="en-US" smtClean="0"/>
-              <a:t>4/9/2022</a:t>
+              <a:t>4/26/2022</a:t>
             </a:fld>
             <a:endParaRPr lang="en-US"/>
           </a:p>
@@ -11393,7 +11393,7 @@
           <a:graphicData uri="http://schemas.openxmlformats.org/presentationml/2006/ole">
             <mc:AlternateContent xmlns:mc="http://schemas.openxmlformats.org/markup-compatibility/2006">
               <mc:Choice xmlns:v="urn:schemas-microsoft-com:vml" Requires="v">
-                <p:oleObj spid="_x0000_s31784" name="think-cell Slide" r:id="rId10" imgW="216" imgH="216" progId="TCLayout.ActiveDocument.1">
+                <p:oleObj spid="_x0000_s31785" name="think-cell Slide" r:id="rId10" imgW="216" imgH="216" progId="TCLayout.ActiveDocument.1">
                   <p:embed/>
                 </p:oleObj>
               </mc:Choice>
@@ -11513,7 +11513,7 @@
           <p:cNvPr id="10" name="Straight Connector 9">
             <a:extLst>
               <a:ext uri="{FF2B5EF4-FFF2-40B4-BE49-F238E27FC236}">
-                <a16:creationId xmlns:a16="http://schemas.microsoft.com/office/drawing/2014/main" xmlns="" id="{BB1AA2BE-B537-254D-958A-FBAFDE7E90DC}"/>
+                <a16:creationId xmlns:a16="http://schemas.microsoft.com/office/drawing/2014/main" id="{BB1AA2BE-B537-254D-958A-FBAFDE7E90DC}"/>
               </a:ext>
             </a:extLst>
           </p:cNvPr>
@@ -11556,7 +11556,7 @@
           <p:cNvPr id="15" name="Footer Placeholder 3">
             <a:extLst>
               <a:ext uri="{FF2B5EF4-FFF2-40B4-BE49-F238E27FC236}">
-                <a16:creationId xmlns:a16="http://schemas.microsoft.com/office/drawing/2014/main" xmlns="" id="{DBA440F4-82E0-7E45-8A6F-4A8C7572AEE5}"/>
+                <a16:creationId xmlns:a16="http://schemas.microsoft.com/office/drawing/2014/main" id="{DBA440F4-82E0-7E45-8A6F-4A8C7572AEE5}"/>
               </a:ext>
             </a:extLst>
           </p:cNvPr>
@@ -11615,7 +11615,7 @@
           <p:cNvPr id="16" name="Slide Number Placeholder 5">
             <a:extLst>
               <a:ext uri="{FF2B5EF4-FFF2-40B4-BE49-F238E27FC236}">
-                <a16:creationId xmlns:a16="http://schemas.microsoft.com/office/drawing/2014/main" xmlns="" id="{2D9636C8-FF6B-E141-B9E1-70C7091B23B1}"/>
+                <a16:creationId xmlns:a16="http://schemas.microsoft.com/office/drawing/2014/main" id="{2D9636C8-FF6B-E141-B9E1-70C7091B23B1}"/>
               </a:ext>
             </a:extLst>
           </p:cNvPr>
@@ -11982,7 +11982,7 @@
   </p:txStyles>
   <p:extLst mod="1">
     <p:ext uri="{27BBF7A9-308A-43DC-89C8-2F10F3537804}">
-      <p15:sldGuideLst xmlns:p15="http://schemas.microsoft.com/office/powerpoint/2012/main" xmlns="">
+      <p15:sldGuideLst xmlns:p15="http://schemas.microsoft.com/office/powerpoint/2012/main">
         <p15:guide id="1" orient="horz" pos="2041">
           <p15:clr>
             <a:srgbClr val="F26B43"/>
@@ -12151,7 +12151,7 @@
           <a:graphicData uri="http://schemas.openxmlformats.org/presentationml/2006/ole">
             <mc:AlternateContent xmlns:mc="http://schemas.openxmlformats.org/markup-compatibility/2006">
               <mc:Choice xmlns:v="urn:schemas-microsoft-com:vml" Requires="v">
-                <p:oleObj spid="_x0000_s36905" name="think-cell Slide" r:id="rId10" imgW="216" imgH="216" progId="TCLayout.ActiveDocument.1">
+                <p:oleObj spid="_x0000_s36906" name="think-cell Slide" r:id="rId10" imgW="216" imgH="216" progId="TCLayout.ActiveDocument.1">
                   <p:embed/>
                 </p:oleObj>
               </mc:Choice>
@@ -12271,7 +12271,7 @@
           <p:cNvPr id="10" name="Straight Connector 9">
             <a:extLst>
               <a:ext uri="{FF2B5EF4-FFF2-40B4-BE49-F238E27FC236}">
-                <a16:creationId xmlns:a16="http://schemas.microsoft.com/office/drawing/2014/main" xmlns="" id="{BB1AA2BE-B537-254D-958A-FBAFDE7E90DC}"/>
+                <a16:creationId xmlns:a16="http://schemas.microsoft.com/office/drawing/2014/main" id="{BB1AA2BE-B537-254D-958A-FBAFDE7E90DC}"/>
               </a:ext>
             </a:extLst>
           </p:cNvPr>
@@ -12314,7 +12314,7 @@
           <p:cNvPr id="15" name="Footer Placeholder 3">
             <a:extLst>
               <a:ext uri="{FF2B5EF4-FFF2-40B4-BE49-F238E27FC236}">
-                <a16:creationId xmlns:a16="http://schemas.microsoft.com/office/drawing/2014/main" xmlns="" id="{DBA440F4-82E0-7E45-8A6F-4A8C7572AEE5}"/>
+                <a16:creationId xmlns:a16="http://schemas.microsoft.com/office/drawing/2014/main" id="{DBA440F4-82E0-7E45-8A6F-4A8C7572AEE5}"/>
               </a:ext>
             </a:extLst>
           </p:cNvPr>
@@ -12373,7 +12373,7 @@
           <p:cNvPr id="16" name="Slide Number Placeholder 5">
             <a:extLst>
               <a:ext uri="{FF2B5EF4-FFF2-40B4-BE49-F238E27FC236}">
-                <a16:creationId xmlns:a16="http://schemas.microsoft.com/office/drawing/2014/main" xmlns="" id="{2D9636C8-FF6B-E141-B9E1-70C7091B23B1}"/>
+                <a16:creationId xmlns:a16="http://schemas.microsoft.com/office/drawing/2014/main" id="{2D9636C8-FF6B-E141-B9E1-70C7091B23B1}"/>
               </a:ext>
             </a:extLst>
           </p:cNvPr>
@@ -12740,7 +12740,7 @@
   </p:txStyles>
   <p:extLst mod="1">
     <p:ext uri="{27BBF7A9-308A-43DC-89C8-2F10F3537804}">
-      <p15:sldGuideLst xmlns:p15="http://schemas.microsoft.com/office/powerpoint/2012/main" xmlns="">
+      <p15:sldGuideLst xmlns:p15="http://schemas.microsoft.com/office/powerpoint/2012/main">
         <p15:guide id="1" orient="horz" pos="2041">
           <p15:clr>
             <a:srgbClr val="F26B43"/>
@@ -12904,7 +12904,7 @@
           <a:graphicData uri="http://schemas.openxmlformats.org/presentationml/2006/ole">
             <mc:AlternateContent xmlns:mc="http://schemas.openxmlformats.org/markup-compatibility/2006">
               <mc:Choice xmlns:v="urn:schemas-microsoft-com:vml" Requires="v">
-                <p:oleObj spid="_x0000_s14391" name="think-cell Slide" r:id="rId5" imgW="396" imgH="396" progId="TCLayout.ActiveDocument.1">
+                <p:oleObj spid="_x0000_s14392" name="think-cell Slide" r:id="rId5" imgW="396" imgH="396" progId="TCLayout.ActiveDocument.1">
                   <p:embed/>
                 </p:oleObj>
               </mc:Choice>
@@ -12944,7 +12944,7 @@
           <p:cNvPr id="63" name="图片 2">
             <a:extLst>
               <a:ext uri="{FF2B5EF4-FFF2-40B4-BE49-F238E27FC236}">
-                <a16:creationId xmlns:a16="http://schemas.microsoft.com/office/drawing/2014/main" xmlns="" id="{321341A2-5A29-6A47-A5DC-E12071424359}"/>
+                <a16:creationId xmlns:a16="http://schemas.microsoft.com/office/drawing/2014/main" id="{321341A2-5A29-6A47-A5DC-E12071424359}"/>
               </a:ext>
             </a:extLst>
           </p:cNvPr>
@@ -12980,7 +12980,7 @@
           <p:cNvPr id="69" name="矩形 197">
             <a:extLst>
               <a:ext uri="{FF2B5EF4-FFF2-40B4-BE49-F238E27FC236}">
-                <a16:creationId xmlns:a16="http://schemas.microsoft.com/office/drawing/2014/main" xmlns="" id="{A26E02F6-ED45-2E46-B455-D7E64937829D}"/>
+                <a16:creationId xmlns:a16="http://schemas.microsoft.com/office/drawing/2014/main" id="{A26E02F6-ED45-2E46-B455-D7E64937829D}"/>
               </a:ext>
             </a:extLst>
           </p:cNvPr>
@@ -14815,7 +14815,7 @@
           <p:cNvPr id="37" name="Straight Connector 22">
             <a:extLst>
               <a:ext uri="{FF2B5EF4-FFF2-40B4-BE49-F238E27FC236}">
-                <a16:creationId xmlns:a16="http://schemas.microsoft.com/office/drawing/2014/main" xmlns="" id="{145705CD-70A8-344F-AEB6-14ED3BCA6F5B}"/>
+                <a16:creationId xmlns:a16="http://schemas.microsoft.com/office/drawing/2014/main" id="{145705CD-70A8-344F-AEB6-14ED3BCA6F5B}"/>
               </a:ext>
             </a:extLst>
           </p:cNvPr>
@@ -14868,7 +14868,7 @@
           <p:cNvPr id="42" name="Title 2">
             <a:extLst>
               <a:ext uri="{FF2B5EF4-FFF2-40B4-BE49-F238E27FC236}">
-                <a16:creationId xmlns:a16="http://schemas.microsoft.com/office/drawing/2014/main" xmlns="" id="{2AA0B7C0-B58E-2540-93F4-0E5771E03B19}"/>
+                <a16:creationId xmlns:a16="http://schemas.microsoft.com/office/drawing/2014/main" id="{2AA0B7C0-B58E-2540-93F4-0E5771E03B19}"/>
               </a:ext>
             </a:extLst>
           </p:cNvPr>
@@ -15472,16 +15472,6 @@
                 <a:spcPct val="0"/>
               </a:spcAft>
             </a:pPr>
-            <a:r>
-              <a:rPr lang="zh-CN" altLang="en-US" sz="2000" dirty="0" smtClean="0">
-                <a:solidFill>
-                  <a:srgbClr val="232323"/>
-                </a:solidFill>
-                <a:cs typeface="+mn-ea"/>
-                <a:sym typeface="+mn-lt"/>
-              </a:rPr>
-              <a:t>报价单需能体现所有需报销的交车仪式花费</a:t>
-            </a:r>
             <a:endParaRPr lang="zh-CN" altLang="en-US" sz="2000" dirty="0">
               <a:solidFill>
                 <a:srgbClr val="232323"/>
@@ -15650,7 +15640,7 @@
           <a:lstStyle/>
           <a:p>
             <a:r>
-              <a:rPr lang="zh-CN" altLang="en-US" sz="1600">
+              <a:rPr lang="en-US" altLang="zh-CN" sz="1600" dirty="0" smtClean="0">
                 <a:solidFill>
                   <a:schemeClr val="tx1">
                     <a:lumMod val="50000"/>
@@ -15658,18 +15648,7 @@
                   </a:schemeClr>
                 </a:solidFill>
               </a:rPr>
-              <a:t>* </a:t>
-            </a:r>
-            <a:r>
-              <a:rPr lang="en-US" altLang="zh-CN" sz="1600">
-                <a:solidFill>
-                  <a:schemeClr val="tx1">
-                    <a:lumMod val="50000"/>
-                    <a:lumOff val="50000"/>
-                  </a:schemeClr>
-                </a:solidFill>
-              </a:rPr>
-              <a:t>If the invoice cannot be provided temporarily due to special cause, please explain accordingly.</a:t>
+              <a:t>.</a:t>
             </a:r>
             <a:endParaRPr lang="en-US" sz="1600" dirty="0">
               <a:solidFill>
@@ -15744,7 +15723,7 @@
           <a:graphicData uri="http://schemas.openxmlformats.org/presentationml/2006/ole">
             <mc:AlternateContent xmlns:mc="http://schemas.openxmlformats.org/markup-compatibility/2006">
               <mc:Choice xmlns:v="urn:schemas-microsoft-com:vml" Requires="v">
-                <p:oleObj spid="_x0000_s42031" name="think-cell Slide" r:id="rId6" imgW="416" imgH="416" progId="TCLayout.ActiveDocument.1">
+                <p:oleObj spid="_x0000_s42032" name="think-cell Slide" r:id="rId6" imgW="416" imgH="416" progId="TCLayout.ActiveDocument.1">
                   <p:embed/>
                 </p:oleObj>
               </mc:Choice>
@@ -16167,35 +16146,35 @@
                 <a:gridCol w="1624339">
                   <a:extLst>
                     <a:ext uri="{9D8B030D-6E8A-4147-A177-3AD203B41FA5}">
-                      <a16:colId xmlns:a16="http://schemas.microsoft.com/office/drawing/2014/main" xmlns="" val="1228268629"/>
+                      <a16:colId xmlns:a16="http://schemas.microsoft.com/office/drawing/2014/main" val="1228268629"/>
                     </a:ext>
                   </a:extLst>
                 </a:gridCol>
                 <a:gridCol w="1886015">
                   <a:extLst>
                     <a:ext uri="{9D8B030D-6E8A-4147-A177-3AD203B41FA5}">
-                      <a16:colId xmlns:a16="http://schemas.microsoft.com/office/drawing/2014/main" xmlns="" val="4045974056"/>
+                      <a16:colId xmlns:a16="http://schemas.microsoft.com/office/drawing/2014/main" val="4045974056"/>
                     </a:ext>
                   </a:extLst>
                 </a:gridCol>
                 <a:gridCol w="1428139">
                   <a:extLst>
                     <a:ext uri="{9D8B030D-6E8A-4147-A177-3AD203B41FA5}">
-                      <a16:colId xmlns:a16="http://schemas.microsoft.com/office/drawing/2014/main" xmlns="" val="2462729159"/>
+                      <a16:colId xmlns:a16="http://schemas.microsoft.com/office/drawing/2014/main" val="2462729159"/>
                     </a:ext>
                   </a:extLst>
                 </a:gridCol>
                 <a:gridCol w="2349121">
                   <a:extLst>
                     <a:ext uri="{9D8B030D-6E8A-4147-A177-3AD203B41FA5}">
-                      <a16:colId xmlns:a16="http://schemas.microsoft.com/office/drawing/2014/main" xmlns="" val="978489334"/>
+                      <a16:colId xmlns:a16="http://schemas.microsoft.com/office/drawing/2014/main" val="978489334"/>
                     </a:ext>
                   </a:extLst>
                 </a:gridCol>
                 <a:gridCol w="3777260">
                   <a:extLst>
                     <a:ext uri="{9D8B030D-6E8A-4147-A177-3AD203B41FA5}">
-                      <a16:colId xmlns:a16="http://schemas.microsoft.com/office/drawing/2014/main" xmlns="" val="988664389"/>
+                      <a16:colId xmlns:a16="http://schemas.microsoft.com/office/drawing/2014/main" val="988664389"/>
                     </a:ext>
                   </a:extLst>
                 </a:gridCol>
@@ -16365,7 +16344,7 @@
                 </a:tc>
                 <a:extLst>
                   <a:ext uri="{0D108BD9-81ED-4DB2-BD59-A6C34878D82A}">
-                    <a16:rowId xmlns:a16="http://schemas.microsoft.com/office/drawing/2014/main" xmlns="" val="1879564901"/>
+                    <a16:rowId xmlns:a16="http://schemas.microsoft.com/office/drawing/2014/main" val="1879564901"/>
                   </a:ext>
                 </a:extLst>
               </a:tr>
@@ -16600,7 +16579,7 @@
                 </a:tc>
                 <a:extLst>
                   <a:ext uri="{0D108BD9-81ED-4DB2-BD59-A6C34878D82A}">
-                    <a16:rowId xmlns:a16="http://schemas.microsoft.com/office/drawing/2014/main" xmlns="" val="359195167"/>
+                    <a16:rowId xmlns:a16="http://schemas.microsoft.com/office/drawing/2014/main" val="359195167"/>
                   </a:ext>
                 </a:extLst>
               </a:tr>
@@ -16751,7 +16730,7 @@
                 </a:tc>
                 <a:extLst>
                   <a:ext uri="{0D108BD9-81ED-4DB2-BD59-A6C34878D82A}">
-                    <a16:rowId xmlns:a16="http://schemas.microsoft.com/office/drawing/2014/main" xmlns="" val="2388008764"/>
+                    <a16:rowId xmlns:a16="http://schemas.microsoft.com/office/drawing/2014/main" val="2388008764"/>
                   </a:ext>
                 </a:extLst>
               </a:tr>
@@ -17051,7 +17030,7 @@
                 </a:tc>
                 <a:extLst>
                   <a:ext uri="{0D108BD9-81ED-4DB2-BD59-A6C34878D82A}">
-                    <a16:rowId xmlns:a16="http://schemas.microsoft.com/office/drawing/2014/main" xmlns="" val="3742758418"/>
+                    <a16:rowId xmlns:a16="http://schemas.microsoft.com/office/drawing/2014/main" val="3742758418"/>
                   </a:ext>
                 </a:extLst>
               </a:tr>
@@ -17270,7 +17249,7 @@
                 </a:tc>
                 <a:extLst>
                   <a:ext uri="{0D108BD9-81ED-4DB2-BD59-A6C34878D82A}">
-                    <a16:rowId xmlns:a16="http://schemas.microsoft.com/office/drawing/2014/main" xmlns="" val="3286601418"/>
+                    <a16:rowId xmlns:a16="http://schemas.microsoft.com/office/drawing/2014/main" val="3286601418"/>
                   </a:ext>
                 </a:extLst>
               </a:tr>
@@ -17489,7 +17468,7 @@
                 </a:tc>
                 <a:extLst>
                   <a:ext uri="{0D108BD9-81ED-4DB2-BD59-A6C34878D82A}">
-                    <a16:rowId xmlns:a16="http://schemas.microsoft.com/office/drawing/2014/main" xmlns="" val="628591838"/>
+                    <a16:rowId xmlns:a16="http://schemas.microsoft.com/office/drawing/2014/main" val="628591838"/>
                   </a:ext>
                 </a:extLst>
               </a:tr>
@@ -17697,7 +17676,7 @@
                 </a:tc>
                 <a:extLst>
                   <a:ext uri="{0D108BD9-81ED-4DB2-BD59-A6C34878D82A}">
-                    <a16:rowId xmlns:a16="http://schemas.microsoft.com/office/drawing/2014/main" xmlns="" val="1485137538"/>
+                    <a16:rowId xmlns:a16="http://schemas.microsoft.com/office/drawing/2014/main" val="1485137538"/>
                   </a:ext>
                 </a:extLst>
               </a:tr>
@@ -17930,7 +17909,7 @@
                 </a:tc>
                 <a:extLst>
                   <a:ext uri="{0D108BD9-81ED-4DB2-BD59-A6C34878D82A}">
-                    <a16:rowId xmlns:a16="http://schemas.microsoft.com/office/drawing/2014/main" xmlns="" val="1220343380"/>
+                    <a16:rowId xmlns:a16="http://schemas.microsoft.com/office/drawing/2014/main" val="1220343380"/>
                   </a:ext>
                 </a:extLst>
               </a:tr>
@@ -17967,35 +17946,35 @@
                 <a:gridCol w="2454326">
                   <a:extLst>
                     <a:ext uri="{9D8B030D-6E8A-4147-A177-3AD203B41FA5}">
-                      <a16:colId xmlns:a16="http://schemas.microsoft.com/office/drawing/2014/main" xmlns="" val="20000"/>
+                      <a16:colId xmlns:a16="http://schemas.microsoft.com/office/drawing/2014/main" val="20000"/>
                     </a:ext>
                   </a:extLst>
                 </a:gridCol>
                 <a:gridCol w="2306453">
                   <a:extLst>
                     <a:ext uri="{9D8B030D-6E8A-4147-A177-3AD203B41FA5}">
-                      <a16:colId xmlns:a16="http://schemas.microsoft.com/office/drawing/2014/main" xmlns="" val="20002"/>
+                      <a16:colId xmlns:a16="http://schemas.microsoft.com/office/drawing/2014/main" val="20002"/>
                     </a:ext>
                   </a:extLst>
                 </a:gridCol>
                 <a:gridCol w="2254336">
                   <a:extLst>
                     <a:ext uri="{9D8B030D-6E8A-4147-A177-3AD203B41FA5}">
-                      <a16:colId xmlns:a16="http://schemas.microsoft.com/office/drawing/2014/main" xmlns="" val="2575180168"/>
+                      <a16:colId xmlns:a16="http://schemas.microsoft.com/office/drawing/2014/main" val="2575180168"/>
                     </a:ext>
                   </a:extLst>
                 </a:gridCol>
                 <a:gridCol w="2355667">
                   <a:extLst>
                     <a:ext uri="{9D8B030D-6E8A-4147-A177-3AD203B41FA5}">
-                      <a16:colId xmlns:a16="http://schemas.microsoft.com/office/drawing/2014/main" xmlns="" val="20003"/>
+                      <a16:colId xmlns:a16="http://schemas.microsoft.com/office/drawing/2014/main" val="20003"/>
                     </a:ext>
                   </a:extLst>
                 </a:gridCol>
                 <a:gridCol w="1661586">
                   <a:extLst>
                     <a:ext uri="{9D8B030D-6E8A-4147-A177-3AD203B41FA5}">
-                      <a16:colId xmlns:a16="http://schemas.microsoft.com/office/drawing/2014/main" xmlns="" val="1141158204"/>
+                      <a16:colId xmlns:a16="http://schemas.microsoft.com/office/drawing/2014/main" val="1141158204"/>
                     </a:ext>
                   </a:extLst>
                 </a:gridCol>
@@ -18679,7 +18658,7 @@
                 </a:tc>
                 <a:extLst>
                   <a:ext uri="{0D108BD9-81ED-4DB2-BD59-A6C34878D82A}">
-                    <a16:rowId xmlns:a16="http://schemas.microsoft.com/office/drawing/2014/main" xmlns="" val="10000"/>
+                    <a16:rowId xmlns:a16="http://schemas.microsoft.com/office/drawing/2014/main" val="10000"/>
                   </a:ext>
                 </a:extLst>
               </a:tr>
@@ -19067,7 +19046,7 @@
                 </a:tc>
                 <a:extLst>
                   <a:ext uri="{0D108BD9-81ED-4DB2-BD59-A6C34878D82A}">
-                    <a16:rowId xmlns:a16="http://schemas.microsoft.com/office/drawing/2014/main" xmlns="" val="3242880312"/>
+                    <a16:rowId xmlns:a16="http://schemas.microsoft.com/office/drawing/2014/main" val="3242880312"/>
                   </a:ext>
                 </a:extLst>
               </a:tr>
@@ -19410,7 +19389,7 @@
                 <a:gridCol w="11048531">
                   <a:extLst>
                     <a:ext uri="{9D8B030D-6E8A-4147-A177-3AD203B41FA5}">
-                      <a16:colId xmlns:a16="http://schemas.microsoft.com/office/drawing/2014/main" xmlns="" val="1357581311"/>
+                      <a16:colId xmlns:a16="http://schemas.microsoft.com/office/drawing/2014/main" val="1357581311"/>
                     </a:ext>
                   </a:extLst>
                 </a:gridCol>
@@ -19497,7 +19476,7 @@
                 </a:tc>
                 <a:extLst>
                   <a:ext uri="{0D108BD9-81ED-4DB2-BD59-A6C34878D82A}">
-                    <a16:rowId xmlns:a16="http://schemas.microsoft.com/office/drawing/2014/main" xmlns="" val="3203583067"/>
+                    <a16:rowId xmlns:a16="http://schemas.microsoft.com/office/drawing/2014/main" val="3203583067"/>
                   </a:ext>
                 </a:extLst>
               </a:tr>
@@ -19533,21 +19512,21 @@
                 <a:gridCol w="3682842">
                   <a:extLst>
                     <a:ext uri="{9D8B030D-6E8A-4147-A177-3AD203B41FA5}">
-                      <a16:colId xmlns:a16="http://schemas.microsoft.com/office/drawing/2014/main" xmlns="" val="1109671872"/>
+                      <a16:colId xmlns:a16="http://schemas.microsoft.com/office/drawing/2014/main" val="1109671872"/>
                     </a:ext>
                   </a:extLst>
                 </a:gridCol>
                 <a:gridCol w="3682842">
                   <a:extLst>
                     <a:ext uri="{9D8B030D-6E8A-4147-A177-3AD203B41FA5}">
-                      <a16:colId xmlns:a16="http://schemas.microsoft.com/office/drawing/2014/main" xmlns="" val="390604985"/>
+                      <a16:colId xmlns:a16="http://schemas.microsoft.com/office/drawing/2014/main" val="390604985"/>
                     </a:ext>
                   </a:extLst>
                 </a:gridCol>
                 <a:gridCol w="3682842">
                   <a:extLst>
                     <a:ext uri="{9D8B030D-6E8A-4147-A177-3AD203B41FA5}">
-                      <a16:colId xmlns:a16="http://schemas.microsoft.com/office/drawing/2014/main" xmlns="" val="3548678291"/>
+                      <a16:colId xmlns:a16="http://schemas.microsoft.com/office/drawing/2014/main" val="3548678291"/>
                     </a:ext>
                   </a:extLst>
                 </a:gridCol>
@@ -19657,7 +19636,7 @@
                 </a:tc>
                 <a:extLst>
                   <a:ext uri="{0D108BD9-81ED-4DB2-BD59-A6C34878D82A}">
-                    <a16:rowId xmlns:a16="http://schemas.microsoft.com/office/drawing/2014/main" xmlns="" val="2826780448"/>
+                    <a16:rowId xmlns:a16="http://schemas.microsoft.com/office/drawing/2014/main" val="2826780448"/>
                   </a:ext>
                 </a:extLst>
               </a:tr>
@@ -19767,7 +19746,7 @@
                 </a:tc>
                 <a:extLst>
                   <a:ext uri="{0D108BD9-81ED-4DB2-BD59-A6C34878D82A}">
-                    <a16:rowId xmlns:a16="http://schemas.microsoft.com/office/drawing/2014/main" xmlns="" val="2074693909"/>
+                    <a16:rowId xmlns:a16="http://schemas.microsoft.com/office/drawing/2014/main" val="2074693909"/>
                   </a:ext>
                 </a:extLst>
               </a:tr>
@@ -19877,7 +19856,7 @@
                 </a:tc>
                 <a:extLst>
                   <a:ext uri="{0D108BD9-81ED-4DB2-BD59-A6C34878D82A}">
-                    <a16:rowId xmlns:a16="http://schemas.microsoft.com/office/drawing/2014/main" xmlns="" val="3442556936"/>
+                    <a16:rowId xmlns:a16="http://schemas.microsoft.com/office/drawing/2014/main" val="3442556936"/>
                   </a:ext>
                 </a:extLst>
               </a:tr>
@@ -19894,7 +19873,7 @@
           <p:nvPr>
             <p:extLst>
               <p:ext uri="{D42A27DB-BD31-4B8C-83A1-F6EECF244321}">
-                <p14:modId xmlns:p14="http://schemas.microsoft.com/office/powerpoint/2010/main" val="4226811499"/>
+                <p14:modId xmlns:p14="http://schemas.microsoft.com/office/powerpoint/2010/main" val="3472518820"/>
               </p:ext>
             </p:extLst>
           </p:nvPr>
@@ -19913,35 +19892,35 @@
                 <a:gridCol w="2209707">
                   <a:extLst>
                     <a:ext uri="{9D8B030D-6E8A-4147-A177-3AD203B41FA5}">
-                      <a16:colId xmlns:a16="http://schemas.microsoft.com/office/drawing/2014/main" xmlns="" val="4105844897"/>
+                      <a16:colId xmlns:a16="http://schemas.microsoft.com/office/drawing/2014/main" val="4105844897"/>
                     </a:ext>
                   </a:extLst>
                 </a:gridCol>
                 <a:gridCol w="2547324">
                   <a:extLst>
                     <a:ext uri="{9D8B030D-6E8A-4147-A177-3AD203B41FA5}">
-                      <a16:colId xmlns:a16="http://schemas.microsoft.com/office/drawing/2014/main" xmlns="" val="4142034472"/>
+                      <a16:colId xmlns:a16="http://schemas.microsoft.com/office/drawing/2014/main" val="4142034472"/>
                     </a:ext>
                   </a:extLst>
                 </a:gridCol>
                 <a:gridCol w="2601685">
                   <a:extLst>
                     <a:ext uri="{9D8B030D-6E8A-4147-A177-3AD203B41FA5}">
-                      <a16:colId xmlns:a16="http://schemas.microsoft.com/office/drawing/2014/main" xmlns="" val="2076643704"/>
+                      <a16:colId xmlns:a16="http://schemas.microsoft.com/office/drawing/2014/main" val="2076643704"/>
                     </a:ext>
                   </a:extLst>
                 </a:gridCol>
                 <a:gridCol w="1480110">
                   <a:extLst>
                     <a:ext uri="{9D8B030D-6E8A-4147-A177-3AD203B41FA5}">
-                      <a16:colId xmlns:a16="http://schemas.microsoft.com/office/drawing/2014/main" xmlns="" val="3774860856"/>
+                      <a16:colId xmlns:a16="http://schemas.microsoft.com/office/drawing/2014/main" val="3774860856"/>
                     </a:ext>
                   </a:extLst>
                 </a:gridCol>
                 <a:gridCol w="2209707">
                   <a:extLst>
                     <a:ext uri="{9D8B030D-6E8A-4147-A177-3AD203B41FA5}">
-                      <a16:colId xmlns:a16="http://schemas.microsoft.com/office/drawing/2014/main" xmlns="" val="690038618"/>
+                      <a16:colId xmlns:a16="http://schemas.microsoft.com/office/drawing/2014/main" val="690038618"/>
                     </a:ext>
                   </a:extLst>
                 </a:gridCol>
@@ -20229,7 +20208,7 @@
                 </a:tc>
                 <a:extLst>
                   <a:ext uri="{0D108BD9-81ED-4DB2-BD59-A6C34878D82A}">
-                    <a16:rowId xmlns:a16="http://schemas.microsoft.com/office/drawing/2014/main" xmlns="" val="2703049425"/>
+                    <a16:rowId xmlns:a16="http://schemas.microsoft.com/office/drawing/2014/main" val="2703049425"/>
                   </a:ext>
                 </a:extLst>
               </a:tr>
@@ -20419,11 +20398,9 @@
                         <a:buFontTx/>
                         <a:buNone/>
                       </a:pPr>
-                      <a:endParaRPr lang="en-US" altLang="zh-CN" sz="1100" b="0" dirty="0" smtClean="0">
+                      <a:endParaRPr lang="en-US" altLang="zh-CN" sz="1200" b="0" dirty="0" smtClean="0">
                         <a:solidFill>
-                          <a:schemeClr val="accent1">
-                            <a:lumMod val="75000"/>
-                          </a:schemeClr>
+                          <a:schemeClr val="tx1"/>
                         </a:solidFill>
                         <a:latin typeface="+mn-lt"/>
                         <a:ea typeface="+mn-ea"/>
@@ -20455,7 +20432,7 @@
                 </a:tc>
                 <a:extLst>
                   <a:ext uri="{0D108BD9-81ED-4DB2-BD59-A6C34878D82A}">
-                    <a16:rowId xmlns:a16="http://schemas.microsoft.com/office/drawing/2014/main" xmlns="" val="741824064"/>
+                    <a16:rowId xmlns:a16="http://schemas.microsoft.com/office/drawing/2014/main" val="741824064"/>
                   </a:ext>
                 </a:extLst>
               </a:tr>
@@ -20662,11 +20639,9 @@
                         <a:tabLst/>
                         <a:defRPr/>
                       </a:pPr>
-                      <a:endParaRPr lang="en-US" altLang="zh-CN" sz="1100" b="0" dirty="0" smtClean="0">
+                      <a:endParaRPr lang="en-US" altLang="zh-CN" sz="1200" b="0" dirty="0" smtClean="0">
                         <a:solidFill>
-                          <a:schemeClr val="accent1">
-                            <a:lumMod val="75000"/>
-                          </a:schemeClr>
+                          <a:schemeClr val="tx1"/>
                         </a:solidFill>
                         <a:latin typeface="+mn-lt"/>
                         <a:ea typeface="+mn-ea"/>
@@ -20698,7 +20673,7 @@
                 </a:tc>
                 <a:extLst>
                   <a:ext uri="{0D108BD9-81ED-4DB2-BD59-A6C34878D82A}">
-                    <a16:rowId xmlns:a16="http://schemas.microsoft.com/office/drawing/2014/main" xmlns="" val="3076205638"/>
+                    <a16:rowId xmlns:a16="http://schemas.microsoft.com/office/drawing/2014/main" val="3076205638"/>
                   </a:ext>
                 </a:extLst>
               </a:tr>
@@ -20901,14 +20876,12 @@
                         <a:tabLst/>
                         <a:defRPr/>
                       </a:pPr>
-                      <a:endParaRPr kumimoji="0" lang="en-US" altLang="zh-CN" sz="1100" b="0" i="0" u="none" strike="noStrike" kern="1200" cap="none" spc="0" normalizeH="0" baseline="0" noProof="0" dirty="0" smtClean="0">
+                      <a:endParaRPr kumimoji="0" lang="en-US" altLang="zh-CN" sz="1200" b="0" i="0" u="none" strike="noStrike" kern="1200" cap="none" spc="0" normalizeH="0" baseline="0" noProof="0" dirty="0" smtClean="0">
                         <a:ln>
                           <a:noFill/>
                         </a:ln>
                         <a:solidFill>
-                          <a:schemeClr val="accent1">
-                            <a:lumMod val="75000"/>
-                          </a:schemeClr>
+                          <a:schemeClr val="tx1"/>
                         </a:solidFill>
                         <a:effectLst/>
                         <a:uLnTx/>
@@ -20943,7 +20916,7 @@
                 </a:tc>
                 <a:extLst>
                   <a:ext uri="{0D108BD9-81ED-4DB2-BD59-A6C34878D82A}">
-                    <a16:rowId xmlns:a16="http://schemas.microsoft.com/office/drawing/2014/main" xmlns="" val="2309071906"/>
+                    <a16:rowId xmlns:a16="http://schemas.microsoft.com/office/drawing/2014/main" val="2309071906"/>
                   </a:ext>
                 </a:extLst>
               </a:tr>
@@ -21146,17 +21119,9 @@
                     <a:lstStyle/>
                     <a:p>
                       <a:pPr algn="ctr"/>
-                      <a:r>
-                        <a:rPr lang="en-US" sz="1100" dirty="0" smtClean="0">
-                          <a:solidFill>
-                            <a:schemeClr val="accent1"/>
-                          </a:solidFill>
-                        </a:rPr>
-                        <a:t>/</a:t>
-                      </a:r>
-                      <a:endParaRPr lang="en-US" sz="1100" dirty="0">
+                      <a:endParaRPr lang="en-US" sz="1200" dirty="0">
                         <a:solidFill>
-                          <a:schemeClr val="accent1"/>
+                          <a:schemeClr val="tx1"/>
                         </a:solidFill>
                       </a:endParaRPr>
                     </a:p>
@@ -21184,7 +21149,7 @@
                 </a:tc>
                 <a:extLst>
                   <a:ext uri="{0D108BD9-81ED-4DB2-BD59-A6C34878D82A}">
-                    <a16:rowId xmlns:a16="http://schemas.microsoft.com/office/drawing/2014/main" xmlns="" val="2470890304"/>
+                    <a16:rowId xmlns:a16="http://schemas.microsoft.com/office/drawing/2014/main" val="2470890304"/>
                   </a:ext>
                 </a:extLst>
               </a:tr>
@@ -21387,17 +21352,9 @@
                     <a:lstStyle/>
                     <a:p>
                       <a:pPr algn="ctr"/>
-                      <a:r>
-                        <a:rPr lang="en-US" sz="1100" dirty="0" smtClean="0">
-                          <a:solidFill>
-                            <a:schemeClr val="accent1"/>
-                          </a:solidFill>
-                        </a:rPr>
-                        <a:t>/</a:t>
-                      </a:r>
-                      <a:endParaRPr lang="en-US" sz="1100" dirty="0">
+                      <a:endParaRPr lang="en-US" sz="1200" dirty="0">
                         <a:solidFill>
-                          <a:schemeClr val="accent1"/>
+                          <a:schemeClr val="tx1"/>
                         </a:solidFill>
                       </a:endParaRPr>
                     </a:p>
@@ -21425,7 +21382,7 @@
                 </a:tc>
                 <a:extLst>
                   <a:ext uri="{0D108BD9-81ED-4DB2-BD59-A6C34878D82A}">
-                    <a16:rowId xmlns:a16="http://schemas.microsoft.com/office/drawing/2014/main" xmlns="" val="2698866000"/>
+                    <a16:rowId xmlns:a16="http://schemas.microsoft.com/office/drawing/2014/main" val="2698866000"/>
                   </a:ext>
                 </a:extLst>
               </a:tr>
@@ -21461,7 +21418,7 @@
                 <a:gridCol w="11048534">
                   <a:extLst>
                     <a:ext uri="{9D8B030D-6E8A-4147-A177-3AD203B41FA5}">
-                      <a16:colId xmlns:a16="http://schemas.microsoft.com/office/drawing/2014/main" xmlns="" val="1357581311"/>
+                      <a16:colId xmlns:a16="http://schemas.microsoft.com/office/drawing/2014/main" val="1357581311"/>
                     </a:ext>
                   </a:extLst>
                 </a:gridCol>
@@ -21548,7 +21505,7 @@
                 </a:tc>
                 <a:extLst>
                   <a:ext uri="{0D108BD9-81ED-4DB2-BD59-A6C34878D82A}">
-                    <a16:rowId xmlns:a16="http://schemas.microsoft.com/office/drawing/2014/main" xmlns="" val="3203583067"/>
+                    <a16:rowId xmlns:a16="http://schemas.microsoft.com/office/drawing/2014/main" val="3203583067"/>
                   </a:ext>
                 </a:extLst>
               </a:tr>
@@ -21702,14 +21659,14 @@
           <p:nvPr>
             <p:extLst>
               <p:ext uri="{D42A27DB-BD31-4B8C-83A1-F6EECF244321}">
-                <p14:modId xmlns:p14="http://schemas.microsoft.com/office/powerpoint/2010/main" val="3941367389"/>
+                <p14:modId xmlns:p14="http://schemas.microsoft.com/office/powerpoint/2010/main" val="2706418795"/>
               </p:ext>
             </p:extLst>
           </p:nvPr>
         </p:nvGraphicFramePr>
         <p:xfrm>
           <a:off x="587141" y="1234463"/>
-          <a:ext cx="11032602" cy="4516989"/>
+          <a:ext cx="11032602" cy="5426565"/>
         </p:xfrm>
         <a:graphic>
           <a:graphicData uri="http://schemas.openxmlformats.org/drawingml/2006/table">
@@ -21721,28 +21678,28 @@
                 <a:gridCol w="628595">
                   <a:extLst>
                     <a:ext uri="{9D8B030D-6E8A-4147-A177-3AD203B41FA5}">
-                      <a16:colId xmlns:a16="http://schemas.microsoft.com/office/drawing/2014/main" xmlns="" val="207362988"/>
+                      <a16:colId xmlns:a16="http://schemas.microsoft.com/office/drawing/2014/main" val="207362988"/>
                     </a:ext>
                   </a:extLst>
                 </a:gridCol>
                 <a:gridCol w="2213264">
                   <a:extLst>
                     <a:ext uri="{9D8B030D-6E8A-4147-A177-3AD203B41FA5}">
-                      <a16:colId xmlns:a16="http://schemas.microsoft.com/office/drawing/2014/main" xmlns="" val="20000"/>
+                      <a16:colId xmlns:a16="http://schemas.microsoft.com/office/drawing/2014/main" val="20000"/>
                     </a:ext>
                   </a:extLst>
                 </a:gridCol>
                 <a:gridCol w="2556164">
                   <a:extLst>
                     <a:ext uri="{9D8B030D-6E8A-4147-A177-3AD203B41FA5}">
-                      <a16:colId xmlns:a16="http://schemas.microsoft.com/office/drawing/2014/main" xmlns="" val="20001"/>
+                      <a16:colId xmlns:a16="http://schemas.microsoft.com/office/drawing/2014/main" val="20001"/>
                     </a:ext>
                   </a:extLst>
                 </a:gridCol>
                 <a:gridCol w="5634579">
                   <a:extLst>
                     <a:ext uri="{9D8B030D-6E8A-4147-A177-3AD203B41FA5}">
-                      <a16:colId xmlns:a16="http://schemas.microsoft.com/office/drawing/2014/main" xmlns="" val="610373499"/>
+                      <a16:colId xmlns:a16="http://schemas.microsoft.com/office/drawing/2014/main" val="610373499"/>
                     </a:ext>
                   </a:extLst>
                 </a:gridCol>
@@ -22082,7 +22039,7 @@
                 </a:tc>
                 <a:extLst>
                   <a:ext uri="{0D108BD9-81ED-4DB2-BD59-A6C34878D82A}">
-                    <a16:rowId xmlns:a16="http://schemas.microsoft.com/office/drawing/2014/main" xmlns="" val="10000"/>
+                    <a16:rowId xmlns:a16="http://schemas.microsoft.com/office/drawing/2014/main" val="10000"/>
                   </a:ext>
                 </a:extLst>
               </a:tr>
@@ -22110,15 +22067,15 @@
                         <a:defRPr/>
                       </a:pPr>
                       <a:r>
-                        <a:rPr lang="en-US" sz="1200" b="0" kern="1200" dirty="0" smtClean="0">
+                        <a:rPr lang="en-US" sz="1200" b="0" kern="1200" baseline="0" dirty="0" smtClean="0">
                           <a:solidFill>
                             <a:schemeClr val="tx1">
                               <a:lumMod val="75000"/>
                               <a:lumOff val="25000"/>
                             </a:schemeClr>
                           </a:solidFill>
-                          <a:latin typeface="+mn-lt"/>
-                          <a:ea typeface="+mn-ea"/>
+                          <a:latin typeface="Bentley Light" panose="020B0404020201020102"/>
+                          <a:ea typeface="黑体" panose="02010609060101010101" pitchFamily="49" charset="-122"/>
                           <a:cs typeface="+mn-ea"/>
                           <a:sym typeface="+mn-lt"/>
                         </a:rPr>
@@ -22192,15 +22149,15 @@
                         <a:tabLst/>
                         <a:defRPr/>
                       </a:pPr>
-                      <a:endParaRPr lang="en-US" sz="1200" b="0" kern="1200" dirty="0" smtClean="0">
+                      <a:endParaRPr lang="en-US" sz="1200" b="0" kern="1200" baseline="0" dirty="0" smtClean="0">
                         <a:solidFill>
                           <a:schemeClr val="tx1">
                             <a:lumMod val="75000"/>
                             <a:lumOff val="25000"/>
                           </a:schemeClr>
                         </a:solidFill>
-                        <a:latin typeface="+mn-lt"/>
-                        <a:ea typeface="+mn-ea"/>
+                        <a:latin typeface="Bentley Light" panose="020B0404020201020102"/>
+                        <a:ea typeface="黑体" panose="02010609060101010101" pitchFamily="49" charset="-122"/>
                         <a:cs typeface="+mn-ea"/>
                         <a:sym typeface="+mn-lt"/>
                       </a:endParaRPr>
@@ -22272,15 +22229,15 @@
                         <a:tabLst/>
                         <a:defRPr/>
                       </a:pPr>
-                      <a:endParaRPr lang="en-US" altLang="zh-CN" sz="1200" b="0" kern="1200" dirty="0">
+                      <a:endParaRPr lang="en-US" altLang="zh-CN" sz="1200" b="0" kern="1200" baseline="0" dirty="0">
                         <a:solidFill>
                           <a:schemeClr val="tx1">
                             <a:lumMod val="75000"/>
                             <a:lumOff val="25000"/>
                           </a:schemeClr>
                         </a:solidFill>
-                        <a:latin typeface="+mn-lt"/>
-                        <a:ea typeface="+mn-ea"/>
+                        <a:latin typeface="Bentley Light" panose="020B0404020201020102"/>
+                        <a:ea typeface="黑体" panose="02010609060101010101" pitchFamily="49" charset="-122"/>
                         <a:cs typeface="+mn-ea"/>
                         <a:sym typeface="+mn-lt"/>
                       </a:endParaRPr>
@@ -22352,15 +22309,15 @@
                         <a:tabLst/>
                         <a:defRPr/>
                       </a:pPr>
-                      <a:endParaRPr lang="en-US" altLang="zh-CN" sz="1200" b="0" kern="1200" dirty="0">
+                      <a:endParaRPr lang="en-US" altLang="zh-CN" sz="1200" b="0" kern="1200" baseline="0" dirty="0">
                         <a:solidFill>
                           <a:schemeClr val="tx1">
                             <a:lumMod val="75000"/>
                             <a:lumOff val="25000"/>
                           </a:schemeClr>
                         </a:solidFill>
-                        <a:latin typeface="+mn-lt"/>
-                        <a:ea typeface="+mn-ea"/>
+                        <a:latin typeface="Bentley Light" panose="020B0404020201020102"/>
+                        <a:ea typeface="黑体" panose="02010609060101010101" pitchFamily="49" charset="-122"/>
                         <a:cs typeface="+mn-ea"/>
                         <a:sym typeface="+mn-lt"/>
                       </a:endParaRPr>
@@ -22412,7 +22369,7 @@
                 </a:tc>
                 <a:extLst>
                   <a:ext uri="{0D108BD9-81ED-4DB2-BD59-A6C34878D82A}">
-                    <a16:rowId xmlns:a16="http://schemas.microsoft.com/office/drawing/2014/main" xmlns="" val="10001"/>
+                    <a16:rowId xmlns:a16="http://schemas.microsoft.com/office/drawing/2014/main" val="10001"/>
                   </a:ext>
                 </a:extLst>
               </a:tr>
@@ -22440,29 +22397,29 @@
                         <a:defRPr/>
                       </a:pPr>
                       <a:r>
-                        <a:rPr lang="en-US" altLang="zh-CN" sz="1200" b="0" kern="1200" dirty="0" smtClean="0">
+                        <a:rPr lang="en-US" altLang="zh-CN" sz="1200" b="0" kern="1200" baseline="0" dirty="0" smtClean="0">
                           <a:solidFill>
                             <a:schemeClr val="tx1">
                               <a:lumMod val="75000"/>
                               <a:lumOff val="25000"/>
                             </a:schemeClr>
                           </a:solidFill>
-                          <a:latin typeface="+mn-lt"/>
-                          <a:ea typeface="+mn-ea"/>
+                          <a:latin typeface="Bentley Light" panose="020B0404020201020102"/>
+                          <a:ea typeface="黑体" panose="02010609060101010101" pitchFamily="49" charset="-122"/>
                           <a:cs typeface="+mn-ea"/>
                           <a:sym typeface="+mn-lt"/>
                         </a:rPr>
                         <a:t>2</a:t>
                       </a:r>
-                      <a:endParaRPr lang="zh-CN" altLang="en-US" sz="1200" b="0" kern="1200" dirty="0">
+                      <a:endParaRPr lang="zh-CN" altLang="en-US" sz="1200" b="0" kern="1200" baseline="0" dirty="0">
                         <a:solidFill>
                           <a:schemeClr val="tx1">
                             <a:lumMod val="75000"/>
                             <a:lumOff val="25000"/>
                           </a:schemeClr>
                         </a:solidFill>
-                        <a:latin typeface="+mn-lt"/>
-                        <a:ea typeface="+mn-ea"/>
+                        <a:latin typeface="Bentley Light" panose="020B0404020201020102"/>
+                        <a:ea typeface="黑体" panose="02010609060101010101" pitchFamily="49" charset="-122"/>
                         <a:cs typeface="+mn-ea"/>
                         <a:sym typeface="+mn-lt"/>
                       </a:endParaRPr>
@@ -22538,15 +22495,15 @@
                         <a:tabLst/>
                         <a:defRPr/>
                       </a:pPr>
-                      <a:endParaRPr lang="zh-CN" altLang="en-US" sz="1200" b="0" kern="1200" dirty="0">
+                      <a:endParaRPr lang="zh-CN" altLang="en-US" sz="1200" b="0" kern="1200" baseline="0" dirty="0">
                         <a:solidFill>
                           <a:schemeClr val="tx1">
                             <a:lumMod val="75000"/>
                             <a:lumOff val="25000"/>
                           </a:schemeClr>
                         </a:solidFill>
-                        <a:latin typeface="+mn-lt"/>
-                        <a:ea typeface="+mn-ea"/>
+                        <a:latin typeface="Bentley Light" panose="020B0404020201020102"/>
+                        <a:ea typeface="黑体" panose="02010609060101010101" pitchFamily="49" charset="-122"/>
                         <a:cs typeface="+mn-ea"/>
                         <a:sym typeface="+mn-lt"/>
                       </a:endParaRPr>
@@ -22622,15 +22579,15 @@
                         <a:tabLst/>
                         <a:defRPr/>
                       </a:pPr>
-                      <a:endParaRPr lang="zh-CN" altLang="en-US" sz="1200" b="0" kern="1200" dirty="0">
+                      <a:endParaRPr lang="zh-CN" altLang="en-US" sz="1200" b="0" kern="1200" baseline="0" dirty="0">
                         <a:solidFill>
                           <a:schemeClr val="tx1">
                             <a:lumMod val="75000"/>
                             <a:lumOff val="25000"/>
                           </a:schemeClr>
                         </a:solidFill>
-                        <a:latin typeface="+mn-lt"/>
-                        <a:ea typeface="+mn-ea"/>
+                        <a:latin typeface="Bentley Light" panose="020B0404020201020102"/>
+                        <a:ea typeface="黑体" panose="02010609060101010101" pitchFamily="49" charset="-122"/>
                         <a:cs typeface="+mn-ea"/>
                         <a:sym typeface="+mn-lt"/>
                       </a:endParaRPr>
@@ -22706,15 +22663,15 @@
                         <a:tabLst/>
                         <a:defRPr/>
                       </a:pPr>
-                      <a:endParaRPr lang="zh-CN" altLang="en-US" sz="1200" b="0" kern="1200" dirty="0">
+                      <a:endParaRPr lang="zh-CN" altLang="en-US" sz="1200" b="0" kern="1200" baseline="0" dirty="0">
                         <a:solidFill>
                           <a:schemeClr val="tx1">
                             <a:lumMod val="75000"/>
                             <a:lumOff val="25000"/>
                           </a:schemeClr>
                         </a:solidFill>
-                        <a:latin typeface="+mn-lt"/>
-                        <a:ea typeface="+mn-ea"/>
+                        <a:latin typeface="Bentley Light" panose="020B0404020201020102"/>
+                        <a:ea typeface="黑体" panose="02010609060101010101" pitchFamily="49" charset="-122"/>
                         <a:cs typeface="+mn-ea"/>
                         <a:sym typeface="+mn-lt"/>
                       </a:endParaRPr>
@@ -22770,7 +22727,7 @@
                 </a:tc>
                 <a:extLst>
                   <a:ext uri="{0D108BD9-81ED-4DB2-BD59-A6C34878D82A}">
-                    <a16:rowId xmlns:a16="http://schemas.microsoft.com/office/drawing/2014/main" xmlns="" val="10002"/>
+                    <a16:rowId xmlns:a16="http://schemas.microsoft.com/office/drawing/2014/main" val="10002"/>
                   </a:ext>
                 </a:extLst>
               </a:tr>
@@ -22798,29 +22755,29 @@
                         <a:defRPr/>
                       </a:pPr>
                       <a:r>
-                        <a:rPr lang="en-US" altLang="zh-CN" sz="1200" b="0" kern="1200" dirty="0" smtClean="0">
+                        <a:rPr lang="en-US" altLang="zh-CN" sz="1200" b="0" kern="1200" baseline="0" dirty="0" smtClean="0">
                           <a:solidFill>
                             <a:schemeClr val="tx1">
                               <a:lumMod val="75000"/>
                               <a:lumOff val="25000"/>
                             </a:schemeClr>
                           </a:solidFill>
-                          <a:latin typeface="+mn-lt"/>
-                          <a:ea typeface="+mn-ea"/>
+                          <a:latin typeface="Bentley Light" panose="020B0404020201020102"/>
+                          <a:ea typeface="黑体" panose="02010609060101010101" pitchFamily="49" charset="-122"/>
                           <a:cs typeface="+mn-ea"/>
                           <a:sym typeface="+mn-lt"/>
                         </a:rPr>
                         <a:t>3</a:t>
                       </a:r>
-                      <a:endParaRPr lang="zh-CN" altLang="en-US" sz="1200" b="0" kern="1200" dirty="0">
+                      <a:endParaRPr lang="zh-CN" altLang="en-US" sz="1200" b="0" kern="1200" baseline="0" dirty="0">
                         <a:solidFill>
                           <a:schemeClr val="tx1">
                             <a:lumMod val="75000"/>
                             <a:lumOff val="25000"/>
                           </a:schemeClr>
                         </a:solidFill>
-                        <a:latin typeface="+mn-lt"/>
-                        <a:ea typeface="+mn-ea"/>
+                        <a:latin typeface="Bentley Light" panose="020B0404020201020102"/>
+                        <a:ea typeface="黑体" panose="02010609060101010101" pitchFamily="49" charset="-122"/>
                         <a:cs typeface="+mn-ea"/>
                         <a:sym typeface="+mn-lt"/>
                       </a:endParaRPr>
@@ -22896,15 +22853,15 @@
                         <a:tabLst/>
                         <a:defRPr/>
                       </a:pPr>
-                      <a:endParaRPr lang="zh-CN" altLang="en-US" sz="1200" b="0" kern="1200" dirty="0">
+                      <a:endParaRPr lang="zh-CN" altLang="en-US" sz="1200" b="0" kern="1200" baseline="0" dirty="0">
                         <a:solidFill>
                           <a:schemeClr val="tx1">
                             <a:lumMod val="75000"/>
                             <a:lumOff val="25000"/>
                           </a:schemeClr>
                         </a:solidFill>
-                        <a:latin typeface="+mn-lt"/>
-                        <a:ea typeface="+mn-ea"/>
+                        <a:latin typeface="Bentley Light" panose="020B0404020201020102"/>
+                        <a:ea typeface="黑体" panose="02010609060101010101" pitchFamily="49" charset="-122"/>
                         <a:cs typeface="+mn-ea"/>
                         <a:sym typeface="+mn-lt"/>
                       </a:endParaRPr>
@@ -22980,15 +22937,15 @@
                         <a:tabLst/>
                         <a:defRPr/>
                       </a:pPr>
-                      <a:endParaRPr lang="zh-CN" altLang="en-US" sz="1200" b="0" kern="1200" dirty="0">
+                      <a:endParaRPr lang="zh-CN" altLang="en-US" sz="1200" b="0" kern="1200" baseline="0" dirty="0">
                         <a:solidFill>
                           <a:schemeClr val="tx1">
                             <a:lumMod val="75000"/>
                             <a:lumOff val="25000"/>
                           </a:schemeClr>
                         </a:solidFill>
-                        <a:latin typeface="+mn-lt"/>
-                        <a:ea typeface="+mn-ea"/>
+                        <a:latin typeface="Bentley Light" panose="020B0404020201020102"/>
+                        <a:ea typeface="黑体" panose="02010609060101010101" pitchFamily="49" charset="-122"/>
                         <a:cs typeface="+mn-ea"/>
                         <a:sym typeface="+mn-lt"/>
                       </a:endParaRPr>
@@ -23064,15 +23021,15 @@
                         <a:tabLst/>
                         <a:defRPr/>
                       </a:pPr>
-                      <a:endParaRPr lang="zh-CN" altLang="en-US" sz="1200" b="0" kern="1200" dirty="0">
+                      <a:endParaRPr lang="zh-CN" altLang="en-US" sz="1200" b="0" kern="1200" baseline="0" dirty="0">
                         <a:solidFill>
                           <a:schemeClr val="tx1">
                             <a:lumMod val="75000"/>
                             <a:lumOff val="25000"/>
                           </a:schemeClr>
                         </a:solidFill>
-                        <a:latin typeface="+mn-lt"/>
-                        <a:ea typeface="+mn-ea"/>
+                        <a:latin typeface="Bentley Light" panose="020B0404020201020102"/>
+                        <a:ea typeface="黑体" panose="02010609060101010101" pitchFamily="49" charset="-122"/>
                         <a:cs typeface="+mn-ea"/>
                         <a:sym typeface="+mn-lt"/>
                       </a:endParaRPr>
@@ -23128,7 +23085,7 @@
                 </a:tc>
                 <a:extLst>
                   <a:ext uri="{0D108BD9-81ED-4DB2-BD59-A6C34878D82A}">
-                    <a16:rowId xmlns:a16="http://schemas.microsoft.com/office/drawing/2014/main" xmlns="" val="10003"/>
+                    <a16:rowId xmlns:a16="http://schemas.microsoft.com/office/drawing/2014/main" val="10003"/>
                   </a:ext>
                 </a:extLst>
               </a:tr>
@@ -23156,29 +23113,29 @@
                         <a:defRPr/>
                       </a:pPr>
                       <a:r>
-                        <a:rPr lang="en-US" altLang="zh-CN" sz="1200" b="0" kern="1200" dirty="0" smtClean="0">
+                        <a:rPr lang="en-US" altLang="zh-CN" sz="1200" b="0" kern="1200" baseline="0" dirty="0" smtClean="0">
                           <a:solidFill>
                             <a:schemeClr val="tx1">
                               <a:lumMod val="75000"/>
                               <a:lumOff val="25000"/>
                             </a:schemeClr>
                           </a:solidFill>
-                          <a:latin typeface="+mn-lt"/>
-                          <a:ea typeface="+mn-ea"/>
+                          <a:latin typeface="Bentley Light" panose="020B0404020201020102"/>
+                          <a:ea typeface="黑体" panose="02010609060101010101" pitchFamily="49" charset="-122"/>
                           <a:cs typeface="+mn-ea"/>
                           <a:sym typeface="+mn-lt"/>
                         </a:rPr>
                         <a:t>4</a:t>
                       </a:r>
-                      <a:endParaRPr lang="zh-CN" altLang="en-US" sz="1200" b="0" kern="1200" dirty="0">
+                      <a:endParaRPr lang="zh-CN" altLang="en-US" sz="1200" b="0" kern="1200" baseline="0" dirty="0">
                         <a:solidFill>
                           <a:schemeClr val="tx1">
                             <a:lumMod val="75000"/>
                             <a:lumOff val="25000"/>
                           </a:schemeClr>
                         </a:solidFill>
-                        <a:latin typeface="+mn-lt"/>
-                        <a:ea typeface="+mn-ea"/>
+                        <a:latin typeface="Bentley Light" panose="020B0404020201020102"/>
+                        <a:ea typeface="黑体" panose="02010609060101010101" pitchFamily="49" charset="-122"/>
                         <a:cs typeface="+mn-ea"/>
                         <a:sym typeface="+mn-lt"/>
                       </a:endParaRPr>
@@ -23254,15 +23211,15 @@
                         <a:tabLst/>
                         <a:defRPr/>
                       </a:pPr>
-                      <a:endParaRPr lang="zh-CN" altLang="en-US" sz="1200" b="0" kern="1200" dirty="0">
+                      <a:endParaRPr lang="zh-CN" altLang="en-US" sz="1200" b="0" kern="1200" baseline="0" dirty="0">
                         <a:solidFill>
                           <a:schemeClr val="tx1">
                             <a:lumMod val="75000"/>
                             <a:lumOff val="25000"/>
                           </a:schemeClr>
                         </a:solidFill>
-                        <a:latin typeface="+mn-lt"/>
-                        <a:ea typeface="+mn-ea"/>
+                        <a:latin typeface="Bentley Light" panose="020B0404020201020102"/>
+                        <a:ea typeface="黑体" panose="02010609060101010101" pitchFamily="49" charset="-122"/>
                         <a:cs typeface="+mn-ea"/>
                         <a:sym typeface="+mn-lt"/>
                       </a:endParaRPr>
@@ -23338,15 +23295,15 @@
                         <a:tabLst/>
                         <a:defRPr/>
                       </a:pPr>
-                      <a:endParaRPr lang="zh-CN" altLang="en-US" sz="1200" b="0" kern="1200" dirty="0">
+                      <a:endParaRPr lang="zh-CN" altLang="en-US" sz="1200" b="0" kern="1200" baseline="0" dirty="0">
                         <a:solidFill>
                           <a:schemeClr val="tx1">
                             <a:lumMod val="75000"/>
                             <a:lumOff val="25000"/>
                           </a:schemeClr>
                         </a:solidFill>
-                        <a:latin typeface="+mn-lt"/>
-                        <a:ea typeface="+mn-ea"/>
+                        <a:latin typeface="Bentley Light" panose="020B0404020201020102"/>
+                        <a:ea typeface="黑体" panose="02010609060101010101" pitchFamily="49" charset="-122"/>
                         <a:cs typeface="+mn-ea"/>
                         <a:sym typeface="+mn-lt"/>
                       </a:endParaRPr>
@@ -23422,15 +23379,15 @@
                         <a:tabLst/>
                         <a:defRPr/>
                       </a:pPr>
-                      <a:endParaRPr lang="zh-CN" altLang="en-US" sz="1200" b="0" kern="1200" dirty="0">
+                      <a:endParaRPr lang="zh-CN" altLang="en-US" sz="1200" b="0" kern="1200" baseline="0" dirty="0">
                         <a:solidFill>
                           <a:schemeClr val="tx1">
                             <a:lumMod val="75000"/>
                             <a:lumOff val="25000"/>
                           </a:schemeClr>
                         </a:solidFill>
-                        <a:latin typeface="+mn-lt"/>
-                        <a:ea typeface="+mn-ea"/>
+                        <a:latin typeface="Bentley Light" panose="020B0404020201020102"/>
+                        <a:ea typeface="黑体" panose="02010609060101010101" pitchFamily="49" charset="-122"/>
                         <a:cs typeface="+mn-ea"/>
                         <a:sym typeface="+mn-lt"/>
                       </a:endParaRPr>
@@ -23486,7 +23443,7 @@
                 </a:tc>
                 <a:extLst>
                   <a:ext uri="{0D108BD9-81ED-4DB2-BD59-A6C34878D82A}">
-                    <a16:rowId xmlns:a16="http://schemas.microsoft.com/office/drawing/2014/main" xmlns="" val="10004"/>
+                    <a16:rowId xmlns:a16="http://schemas.microsoft.com/office/drawing/2014/main" val="10004"/>
                   </a:ext>
                 </a:extLst>
               </a:tr>
@@ -23514,29 +23471,29 @@
                         <a:defRPr/>
                       </a:pPr>
                       <a:r>
-                        <a:rPr lang="en-US" altLang="zh-CN" sz="1200" b="0" kern="1200" dirty="0" smtClean="0">
+                        <a:rPr lang="en-US" altLang="zh-CN" sz="1200" b="0" kern="1200" baseline="0" dirty="0" smtClean="0">
                           <a:solidFill>
                             <a:schemeClr val="tx1">
                               <a:lumMod val="75000"/>
                               <a:lumOff val="25000"/>
                             </a:schemeClr>
                           </a:solidFill>
-                          <a:latin typeface="+mn-lt"/>
-                          <a:ea typeface="+mn-ea"/>
+                          <a:latin typeface="Bentley Light" panose="020B0404020201020102"/>
+                          <a:ea typeface="黑体" panose="02010609060101010101" pitchFamily="49" charset="-122"/>
                           <a:cs typeface="+mn-ea"/>
                           <a:sym typeface="+mn-lt"/>
                         </a:rPr>
                         <a:t>5</a:t>
                       </a:r>
-                      <a:endParaRPr lang="zh-CN" altLang="en-US" sz="1200" b="0" kern="1200" dirty="0">
+                      <a:endParaRPr lang="zh-CN" altLang="en-US" sz="1200" b="0" kern="1200" baseline="0" dirty="0">
                         <a:solidFill>
                           <a:schemeClr val="tx1">
                             <a:lumMod val="75000"/>
                             <a:lumOff val="25000"/>
                           </a:schemeClr>
                         </a:solidFill>
-                        <a:latin typeface="+mn-lt"/>
-                        <a:ea typeface="+mn-ea"/>
+                        <a:latin typeface="Bentley Light" panose="020B0404020201020102"/>
+                        <a:ea typeface="黑体" panose="02010609060101010101" pitchFamily="49" charset="-122"/>
                         <a:cs typeface="+mn-ea"/>
                         <a:sym typeface="+mn-lt"/>
                       </a:endParaRPr>
@@ -23612,15 +23569,15 @@
                         <a:tabLst/>
                         <a:defRPr/>
                       </a:pPr>
-                      <a:endParaRPr lang="zh-CN" altLang="en-US" sz="1200" b="0" kern="1200" dirty="0">
+                      <a:endParaRPr lang="zh-CN" altLang="en-US" sz="1200" b="0" kern="1200" baseline="0" dirty="0">
                         <a:solidFill>
                           <a:schemeClr val="tx1">
                             <a:lumMod val="75000"/>
                             <a:lumOff val="25000"/>
                           </a:schemeClr>
                         </a:solidFill>
-                        <a:latin typeface="+mn-lt"/>
-                        <a:ea typeface="+mn-ea"/>
+                        <a:latin typeface="Bentley Light" panose="020B0404020201020102"/>
+                        <a:ea typeface="黑体" panose="02010609060101010101" pitchFamily="49" charset="-122"/>
                         <a:cs typeface="+mn-ea"/>
                         <a:sym typeface="+mn-lt"/>
                       </a:endParaRPr>
@@ -23696,15 +23653,15 @@
                         <a:tabLst/>
                         <a:defRPr/>
                       </a:pPr>
-                      <a:endParaRPr lang="zh-CN" altLang="en-US" sz="1200" b="0" kern="1200" dirty="0">
+                      <a:endParaRPr lang="zh-CN" altLang="en-US" sz="1200" b="0" kern="1200" baseline="0" dirty="0">
                         <a:solidFill>
                           <a:schemeClr val="tx1">
                             <a:lumMod val="75000"/>
                             <a:lumOff val="25000"/>
                           </a:schemeClr>
                         </a:solidFill>
-                        <a:latin typeface="+mn-lt"/>
-                        <a:ea typeface="+mn-ea"/>
+                        <a:latin typeface="Bentley Light" panose="020B0404020201020102"/>
+                        <a:ea typeface="黑体" panose="02010609060101010101" pitchFamily="49" charset="-122"/>
                         <a:cs typeface="+mn-ea"/>
                         <a:sym typeface="+mn-lt"/>
                       </a:endParaRPr>
@@ -23780,15 +23737,15 @@
                         <a:tabLst/>
                         <a:defRPr/>
                       </a:pPr>
-                      <a:endParaRPr lang="zh-CN" altLang="en-US" sz="1200" b="0" kern="1200" dirty="0">
+                      <a:endParaRPr lang="zh-CN" altLang="en-US" sz="1200" b="0" kern="1200" baseline="0" dirty="0">
                         <a:solidFill>
                           <a:schemeClr val="tx1">
                             <a:lumMod val="75000"/>
                             <a:lumOff val="25000"/>
                           </a:schemeClr>
                         </a:solidFill>
-                        <a:latin typeface="+mn-lt"/>
-                        <a:ea typeface="+mn-ea"/>
+                        <a:latin typeface="Bentley Light" panose="020B0404020201020102"/>
+                        <a:ea typeface="黑体" panose="02010609060101010101" pitchFamily="49" charset="-122"/>
                         <a:cs typeface="+mn-ea"/>
                         <a:sym typeface="+mn-lt"/>
                       </a:endParaRPr>
@@ -23844,7 +23801,7 @@
                 </a:tc>
                 <a:extLst>
                   <a:ext uri="{0D108BD9-81ED-4DB2-BD59-A6C34878D82A}">
-                    <a16:rowId xmlns:a16="http://schemas.microsoft.com/office/drawing/2014/main" xmlns="" val="2987373226"/>
+                    <a16:rowId xmlns:a16="http://schemas.microsoft.com/office/drawing/2014/main" val="2987373226"/>
                   </a:ext>
                 </a:extLst>
               </a:tr>
@@ -23872,29 +23829,29 @@
                         <a:defRPr/>
                       </a:pPr>
                       <a:r>
-                        <a:rPr lang="en-US" altLang="zh-CN" sz="1200" b="0" kern="1200" dirty="0" smtClean="0">
+                        <a:rPr lang="en-US" altLang="zh-CN" sz="1200" b="0" kern="1200" baseline="0" dirty="0" smtClean="0">
                           <a:solidFill>
                             <a:schemeClr val="tx1">
                               <a:lumMod val="75000"/>
                               <a:lumOff val="25000"/>
                             </a:schemeClr>
                           </a:solidFill>
-                          <a:latin typeface="+mn-lt"/>
-                          <a:ea typeface="+mn-ea"/>
+                          <a:latin typeface="Bentley Light" panose="020B0404020201020102"/>
+                          <a:ea typeface="黑体" panose="02010609060101010101" pitchFamily="49" charset="-122"/>
                           <a:cs typeface="+mn-ea"/>
                           <a:sym typeface="+mn-lt"/>
                         </a:rPr>
                         <a:t>6</a:t>
                       </a:r>
-                      <a:endParaRPr lang="zh-CN" altLang="en-US" sz="1200" b="0" kern="1200" dirty="0">
+                      <a:endParaRPr lang="zh-CN" altLang="en-US" sz="1200" b="0" kern="1200" baseline="0" dirty="0">
                         <a:solidFill>
                           <a:schemeClr val="tx1">
                             <a:lumMod val="75000"/>
                             <a:lumOff val="25000"/>
                           </a:schemeClr>
                         </a:solidFill>
-                        <a:latin typeface="+mn-lt"/>
-                        <a:ea typeface="+mn-ea"/>
+                        <a:latin typeface="Bentley Light" panose="020B0404020201020102"/>
+                        <a:ea typeface="黑体" panose="02010609060101010101" pitchFamily="49" charset="-122"/>
                         <a:cs typeface="+mn-ea"/>
                         <a:sym typeface="+mn-lt"/>
                       </a:endParaRPr>
@@ -23970,15 +23927,15 @@
                         <a:tabLst/>
                         <a:defRPr/>
                       </a:pPr>
-                      <a:endParaRPr lang="zh-CN" altLang="en-US" sz="1200" b="0" kern="1200" dirty="0">
+                      <a:endParaRPr lang="zh-CN" altLang="en-US" sz="1200" b="0" kern="1200" baseline="0" dirty="0">
                         <a:solidFill>
                           <a:schemeClr val="tx1">
                             <a:lumMod val="75000"/>
                             <a:lumOff val="25000"/>
                           </a:schemeClr>
                         </a:solidFill>
-                        <a:latin typeface="+mn-lt"/>
-                        <a:ea typeface="+mn-ea"/>
+                        <a:latin typeface="Bentley Light" panose="020B0404020201020102"/>
+                        <a:ea typeface="黑体" panose="02010609060101010101" pitchFamily="49" charset="-122"/>
                         <a:cs typeface="+mn-ea"/>
                         <a:sym typeface="+mn-lt"/>
                       </a:endParaRPr>
@@ -24054,15 +24011,15 @@
                         <a:tabLst/>
                         <a:defRPr/>
                       </a:pPr>
-                      <a:endParaRPr lang="zh-CN" altLang="en-US" sz="1200" b="0" kern="1200" dirty="0">
+                      <a:endParaRPr lang="zh-CN" altLang="en-US" sz="1200" b="0" kern="1200" baseline="0" dirty="0">
                         <a:solidFill>
                           <a:schemeClr val="tx1">
                             <a:lumMod val="75000"/>
                             <a:lumOff val="25000"/>
                           </a:schemeClr>
                         </a:solidFill>
-                        <a:latin typeface="+mn-lt"/>
-                        <a:ea typeface="+mn-ea"/>
+                        <a:latin typeface="Bentley Light" panose="020B0404020201020102"/>
+                        <a:ea typeface="黑体" panose="02010609060101010101" pitchFamily="49" charset="-122"/>
                         <a:cs typeface="+mn-ea"/>
                         <a:sym typeface="+mn-lt"/>
                       </a:endParaRPr>
@@ -24138,15 +24095,15 @@
                         <a:tabLst/>
                         <a:defRPr/>
                       </a:pPr>
-                      <a:endParaRPr lang="zh-CN" altLang="en-US" sz="1200" b="0" kern="1200" dirty="0">
+                      <a:endParaRPr lang="zh-CN" altLang="en-US" sz="1200" b="0" kern="1200" baseline="0" dirty="0">
                         <a:solidFill>
                           <a:schemeClr val="tx1">
                             <a:lumMod val="75000"/>
                             <a:lumOff val="25000"/>
                           </a:schemeClr>
                         </a:solidFill>
-                        <a:latin typeface="+mn-lt"/>
-                        <a:ea typeface="+mn-ea"/>
+                        <a:latin typeface="Bentley Light" panose="020B0404020201020102"/>
+                        <a:ea typeface="黑体" panose="02010609060101010101" pitchFamily="49" charset="-122"/>
                         <a:cs typeface="+mn-ea"/>
                         <a:sym typeface="+mn-lt"/>
                       </a:endParaRPr>
@@ -24202,7 +24159,7 @@
                 </a:tc>
                 <a:extLst>
                   <a:ext uri="{0D108BD9-81ED-4DB2-BD59-A6C34878D82A}">
-                    <a16:rowId xmlns:a16="http://schemas.microsoft.com/office/drawing/2014/main" xmlns="" val="2639051246"/>
+                    <a16:rowId xmlns:a16="http://schemas.microsoft.com/office/drawing/2014/main" val="2639051246"/>
                   </a:ext>
                 </a:extLst>
               </a:tr>
@@ -24230,29 +24187,29 @@
                         <a:defRPr/>
                       </a:pPr>
                       <a:r>
-                        <a:rPr lang="en-US" altLang="zh-CN" sz="1200" b="0" kern="1200" dirty="0" smtClean="0">
+                        <a:rPr lang="en-US" altLang="zh-CN" sz="1200" b="0" kern="1200" baseline="0" dirty="0" smtClean="0">
                           <a:solidFill>
                             <a:schemeClr val="tx1">
                               <a:lumMod val="75000"/>
                               <a:lumOff val="25000"/>
                             </a:schemeClr>
                           </a:solidFill>
-                          <a:latin typeface="+mn-lt"/>
-                          <a:ea typeface="+mn-ea"/>
+                          <a:latin typeface="Bentley Light" panose="020B0404020201020102"/>
+                          <a:ea typeface="黑体" panose="02010609060101010101" pitchFamily="49" charset="-122"/>
                           <a:cs typeface="+mn-ea"/>
                           <a:sym typeface="+mn-lt"/>
                         </a:rPr>
                         <a:t>7</a:t>
                       </a:r>
-                      <a:endParaRPr lang="zh-CN" altLang="en-US" sz="1200" b="0" kern="1200" dirty="0">
+                      <a:endParaRPr lang="zh-CN" altLang="en-US" sz="1200" b="0" kern="1200" baseline="0" dirty="0">
                         <a:solidFill>
                           <a:schemeClr val="tx1">
                             <a:lumMod val="75000"/>
                             <a:lumOff val="25000"/>
                           </a:schemeClr>
                         </a:solidFill>
-                        <a:latin typeface="+mn-lt"/>
-                        <a:ea typeface="+mn-ea"/>
+                        <a:latin typeface="Bentley Light" panose="020B0404020201020102"/>
+                        <a:ea typeface="黑体" panose="02010609060101010101" pitchFamily="49" charset="-122"/>
                         <a:cs typeface="+mn-ea"/>
                         <a:sym typeface="+mn-lt"/>
                       </a:endParaRPr>
@@ -24328,15 +24285,15 @@
                         <a:tabLst/>
                         <a:defRPr/>
                       </a:pPr>
-                      <a:endParaRPr lang="zh-CN" altLang="en-US" sz="1200" b="0" kern="1200" dirty="0">
+                      <a:endParaRPr lang="zh-CN" altLang="en-US" sz="1200" b="0" kern="1200" baseline="0" dirty="0">
                         <a:solidFill>
                           <a:schemeClr val="tx1">
                             <a:lumMod val="75000"/>
                             <a:lumOff val="25000"/>
                           </a:schemeClr>
                         </a:solidFill>
-                        <a:latin typeface="+mn-lt"/>
-                        <a:ea typeface="+mn-ea"/>
+                        <a:latin typeface="Bentley Light" panose="020B0404020201020102"/>
+                        <a:ea typeface="黑体" panose="02010609060101010101" pitchFamily="49" charset="-122"/>
                         <a:cs typeface="+mn-ea"/>
                         <a:sym typeface="+mn-lt"/>
                       </a:endParaRPr>
@@ -24412,15 +24369,15 @@
                         <a:tabLst/>
                         <a:defRPr/>
                       </a:pPr>
-                      <a:endParaRPr lang="zh-CN" altLang="en-US" sz="1200" b="0" kern="1200" dirty="0">
+                      <a:endParaRPr lang="zh-CN" altLang="en-US" sz="1200" b="0" kern="1200" baseline="0" dirty="0">
                         <a:solidFill>
                           <a:schemeClr val="tx1">
                             <a:lumMod val="75000"/>
                             <a:lumOff val="25000"/>
                           </a:schemeClr>
                         </a:solidFill>
-                        <a:latin typeface="+mn-lt"/>
-                        <a:ea typeface="+mn-ea"/>
+                        <a:latin typeface="Bentley Light" panose="020B0404020201020102"/>
+                        <a:ea typeface="黑体" panose="02010609060101010101" pitchFamily="49" charset="-122"/>
                         <a:cs typeface="+mn-ea"/>
                         <a:sym typeface="+mn-lt"/>
                       </a:endParaRPr>
@@ -24496,15 +24453,15 @@
                         <a:tabLst/>
                         <a:defRPr/>
                       </a:pPr>
-                      <a:endParaRPr lang="zh-CN" altLang="en-US" sz="1200" b="0" kern="1200" dirty="0">
+                      <a:endParaRPr lang="zh-CN" altLang="en-US" sz="1200" b="0" kern="1200" baseline="0" dirty="0">
                         <a:solidFill>
                           <a:schemeClr val="tx1">
                             <a:lumMod val="75000"/>
                             <a:lumOff val="25000"/>
                           </a:schemeClr>
                         </a:solidFill>
-                        <a:latin typeface="+mn-lt"/>
-                        <a:ea typeface="+mn-ea"/>
+                        <a:latin typeface="Bentley Light" panose="020B0404020201020102"/>
+                        <a:ea typeface="黑体" panose="02010609060101010101" pitchFamily="49" charset="-122"/>
                         <a:cs typeface="+mn-ea"/>
                         <a:sym typeface="+mn-lt"/>
                       </a:endParaRPr>
@@ -24560,7 +24517,723 @@
                 </a:tc>
                 <a:extLst>
                   <a:ext uri="{0D108BD9-81ED-4DB2-BD59-A6C34878D82A}">
-                    <a16:rowId xmlns:a16="http://schemas.microsoft.com/office/drawing/2014/main" xmlns="" val="1177553746"/>
+                    <a16:rowId xmlns:a16="http://schemas.microsoft.com/office/drawing/2014/main" val="1177553746"/>
+                  </a:ext>
+                </a:extLst>
+              </a:tr>
+              <a:tr h="404261">
+                <a:tc>
+                  <a:txBody>
+                    <a:bodyPr/>
+                    <a:lstStyle/>
+                    <a:p>
+                      <a:pPr marL="0" marR="0" lvl="0" indent="0" algn="ctr" defTabSz="685792" rtl="0" eaLnBrk="1" fontAlgn="auto" latinLnBrk="0" hangingPunct="1">
+                        <a:lnSpc>
+                          <a:spcPct val="130000"/>
+                        </a:lnSpc>
+                        <a:spcBef>
+                          <a:spcPts val="0"/>
+                        </a:spcBef>
+                        <a:spcAft>
+                          <a:spcPts val="0"/>
+                        </a:spcAft>
+                        <a:buClrTx/>
+                        <a:buSzTx/>
+                        <a:buFontTx/>
+                        <a:buNone/>
+                        <a:tabLst/>
+                        <a:defRPr/>
+                      </a:pPr>
+                      <a:r>
+                        <a:rPr lang="en-US" altLang="zh-CN" sz="1200" b="0" kern="1200" baseline="0" dirty="0" smtClean="0">
+                          <a:solidFill>
+                            <a:schemeClr val="tx1">
+                              <a:lumMod val="75000"/>
+                              <a:lumOff val="25000"/>
+                            </a:schemeClr>
+                          </a:solidFill>
+                          <a:latin typeface="Bentley Light" panose="020B0404020201020102"/>
+                          <a:ea typeface="黑体" panose="02010609060101010101" pitchFamily="49" charset="-122"/>
+                          <a:cs typeface="+mn-ea"/>
+                          <a:sym typeface="+mn-lt"/>
+                        </a:rPr>
+                        <a:t>8</a:t>
+                      </a:r>
+                      <a:endParaRPr lang="zh-CN" altLang="en-US" sz="1200" b="0" kern="1200" baseline="0" dirty="0">
+                        <a:solidFill>
+                          <a:schemeClr val="tx1">
+                            <a:lumMod val="75000"/>
+                            <a:lumOff val="25000"/>
+                          </a:schemeClr>
+                        </a:solidFill>
+                        <a:latin typeface="Bentley Light" panose="020B0404020201020102"/>
+                        <a:ea typeface="黑体" panose="02010609060101010101" pitchFamily="49" charset="-122"/>
+                        <a:cs typeface="+mn-ea"/>
+                        <a:sym typeface="+mn-lt"/>
+                      </a:endParaRPr>
+                    </a:p>
+                  </a:txBody>
+                  <a:tcPr marL="108666" marR="108666" marT="108522" marB="108522" anchor="ctr">
+                    <a:lnL w="57150" cap="flat" cmpd="sng" algn="ctr">
+                      <a:noFill/>
+                      <a:prstDash val="solid"/>
+                      <a:round/>
+                      <a:headEnd type="none" w="med" len="med"/>
+                      <a:tailEnd type="none" w="med" len="med"/>
+                    </a:lnL>
+                    <a:lnR w="3175" cap="flat" cmpd="sng" algn="ctr">
+                      <a:noFill/>
+                      <a:prstDash val="solid"/>
+                      <a:round/>
+                      <a:headEnd type="none" w="med" len="med"/>
+                      <a:tailEnd type="none" w="med" len="med"/>
+                    </a:lnR>
+                    <a:lnT w="3175" cap="flat" cmpd="sng" algn="ctr">
+                      <a:solidFill>
+                        <a:schemeClr val="bg1">
+                          <a:lumMod val="75000"/>
+                        </a:schemeClr>
+                      </a:solidFill>
+                      <a:prstDash val="sysDot"/>
+                      <a:round/>
+                      <a:headEnd type="none" w="med" len="med"/>
+                      <a:tailEnd type="none" w="med" len="med"/>
+                    </a:lnT>
+                    <a:lnB w="3175" cap="flat" cmpd="sng" algn="ctr">
+                      <a:solidFill>
+                        <a:schemeClr val="bg1">
+                          <a:lumMod val="75000"/>
+                        </a:schemeClr>
+                      </a:solidFill>
+                      <a:prstDash val="sysDot"/>
+                      <a:round/>
+                      <a:headEnd type="none" w="med" len="med"/>
+                      <a:tailEnd type="none" w="med" len="med"/>
+                    </a:lnB>
+                    <a:lnTlToBr w="12700" cmpd="sng">
+                      <a:noFill/>
+                      <a:prstDash val="solid"/>
+                    </a:lnTlToBr>
+                    <a:lnBlToTr w="12700" cmpd="sng">
+                      <a:noFill/>
+                      <a:prstDash val="solid"/>
+                    </a:lnBlToTr>
+                    <a:noFill/>
+                  </a:tcPr>
+                </a:tc>
+                <a:tc>
+                  <a:txBody>
+                    <a:bodyPr/>
+                    <a:lstStyle/>
+                    <a:p>
+                      <a:pPr marL="0" marR="0" lvl="0" indent="0" algn="ctr" defTabSz="685792" rtl="0" eaLnBrk="1" fontAlgn="auto" latinLnBrk="0" hangingPunct="1">
+                        <a:lnSpc>
+                          <a:spcPct val="130000"/>
+                        </a:lnSpc>
+                        <a:spcBef>
+                          <a:spcPts val="0"/>
+                        </a:spcBef>
+                        <a:spcAft>
+                          <a:spcPts val="0"/>
+                        </a:spcAft>
+                        <a:buClrTx/>
+                        <a:buSzTx/>
+                        <a:buFontTx/>
+                        <a:buNone/>
+                        <a:tabLst/>
+                        <a:defRPr/>
+                      </a:pPr>
+                      <a:endParaRPr lang="zh-CN" altLang="en-US" sz="1200" b="0" kern="1200" baseline="0" dirty="0">
+                        <a:solidFill>
+                          <a:schemeClr val="tx1">
+                            <a:lumMod val="75000"/>
+                            <a:lumOff val="25000"/>
+                          </a:schemeClr>
+                        </a:solidFill>
+                        <a:latin typeface="Bentley Light" panose="020B0404020201020102"/>
+                        <a:ea typeface="黑体" panose="02010609060101010101" pitchFamily="49" charset="-122"/>
+                        <a:cs typeface="+mn-ea"/>
+                        <a:sym typeface="+mn-lt"/>
+                      </a:endParaRPr>
+                    </a:p>
+                  </a:txBody>
+                  <a:tcPr marL="108666" marR="108666" marT="108522" marB="108522" anchor="ctr">
+                    <a:lnL w="57150" cap="flat" cmpd="sng" algn="ctr">
+                      <a:noFill/>
+                      <a:prstDash val="solid"/>
+                      <a:round/>
+                      <a:headEnd type="none" w="med" len="med"/>
+                      <a:tailEnd type="none" w="med" len="med"/>
+                    </a:lnL>
+                    <a:lnR w="3175" cap="flat" cmpd="sng" algn="ctr">
+                      <a:noFill/>
+                      <a:prstDash val="solid"/>
+                      <a:round/>
+                      <a:headEnd type="none" w="med" len="med"/>
+                      <a:tailEnd type="none" w="med" len="med"/>
+                    </a:lnR>
+                    <a:lnT w="3175" cap="flat" cmpd="sng" algn="ctr">
+                      <a:solidFill>
+                        <a:schemeClr val="bg1">
+                          <a:lumMod val="75000"/>
+                        </a:schemeClr>
+                      </a:solidFill>
+                      <a:prstDash val="sysDot"/>
+                      <a:round/>
+                      <a:headEnd type="none" w="med" len="med"/>
+                      <a:tailEnd type="none" w="med" len="med"/>
+                    </a:lnT>
+                    <a:lnB w="3175" cap="flat" cmpd="sng" algn="ctr">
+                      <a:solidFill>
+                        <a:schemeClr val="bg1">
+                          <a:lumMod val="75000"/>
+                        </a:schemeClr>
+                      </a:solidFill>
+                      <a:prstDash val="sysDot"/>
+                      <a:round/>
+                      <a:headEnd type="none" w="med" len="med"/>
+                      <a:tailEnd type="none" w="med" len="med"/>
+                    </a:lnB>
+                    <a:lnTlToBr w="12700" cmpd="sng">
+                      <a:noFill/>
+                      <a:prstDash val="solid"/>
+                    </a:lnTlToBr>
+                    <a:lnBlToTr w="12700" cmpd="sng">
+                      <a:noFill/>
+                      <a:prstDash val="solid"/>
+                    </a:lnBlToTr>
+                    <a:noFill/>
+                  </a:tcPr>
+                </a:tc>
+                <a:tc>
+                  <a:txBody>
+                    <a:bodyPr/>
+                    <a:lstStyle/>
+                    <a:p>
+                      <a:pPr marL="0" marR="0" lvl="0" indent="0" algn="l" defTabSz="685792" rtl="0" eaLnBrk="1" fontAlgn="auto" latinLnBrk="0" hangingPunct="1">
+                        <a:lnSpc>
+                          <a:spcPct val="130000"/>
+                        </a:lnSpc>
+                        <a:spcBef>
+                          <a:spcPts val="0"/>
+                        </a:spcBef>
+                        <a:spcAft>
+                          <a:spcPts val="0"/>
+                        </a:spcAft>
+                        <a:buClrTx/>
+                        <a:buSzTx/>
+                        <a:buFontTx/>
+                        <a:buNone/>
+                        <a:tabLst/>
+                        <a:defRPr/>
+                      </a:pPr>
+                      <a:endParaRPr lang="zh-CN" altLang="en-US" sz="1200" b="0" kern="1200" baseline="0" dirty="0">
+                        <a:solidFill>
+                          <a:schemeClr val="tx1">
+                            <a:lumMod val="75000"/>
+                            <a:lumOff val="25000"/>
+                          </a:schemeClr>
+                        </a:solidFill>
+                        <a:latin typeface="Bentley Light" panose="020B0404020201020102"/>
+                        <a:ea typeface="黑体" panose="02010609060101010101" pitchFamily="49" charset="-122"/>
+                        <a:cs typeface="+mn-ea"/>
+                        <a:sym typeface="+mn-lt"/>
+                      </a:endParaRPr>
+                    </a:p>
+                  </a:txBody>
+                  <a:tcPr marL="108666" marR="108666" marT="108522" marB="108522" anchor="ctr">
+                    <a:lnL w="3175" cap="flat" cmpd="sng" algn="ctr">
+                      <a:noFill/>
+                      <a:prstDash val="solid"/>
+                      <a:round/>
+                      <a:headEnd type="none" w="med" len="med"/>
+                      <a:tailEnd type="none" w="med" len="med"/>
+                    </a:lnL>
+                    <a:lnR w="57150" cap="flat" cmpd="sng" algn="ctr">
+                      <a:noFill/>
+                      <a:prstDash val="solid"/>
+                      <a:round/>
+                      <a:headEnd type="none" w="med" len="med"/>
+                      <a:tailEnd type="none" w="med" len="med"/>
+                    </a:lnR>
+                    <a:lnT w="3175" cap="flat" cmpd="sng" algn="ctr">
+                      <a:solidFill>
+                        <a:schemeClr val="bg1">
+                          <a:lumMod val="75000"/>
+                        </a:schemeClr>
+                      </a:solidFill>
+                      <a:prstDash val="sysDot"/>
+                      <a:round/>
+                      <a:headEnd type="none" w="med" len="med"/>
+                      <a:tailEnd type="none" w="med" len="med"/>
+                    </a:lnT>
+                    <a:lnB w="3175" cap="flat" cmpd="sng" algn="ctr">
+                      <a:solidFill>
+                        <a:schemeClr val="bg1">
+                          <a:lumMod val="75000"/>
+                        </a:schemeClr>
+                      </a:solidFill>
+                      <a:prstDash val="sysDot"/>
+                      <a:round/>
+                      <a:headEnd type="none" w="med" len="med"/>
+                      <a:tailEnd type="none" w="med" len="med"/>
+                    </a:lnB>
+                    <a:lnTlToBr w="12700" cmpd="sng">
+                      <a:noFill/>
+                      <a:prstDash val="solid"/>
+                    </a:lnTlToBr>
+                    <a:lnBlToTr w="12700" cmpd="sng">
+                      <a:noFill/>
+                      <a:prstDash val="solid"/>
+                    </a:lnBlToTr>
+                    <a:noFill/>
+                  </a:tcPr>
+                </a:tc>
+                <a:tc>
+                  <a:txBody>
+                    <a:bodyPr/>
+                    <a:lstStyle/>
+                    <a:p>
+                      <a:pPr marL="0" marR="0" lvl="0" indent="0" algn="l" defTabSz="685792" rtl="0" eaLnBrk="1" fontAlgn="auto" latinLnBrk="0" hangingPunct="1">
+                        <a:lnSpc>
+                          <a:spcPct val="130000"/>
+                        </a:lnSpc>
+                        <a:spcBef>
+                          <a:spcPts val="0"/>
+                        </a:spcBef>
+                        <a:spcAft>
+                          <a:spcPts val="0"/>
+                        </a:spcAft>
+                        <a:buClrTx/>
+                        <a:buSzTx/>
+                        <a:buFontTx/>
+                        <a:buNone/>
+                        <a:tabLst/>
+                        <a:defRPr/>
+                      </a:pPr>
+                      <a:endParaRPr lang="zh-CN" altLang="en-US" sz="1200" b="0" kern="1200" baseline="0" dirty="0">
+                        <a:solidFill>
+                          <a:schemeClr val="tx1">
+                            <a:lumMod val="75000"/>
+                            <a:lumOff val="25000"/>
+                          </a:schemeClr>
+                        </a:solidFill>
+                        <a:latin typeface="Bentley Light" panose="020B0404020201020102"/>
+                        <a:ea typeface="黑体" panose="02010609060101010101" pitchFamily="49" charset="-122"/>
+                        <a:cs typeface="+mn-ea"/>
+                        <a:sym typeface="+mn-lt"/>
+                      </a:endParaRPr>
+                    </a:p>
+                  </a:txBody>
+                  <a:tcPr marL="108666" marR="108666" marT="108522" marB="108522" anchor="ctr">
+                    <a:lnL w="3175" cap="flat" cmpd="sng" algn="ctr">
+                      <a:noFill/>
+                      <a:prstDash val="solid"/>
+                      <a:round/>
+                      <a:headEnd type="none" w="med" len="med"/>
+                      <a:tailEnd type="none" w="med" len="med"/>
+                    </a:lnL>
+                    <a:lnR w="57150" cap="flat" cmpd="sng" algn="ctr">
+                      <a:noFill/>
+                      <a:prstDash val="solid"/>
+                      <a:round/>
+                      <a:headEnd type="none" w="med" len="med"/>
+                      <a:tailEnd type="none" w="med" len="med"/>
+                    </a:lnR>
+                    <a:lnT w="3175" cap="flat" cmpd="sng" algn="ctr">
+                      <a:solidFill>
+                        <a:schemeClr val="bg1">
+                          <a:lumMod val="75000"/>
+                        </a:schemeClr>
+                      </a:solidFill>
+                      <a:prstDash val="sysDot"/>
+                      <a:round/>
+                      <a:headEnd type="none" w="med" len="med"/>
+                      <a:tailEnd type="none" w="med" len="med"/>
+                    </a:lnT>
+                    <a:lnB w="3175" cap="flat" cmpd="sng" algn="ctr">
+                      <a:solidFill>
+                        <a:schemeClr val="bg1">
+                          <a:lumMod val="75000"/>
+                        </a:schemeClr>
+                      </a:solidFill>
+                      <a:prstDash val="sysDot"/>
+                      <a:round/>
+                      <a:headEnd type="none" w="med" len="med"/>
+                      <a:tailEnd type="none" w="med" len="med"/>
+                    </a:lnB>
+                    <a:lnTlToBr w="12700" cmpd="sng">
+                      <a:noFill/>
+                      <a:prstDash val="solid"/>
+                    </a:lnTlToBr>
+                    <a:lnBlToTr w="12700" cmpd="sng">
+                      <a:noFill/>
+                      <a:prstDash val="solid"/>
+                    </a:lnBlToTr>
+                    <a:noFill/>
+                  </a:tcPr>
+                </a:tc>
+                <a:extLst>
+                  <a:ext uri="{0D108BD9-81ED-4DB2-BD59-A6C34878D82A}">
+                    <a16:rowId xmlns:a16="http://schemas.microsoft.com/office/drawing/2014/main" val="2475494381"/>
+                  </a:ext>
+                </a:extLst>
+              </a:tr>
+              <a:tr h="404261">
+                <a:tc>
+                  <a:txBody>
+                    <a:bodyPr/>
+                    <a:lstStyle/>
+                    <a:p>
+                      <a:pPr marL="0" marR="0" lvl="0" indent="0" algn="ctr" defTabSz="685792" rtl="0" eaLnBrk="1" fontAlgn="auto" latinLnBrk="0" hangingPunct="1">
+                        <a:lnSpc>
+                          <a:spcPct val="130000"/>
+                        </a:lnSpc>
+                        <a:spcBef>
+                          <a:spcPts val="0"/>
+                        </a:spcBef>
+                        <a:spcAft>
+                          <a:spcPts val="0"/>
+                        </a:spcAft>
+                        <a:buClrTx/>
+                        <a:buSzTx/>
+                        <a:buFontTx/>
+                        <a:buNone/>
+                        <a:tabLst/>
+                        <a:defRPr/>
+                      </a:pPr>
+                      <a:r>
+                        <a:rPr lang="en-US" altLang="zh-CN" sz="1200" b="0" kern="1200" baseline="0" dirty="0" smtClean="0">
+                          <a:solidFill>
+                            <a:schemeClr val="tx1">
+                              <a:lumMod val="75000"/>
+                              <a:lumOff val="25000"/>
+                            </a:schemeClr>
+                          </a:solidFill>
+                          <a:latin typeface="Bentley Light" panose="020B0404020201020102"/>
+                          <a:ea typeface="黑体" panose="02010609060101010101" pitchFamily="49" charset="-122"/>
+                          <a:cs typeface="+mn-ea"/>
+                          <a:sym typeface="+mn-lt"/>
+                        </a:rPr>
+                        <a:t>9</a:t>
+                      </a:r>
+                      <a:endParaRPr lang="zh-CN" altLang="en-US" sz="1200" b="0" kern="1200" baseline="0" dirty="0">
+                        <a:solidFill>
+                          <a:schemeClr val="tx1">
+                            <a:lumMod val="75000"/>
+                            <a:lumOff val="25000"/>
+                          </a:schemeClr>
+                        </a:solidFill>
+                        <a:latin typeface="Bentley Light" panose="020B0404020201020102"/>
+                        <a:ea typeface="黑体" panose="02010609060101010101" pitchFamily="49" charset="-122"/>
+                        <a:cs typeface="+mn-ea"/>
+                        <a:sym typeface="+mn-lt"/>
+                      </a:endParaRPr>
+                    </a:p>
+                  </a:txBody>
+                  <a:tcPr marL="108666" marR="108666" marT="108522" marB="108522" anchor="ctr">
+                    <a:lnL w="57150" cap="flat" cmpd="sng" algn="ctr">
+                      <a:noFill/>
+                      <a:prstDash val="solid"/>
+                      <a:round/>
+                      <a:headEnd type="none" w="med" len="med"/>
+                      <a:tailEnd type="none" w="med" len="med"/>
+                    </a:lnL>
+                    <a:lnR w="3175" cap="flat" cmpd="sng" algn="ctr">
+                      <a:noFill/>
+                      <a:prstDash val="solid"/>
+                      <a:round/>
+                      <a:headEnd type="none" w="med" len="med"/>
+                      <a:tailEnd type="none" w="med" len="med"/>
+                    </a:lnR>
+                    <a:lnT w="3175" cap="flat" cmpd="sng" algn="ctr">
+                      <a:solidFill>
+                        <a:schemeClr val="bg1">
+                          <a:lumMod val="75000"/>
+                        </a:schemeClr>
+                      </a:solidFill>
+                      <a:prstDash val="sysDot"/>
+                      <a:round/>
+                      <a:headEnd type="none" w="med" len="med"/>
+                      <a:tailEnd type="none" w="med" len="med"/>
+                    </a:lnT>
+                    <a:lnB w="3175" cap="flat" cmpd="sng" algn="ctr">
+                      <a:solidFill>
+                        <a:schemeClr val="bg1">
+                          <a:lumMod val="75000"/>
+                        </a:schemeClr>
+                      </a:solidFill>
+                      <a:prstDash val="sysDot"/>
+                      <a:round/>
+                      <a:headEnd type="none" w="med" len="med"/>
+                      <a:tailEnd type="none" w="med" len="med"/>
+                    </a:lnB>
+                    <a:lnTlToBr w="12700" cmpd="sng">
+                      <a:noFill/>
+                      <a:prstDash val="solid"/>
+                    </a:lnTlToBr>
+                    <a:lnBlToTr w="12700" cmpd="sng">
+                      <a:noFill/>
+                      <a:prstDash val="solid"/>
+                    </a:lnBlToTr>
+                    <a:noFill/>
+                  </a:tcPr>
+                </a:tc>
+                <a:tc>
+                  <a:txBody>
+                    <a:bodyPr/>
+                    <a:lstStyle/>
+                    <a:p>
+                      <a:pPr marL="0" marR="0" lvl="0" indent="0" algn="ctr" defTabSz="685792" rtl="0" eaLnBrk="1" fontAlgn="auto" latinLnBrk="0" hangingPunct="1">
+                        <a:lnSpc>
+                          <a:spcPct val="130000"/>
+                        </a:lnSpc>
+                        <a:spcBef>
+                          <a:spcPts val="0"/>
+                        </a:spcBef>
+                        <a:spcAft>
+                          <a:spcPts val="0"/>
+                        </a:spcAft>
+                        <a:buClrTx/>
+                        <a:buSzTx/>
+                        <a:buFontTx/>
+                        <a:buNone/>
+                        <a:tabLst/>
+                        <a:defRPr/>
+                      </a:pPr>
+                      <a:endParaRPr lang="zh-CN" altLang="en-US" sz="1200" b="0" kern="1200" baseline="0" dirty="0">
+                        <a:solidFill>
+                          <a:schemeClr val="tx1">
+                            <a:lumMod val="75000"/>
+                            <a:lumOff val="25000"/>
+                          </a:schemeClr>
+                        </a:solidFill>
+                        <a:latin typeface="Bentley Light" panose="020B0404020201020102"/>
+                        <a:ea typeface="黑体" panose="02010609060101010101" pitchFamily="49" charset="-122"/>
+                        <a:cs typeface="+mn-ea"/>
+                        <a:sym typeface="+mn-lt"/>
+                      </a:endParaRPr>
+                    </a:p>
+                  </a:txBody>
+                  <a:tcPr marL="108666" marR="108666" marT="108522" marB="108522" anchor="ctr">
+                    <a:lnL w="57150" cap="flat" cmpd="sng" algn="ctr">
+                      <a:noFill/>
+                      <a:prstDash val="solid"/>
+                      <a:round/>
+                      <a:headEnd type="none" w="med" len="med"/>
+                      <a:tailEnd type="none" w="med" len="med"/>
+                    </a:lnL>
+                    <a:lnR w="3175" cap="flat" cmpd="sng" algn="ctr">
+                      <a:noFill/>
+                      <a:prstDash val="solid"/>
+                      <a:round/>
+                      <a:headEnd type="none" w="med" len="med"/>
+                      <a:tailEnd type="none" w="med" len="med"/>
+                    </a:lnR>
+                    <a:lnT w="3175" cap="flat" cmpd="sng" algn="ctr">
+                      <a:solidFill>
+                        <a:schemeClr val="bg1">
+                          <a:lumMod val="75000"/>
+                        </a:schemeClr>
+                      </a:solidFill>
+                      <a:prstDash val="sysDot"/>
+                      <a:round/>
+                      <a:headEnd type="none" w="med" len="med"/>
+                      <a:tailEnd type="none" w="med" len="med"/>
+                    </a:lnT>
+                    <a:lnB w="3175" cap="flat" cmpd="sng" algn="ctr">
+                      <a:solidFill>
+                        <a:schemeClr val="bg1">
+                          <a:lumMod val="75000"/>
+                        </a:schemeClr>
+                      </a:solidFill>
+                      <a:prstDash val="sysDot"/>
+                      <a:round/>
+                      <a:headEnd type="none" w="med" len="med"/>
+                      <a:tailEnd type="none" w="med" len="med"/>
+                    </a:lnB>
+                    <a:lnTlToBr w="12700" cmpd="sng">
+                      <a:noFill/>
+                      <a:prstDash val="solid"/>
+                    </a:lnTlToBr>
+                    <a:lnBlToTr w="12700" cmpd="sng">
+                      <a:noFill/>
+                      <a:prstDash val="solid"/>
+                    </a:lnBlToTr>
+                    <a:noFill/>
+                  </a:tcPr>
+                </a:tc>
+                <a:tc>
+                  <a:txBody>
+                    <a:bodyPr/>
+                    <a:lstStyle/>
+                    <a:p>
+                      <a:pPr marL="0" marR="0" lvl="0" indent="0" algn="l" defTabSz="685792" rtl="0" eaLnBrk="1" fontAlgn="auto" latinLnBrk="0" hangingPunct="1">
+                        <a:lnSpc>
+                          <a:spcPct val="130000"/>
+                        </a:lnSpc>
+                        <a:spcBef>
+                          <a:spcPts val="0"/>
+                        </a:spcBef>
+                        <a:spcAft>
+                          <a:spcPts val="0"/>
+                        </a:spcAft>
+                        <a:buClrTx/>
+                        <a:buSzTx/>
+                        <a:buFontTx/>
+                        <a:buNone/>
+                        <a:tabLst/>
+                        <a:defRPr/>
+                      </a:pPr>
+                      <a:endParaRPr lang="zh-CN" altLang="en-US" sz="1200" b="0" kern="1200" baseline="0" dirty="0">
+                        <a:solidFill>
+                          <a:schemeClr val="tx1">
+                            <a:lumMod val="75000"/>
+                            <a:lumOff val="25000"/>
+                          </a:schemeClr>
+                        </a:solidFill>
+                        <a:latin typeface="Bentley Light" panose="020B0404020201020102"/>
+                        <a:ea typeface="黑体" panose="02010609060101010101" pitchFamily="49" charset="-122"/>
+                        <a:cs typeface="+mn-ea"/>
+                        <a:sym typeface="+mn-lt"/>
+                      </a:endParaRPr>
+                    </a:p>
+                  </a:txBody>
+                  <a:tcPr marL="108666" marR="108666" marT="108522" marB="108522" anchor="ctr">
+                    <a:lnL w="3175" cap="flat" cmpd="sng" algn="ctr">
+                      <a:noFill/>
+                      <a:prstDash val="solid"/>
+                      <a:round/>
+                      <a:headEnd type="none" w="med" len="med"/>
+                      <a:tailEnd type="none" w="med" len="med"/>
+                    </a:lnL>
+                    <a:lnR w="57150" cap="flat" cmpd="sng" algn="ctr">
+                      <a:noFill/>
+                      <a:prstDash val="solid"/>
+                      <a:round/>
+                      <a:headEnd type="none" w="med" len="med"/>
+                      <a:tailEnd type="none" w="med" len="med"/>
+                    </a:lnR>
+                    <a:lnT w="3175" cap="flat" cmpd="sng" algn="ctr">
+                      <a:solidFill>
+                        <a:schemeClr val="bg1">
+                          <a:lumMod val="75000"/>
+                        </a:schemeClr>
+                      </a:solidFill>
+                      <a:prstDash val="sysDot"/>
+                      <a:round/>
+                      <a:headEnd type="none" w="med" len="med"/>
+                      <a:tailEnd type="none" w="med" len="med"/>
+                    </a:lnT>
+                    <a:lnB w="3175" cap="flat" cmpd="sng" algn="ctr">
+                      <a:solidFill>
+                        <a:schemeClr val="bg1">
+                          <a:lumMod val="75000"/>
+                        </a:schemeClr>
+                      </a:solidFill>
+                      <a:prstDash val="sysDot"/>
+                      <a:round/>
+                      <a:headEnd type="none" w="med" len="med"/>
+                      <a:tailEnd type="none" w="med" len="med"/>
+                    </a:lnB>
+                    <a:lnTlToBr w="12700" cmpd="sng">
+                      <a:noFill/>
+                      <a:prstDash val="solid"/>
+                    </a:lnTlToBr>
+                    <a:lnBlToTr w="12700" cmpd="sng">
+                      <a:noFill/>
+                      <a:prstDash val="solid"/>
+                    </a:lnBlToTr>
+                    <a:noFill/>
+                  </a:tcPr>
+                </a:tc>
+                <a:tc>
+                  <a:txBody>
+                    <a:bodyPr/>
+                    <a:lstStyle/>
+                    <a:p>
+                      <a:pPr marL="0" marR="0" lvl="0" indent="0" algn="l" defTabSz="685792" rtl="0" eaLnBrk="1" fontAlgn="auto" latinLnBrk="0" hangingPunct="1">
+                        <a:lnSpc>
+                          <a:spcPct val="130000"/>
+                        </a:lnSpc>
+                        <a:spcBef>
+                          <a:spcPts val="0"/>
+                        </a:spcBef>
+                        <a:spcAft>
+                          <a:spcPts val="0"/>
+                        </a:spcAft>
+                        <a:buClrTx/>
+                        <a:buSzTx/>
+                        <a:buFontTx/>
+                        <a:buNone/>
+                        <a:tabLst/>
+                        <a:defRPr/>
+                      </a:pPr>
+                      <a:endParaRPr lang="zh-CN" altLang="en-US" sz="1200" b="0" kern="1200" baseline="0" dirty="0">
+                        <a:solidFill>
+                          <a:schemeClr val="tx1">
+                            <a:lumMod val="75000"/>
+                            <a:lumOff val="25000"/>
+                          </a:schemeClr>
+                        </a:solidFill>
+                        <a:latin typeface="Bentley Light" panose="020B0404020201020102"/>
+                        <a:ea typeface="黑体" panose="02010609060101010101" pitchFamily="49" charset="-122"/>
+                        <a:cs typeface="+mn-ea"/>
+                        <a:sym typeface="+mn-lt"/>
+                      </a:endParaRPr>
+                    </a:p>
+                  </a:txBody>
+                  <a:tcPr marL="108666" marR="108666" marT="108522" marB="108522" anchor="ctr">
+                    <a:lnL w="3175" cap="flat" cmpd="sng" algn="ctr">
+                      <a:noFill/>
+                      <a:prstDash val="solid"/>
+                      <a:round/>
+                      <a:headEnd type="none" w="med" len="med"/>
+                      <a:tailEnd type="none" w="med" len="med"/>
+                    </a:lnL>
+                    <a:lnR w="57150" cap="flat" cmpd="sng" algn="ctr">
+                      <a:noFill/>
+                      <a:prstDash val="solid"/>
+                      <a:round/>
+                      <a:headEnd type="none" w="med" len="med"/>
+                      <a:tailEnd type="none" w="med" len="med"/>
+                    </a:lnR>
+                    <a:lnT w="3175" cap="flat" cmpd="sng" algn="ctr">
+                      <a:solidFill>
+                        <a:schemeClr val="bg1">
+                          <a:lumMod val="75000"/>
+                        </a:schemeClr>
+                      </a:solidFill>
+                      <a:prstDash val="sysDot"/>
+                      <a:round/>
+                      <a:headEnd type="none" w="med" len="med"/>
+                      <a:tailEnd type="none" w="med" len="med"/>
+                    </a:lnT>
+                    <a:lnB w="3175" cap="flat" cmpd="sng" algn="ctr">
+                      <a:solidFill>
+                        <a:schemeClr val="bg1">
+                          <a:lumMod val="75000"/>
+                        </a:schemeClr>
+                      </a:solidFill>
+                      <a:prstDash val="sysDot"/>
+                      <a:round/>
+                      <a:headEnd type="none" w="med" len="med"/>
+                      <a:tailEnd type="none" w="med" len="med"/>
+                    </a:lnB>
+                    <a:lnTlToBr w="12700" cmpd="sng">
+                      <a:noFill/>
+                      <a:prstDash val="solid"/>
+                    </a:lnTlToBr>
+                    <a:lnBlToTr w="12700" cmpd="sng">
+                      <a:noFill/>
+                      <a:prstDash val="solid"/>
+                    </a:lnBlToTr>
+                    <a:noFill/>
+                  </a:tcPr>
+                </a:tc>
+                <a:extLst>
+                  <a:ext uri="{0D108BD9-81ED-4DB2-BD59-A6C34878D82A}">
+                    <a16:rowId xmlns:a16="http://schemas.microsoft.com/office/drawing/2014/main" val="365603687"/>
                   </a:ext>
                 </a:extLst>
               </a:tr>
@@ -24588,29 +25261,29 @@
                         <a:defRPr/>
                       </a:pPr>
                       <a:r>
-                        <a:rPr lang="en-US" altLang="zh-CN" sz="1200" b="0" kern="1200" dirty="0" smtClean="0">
+                        <a:rPr lang="en-US" altLang="zh-CN" sz="1200" b="0" kern="1200" baseline="0" dirty="0" smtClean="0">
                           <a:solidFill>
                             <a:schemeClr val="tx1">
                               <a:lumMod val="75000"/>
                               <a:lumOff val="25000"/>
                             </a:schemeClr>
                           </a:solidFill>
-                          <a:latin typeface="+mn-lt"/>
-                          <a:ea typeface="+mn-ea"/>
+                          <a:latin typeface="Bentley Light" panose="020B0404020201020102"/>
+                          <a:ea typeface="黑体" panose="02010609060101010101" pitchFamily="49" charset="-122"/>
                           <a:cs typeface="+mn-ea"/>
                           <a:sym typeface="+mn-lt"/>
                         </a:rPr>
-                        <a:t>8</a:t>
+                        <a:t>10</a:t>
                       </a:r>
-                      <a:endParaRPr lang="zh-CN" altLang="en-US" sz="1200" b="0" kern="1200" dirty="0">
+                      <a:endParaRPr lang="zh-CN" altLang="en-US" sz="1200" b="0" kern="1200" baseline="0" dirty="0">
                         <a:solidFill>
                           <a:schemeClr val="tx1">
                             <a:lumMod val="75000"/>
                             <a:lumOff val="25000"/>
                           </a:schemeClr>
                         </a:solidFill>
-                        <a:latin typeface="+mn-lt"/>
-                        <a:ea typeface="+mn-ea"/>
+                        <a:latin typeface="Bentley Light" panose="020B0404020201020102"/>
+                        <a:ea typeface="黑体" panose="02010609060101010101" pitchFamily="49" charset="-122"/>
                         <a:cs typeface="+mn-ea"/>
                         <a:sym typeface="+mn-lt"/>
                       </a:endParaRPr>
@@ -24684,15 +25357,15 @@
                         <a:tabLst/>
                         <a:defRPr/>
                       </a:pPr>
-                      <a:endParaRPr lang="zh-CN" altLang="en-US" sz="1200" b="0" kern="1200" dirty="0">
+                      <a:endParaRPr lang="zh-CN" altLang="en-US" sz="1200" b="0" kern="1200" baseline="0" dirty="0">
                         <a:solidFill>
                           <a:schemeClr val="tx1">
                             <a:lumMod val="75000"/>
                             <a:lumOff val="25000"/>
                           </a:schemeClr>
                         </a:solidFill>
-                        <a:latin typeface="+mn-lt"/>
-                        <a:ea typeface="+mn-ea"/>
+                        <a:latin typeface="Bentley Light" panose="020B0404020201020102"/>
+                        <a:ea typeface="黑体" panose="02010609060101010101" pitchFamily="49" charset="-122"/>
                         <a:cs typeface="+mn-ea"/>
                         <a:sym typeface="+mn-lt"/>
                       </a:endParaRPr>
@@ -24766,15 +25439,15 @@
                         <a:tabLst/>
                         <a:defRPr/>
                       </a:pPr>
-                      <a:endParaRPr lang="zh-CN" altLang="en-US" sz="1200" b="0" kern="1200" dirty="0">
+                      <a:endParaRPr lang="zh-CN" altLang="en-US" sz="1200" b="0" kern="1200" baseline="0" dirty="0">
                         <a:solidFill>
                           <a:schemeClr val="tx1">
                             <a:lumMod val="75000"/>
                             <a:lumOff val="25000"/>
                           </a:schemeClr>
                         </a:solidFill>
-                        <a:latin typeface="+mn-lt"/>
-                        <a:ea typeface="+mn-ea"/>
+                        <a:latin typeface="Bentley Light" panose="020B0404020201020102"/>
+                        <a:ea typeface="黑体" panose="02010609060101010101" pitchFamily="49" charset="-122"/>
                         <a:cs typeface="+mn-ea"/>
                         <a:sym typeface="+mn-lt"/>
                       </a:endParaRPr>
@@ -24848,15 +25521,15 @@
                         <a:tabLst/>
                         <a:defRPr/>
                       </a:pPr>
-                      <a:endParaRPr lang="zh-CN" altLang="en-US" sz="1200" b="0" kern="1200" dirty="0">
+                      <a:endParaRPr lang="zh-CN" altLang="en-US" sz="1200" b="0" kern="1200" baseline="0" dirty="0">
                         <a:solidFill>
                           <a:schemeClr val="tx1">
                             <a:lumMod val="75000"/>
                             <a:lumOff val="25000"/>
                           </a:schemeClr>
                         </a:solidFill>
-                        <a:latin typeface="+mn-lt"/>
-                        <a:ea typeface="+mn-ea"/>
+                        <a:latin typeface="Bentley Light" panose="020B0404020201020102"/>
+                        <a:ea typeface="黑体" panose="02010609060101010101" pitchFamily="49" charset="-122"/>
                         <a:cs typeface="+mn-ea"/>
                         <a:sym typeface="+mn-lt"/>
                       </a:endParaRPr>
@@ -24910,7 +25583,7 @@
                 </a:tc>
                 <a:extLst>
                   <a:ext uri="{0D108BD9-81ED-4DB2-BD59-A6C34878D82A}">
-                    <a16:rowId xmlns:a16="http://schemas.microsoft.com/office/drawing/2014/main" xmlns="" val="4230401121"/>
+                    <a16:rowId xmlns:a16="http://schemas.microsoft.com/office/drawing/2014/main" val="4230401121"/>
                   </a:ext>
                 </a:extLst>
               </a:tr>
@@ -25694,16 +26367,6 @@
               </a:spcAft>
             </a:pPr>
             <a:r>
-              <a:rPr lang="zh-CN" altLang="en-US" sz="2000" dirty="0">
-                <a:solidFill>
-                  <a:srgbClr val="232323"/>
-                </a:solidFill>
-                <a:cs typeface="+mn-ea"/>
-                <a:sym typeface="+mn-lt"/>
-              </a:rPr>
-              <a:t>如本月全部交车活动均在展厅中进行</a:t>
-            </a:r>
-            <a:r>
               <a:rPr lang="zh-CN" altLang="en-US" sz="2000" dirty="0" smtClean="0">
                 <a:solidFill>
                   <a:srgbClr val="232323"/>
@@ -25711,202 +26374,7 @@
                 <a:cs typeface="+mn-ea"/>
                 <a:sym typeface="+mn-lt"/>
               </a:rPr>
-              <a:t>，</a:t>
-            </a:r>
-            <a:endParaRPr lang="en-US" altLang="zh-CN" sz="2000" dirty="0" smtClean="0">
-              <a:solidFill>
-                <a:srgbClr val="232323"/>
-              </a:solidFill>
-              <a:cs typeface="+mn-ea"/>
-              <a:sym typeface="+mn-lt"/>
-            </a:endParaRPr>
-          </a:p>
-          <a:p>
-            <a:pPr algn="ctr" defTabSz="1085210" fontAlgn="base">
-              <a:spcBef>
-                <a:spcPct val="0"/>
-              </a:spcBef>
-              <a:spcAft>
-                <a:spcPct val="0"/>
-              </a:spcAft>
-            </a:pPr>
-            <a:r>
-              <a:rPr lang="zh-CN" altLang="en-US" sz="2000" dirty="0" smtClean="0">
-                <a:solidFill>
-                  <a:srgbClr val="232323"/>
-                </a:solidFill>
-                <a:cs typeface="+mn-ea"/>
-                <a:sym typeface="+mn-lt"/>
-              </a:rPr>
-              <a:t>提供</a:t>
-            </a:r>
-            <a:r>
-              <a:rPr lang="zh-CN" altLang="en-US" sz="2800" b="1" u="sng" dirty="0">
-                <a:solidFill>
-                  <a:srgbClr val="232323"/>
-                </a:solidFill>
-                <a:cs typeface="+mn-ea"/>
-                <a:sym typeface="+mn-lt"/>
-              </a:rPr>
-              <a:t>展厅</a:t>
-            </a:r>
-            <a:r>
-              <a:rPr lang="zh-CN" altLang="en-US" sz="2000" dirty="0">
-                <a:solidFill>
-                  <a:srgbClr val="232323"/>
-                </a:solidFill>
-                <a:cs typeface="+mn-ea"/>
-                <a:sym typeface="+mn-lt"/>
-              </a:rPr>
-              <a:t>实景照片即可；</a:t>
-            </a:r>
-            <a:endParaRPr lang="en-US" altLang="zh-CN" sz="2000" dirty="0">
-              <a:solidFill>
-                <a:srgbClr val="232323"/>
-              </a:solidFill>
-              <a:cs typeface="+mn-ea"/>
-              <a:sym typeface="+mn-lt"/>
-            </a:endParaRPr>
-          </a:p>
-          <a:p>
-            <a:pPr algn="ctr" defTabSz="1085210" fontAlgn="base">
-              <a:spcBef>
-                <a:spcPct val="0"/>
-              </a:spcBef>
-              <a:spcAft>
-                <a:spcPct val="0"/>
-              </a:spcAft>
-            </a:pPr>
-            <a:endParaRPr lang="en-US" altLang="zh-CN" sz="2000" dirty="0" smtClean="0">
-              <a:solidFill>
-                <a:srgbClr val="232323"/>
-              </a:solidFill>
-              <a:cs typeface="+mn-ea"/>
-              <a:sym typeface="+mn-lt"/>
-            </a:endParaRPr>
-          </a:p>
-          <a:p>
-            <a:pPr algn="ctr" defTabSz="1085210" fontAlgn="base">
-              <a:spcBef>
-                <a:spcPct val="0"/>
-              </a:spcBef>
-              <a:spcAft>
-                <a:spcPct val="0"/>
-              </a:spcAft>
-            </a:pPr>
-            <a:r>
-              <a:rPr lang="zh-CN" altLang="en-US" sz="2000" dirty="0" smtClean="0">
-                <a:solidFill>
-                  <a:srgbClr val="232323"/>
-                </a:solidFill>
-                <a:cs typeface="+mn-ea"/>
-                <a:sym typeface="+mn-lt"/>
-              </a:rPr>
-              <a:t>如</a:t>
-            </a:r>
-            <a:r>
-              <a:rPr lang="zh-CN" altLang="en-US" sz="2000" dirty="0">
-                <a:solidFill>
-                  <a:srgbClr val="232323"/>
-                </a:solidFill>
-                <a:cs typeface="+mn-ea"/>
-                <a:sym typeface="+mn-lt"/>
-              </a:rPr>
-              <a:t>本月交车活动涉及其他场地</a:t>
-            </a:r>
-            <a:r>
-              <a:rPr lang="zh-CN" altLang="en-US" sz="2000" dirty="0" smtClean="0">
-                <a:solidFill>
-                  <a:srgbClr val="232323"/>
-                </a:solidFill>
-                <a:cs typeface="+mn-ea"/>
-                <a:sym typeface="+mn-lt"/>
-              </a:rPr>
-              <a:t>，</a:t>
-            </a:r>
-            <a:endParaRPr lang="en-US" altLang="zh-CN" sz="2000" dirty="0" smtClean="0">
-              <a:solidFill>
-                <a:srgbClr val="232323"/>
-              </a:solidFill>
-              <a:cs typeface="+mn-ea"/>
-              <a:sym typeface="+mn-lt"/>
-            </a:endParaRPr>
-          </a:p>
-          <a:p>
-            <a:pPr algn="ctr" defTabSz="1085210" fontAlgn="base">
-              <a:spcBef>
-                <a:spcPct val="0"/>
-              </a:spcBef>
-              <a:spcAft>
-                <a:spcPct val="0"/>
-              </a:spcAft>
-            </a:pPr>
-            <a:r>
-              <a:rPr lang="zh-CN" altLang="en-US" sz="2000" dirty="0" smtClean="0">
-                <a:solidFill>
-                  <a:srgbClr val="232323"/>
-                </a:solidFill>
-                <a:cs typeface="+mn-ea"/>
-                <a:sym typeface="+mn-lt"/>
-              </a:rPr>
-              <a:t>请提供</a:t>
-            </a:r>
-            <a:r>
-              <a:rPr lang="zh-CN" altLang="en-US" sz="2800" b="1" u="sng" dirty="0">
-                <a:solidFill>
-                  <a:srgbClr val="232323"/>
-                </a:solidFill>
-                <a:cs typeface="+mn-ea"/>
-                <a:sym typeface="+mn-lt"/>
-              </a:rPr>
-              <a:t>交车场地</a:t>
-            </a:r>
-            <a:r>
-              <a:rPr lang="zh-CN" altLang="en-US" sz="2000" dirty="0">
-                <a:solidFill>
-                  <a:srgbClr val="232323"/>
-                </a:solidFill>
-                <a:cs typeface="+mn-ea"/>
-                <a:sym typeface="+mn-lt"/>
-              </a:rPr>
-              <a:t>内外部实景</a:t>
-            </a:r>
-            <a:r>
-              <a:rPr lang="zh-CN" altLang="en-US" sz="2000" dirty="0" smtClean="0">
-                <a:solidFill>
-                  <a:srgbClr val="232323"/>
-                </a:solidFill>
-                <a:cs typeface="+mn-ea"/>
-                <a:sym typeface="+mn-lt"/>
-              </a:rPr>
-              <a:t>照片</a:t>
-            </a:r>
-            <a:endParaRPr lang="en-US" altLang="zh-CN" sz="2000" dirty="0" smtClean="0">
-              <a:solidFill>
-                <a:srgbClr val="232323"/>
-              </a:solidFill>
-              <a:cs typeface="+mn-ea"/>
-              <a:sym typeface="+mn-lt"/>
-            </a:endParaRPr>
-          </a:p>
-          <a:p>
-            <a:pPr algn="ctr" defTabSz="1085210" fontAlgn="base">
-              <a:spcBef>
-                <a:spcPct val="0"/>
-              </a:spcBef>
-              <a:spcAft>
-                <a:spcPct val="0"/>
-              </a:spcAft>
-            </a:pPr>
-            <a:r>
-              <a:rPr lang="zh-CN" altLang="en-US" sz="2000" dirty="0" smtClean="0">
-                <a:solidFill>
-                  <a:srgbClr val="232323"/>
-                </a:solidFill>
-                <a:cs typeface="+mn-ea"/>
-                <a:sym typeface="+mn-lt"/>
-              </a:rPr>
-              <a:t>（如为客户私人住所可不提供照片）</a:t>
+              <a:t>）</a:t>
             </a:r>
             <a:endParaRPr lang="zh-CN" altLang="en-US" sz="2000" dirty="0">
               <a:solidFill>
@@ -26447,7 +26915,7 @@
           <a:graphicData uri="http://schemas.openxmlformats.org/presentationml/2006/ole">
             <mc:AlternateContent xmlns:mc="http://schemas.openxmlformats.org/markup-compatibility/2006">
               <mc:Choice xmlns:v="urn:schemas-microsoft-com:vml" Requires="v">
-                <p:oleObj spid="_x0000_s44072" name="think-cell Slide" r:id="rId5" imgW="416" imgH="416" progId="TCLayout.ActiveDocument.1">
+                <p:oleObj spid="_x0000_s44073" name="think-cell Slide" r:id="rId5" imgW="416" imgH="416" progId="TCLayout.ActiveDocument.1">
                   <p:embed/>
                 </p:oleObj>
               </mc:Choice>
@@ -26855,16 +27323,6 @@
                 <a:spcPct val="0"/>
               </a:spcAft>
             </a:pPr>
-            <a:r>
-              <a:rPr lang="zh-CN" altLang="en-US" sz="2000" dirty="0" smtClean="0">
-                <a:solidFill>
-                  <a:srgbClr val="232323"/>
-                </a:solidFill>
-                <a:cs typeface="+mn-ea"/>
-                <a:sym typeface="+mn-lt"/>
-              </a:rPr>
-              <a:t>请提供本月所有交车仪式的主视觉照片</a:t>
-            </a:r>
             <a:endParaRPr lang="zh-CN" altLang="en-US" sz="2000" dirty="0">
               <a:solidFill>
                 <a:srgbClr val="232323"/>
@@ -27378,26 +27836,6 @@
                 <a:spcPct val="0"/>
               </a:spcAft>
             </a:pPr>
-            <a:r>
-              <a:rPr lang="zh-CN" altLang="en-US" sz="2000" dirty="0">
-                <a:solidFill>
-                  <a:srgbClr val="232323"/>
-                </a:solidFill>
-                <a:cs typeface="+mn-ea"/>
-                <a:sym typeface="+mn-lt"/>
-              </a:rPr>
-              <a:t>请提供本月所有交车仪式</a:t>
-            </a:r>
-            <a:r>
-              <a:rPr lang="zh-CN" altLang="en-US" sz="2000" dirty="0" smtClean="0">
-                <a:solidFill>
-                  <a:srgbClr val="232323"/>
-                </a:solidFill>
-                <a:cs typeface="+mn-ea"/>
-                <a:sym typeface="+mn-lt"/>
-              </a:rPr>
-              <a:t>的场地布置照片</a:t>
-            </a:r>
             <a:endParaRPr lang="zh-CN" altLang="en-US" sz="2000" dirty="0">
               <a:solidFill>
                 <a:srgbClr val="232323"/>
@@ -28181,7 +28619,7 @@
   <a:extraClrSchemeLst/>
   <a:extLst>
     <a:ext uri="{05A4C25C-085E-4340-85A3-A5531E510DB2}">
-      <thm15:themeFamily xmlns:thm15="http://schemas.microsoft.com/office/thememl/2012/main" xmlns="" name="Office Theme" id="{62F939B6-93AF-4DB8-9C6B-D6C7DFDC589F}" vid="{4A3C46E8-61CC-4603-A589-7422A47A8E4A}"/>
+      <thm15:themeFamily xmlns:thm15="http://schemas.microsoft.com/office/thememl/2012/main" name="Office Theme" id="{62F939B6-93AF-4DB8-9C6B-D6C7DFDC589F}" vid="{4A3C46E8-61CC-4603-A589-7422A47A8E4A}"/>
     </a:ext>
   </a:extLst>
 </a:theme>
@@ -28415,7 +28853,7 @@
   <a:extraClrSchemeLst/>
   <a:extLst>
     <a:ext uri="{05A4C25C-085E-4340-85A3-A5531E510DB2}">
-      <thm15:themeFamily xmlns:thm15="http://schemas.microsoft.com/office/thememl/2012/main" xmlns="" name="Bentley template 2021.potx" id="{C9F80F40-B2B1-4DB6-919B-71F3AAFFE5B0}" vid="{F9D38CA0-4F02-4029-A6BC-9642EF690A5C}"/>
+      <thm15:themeFamily xmlns:thm15="http://schemas.microsoft.com/office/thememl/2012/main" name="Bentley template 2021.potx" id="{C9F80F40-B2B1-4DB6-919B-71F3AAFFE5B0}" vid="{F9D38CA0-4F02-4029-A6BC-9642EF690A5C}"/>
     </a:ext>
   </a:extLst>
 </a:theme>
@@ -28649,7 +29087,7 @@
   <a:extraClrSchemeLst/>
   <a:extLst>
     <a:ext uri="{05A4C25C-085E-4340-85A3-A5531E510DB2}">
-      <thm15:themeFamily xmlns:thm15="http://schemas.microsoft.com/office/thememl/2012/main" xmlns="" name="Bentley template 2021.potx" id="{C9F80F40-B2B1-4DB6-919B-71F3AAFFE5B0}" vid="{F9D38CA0-4F02-4029-A6BC-9642EF690A5C}"/>
+      <thm15:themeFamily xmlns:thm15="http://schemas.microsoft.com/office/thememl/2012/main" name="Bentley template 2021.potx" id="{C9F80F40-B2B1-4DB6-919B-71F3AAFFE5B0}" vid="{F9D38CA0-4F02-4029-A6BC-9642EF690A5C}"/>
     </a:ext>
   </a:extLst>
 </a:theme>
@@ -28910,7 +29348,7 @@
   <a:extraClrSchemeLst/>
   <a:extLst>
     <a:ext uri="{05A4C25C-085E-4340-85A3-A5531E510DB2}">
-      <thm15:themeFamily xmlns:thm15="http://schemas.microsoft.com/office/thememl/2012/main" xmlns="" name="Office Theme" id="{62F939B6-93AF-4DB8-9C6B-D6C7DFDC589F}" vid="{4A3C46E8-61CC-4603-A589-7422A47A8E4A}"/>
+      <thm15:themeFamily xmlns:thm15="http://schemas.microsoft.com/office/thememl/2012/main" name="Office Theme" id="{62F939B6-93AF-4DB8-9C6B-D6C7DFDC589F}" vid="{4A3C46E8-61CC-4603-A589-7422A47A8E4A}"/>
     </a:ext>
   </a:extLst>
 </a:theme>

--- a/com.yrtech.bentleyAPI/com.yrtech.InventoryAPI/template/ReportHandOver.pptx
+++ b/com.yrtech.bentleyAPI/com.yrtech.InventoryAPI/template/ReportHandOver.pptx
@@ -222,7 +222,7 @@
           <a:p>
             <a:fld id="{69A4D669-94F9-4D70-8C76-4C2D35D4E5D0}" type="datetimeFigureOut">
               <a:rPr lang="en-US" smtClean="0"/>
-              <a:t>4/26/2022</a:t>
+              <a:t>5/5/2022</a:t>
             </a:fld>
             <a:endParaRPr lang="en-US"/>
           </a:p>
@@ -1431,7 +1431,7 @@
           <a:p>
             <a:fld id="{CB9F8517-1271-4F8B-9742-ECB8BBF22693}" type="datetimeFigureOut">
               <a:rPr lang="en-US" smtClean="0"/>
-              <a:t>4/26/2022</a:t>
+              <a:t>5/5/2022</a:t>
             </a:fld>
             <a:endParaRPr lang="en-US"/>
           </a:p>
@@ -1601,7 +1601,7 @@
           <a:p>
             <a:fld id="{CB9F8517-1271-4F8B-9742-ECB8BBF22693}" type="datetimeFigureOut">
               <a:rPr lang="en-US" smtClean="0"/>
-              <a:t>4/26/2022</a:t>
+              <a:t>5/5/2022</a:t>
             </a:fld>
             <a:endParaRPr lang="en-US"/>
           </a:p>
@@ -1781,7 +1781,7 @@
           <a:p>
             <a:fld id="{CB9F8517-1271-4F8B-9742-ECB8BBF22693}" type="datetimeFigureOut">
               <a:rPr lang="en-US" smtClean="0"/>
-              <a:t>4/26/2022</a:t>
+              <a:t>5/5/2022</a:t>
             </a:fld>
             <a:endParaRPr lang="en-US"/>
           </a:p>
@@ -1879,7 +1879,7 @@
           <a:graphicData uri="http://schemas.openxmlformats.org/presentationml/2006/ole">
             <mc:AlternateContent xmlns:mc="http://schemas.openxmlformats.org/markup-compatibility/2006">
               <mc:Choice xmlns:v="urn:schemas-microsoft-com:vml" Requires="v">
-                <p:oleObj spid="_x0000_s3125" name="think-cell Slide" r:id="rId4" imgW="216" imgH="216" progId="TCLayout.ActiveDocument.1">
+                <p:oleObj spid="_x0000_s3127" name="think-cell Slide" r:id="rId4" imgW="216" imgH="216" progId="TCLayout.ActiveDocument.1">
                   <p:embed/>
                 </p:oleObj>
               </mc:Choice>
@@ -2917,7 +2917,7 @@
           <a:graphicData uri="http://schemas.openxmlformats.org/presentationml/2006/ole">
             <mc:AlternateContent xmlns:mc="http://schemas.openxmlformats.org/markup-compatibility/2006">
               <mc:Choice xmlns:v="urn:schemas-microsoft-com:vml" Requires="v">
-                <p:oleObj spid="_x0000_s32809" name="think-cell Slide" r:id="rId5" imgW="216" imgH="216" progId="TCLayout.ActiveDocument.1">
+                <p:oleObj spid="_x0000_s32811" name="think-cell Slide" r:id="rId5" imgW="216" imgH="216" progId="TCLayout.ActiveDocument.1">
                   <p:embed/>
                 </p:oleObj>
               </mc:Choice>
@@ -3394,7 +3394,7 @@
           <a:graphicData uri="http://schemas.openxmlformats.org/presentationml/2006/ole">
             <mc:AlternateContent xmlns:mc="http://schemas.openxmlformats.org/markup-compatibility/2006">
               <mc:Choice xmlns:v="urn:schemas-microsoft-com:vml" Requires="v">
-                <p:oleObj spid="_x0000_s33833" name="think-cell Slide" r:id="rId4" imgW="216" imgH="216" progId="TCLayout.ActiveDocument.1">
+                <p:oleObj spid="_x0000_s33835" name="think-cell Slide" r:id="rId4" imgW="216" imgH="216" progId="TCLayout.ActiveDocument.1">
                   <p:embed/>
                 </p:oleObj>
               </mc:Choice>
@@ -4131,7 +4131,7 @@
           <a:graphicData uri="http://schemas.openxmlformats.org/presentationml/2006/ole">
             <mc:AlternateContent xmlns:mc="http://schemas.openxmlformats.org/markup-compatibility/2006">
               <mc:Choice xmlns:v="urn:schemas-microsoft-com:vml" Requires="v">
-                <p:oleObj spid="_x0000_s34857" name="think-cell Slide" r:id="rId4" imgW="216" imgH="216" progId="TCLayout.ActiveDocument.1">
+                <p:oleObj spid="_x0000_s34859" name="think-cell Slide" r:id="rId4" imgW="216" imgH="216" progId="TCLayout.ActiveDocument.1">
                   <p:embed/>
                 </p:oleObj>
               </mc:Choice>
@@ -5179,7 +5179,7 @@
           <a:graphicData uri="http://schemas.openxmlformats.org/presentationml/2006/ole">
             <mc:AlternateContent xmlns:mc="http://schemas.openxmlformats.org/markup-compatibility/2006">
               <mc:Choice xmlns:v="urn:schemas-microsoft-com:vml" Requires="v">
-                <p:oleObj spid="_x0000_s35881" name="think-cell Slide" r:id="rId5" imgW="216" imgH="216" progId="TCLayout.ActiveDocument.1">
+                <p:oleObj spid="_x0000_s35883" name="think-cell Slide" r:id="rId5" imgW="216" imgH="216" progId="TCLayout.ActiveDocument.1">
                   <p:embed/>
                 </p:oleObj>
               </mc:Choice>
@@ -5971,7 +5971,7 @@
           <a:graphicData uri="http://schemas.openxmlformats.org/presentationml/2006/ole">
             <mc:AlternateContent xmlns:mc="http://schemas.openxmlformats.org/markup-compatibility/2006">
               <mc:Choice xmlns:v="urn:schemas-microsoft-com:vml" Requires="v">
-                <p:oleObj spid="_x0000_s37929" name="think-cell Slide" r:id="rId5" imgW="216" imgH="216" progId="TCLayout.ActiveDocument.1">
+                <p:oleObj spid="_x0000_s37931" name="think-cell Slide" r:id="rId5" imgW="216" imgH="216" progId="TCLayout.ActiveDocument.1">
                   <p:embed/>
                 </p:oleObj>
               </mc:Choice>
@@ -6448,7 +6448,7 @@
           <a:graphicData uri="http://schemas.openxmlformats.org/presentationml/2006/ole">
             <mc:AlternateContent xmlns:mc="http://schemas.openxmlformats.org/markup-compatibility/2006">
               <mc:Choice xmlns:v="urn:schemas-microsoft-com:vml" Requires="v">
-                <p:oleObj spid="_x0000_s38953" name="think-cell Slide" r:id="rId4" imgW="216" imgH="216" progId="TCLayout.ActiveDocument.1">
+                <p:oleObj spid="_x0000_s38955" name="think-cell Slide" r:id="rId4" imgW="216" imgH="216" progId="TCLayout.ActiveDocument.1">
                   <p:embed/>
                 </p:oleObj>
               </mc:Choice>
@@ -7256,7 +7256,7 @@
           <a:p>
             <a:fld id="{CB9F8517-1271-4F8B-9742-ECB8BBF22693}" type="datetimeFigureOut">
               <a:rPr lang="en-US" smtClean="0"/>
-              <a:t>4/26/2022</a:t>
+              <a:t>5/5/2022</a:t>
             </a:fld>
             <a:endParaRPr lang="en-US"/>
           </a:p>
@@ -7355,7 +7355,7 @@
           <a:graphicData uri="http://schemas.openxmlformats.org/presentationml/2006/ole">
             <mc:AlternateContent xmlns:mc="http://schemas.openxmlformats.org/markup-compatibility/2006">
               <mc:Choice xmlns:v="urn:schemas-microsoft-com:vml" Requires="v">
-                <p:oleObj spid="_x0000_s39977" name="think-cell Slide" r:id="rId4" imgW="216" imgH="216" progId="TCLayout.ActiveDocument.1">
+                <p:oleObj spid="_x0000_s39979" name="think-cell Slide" r:id="rId4" imgW="216" imgH="216" progId="TCLayout.ActiveDocument.1">
                   <p:embed/>
                 </p:oleObj>
               </mc:Choice>
@@ -8403,7 +8403,7 @@
           <a:graphicData uri="http://schemas.openxmlformats.org/presentationml/2006/ole">
             <mc:AlternateContent xmlns:mc="http://schemas.openxmlformats.org/markup-compatibility/2006">
               <mc:Choice xmlns:v="urn:schemas-microsoft-com:vml" Requires="v">
-                <p:oleObj spid="_x0000_s41001" name="think-cell Slide" r:id="rId5" imgW="216" imgH="216" progId="TCLayout.ActiveDocument.1">
+                <p:oleObj spid="_x0000_s41003" name="think-cell Slide" r:id="rId5" imgW="216" imgH="216" progId="TCLayout.ActiveDocument.1">
                   <p:embed/>
                 </p:oleObj>
               </mc:Choice>
@@ -9342,7 +9342,7 @@
           <a:p>
             <a:fld id="{CB9F8517-1271-4F8B-9742-ECB8BBF22693}" type="datetimeFigureOut">
               <a:rPr lang="en-US" smtClean="0"/>
-              <a:t>4/26/2022</a:t>
+              <a:t>5/5/2022</a:t>
             </a:fld>
             <a:endParaRPr lang="en-US"/>
           </a:p>
@@ -9574,7 +9574,7 @@
           <a:p>
             <a:fld id="{CB9F8517-1271-4F8B-9742-ECB8BBF22693}" type="datetimeFigureOut">
               <a:rPr lang="en-US" smtClean="0"/>
-              <a:t>4/26/2022</a:t>
+              <a:t>5/5/2022</a:t>
             </a:fld>
             <a:endParaRPr lang="en-US"/>
           </a:p>
@@ -9941,7 +9941,7 @@
           <a:p>
             <a:fld id="{CB9F8517-1271-4F8B-9742-ECB8BBF22693}" type="datetimeFigureOut">
               <a:rPr lang="en-US" smtClean="0"/>
-              <a:t>4/26/2022</a:t>
+              <a:t>5/5/2022</a:t>
             </a:fld>
             <a:endParaRPr lang="en-US"/>
           </a:p>
@@ -10059,7 +10059,7 @@
           <a:p>
             <a:fld id="{CB9F8517-1271-4F8B-9742-ECB8BBF22693}" type="datetimeFigureOut">
               <a:rPr lang="en-US" smtClean="0"/>
-              <a:t>4/26/2022</a:t>
+              <a:t>5/5/2022</a:t>
             </a:fld>
             <a:endParaRPr lang="en-US"/>
           </a:p>
@@ -10154,7 +10154,7 @@
           <a:p>
             <a:fld id="{CB9F8517-1271-4F8B-9742-ECB8BBF22693}" type="datetimeFigureOut">
               <a:rPr lang="en-US" smtClean="0"/>
-              <a:t>4/26/2022</a:t>
+              <a:t>5/5/2022</a:t>
             </a:fld>
             <a:endParaRPr lang="en-US"/>
           </a:p>
@@ -10431,7 +10431,7 @@
           <a:p>
             <a:fld id="{CB9F8517-1271-4F8B-9742-ECB8BBF22693}" type="datetimeFigureOut">
               <a:rPr lang="en-US" smtClean="0"/>
-              <a:t>4/26/2022</a:t>
+              <a:t>5/5/2022</a:t>
             </a:fld>
             <a:endParaRPr lang="en-US"/>
           </a:p>
@@ -10684,7 +10684,7 @@
           <a:p>
             <a:fld id="{CB9F8517-1271-4F8B-9742-ECB8BBF22693}" type="datetimeFigureOut">
               <a:rPr lang="en-US" smtClean="0"/>
-              <a:t>4/26/2022</a:t>
+              <a:t>5/5/2022</a:t>
             </a:fld>
             <a:endParaRPr lang="en-US"/>
           </a:p>
@@ -10792,7 +10792,7 @@
           <a:graphicData uri="http://schemas.openxmlformats.org/presentationml/2006/ole">
             <mc:AlternateContent xmlns:mc="http://schemas.openxmlformats.org/markup-compatibility/2006">
               <mc:Choice xmlns:v="urn:schemas-microsoft-com:vml" Requires="v">
-                <p:oleObj spid="_x0000_s1077" name="think-cell Slide" r:id="rId16" imgW="416" imgH="416" progId="TCLayout.ActiveDocument.1">
+                <p:oleObj spid="_x0000_s1079" name="think-cell Slide" r:id="rId16" imgW="416" imgH="416" progId="TCLayout.ActiveDocument.1">
                   <p:embed/>
                 </p:oleObj>
               </mc:Choice>
@@ -10957,7 +10957,7 @@
           <a:p>
             <a:fld id="{CB9F8517-1271-4F8B-9742-ECB8BBF22693}" type="datetimeFigureOut">
               <a:rPr lang="en-US" smtClean="0"/>
-              <a:t>4/26/2022</a:t>
+              <a:t>5/5/2022</a:t>
             </a:fld>
             <a:endParaRPr lang="en-US"/>
           </a:p>
@@ -11393,7 +11393,7 @@
           <a:graphicData uri="http://schemas.openxmlformats.org/presentationml/2006/ole">
             <mc:AlternateContent xmlns:mc="http://schemas.openxmlformats.org/markup-compatibility/2006">
               <mc:Choice xmlns:v="urn:schemas-microsoft-com:vml" Requires="v">
-                <p:oleObj spid="_x0000_s31785" name="think-cell Slide" r:id="rId10" imgW="216" imgH="216" progId="TCLayout.ActiveDocument.1">
+                <p:oleObj spid="_x0000_s31787" name="think-cell Slide" r:id="rId10" imgW="216" imgH="216" progId="TCLayout.ActiveDocument.1">
                   <p:embed/>
                 </p:oleObj>
               </mc:Choice>
@@ -12151,7 +12151,7 @@
           <a:graphicData uri="http://schemas.openxmlformats.org/presentationml/2006/ole">
             <mc:AlternateContent xmlns:mc="http://schemas.openxmlformats.org/markup-compatibility/2006">
               <mc:Choice xmlns:v="urn:schemas-microsoft-com:vml" Requires="v">
-                <p:oleObj spid="_x0000_s36906" name="think-cell Slide" r:id="rId10" imgW="216" imgH="216" progId="TCLayout.ActiveDocument.1">
+                <p:oleObj spid="_x0000_s36908" name="think-cell Slide" r:id="rId10" imgW="216" imgH="216" progId="TCLayout.ActiveDocument.1">
                   <p:embed/>
                 </p:oleObj>
               </mc:Choice>
@@ -12904,7 +12904,7 @@
           <a:graphicData uri="http://schemas.openxmlformats.org/presentationml/2006/ole">
             <mc:AlternateContent xmlns:mc="http://schemas.openxmlformats.org/markup-compatibility/2006">
               <mc:Choice xmlns:v="urn:schemas-microsoft-com:vml" Requires="v">
-                <p:oleObj spid="_x0000_s14392" name="think-cell Slide" r:id="rId5" imgW="396" imgH="396" progId="TCLayout.ActiveDocument.1">
+                <p:oleObj spid="_x0000_s14394" name="think-cell Slide" r:id="rId5" imgW="396" imgH="396" progId="TCLayout.ActiveDocument.1">
                   <p:embed/>
                 </p:oleObj>
               </mc:Choice>
@@ -15317,7 +15317,7 @@
         <p:spPr>
           <a:xfrm>
             <a:off x="565598" y="1146150"/>
-            <a:ext cx="3534319" cy="307777"/>
+            <a:ext cx="3534319" cy="246221"/>
           </a:xfrm>
           <a:prstGeom prst="rect">
             <a:avLst/>
@@ -15338,20 +15338,22 @@
               <a:buSzPct val="100000"/>
             </a:pPr>
             <a:r>
-              <a:rPr lang="en-US" altLang="zh-CN" sz="1400" dirty="0">
+              <a:rPr lang="en-US" altLang="zh-CN" sz="1000" b="1" dirty="0">
                 <a:solidFill>
                   <a:schemeClr val="bg1"/>
                 </a:solidFill>
+                <a:latin typeface="Bentley Light" panose="020B0404020201020102"/>
                 <a:ea typeface="黑体" panose="02010609060101010101" pitchFamily="49" charset="-122"/>
                 <a:cs typeface="Gill Sans MT"/>
               </a:rPr>
               <a:t>Contract </a:t>
             </a:r>
             <a:r>
-              <a:rPr lang="zh-CN" altLang="en-US" sz="1400" dirty="0">
+              <a:rPr lang="zh-CN" altLang="en-US" sz="1000" b="1" dirty="0">
                 <a:solidFill>
                   <a:schemeClr val="bg1"/>
                 </a:solidFill>
+                <a:latin typeface="Bentley Light" panose="020B0404020201020102"/>
                 <a:ea typeface="黑体" panose="02010609060101010101" pitchFamily="49" charset="-122"/>
                 <a:cs typeface="Gill Sans MT"/>
               </a:rPr>
@@ -15400,7 +15402,7 @@
               <a:t> </a:t>
             </a:r>
             <a:r>
-              <a:rPr lang="en-US" altLang="zh-CN" sz="1400" dirty="0">
+              <a:rPr lang="en-US" altLang="zh-CN" sz="1000" b="1" dirty="0">
                 <a:solidFill>
                   <a:schemeClr val="bg1"/>
                 </a:solidFill>
@@ -15410,7 +15412,7 @@
               <a:t>Quotation </a:t>
             </a:r>
             <a:r>
-              <a:rPr lang="zh-CN" altLang="en-US" sz="1400" dirty="0" smtClean="0">
+              <a:rPr lang="zh-CN" altLang="en-US" sz="1000" b="1" dirty="0" smtClean="0">
                 <a:solidFill>
                   <a:schemeClr val="bg1"/>
                 </a:solidFill>
@@ -15419,7 +15421,7 @@
               </a:rPr>
               <a:t>报价单</a:t>
             </a:r>
-            <a:endParaRPr lang="en-US" altLang="zh-CN" sz="1400" dirty="0">
+            <a:endParaRPr lang="en-US" altLang="zh-CN" sz="1000" b="1" dirty="0">
               <a:solidFill>
                 <a:schemeClr val="bg1"/>
               </a:solidFill>
@@ -15575,7 +15577,7 @@
               <a:t> </a:t>
             </a:r>
             <a:r>
-              <a:rPr lang="en-US" altLang="zh-CN" sz="1400" dirty="0">
+              <a:rPr lang="en-US" altLang="zh-CN" sz="1000" dirty="0">
                 <a:solidFill>
                   <a:schemeClr val="bg1"/>
                 </a:solidFill>
@@ -15585,7 +15587,7 @@
               <a:t>Invoice </a:t>
             </a:r>
             <a:r>
-              <a:rPr lang="zh-CN" altLang="en-US" sz="1400" dirty="0">
+              <a:rPr lang="zh-CN" altLang="en-US" sz="1000" dirty="0">
                 <a:solidFill>
                   <a:schemeClr val="bg1"/>
                 </a:solidFill>
@@ -15594,7 +15596,7 @@
               </a:rPr>
               <a:t>发票</a:t>
             </a:r>
-            <a:endParaRPr lang="en-US" altLang="zh-CN" sz="1400" dirty="0">
+            <a:endParaRPr lang="en-US" altLang="zh-CN" sz="1000" dirty="0">
               <a:solidFill>
                 <a:schemeClr val="bg1"/>
               </a:solidFill>
@@ -15723,7 +15725,7 @@
           <a:graphicData uri="http://schemas.openxmlformats.org/presentationml/2006/ole">
             <mc:AlternateContent xmlns:mc="http://schemas.openxmlformats.org/markup-compatibility/2006">
               <mc:Choice xmlns:v="urn:schemas-microsoft-com:vml" Requires="v">
-                <p:oleObj spid="_x0000_s42032" name="think-cell Slide" r:id="rId6" imgW="416" imgH="416" progId="TCLayout.ActiveDocument.1">
+                <p:oleObj spid="_x0000_s42034" name="think-cell Slide" r:id="rId6" imgW="416" imgH="416" progId="TCLayout.ActiveDocument.1">
                   <p:embed/>
                 </p:oleObj>
               </mc:Choice>
@@ -16127,7 +16129,7 @@
           <p:nvPr>
             <p:extLst>
               <p:ext uri="{D42A27DB-BD31-4B8C-83A1-F6EECF244321}">
-                <p14:modId xmlns:p14="http://schemas.microsoft.com/office/powerpoint/2010/main" val="4197255004"/>
+                <p14:modId xmlns:p14="http://schemas.microsoft.com/office/powerpoint/2010/main" val="2447772811"/>
               </p:ext>
             </p:extLst>
           </p:nvPr>
@@ -16203,7 +16205,7 @@
                         <a:defRPr/>
                       </a:pPr>
                       <a:r>
-                        <a:rPr lang="zh-CN" altLang="en-US" sz="1300" b="1" kern="1200" dirty="0" smtClean="0">
+                        <a:rPr lang="zh-CN" altLang="en-US" sz="1000" b="1" kern="1200" dirty="0" smtClean="0">
                           <a:solidFill>
                             <a:schemeClr val="bg1"/>
                           </a:solidFill>
@@ -16214,7 +16216,7 @@
                         <a:t>活动总览</a:t>
                       </a:r>
                       <a:r>
-                        <a:rPr lang="en-US" altLang="zh-CN" sz="1300" b="1" kern="1200" dirty="0" smtClean="0">
+                        <a:rPr lang="en-US" altLang="zh-CN" sz="1000" b="1" kern="1200" dirty="0" smtClean="0">
                           <a:solidFill>
                             <a:schemeClr val="bg1"/>
                           </a:solidFill>
@@ -16224,7 +16226,7 @@
                         </a:rPr>
                         <a:t> Overview</a:t>
                       </a:r>
-                      <a:endParaRPr lang="en-US" sz="1300" b="1" kern="1200" dirty="0" smtClean="0">
+                      <a:endParaRPr lang="en-US" sz="1000" b="1" kern="1200" dirty="0" smtClean="0">
                         <a:solidFill>
                           <a:schemeClr val="bg1"/>
                         </a:solidFill>
@@ -16372,12 +16374,12 @@
                         <a:defRPr/>
                       </a:pPr>
                       <a:r>
-                        <a:rPr lang="en-US" sz="1200" b="0" kern="1200" dirty="0" smtClean="0">
+                        <a:rPr lang="en-US" sz="1000" b="0" kern="1200" baseline="0" dirty="0" smtClean="0">
                           <a:solidFill>
                             <a:schemeClr val="tx1"/>
                           </a:solidFill>
-                          <a:latin typeface="+mn-lt"/>
-                          <a:ea typeface="+mn-ea"/>
+                          <a:latin typeface="Bentley Light" panose="020B0404020201020102"/>
+                          <a:ea typeface="黑体" panose="02010609060101010101" pitchFamily="49" charset="-122"/>
                           <a:cs typeface="+mn-ea"/>
                           <a:sym typeface="+mn-lt"/>
                         </a:rPr>
@@ -16403,22 +16405,22 @@
                         <a:defRPr/>
                       </a:pPr>
                       <a:r>
-                        <a:rPr lang="zh-CN" altLang="en-US" sz="1200" b="0" kern="1200" dirty="0" smtClean="0">
+                        <a:rPr lang="zh-CN" altLang="en-US" sz="1000" b="0" kern="1200" baseline="0" dirty="0" smtClean="0">
                           <a:solidFill>
                             <a:schemeClr val="tx1"/>
                           </a:solidFill>
-                          <a:latin typeface="+mn-lt"/>
-                          <a:ea typeface="+mn-ea"/>
+                          <a:latin typeface="Bentley Light" panose="020B0404020201020102"/>
+                          <a:ea typeface="黑体" panose="02010609060101010101" pitchFamily="49" charset="-122"/>
                           <a:cs typeface="+mn-ea"/>
                         </a:rPr>
                         <a:t>活动名称</a:t>
                       </a:r>
-                      <a:endParaRPr lang="en-US" sz="1200" b="0" kern="1200" dirty="0" smtClean="0">
+                      <a:endParaRPr lang="en-US" sz="1000" b="0" kern="1200" baseline="0" dirty="0" smtClean="0">
                         <a:solidFill>
                           <a:schemeClr val="tx1"/>
                         </a:solidFill>
-                        <a:latin typeface="+mn-lt"/>
-                        <a:ea typeface="+mn-ea"/>
+                        <a:latin typeface="Bentley Light" panose="020B0404020201020102"/>
+                        <a:ea typeface="黑体" panose="02010609060101010101" pitchFamily="49" charset="-122"/>
                         <a:cs typeface="+mn-ea"/>
                       </a:endParaRPr>
                     </a:p>
@@ -16449,12 +16451,12 @@
                         <a:tabLst/>
                         <a:defRPr/>
                       </a:pPr>
-                      <a:endParaRPr lang="en-US" sz="1200" b="0" kern="1200" dirty="0" smtClean="0">
+                      <a:endParaRPr lang="en-US" sz="1000" b="0" kern="1200" baseline="0" dirty="0" smtClean="0">
                         <a:solidFill>
                           <a:schemeClr val="tx1"/>
                         </a:solidFill>
-                        <a:latin typeface="+mn-lt"/>
-                        <a:ea typeface="+mn-ea"/>
+                        <a:latin typeface="Bentley Light" panose="020B0404020201020102"/>
+                        <a:ea typeface="黑体" panose="02010609060101010101" pitchFamily="49" charset="-122"/>
                         <a:cs typeface="+mn-cs"/>
                       </a:endParaRPr>
                     </a:p>
@@ -16501,35 +16503,35 @@
                         <a:defRPr/>
                       </a:pPr>
                       <a:r>
-                        <a:rPr lang="en-US" altLang="zh-CN" sz="1200" b="0" kern="1200" dirty="0" smtClean="0">
+                        <a:rPr lang="en-US" altLang="zh-CN" sz="1000" b="0" kern="1200" baseline="0" dirty="0" smtClean="0">
                           <a:solidFill>
                             <a:schemeClr val="tx1"/>
                           </a:solidFill>
-                          <a:latin typeface="+mn-lt"/>
-                          <a:ea typeface="+mn-ea"/>
+                          <a:latin typeface="Bentley Light" panose="020B0404020201020102"/>
+                          <a:ea typeface="黑体" panose="02010609060101010101" pitchFamily="49" charset="-122"/>
                           <a:cs typeface="+mn-ea"/>
                           <a:sym typeface="+mn-lt"/>
                         </a:rPr>
                         <a:t>Date </a:t>
                       </a:r>
                       <a:r>
-                        <a:rPr lang="zh-CN" altLang="en-US" sz="1200" b="0" kern="1200" dirty="0" smtClean="0">
+                        <a:rPr lang="zh-CN" altLang="en-US" sz="1000" b="0" kern="1200" baseline="0" dirty="0" smtClean="0">
                           <a:solidFill>
                             <a:schemeClr val="tx1"/>
                           </a:solidFill>
-                          <a:latin typeface="+mn-lt"/>
-                          <a:ea typeface="+mn-ea"/>
+                          <a:latin typeface="Bentley Light" panose="020B0404020201020102"/>
+                          <a:ea typeface="黑体" panose="02010609060101010101" pitchFamily="49" charset="-122"/>
                           <a:cs typeface="+mn-ea"/>
                           <a:sym typeface="+mn-lt"/>
                         </a:rPr>
                         <a:t>日期</a:t>
                       </a:r>
-                      <a:endParaRPr lang="en-US" altLang="zh-CN" sz="1200" b="0" kern="1200" dirty="0" smtClean="0">
+                      <a:endParaRPr lang="en-US" altLang="zh-CN" sz="1000" b="0" kern="1200" baseline="0" dirty="0" smtClean="0">
                         <a:solidFill>
                           <a:schemeClr val="tx1"/>
                         </a:solidFill>
-                        <a:latin typeface="+mn-lt"/>
-                        <a:ea typeface="+mn-ea"/>
+                        <a:latin typeface="Bentley Light" panose="020B0404020201020102"/>
+                        <a:ea typeface="黑体" panose="02010609060101010101" pitchFamily="49" charset="-122"/>
                         <a:cs typeface="+mn-ea"/>
                         <a:sym typeface="+mn-lt"/>
                       </a:endParaRPr>
@@ -16561,12 +16563,12 @@
                         <a:tabLst/>
                         <a:defRPr/>
                       </a:pPr>
-                      <a:endParaRPr lang="en-US" sz="1200" b="0" kern="1200" dirty="0" smtClean="0">
+                      <a:endParaRPr lang="en-US" sz="1000" b="0" kern="1200" baseline="0" dirty="0" smtClean="0">
                         <a:solidFill>
                           <a:schemeClr val="tx1"/>
                         </a:solidFill>
-                        <a:latin typeface="+mn-lt"/>
-                        <a:ea typeface="+mn-ea"/>
+                        <a:latin typeface="Bentley Light" panose="020B0404020201020102"/>
+                        <a:ea typeface="黑体" panose="02010609060101010101" pitchFamily="49" charset="-122"/>
                         <a:cs typeface="+mn-cs"/>
                       </a:endParaRPr>
                     </a:p>
@@ -16607,35 +16609,35 @@
                         <a:defRPr/>
                       </a:pPr>
                       <a:r>
-                        <a:rPr lang="en-US" altLang="zh-CN" sz="1200" b="0" kern="1200" dirty="0" smtClean="0">
+                        <a:rPr lang="en-US" altLang="zh-CN" sz="1000" b="0" kern="1200" baseline="0" dirty="0" smtClean="0">
                           <a:solidFill>
                             <a:schemeClr val="tx1"/>
                           </a:solidFill>
-                          <a:latin typeface="+mn-lt"/>
-                          <a:ea typeface="+mn-ea"/>
+                          <a:latin typeface="Bentley Light" panose="020B0404020201020102"/>
+                          <a:ea typeface="黑体" panose="02010609060101010101" pitchFamily="49" charset="-122"/>
                           <a:cs typeface="+mn-ea"/>
                           <a:sym typeface="+mn-lt"/>
                         </a:rPr>
                         <a:t>Location </a:t>
                       </a:r>
                       <a:r>
-                        <a:rPr lang="zh-CN" altLang="en-US" sz="1200" b="0" kern="1200" dirty="0" smtClean="0">
+                        <a:rPr lang="zh-CN" altLang="en-US" sz="1000" b="0" kern="1200" baseline="0" dirty="0" smtClean="0">
                           <a:solidFill>
                             <a:schemeClr val="tx1"/>
                           </a:solidFill>
-                          <a:latin typeface="+mn-lt"/>
-                          <a:ea typeface="+mn-ea"/>
+                          <a:latin typeface="Bentley Light" panose="020B0404020201020102"/>
+                          <a:ea typeface="黑体" panose="02010609060101010101" pitchFamily="49" charset="-122"/>
                           <a:cs typeface="+mn-ea"/>
                           <a:sym typeface="+mn-lt"/>
                         </a:rPr>
                         <a:t>地点</a:t>
                       </a:r>
-                      <a:endParaRPr lang="en-US" altLang="zh-CN" sz="1200" b="0" kern="1200" dirty="0" smtClean="0">
+                      <a:endParaRPr lang="en-US" altLang="zh-CN" sz="1000" b="0" kern="1200" baseline="0" dirty="0" smtClean="0">
                         <a:solidFill>
                           <a:schemeClr val="tx1"/>
                         </a:solidFill>
-                        <a:latin typeface="+mn-lt"/>
-                        <a:ea typeface="+mn-ea"/>
+                        <a:latin typeface="Bentley Light" panose="020B0404020201020102"/>
+                        <a:ea typeface="黑体" panose="02010609060101010101" pitchFamily="49" charset="-122"/>
                         <a:cs typeface="+mn-ea"/>
                         <a:sym typeface="+mn-lt"/>
                       </a:endParaRPr>
@@ -16652,10 +16654,12 @@
                     <a:bodyPr/>
                     <a:lstStyle/>
                     <a:p>
-                      <a:endParaRPr lang="en-US" sz="1200" dirty="0">
+                      <a:endParaRPr lang="en-US" sz="1000" baseline="0" dirty="0">
                         <a:solidFill>
                           <a:schemeClr val="tx1"/>
                         </a:solidFill>
+                        <a:latin typeface="Bentley Light" panose="020B0404020201020102"/>
+                        <a:ea typeface="黑体" panose="02010609060101010101" pitchFamily="49" charset="-122"/>
                       </a:endParaRPr>
                     </a:p>
                   </a:txBody>
@@ -16758,47 +16762,47 @@
                         <a:defRPr/>
                       </a:pPr>
                       <a:r>
-                        <a:rPr lang="en-US" altLang="zh-CN" sz="1200" b="0" kern="1200" dirty="0" smtClean="0">
+                        <a:rPr lang="en-US" altLang="zh-CN" sz="1000" b="0" kern="1200" baseline="0" dirty="0" smtClean="0">
                           <a:solidFill>
                             <a:schemeClr val="tx1"/>
                           </a:solidFill>
-                          <a:latin typeface="+mn-lt"/>
-                          <a:ea typeface="+mn-ea"/>
+                          <a:latin typeface="Bentley Light" panose="020B0404020201020102"/>
+                          <a:ea typeface="黑体" panose="02010609060101010101" pitchFamily="49" charset="-122"/>
                           <a:cs typeface="+mn-ea"/>
                           <a:sym typeface="+mn-lt"/>
                         </a:rPr>
                         <a:t>Participants</a:t>
                       </a:r>
                       <a:r>
-                        <a:rPr lang="en-US" sz="1200" b="0" kern="1200" dirty="0" smtClean="0">
+                        <a:rPr lang="en-US" sz="1000" b="0" kern="1200" baseline="0" dirty="0" smtClean="0">
                           <a:solidFill>
                             <a:schemeClr val="tx1"/>
                           </a:solidFill>
-                          <a:latin typeface="+mn-lt"/>
-                          <a:ea typeface="+mn-ea"/>
+                          <a:latin typeface="Bentley Light" panose="020B0404020201020102"/>
+                          <a:ea typeface="黑体" panose="02010609060101010101" pitchFamily="49" charset="-122"/>
                           <a:cs typeface="+mn-ea"/>
                           <a:sym typeface="+mn-lt"/>
                         </a:rPr>
                         <a:t> </a:t>
                       </a:r>
                       <a:r>
-                        <a:rPr lang="zh-CN" altLang="en-US" sz="1200" b="0" kern="1200" dirty="0" smtClean="0">
+                        <a:rPr lang="zh-CN" altLang="en-US" sz="1000" b="0" kern="1200" baseline="0" dirty="0" smtClean="0">
                           <a:solidFill>
                             <a:schemeClr val="tx1"/>
                           </a:solidFill>
-                          <a:latin typeface="+mn-lt"/>
-                          <a:ea typeface="+mn-ea"/>
+                          <a:latin typeface="Bentley Light" panose="020B0404020201020102"/>
+                          <a:ea typeface="黑体" panose="02010609060101010101" pitchFamily="49" charset="-122"/>
                           <a:cs typeface="+mn-ea"/>
                           <a:sym typeface="+mn-lt"/>
                         </a:rPr>
                         <a:t>人员</a:t>
                       </a:r>
-                      <a:endParaRPr lang="en-US" sz="1200" b="0" kern="1200" dirty="0" smtClean="0">
+                      <a:endParaRPr lang="en-US" sz="1000" b="0" kern="1200" baseline="0" dirty="0" smtClean="0">
                         <a:solidFill>
                           <a:schemeClr val="tx1"/>
                         </a:solidFill>
-                        <a:latin typeface="+mn-lt"/>
-                        <a:ea typeface="+mn-ea"/>
+                        <a:latin typeface="Bentley Light" panose="020B0404020201020102"/>
+                        <a:ea typeface="黑体" panose="02010609060101010101" pitchFamily="49" charset="-122"/>
                         <a:cs typeface="+mn-ea"/>
                       </a:endParaRPr>
                     </a:p>
@@ -16820,12 +16824,12 @@
                         <a:tabLst/>
                         <a:defRPr/>
                       </a:pPr>
-                      <a:endParaRPr lang="en-US" altLang="zh-CN" sz="1200" b="0" kern="1200" dirty="0" smtClean="0">
+                      <a:endParaRPr lang="en-US" altLang="zh-CN" sz="1000" b="0" kern="1200" baseline="0" dirty="0" smtClean="0">
                         <a:solidFill>
                           <a:schemeClr val="tx1"/>
                         </a:solidFill>
-                        <a:latin typeface="+mn-lt"/>
-                        <a:ea typeface="+mn-ea"/>
+                        <a:latin typeface="Bentley Light" panose="020B0404020201020102"/>
+                        <a:ea typeface="黑体" panose="02010609060101010101" pitchFamily="49" charset="-122"/>
                         <a:cs typeface="+mn-ea"/>
                         <a:sym typeface="+mn-lt"/>
                       </a:endParaRPr>
@@ -16859,12 +16863,12 @@
                         <a:tabLst/>
                         <a:defRPr/>
                       </a:pPr>
-                      <a:endParaRPr lang="en-US" sz="1200" b="0" kern="1200" dirty="0" smtClean="0">
+                      <a:endParaRPr lang="en-US" sz="1000" b="0" kern="1200" baseline="0" dirty="0" smtClean="0">
                         <a:solidFill>
                           <a:schemeClr val="tx1"/>
                         </a:solidFill>
-                        <a:latin typeface="+mn-lt"/>
-                        <a:ea typeface="+mn-ea"/>
+                        <a:latin typeface="Bentley Light" panose="020B0404020201020102"/>
+                        <a:ea typeface="黑体" panose="02010609060101010101" pitchFamily="49" charset="-122"/>
                         <a:cs typeface="+mn-ea"/>
                       </a:endParaRPr>
                     </a:p>
@@ -16896,33 +16900,33 @@
                         <a:defRPr/>
                       </a:pPr>
                       <a:r>
-                        <a:rPr lang="en-US" sz="1200" b="0" kern="1200" dirty="0" smtClean="0">
+                        <a:rPr lang="en-US" sz="1000" b="0" kern="1200" baseline="0" dirty="0" smtClean="0">
                           <a:solidFill>
                             <a:schemeClr val="tx1"/>
                           </a:solidFill>
-                          <a:latin typeface="+mn-lt"/>
-                          <a:ea typeface="+mn-ea"/>
+                          <a:latin typeface="Bentley Light" panose="020B0404020201020102"/>
+                          <a:ea typeface="黑体" panose="02010609060101010101" pitchFamily="49" charset="-122"/>
                           <a:cs typeface="+mn-ea"/>
                         </a:rPr>
                         <a:t>Actual </a:t>
                       </a:r>
                       <a:r>
-                        <a:rPr lang="zh-CN" altLang="en-US" sz="1200" b="0" kern="1200" dirty="0" smtClean="0">
+                        <a:rPr lang="zh-CN" altLang="en-US" sz="1000" b="0" kern="1200" baseline="0" dirty="0" smtClean="0">
                           <a:solidFill>
                             <a:schemeClr val="tx1"/>
                           </a:solidFill>
-                          <a:latin typeface="+mn-lt"/>
-                          <a:ea typeface="+mn-ea"/>
+                          <a:latin typeface="Bentley Light" panose="020B0404020201020102"/>
+                          <a:ea typeface="黑体" panose="02010609060101010101" pitchFamily="49" charset="-122"/>
                           <a:cs typeface="+mn-ea"/>
                         </a:rPr>
                         <a:t>实际情况</a:t>
                       </a:r>
-                      <a:endParaRPr lang="en-US" sz="1200" b="0" kern="1200" dirty="0" smtClean="0">
+                      <a:endParaRPr lang="en-US" sz="1000" b="0" kern="1200" baseline="0" dirty="0" smtClean="0">
                         <a:solidFill>
                           <a:schemeClr val="tx1"/>
                         </a:solidFill>
-                        <a:latin typeface="+mn-lt"/>
-                        <a:ea typeface="+mn-ea"/>
+                        <a:latin typeface="Bentley Light" panose="020B0404020201020102"/>
+                        <a:ea typeface="黑体" panose="02010609060101010101" pitchFamily="49" charset="-122"/>
                         <a:cs typeface="+mn-ea"/>
                       </a:endParaRPr>
                     </a:p>
@@ -16993,33 +16997,33 @@
                         <a:defRPr/>
                       </a:pPr>
                       <a:r>
-                        <a:rPr lang="en-US" altLang="zh-CN" sz="1200" b="0" kern="1200" dirty="0" smtClean="0">
+                        <a:rPr lang="en-US" altLang="zh-CN" sz="1000" b="0" kern="1200" baseline="0" dirty="0" smtClean="0">
                           <a:solidFill>
                             <a:schemeClr val="tx1"/>
                           </a:solidFill>
-                          <a:latin typeface="+mn-lt"/>
-                          <a:ea typeface="+mn-ea"/>
+                          <a:latin typeface="Bentley Light" panose="020B0404020201020102"/>
+                          <a:ea typeface="黑体" panose="02010609060101010101" pitchFamily="49" charset="-122"/>
                           <a:cs typeface="+mn-ea"/>
                         </a:rPr>
                         <a:t>Plan </a:t>
                       </a:r>
                       <a:r>
-                        <a:rPr lang="zh-CN" altLang="en-US" sz="1200" b="0" kern="1200" dirty="0" smtClean="0">
+                        <a:rPr lang="zh-CN" altLang="en-US" sz="1000" b="0" kern="1200" baseline="0" dirty="0" smtClean="0">
                           <a:solidFill>
                             <a:schemeClr val="tx1"/>
                           </a:solidFill>
-                          <a:latin typeface="+mn-lt"/>
-                          <a:ea typeface="+mn-ea"/>
+                          <a:latin typeface="Bentley Light" panose="020B0404020201020102"/>
+                          <a:ea typeface="黑体" panose="02010609060101010101" pitchFamily="49" charset="-122"/>
                           <a:cs typeface="+mn-ea"/>
                         </a:rPr>
                         <a:t>计划</a:t>
                       </a:r>
-                      <a:endParaRPr lang="en-US" sz="1200" b="0" kern="1200" dirty="0" smtClean="0">
+                      <a:endParaRPr lang="en-US" sz="1000" b="0" kern="1200" baseline="0" dirty="0" smtClean="0">
                         <a:solidFill>
                           <a:schemeClr val="tx1"/>
                         </a:solidFill>
-                        <a:latin typeface="+mn-lt"/>
-                        <a:ea typeface="+mn-ea"/>
+                        <a:latin typeface="Bentley Light" panose="020B0404020201020102"/>
+                        <a:ea typeface="黑体" panose="02010609060101010101" pitchFamily="49" charset="-122"/>
                         <a:cs typeface="+mn-ea"/>
                       </a:endParaRPr>
                     </a:p>
@@ -17097,23 +17101,23 @@
                         <a:defRPr/>
                       </a:pPr>
                       <a:r>
-                        <a:rPr lang="en-US" altLang="zh-CN" sz="1200" b="0" kern="1200" dirty="0" smtClean="0">
+                        <a:rPr lang="en-US" altLang="zh-CN" sz="1000" b="0" kern="1200" baseline="0" dirty="0" smtClean="0">
                           <a:solidFill>
                             <a:schemeClr val="tx1"/>
                           </a:solidFill>
-                          <a:latin typeface="+mn-lt"/>
-                          <a:ea typeface="+mn-ea"/>
+                          <a:latin typeface="Bentley Light" panose="020B0404020201020102"/>
+                          <a:ea typeface="黑体" panose="02010609060101010101" pitchFamily="49" charset="-122"/>
                           <a:cs typeface="+mn-ea"/>
                         </a:rPr>
                         <a:t>No.</a:t>
                       </a:r>
                       <a:r>
-                        <a:rPr lang="en-US" sz="1200" b="0" kern="1200" dirty="0" smtClean="0">
+                        <a:rPr lang="en-US" sz="1000" b="0" kern="1200" baseline="0" dirty="0" smtClean="0">
                           <a:solidFill>
                             <a:schemeClr val="tx1"/>
                           </a:solidFill>
-                          <a:latin typeface="+mn-lt"/>
-                          <a:ea typeface="+mn-ea"/>
+                          <a:latin typeface="Bentley Light" panose="020B0404020201020102"/>
+                          <a:ea typeface="黑体" panose="02010609060101010101" pitchFamily="49" charset="-122"/>
                           <a:cs typeface="+mn-ea"/>
                         </a:rPr>
                         <a:t> of participants</a:t>
@@ -17138,22 +17142,22 @@
                         <a:defRPr/>
                       </a:pPr>
                       <a:r>
-                        <a:rPr lang="zh-CN" altLang="en-US" sz="1200" b="0" kern="1200" dirty="0" smtClean="0">
+                        <a:rPr lang="zh-CN" altLang="en-US" sz="1000" b="0" kern="1200" baseline="0" dirty="0" smtClean="0">
                           <a:solidFill>
                             <a:schemeClr val="tx1"/>
                           </a:solidFill>
-                          <a:latin typeface="+mn-lt"/>
-                          <a:ea typeface="+mn-ea"/>
+                          <a:latin typeface="Bentley Light" panose="020B0404020201020102"/>
+                          <a:ea typeface="黑体" panose="02010609060101010101" pitchFamily="49" charset="-122"/>
                           <a:cs typeface="+mn-ea"/>
                         </a:rPr>
                         <a:t>参与人数</a:t>
                       </a:r>
-                      <a:endParaRPr lang="en-US" sz="1200" b="0" kern="1200" dirty="0" smtClean="0">
+                      <a:endParaRPr lang="en-US" sz="1000" b="0" kern="1200" baseline="0" dirty="0" smtClean="0">
                         <a:solidFill>
                           <a:schemeClr val="tx1"/>
                         </a:solidFill>
-                        <a:latin typeface="+mn-lt"/>
-                        <a:ea typeface="+mn-ea"/>
+                        <a:latin typeface="Bentley Light" panose="020B0404020201020102"/>
+                        <a:ea typeface="黑体" panose="02010609060101010101" pitchFamily="49" charset="-122"/>
                         <a:cs typeface="+mn-ea"/>
                       </a:endParaRPr>
                     </a:p>
@@ -17172,10 +17176,12 @@
                     <a:bodyPr/>
                     <a:lstStyle/>
                     <a:p>
-                      <a:endParaRPr lang="en-US" sz="1200" dirty="0">
+                      <a:endParaRPr lang="en-US" sz="1000" baseline="0" dirty="0">
                         <a:solidFill>
                           <a:schemeClr val="tx1"/>
                         </a:solidFill>
+                        <a:latin typeface="Bentley Light" panose="020B0404020201020102"/>
+                        <a:ea typeface="黑体" panose="02010609060101010101" pitchFamily="49" charset="-122"/>
                       </a:endParaRPr>
                     </a:p>
                   </a:txBody>
@@ -17232,10 +17238,12 @@
                     <a:bodyPr/>
                     <a:lstStyle/>
                     <a:p>
-                      <a:endParaRPr lang="en-US" sz="1200" dirty="0">
+                      <a:endParaRPr lang="en-US" sz="1000" baseline="0" dirty="0">
                         <a:solidFill>
                           <a:schemeClr val="tx1"/>
                         </a:solidFill>
+                        <a:latin typeface="Bentley Light" panose="020B0404020201020102"/>
+                        <a:ea typeface="黑体" panose="02010609060101010101" pitchFamily="49" charset="-122"/>
                       </a:endParaRPr>
                     </a:p>
                   </a:txBody>
@@ -17316,12 +17324,12 @@
                         <a:defRPr/>
                       </a:pPr>
                       <a:r>
-                        <a:rPr lang="en-US" sz="1200" b="0" kern="1200" dirty="0" smtClean="0">
+                        <a:rPr lang="en-US" sz="1000" b="0" kern="1200" baseline="0" dirty="0" smtClean="0">
                           <a:solidFill>
                             <a:schemeClr val="tx1"/>
                           </a:solidFill>
-                          <a:latin typeface="+mn-lt"/>
-                          <a:ea typeface="+mn-ea"/>
+                          <a:latin typeface="Bentley Light" panose="020B0404020201020102"/>
+                          <a:ea typeface="黑体" panose="02010609060101010101" pitchFamily="49" charset="-122"/>
                           <a:cs typeface="+mn-ea"/>
                         </a:rPr>
                         <a:t>No. of DCPID</a:t>
@@ -17346,33 +17354,33 @@
                         <a:defRPr/>
                       </a:pPr>
                       <a:r>
-                        <a:rPr lang="en-US" sz="1200" b="0" kern="1200" dirty="0" smtClean="0">
+                        <a:rPr lang="en-US" sz="1000" b="0" kern="1200" baseline="0" dirty="0" smtClean="0">
                           <a:solidFill>
                             <a:schemeClr val="tx1"/>
                           </a:solidFill>
-                          <a:latin typeface="+mn-lt"/>
-                          <a:ea typeface="+mn-ea"/>
+                          <a:latin typeface="Bentley Light" panose="020B0404020201020102"/>
+                          <a:ea typeface="黑体" panose="02010609060101010101" pitchFamily="49" charset="-122"/>
                           <a:cs typeface="+mn-ea"/>
                         </a:rPr>
                         <a:t>DCPID </a:t>
                       </a:r>
                       <a:r>
-                        <a:rPr lang="zh-CN" altLang="en-US" sz="1200" b="0" kern="1200" dirty="0" smtClean="0">
+                        <a:rPr lang="zh-CN" altLang="en-US" sz="1000" b="0" kern="1200" baseline="0" dirty="0" smtClean="0">
                           <a:solidFill>
                             <a:schemeClr val="tx1"/>
                           </a:solidFill>
-                          <a:latin typeface="+mn-lt"/>
-                          <a:ea typeface="+mn-ea"/>
+                          <a:latin typeface="Bentley Light" panose="020B0404020201020102"/>
+                          <a:ea typeface="黑体" panose="02010609060101010101" pitchFamily="49" charset="-122"/>
                           <a:cs typeface="+mn-ea"/>
                         </a:rPr>
                         <a:t>客户数量</a:t>
                       </a:r>
-                      <a:endParaRPr lang="en-US" sz="1200" b="0" kern="1200" dirty="0" smtClean="0">
+                      <a:endParaRPr lang="en-US" sz="1000" b="0" kern="1200" baseline="0" dirty="0" smtClean="0">
                         <a:solidFill>
                           <a:schemeClr val="tx1"/>
                         </a:solidFill>
-                        <a:latin typeface="+mn-lt"/>
-                        <a:ea typeface="+mn-ea"/>
+                        <a:latin typeface="Bentley Light" panose="020B0404020201020102"/>
+                        <a:ea typeface="黑体" panose="02010609060101010101" pitchFamily="49" charset="-122"/>
                         <a:cs typeface="+mn-ea"/>
                       </a:endParaRPr>
                     </a:p>
@@ -17391,10 +17399,12 @@
                     <a:bodyPr/>
                     <a:lstStyle/>
                     <a:p>
-                      <a:endParaRPr lang="en-US" sz="1200" dirty="0">
+                      <a:endParaRPr lang="en-US" sz="1000" baseline="0" dirty="0">
                         <a:solidFill>
                           <a:schemeClr val="tx1"/>
                         </a:solidFill>
+                        <a:latin typeface="Bentley Light" panose="020B0404020201020102"/>
+                        <a:ea typeface="黑体" panose="02010609060101010101" pitchFamily="49" charset="-122"/>
                       </a:endParaRPr>
                     </a:p>
                   </a:txBody>
@@ -17451,10 +17461,12 @@
                     <a:bodyPr/>
                     <a:lstStyle/>
                     <a:p>
-                      <a:endParaRPr lang="en-US" sz="1200" dirty="0">
+                      <a:endParaRPr lang="en-US" sz="1000" baseline="0" dirty="0">
                         <a:solidFill>
                           <a:schemeClr val="tx1"/>
                         </a:solidFill>
+                        <a:latin typeface="Bentley Light" panose="020B0404020201020102"/>
+                        <a:ea typeface="黑体" panose="02010609060101010101" pitchFamily="49" charset="-122"/>
                       </a:endParaRPr>
                     </a:p>
                   </a:txBody>
@@ -17535,12 +17547,12 @@
                         <a:defRPr/>
                       </a:pPr>
                       <a:r>
-                        <a:rPr lang="en-US" sz="1200" b="0" kern="1200" dirty="0" smtClean="0">
+                        <a:rPr lang="en-US" sz="1000" b="0" kern="1200" baseline="0" dirty="0" smtClean="0">
                           <a:solidFill>
                             <a:schemeClr val="tx1"/>
                           </a:solidFill>
-                          <a:latin typeface="+mn-lt"/>
-                          <a:ea typeface="+mn-ea"/>
+                          <a:latin typeface="Bentley Light" panose="020B0404020201020102"/>
+                          <a:ea typeface="黑体" panose="02010609060101010101" pitchFamily="49" charset="-122"/>
                           <a:cs typeface="+mn-ea"/>
                         </a:rPr>
                         <a:t>Cost per leads</a:t>
@@ -17565,22 +17577,22 @@
                         <a:defRPr/>
                       </a:pPr>
                       <a:r>
-                        <a:rPr lang="zh-CN" altLang="en-US" sz="1200" b="0" kern="1200" dirty="0" smtClean="0">
+                        <a:rPr lang="zh-CN" altLang="en-US" sz="1000" b="0" kern="1200" baseline="0" dirty="0" smtClean="0">
                           <a:solidFill>
                             <a:schemeClr val="tx1"/>
                           </a:solidFill>
-                          <a:latin typeface="+mn-lt"/>
-                          <a:ea typeface="+mn-ea"/>
+                          <a:latin typeface="Bentley Light" panose="020B0404020201020102"/>
+                          <a:ea typeface="黑体" panose="02010609060101010101" pitchFamily="49" charset="-122"/>
                           <a:cs typeface="+mn-ea"/>
                         </a:rPr>
                         <a:t>每条线索成本</a:t>
                       </a:r>
-                      <a:endParaRPr lang="en-US" sz="1200" b="0" kern="1200" dirty="0" smtClean="0">
+                      <a:endParaRPr lang="en-US" sz="1000" b="0" kern="1200" baseline="0" dirty="0" smtClean="0">
                         <a:solidFill>
                           <a:schemeClr val="tx1"/>
                         </a:solidFill>
-                        <a:latin typeface="+mn-lt"/>
-                        <a:ea typeface="+mn-ea"/>
+                        <a:latin typeface="Bentley Light" panose="020B0404020201020102"/>
+                        <a:ea typeface="黑体" panose="02010609060101010101" pitchFamily="49" charset="-122"/>
                         <a:cs typeface="+mn-ea"/>
                       </a:endParaRPr>
                     </a:p>
@@ -17599,10 +17611,12 @@
                     <a:bodyPr/>
                     <a:lstStyle/>
                     <a:p>
-                      <a:endParaRPr lang="en-US" sz="1200" dirty="0">
+                      <a:endParaRPr lang="en-US" sz="1000" baseline="0" dirty="0">
                         <a:solidFill>
                           <a:schemeClr val="tx1"/>
                         </a:solidFill>
+                        <a:latin typeface="Bentley Light" panose="020B0404020201020102"/>
+                        <a:ea typeface="黑体" panose="02010609060101010101" pitchFamily="49" charset="-122"/>
                       </a:endParaRPr>
                     </a:p>
                   </a:txBody>
@@ -17659,10 +17673,12 @@
                     <a:bodyPr/>
                     <a:lstStyle/>
                     <a:p>
-                      <a:endParaRPr lang="en-US" sz="1200" dirty="0">
+                      <a:endParaRPr lang="en-US" sz="1000" baseline="0" dirty="0">
                         <a:solidFill>
                           <a:schemeClr val="tx1"/>
                         </a:solidFill>
+                        <a:latin typeface="Bentley Light" panose="020B0404020201020102"/>
+                        <a:ea typeface="黑体" panose="02010609060101010101" pitchFamily="49" charset="-122"/>
                       </a:endParaRPr>
                     </a:p>
                   </a:txBody>
@@ -17743,34 +17759,34 @@
                         <a:defRPr/>
                       </a:pPr>
                       <a:r>
-                        <a:rPr lang="en-US" altLang="zh-CN" sz="1200" b="0" kern="1200" dirty="0" smtClean="0">
+                        <a:rPr lang="en-US" altLang="zh-CN" sz="1000" b="0" kern="1200" baseline="0" dirty="0" smtClean="0">
                           <a:solidFill>
                             <a:schemeClr val="tx1"/>
                           </a:solidFill>
-                          <a:latin typeface="+mn-lt"/>
-                          <a:ea typeface="+mn-ea"/>
+                          <a:latin typeface="Bentley Light" panose="020B0404020201020102"/>
+                          <a:ea typeface="黑体" panose="02010609060101010101" pitchFamily="49" charset="-122"/>
                           <a:cs typeface="+mn-ea"/>
                         </a:rPr>
                         <a:t>No.</a:t>
                       </a:r>
                       <a:r>
-                        <a:rPr lang="en-US" sz="1200" b="0" kern="1200" dirty="0" smtClean="0">
+                        <a:rPr lang="en-US" sz="1000" b="0" kern="1200" baseline="0" dirty="0" smtClean="0">
                           <a:solidFill>
                             <a:schemeClr val="tx1"/>
                           </a:solidFill>
-                          <a:latin typeface="+mn-lt"/>
-                          <a:ea typeface="+mn-ea"/>
+                          <a:latin typeface="Bentley Light" panose="020B0404020201020102"/>
+                          <a:ea typeface="黑体" panose="02010609060101010101" pitchFamily="49" charset="-122"/>
                           <a:cs typeface="+mn-ea"/>
                         </a:rPr>
                         <a:t> of </a:t>
                       </a:r>
                       <a:r>
-                        <a:rPr lang="en-US" sz="1200" b="0" kern="1200" dirty="0" smtClean="0">
+                        <a:rPr lang="en-US" sz="1000" b="0" kern="1200" baseline="0" dirty="0" smtClean="0">
                           <a:solidFill>
                             <a:schemeClr val="tx1"/>
                           </a:solidFill>
-                          <a:latin typeface="+mn-lt"/>
-                          <a:ea typeface="+mn-ea"/>
+                          <a:latin typeface="Bentley Light" panose="020B0404020201020102"/>
+                          <a:ea typeface="黑体" panose="02010609060101010101" pitchFamily="49" charset="-122"/>
                           <a:cs typeface="+mn-ea"/>
                           <a:sym typeface="+mn-lt"/>
                         </a:rPr>
@@ -17796,23 +17812,23 @@
                         <a:defRPr/>
                       </a:pPr>
                       <a:r>
-                        <a:rPr lang="zh-CN" altLang="en-US" sz="1200" b="0" kern="1200" dirty="0" smtClean="0">
+                        <a:rPr lang="zh-CN" altLang="en-US" sz="1000" b="0" kern="1200" baseline="0" dirty="0" smtClean="0">
                           <a:solidFill>
                             <a:schemeClr val="tx1"/>
                           </a:solidFill>
-                          <a:latin typeface="+mn-lt"/>
-                          <a:ea typeface="+mn-ea"/>
+                          <a:latin typeface="Bentley Light" panose="020B0404020201020102"/>
+                          <a:ea typeface="黑体" panose="02010609060101010101" pitchFamily="49" charset="-122"/>
                           <a:cs typeface="+mn-ea"/>
                           <a:sym typeface="+mn-lt"/>
                         </a:rPr>
                         <a:t>今年新增线索数量</a:t>
                       </a:r>
-                      <a:endParaRPr lang="en-US" sz="1200" b="0" kern="1200" dirty="0" smtClean="0">
+                      <a:endParaRPr lang="en-US" sz="1000" b="0" kern="1200" baseline="0" dirty="0" smtClean="0">
                         <a:solidFill>
                           <a:schemeClr val="tx1"/>
                         </a:solidFill>
-                        <a:latin typeface="+mn-lt"/>
-                        <a:ea typeface="+mn-ea"/>
+                        <a:latin typeface="Bentley Light" panose="020B0404020201020102"/>
+                        <a:ea typeface="黑体" panose="02010609060101010101" pitchFamily="49" charset="-122"/>
                         <a:cs typeface="+mn-ea"/>
                         <a:sym typeface="+mn-lt"/>
                       </a:endParaRPr>
@@ -17832,10 +17848,12 @@
                     <a:bodyPr/>
                     <a:lstStyle/>
                     <a:p>
-                      <a:endParaRPr lang="en-US" sz="1200" dirty="0">
+                      <a:endParaRPr lang="en-US" sz="1000" baseline="0" dirty="0">
                         <a:solidFill>
                           <a:schemeClr val="tx1"/>
                         </a:solidFill>
+                        <a:latin typeface="Bentley Light" panose="020B0404020201020102"/>
+                        <a:ea typeface="黑体" panose="02010609060101010101" pitchFamily="49" charset="-122"/>
                       </a:endParaRPr>
                     </a:p>
                   </a:txBody>
@@ -17892,10 +17910,12 @@
                     <a:bodyPr/>
                     <a:lstStyle/>
                     <a:p>
-                      <a:endParaRPr lang="en-US" sz="1200" dirty="0">
+                      <a:endParaRPr lang="en-US" sz="1000" baseline="0" dirty="0">
                         <a:solidFill>
                           <a:schemeClr val="tx1"/>
                         </a:solidFill>
+                        <a:latin typeface="Bentley Light" panose="020B0404020201020102"/>
+                        <a:ea typeface="黑体" panose="02010609060101010101" pitchFamily="49" charset="-122"/>
                       </a:endParaRPr>
                     </a:p>
                   </a:txBody>
@@ -17929,14 +17949,14 @@
             </p:custDataLst>
             <p:extLst>
               <p:ext uri="{D42A27DB-BD31-4B8C-83A1-F6EECF244321}">
-                <p14:modId xmlns:p14="http://schemas.microsoft.com/office/powerpoint/2010/main" val="209821343"/>
+                <p14:modId xmlns:p14="http://schemas.microsoft.com/office/powerpoint/2010/main" val="2072872646"/>
               </p:ext>
             </p:extLst>
           </p:nvPr>
         </p:nvGraphicFramePr>
         <p:xfrm>
           <a:off x="587375" y="5211029"/>
-          <a:ext cx="11032368" cy="871454"/>
+          <a:ext cx="11032368" cy="810494"/>
         </p:xfrm>
         <a:graphic>
           <a:graphicData uri="http://schemas.openxmlformats.org/drawingml/2006/table">
@@ -18002,7 +18022,7 @@
                         <a:tabLst/>
                       </a:pPr>
                       <a:r>
-                        <a:rPr kumimoji="0" lang="en-US" sz="1100" b="1" i="0" u="none" strike="noStrike" kern="1200" cap="none" normalizeH="0" baseline="0" dirty="0" smtClean="0">
+                        <a:rPr kumimoji="0" lang="en-US" sz="1000" b="1" i="0" u="none" strike="noStrike" kern="1200" cap="none" normalizeH="0" baseline="0" dirty="0" smtClean="0">
                           <a:ln>
                             <a:noFill/>
                           </a:ln>
@@ -18036,7 +18056,7 @@
                         <a:tabLst/>
                       </a:pPr>
                       <a:r>
-                        <a:rPr kumimoji="0" lang="zh-CN" altLang="en-US" sz="1100" b="1" i="0" u="none" strike="noStrike" kern="1200" cap="none" normalizeH="0" baseline="0" dirty="0" smtClean="0">
+                        <a:rPr kumimoji="0" lang="zh-CN" altLang="en-US" sz="1000" b="1" i="0" u="none" strike="noStrike" kern="1200" cap="none" normalizeH="0" baseline="0" dirty="0" smtClean="0">
                           <a:ln>
                             <a:noFill/>
                           </a:ln>
@@ -18051,7 +18071,7 @@
                         </a:rPr>
                         <a:t>实际参加人数</a:t>
                       </a:r>
-                      <a:endParaRPr kumimoji="0" lang="en-US" sz="1100" b="1" i="0" u="none" strike="noStrike" kern="1200" cap="none" normalizeH="0" baseline="0" dirty="0">
+                      <a:endParaRPr kumimoji="0" lang="en-US" sz="1000" b="1" i="0" u="none" strike="noStrike" kern="1200" cap="none" normalizeH="0" baseline="0" dirty="0">
                         <a:ln>
                           <a:noFill/>
                         </a:ln>
@@ -18138,7 +18158,7 @@
                         <a:tabLst/>
                       </a:pPr>
                       <a:r>
-                        <a:rPr kumimoji="0" lang="en-US" sz="1100" b="1" i="0" u="none" strike="noStrike" kern="1200" cap="none" normalizeH="0" baseline="0" dirty="0" smtClean="0">
+                        <a:rPr kumimoji="0" lang="en-US" sz="1000" b="1" i="0" u="none" strike="noStrike" kern="1200" cap="none" normalizeH="0" baseline="0" dirty="0" smtClean="0">
                           <a:ln>
                             <a:noFill/>
                           </a:ln>
@@ -18172,7 +18192,7 @@
                         <a:tabLst/>
                       </a:pPr>
                       <a:r>
-                        <a:rPr kumimoji="0" lang="zh-CN" altLang="en-US" sz="1100" b="1" i="0" u="none" strike="noStrike" kern="1200" cap="none" normalizeH="0" baseline="0" dirty="0" smtClean="0">
+                        <a:rPr kumimoji="0" lang="zh-CN" altLang="en-US" sz="1000" b="1" i="0" u="none" strike="noStrike" kern="1200" cap="none" normalizeH="0" baseline="0" dirty="0" smtClean="0">
                           <a:ln>
                             <a:noFill/>
                           </a:ln>
@@ -18187,7 +18207,7 @@
                         </a:rPr>
                         <a:t>车主</a:t>
                       </a:r>
-                      <a:endParaRPr kumimoji="0" lang="en-US" sz="1100" b="1" i="0" u="none" strike="noStrike" kern="1200" cap="none" normalizeH="0" baseline="0" dirty="0">
+                      <a:endParaRPr kumimoji="0" lang="en-US" sz="1000" b="1" i="0" u="none" strike="noStrike" kern="1200" cap="none" normalizeH="0" baseline="0" dirty="0">
                         <a:ln>
                           <a:noFill/>
                         </a:ln>
@@ -18272,7 +18292,7 @@
                         <a:tabLst/>
                       </a:pPr>
                       <a:r>
-                        <a:rPr kumimoji="0" lang="en-US" sz="1100" b="1" i="0" u="none" strike="noStrike" cap="none" normalizeH="0" baseline="0" dirty="0" smtClean="0">
+                        <a:rPr kumimoji="0" lang="en-US" sz="1000" b="1" i="0" u="none" strike="noStrike" cap="none" normalizeH="0" baseline="0" dirty="0" smtClean="0">
                           <a:ln>
                             <a:noFill/>
                           </a:ln>
@@ -18306,7 +18326,7 @@
                         <a:tabLst/>
                       </a:pPr>
                       <a:r>
-                        <a:rPr kumimoji="0" lang="zh-CN" altLang="en-US" sz="1100" b="1" i="0" u="none" strike="noStrike" cap="none" normalizeH="0" baseline="0" dirty="0" smtClean="0">
+                        <a:rPr kumimoji="0" lang="zh-CN" altLang="en-US" sz="1000" b="1" i="0" u="none" strike="noStrike" cap="none" normalizeH="0" baseline="0" dirty="0" smtClean="0">
                           <a:ln>
                             <a:noFill/>
                           </a:ln>
@@ -18321,7 +18341,7 @@
                         </a:rPr>
                         <a:t>订单客户</a:t>
                       </a:r>
-                      <a:endParaRPr kumimoji="0" lang="en-US" sz="1100" b="1" i="0" u="none" strike="noStrike" cap="none" normalizeH="0" baseline="0" dirty="0">
+                      <a:endParaRPr kumimoji="0" lang="en-US" sz="1000" b="1" i="0" u="none" strike="noStrike" cap="none" normalizeH="0" baseline="0" dirty="0">
                         <a:ln>
                           <a:noFill/>
                         </a:ln>
@@ -18406,7 +18426,7 @@
                         <a:tabLst/>
                       </a:pPr>
                       <a:r>
-                        <a:rPr kumimoji="0" lang="en-US" sz="1100" b="1" i="0" u="none" strike="noStrike" kern="1200" cap="none" normalizeH="0" baseline="0" dirty="0" smtClean="0">
+                        <a:rPr kumimoji="0" lang="en-US" sz="1000" b="1" i="0" u="none" strike="noStrike" kern="1200" cap="none" normalizeH="0" baseline="0" dirty="0" smtClean="0">
                           <a:ln>
                             <a:noFill/>
                           </a:ln>
@@ -18440,7 +18460,7 @@
                         <a:tabLst/>
                       </a:pPr>
                       <a:r>
-                        <a:rPr kumimoji="0" lang="zh-CN" altLang="en-US" sz="1100" b="1" i="0" u="none" strike="noStrike" kern="1200" cap="none" normalizeH="0" baseline="0" dirty="0" smtClean="0">
+                        <a:rPr kumimoji="0" lang="zh-CN" altLang="en-US" sz="1000" b="1" i="0" u="none" strike="noStrike" kern="1200" cap="none" normalizeH="0" baseline="0" dirty="0" smtClean="0">
                           <a:ln>
                             <a:noFill/>
                           </a:ln>
@@ -18455,7 +18475,7 @@
                         </a:rPr>
                         <a:t>潜在客户</a:t>
                       </a:r>
-                      <a:endParaRPr kumimoji="0" lang="en-US" sz="1100" b="1" i="0" u="none" strike="noStrike" kern="1200" cap="none" normalizeH="0" baseline="0" dirty="0">
+                      <a:endParaRPr kumimoji="0" lang="en-US" sz="1000" b="1" i="0" u="none" strike="noStrike" kern="1200" cap="none" normalizeH="0" baseline="0" dirty="0">
                         <a:ln>
                           <a:noFill/>
                         </a:ln>
@@ -18540,7 +18560,7 @@
                         <a:tabLst/>
                       </a:pPr>
                       <a:r>
-                        <a:rPr kumimoji="0" lang="en-US" altLang="zh-CN" sz="1100" b="1" i="0" u="none" strike="noStrike" kern="1200" cap="none" normalizeH="0" baseline="0" dirty="0" smtClean="0">
+                        <a:rPr kumimoji="0" lang="en-US" altLang="zh-CN" sz="1000" b="1" i="0" u="none" strike="noStrike" kern="1200" cap="none" normalizeH="0" baseline="0" dirty="0" smtClean="0">
                           <a:ln>
                             <a:noFill/>
                           </a:ln>
@@ -18574,7 +18594,7 @@
                         <a:tabLst/>
                       </a:pPr>
                       <a:r>
-                        <a:rPr kumimoji="0" lang="zh-CN" altLang="en-US" sz="1100" b="1" i="0" u="none" strike="noStrike" kern="1200" cap="none" normalizeH="0" baseline="0" dirty="0" smtClean="0">
+                        <a:rPr kumimoji="0" lang="zh-CN" altLang="en-US" sz="1000" b="1" i="0" u="none" strike="noStrike" kern="1200" cap="none" normalizeH="0" baseline="0" dirty="0" smtClean="0">
                           <a:ln>
                             <a:noFill/>
                           </a:ln>
@@ -18589,7 +18609,7 @@
                         </a:rPr>
                         <a:t>其他（如陪同）</a:t>
                       </a:r>
-                      <a:endParaRPr kumimoji="0" lang="en-US" sz="1100" b="1" i="0" u="none" strike="noStrike" kern="1200" cap="none" normalizeH="0" baseline="0" dirty="0">
+                      <a:endParaRPr kumimoji="0" lang="en-US" sz="1000" b="1" i="0" u="none" strike="noStrike" kern="1200" cap="none" normalizeH="0" baseline="0" dirty="0">
                         <a:ln>
                           <a:noFill/>
                         </a:ln>
@@ -18684,15 +18704,15 @@
                         <a:buNone/>
                         <a:tabLst/>
                       </a:pPr>
-                      <a:endParaRPr lang="en-US" sz="1200" b="0" kern="1200" dirty="0">
+                      <a:endParaRPr lang="en-US" sz="1000" b="0" kern="1200" baseline="0" dirty="0">
                         <a:solidFill>
                           <a:schemeClr val="tx1">
                             <a:lumMod val="75000"/>
                             <a:lumOff val="25000"/>
                           </a:schemeClr>
                         </a:solidFill>
-                        <a:latin typeface="+mn-lt"/>
-                        <a:ea typeface="+mn-ea"/>
+                        <a:latin typeface="Bentley Light" panose="020B0404020201020102"/>
+                        <a:ea typeface="黑体" panose="02010609060101010101" pitchFamily="49" charset="-122"/>
                         <a:cs typeface="+mn-ea"/>
                         <a:sym typeface="+mn-lt"/>
                       </a:endParaRPr>
@@ -18764,15 +18784,15 @@
                         <a:buNone/>
                         <a:tabLst/>
                       </a:pPr>
-                      <a:endParaRPr lang="en-US" sz="1200" b="0" kern="1200" dirty="0">
+                      <a:endParaRPr lang="en-US" sz="1000" b="0" kern="1200" baseline="0" dirty="0">
                         <a:solidFill>
                           <a:schemeClr val="tx1">
                             <a:lumMod val="75000"/>
                             <a:lumOff val="25000"/>
                           </a:schemeClr>
                         </a:solidFill>
-                        <a:latin typeface="+mn-lt"/>
-                        <a:ea typeface="+mn-ea"/>
+                        <a:latin typeface="Bentley Light" panose="020B0404020201020102"/>
+                        <a:ea typeface="黑体" panose="02010609060101010101" pitchFamily="49" charset="-122"/>
                         <a:cs typeface="+mn-ea"/>
                         <a:sym typeface="+mn-lt"/>
                       </a:endParaRPr>
@@ -18829,9 +18849,9 @@
                     <a:lstStyle/>
                     <a:p>
                       <a:pPr algn="ctr"/>
-                      <a:endParaRPr lang="en-US" sz="1200" dirty="0">
-                        <a:latin typeface="+mn-lt"/>
-                        <a:ea typeface="+mn-ea"/>
+                      <a:endParaRPr lang="en-US" sz="1000" baseline="0" dirty="0">
+                        <a:latin typeface="Bentley Light" panose="020B0404020201020102"/>
+                        <a:ea typeface="黑体" panose="02010609060101010101" pitchFamily="49" charset="-122"/>
                         <a:cs typeface="+mn-ea"/>
                         <a:sym typeface="+mn-lt"/>
                       </a:endParaRPr>
@@ -18903,15 +18923,15 @@
                         <a:buNone/>
                         <a:tabLst/>
                       </a:pPr>
-                      <a:endParaRPr lang="en-US" sz="1200" b="0" kern="1200" dirty="0">
+                      <a:endParaRPr lang="en-US" sz="1000" b="0" kern="1200" baseline="0" dirty="0">
                         <a:solidFill>
                           <a:schemeClr val="tx1">
                             <a:lumMod val="75000"/>
                             <a:lumOff val="25000"/>
                           </a:schemeClr>
                         </a:solidFill>
-                        <a:latin typeface="+mn-lt"/>
-                        <a:ea typeface="+mn-ea"/>
+                        <a:latin typeface="Bentley Light" panose="020B0404020201020102"/>
+                        <a:ea typeface="黑体" panose="02010609060101010101" pitchFamily="49" charset="-122"/>
                         <a:cs typeface="+mn-ea"/>
                         <a:sym typeface="+mn-lt"/>
                       </a:endParaRPr>
@@ -18983,15 +19003,15 @@
                         <a:buNone/>
                         <a:tabLst/>
                       </a:pPr>
-                      <a:endParaRPr lang="en-US" sz="1200" b="0" kern="1200" dirty="0">
+                      <a:endParaRPr lang="en-US" sz="1000" b="0" kern="1200" baseline="0" dirty="0">
                         <a:solidFill>
                           <a:schemeClr val="tx1">
                             <a:lumMod val="75000"/>
                             <a:lumOff val="25000"/>
                           </a:schemeClr>
                         </a:solidFill>
-                        <a:latin typeface="+mn-lt"/>
-                        <a:ea typeface="+mn-ea"/>
+                        <a:latin typeface="Bentley Light" panose="020B0404020201020102"/>
+                        <a:ea typeface="黑体" panose="02010609060101010101" pitchFamily="49" charset="-122"/>
                         <a:cs typeface="+mn-ea"/>
                         <a:sym typeface="+mn-lt"/>
                       </a:endParaRPr>
@@ -19370,7 +19390,7 @@
           <p:nvPr>
             <p:extLst>
               <p:ext uri="{D42A27DB-BD31-4B8C-83A1-F6EECF244321}">
-                <p14:modId xmlns:p14="http://schemas.microsoft.com/office/powerpoint/2010/main" val="2540942871"/>
+                <p14:modId xmlns:p14="http://schemas.microsoft.com/office/powerpoint/2010/main" val="1584611000"/>
               </p:ext>
             </p:extLst>
           </p:nvPr>
@@ -19405,7 +19425,7 @@
                         <a:buNone/>
                       </a:pPr>
                       <a:r>
-                        <a:rPr lang="en-US" altLang="zh-CN" sz="1300" b="1" dirty="0" smtClean="0">
+                        <a:rPr lang="en-US" altLang="zh-CN" sz="1000" b="1" dirty="0" smtClean="0">
                           <a:solidFill>
                             <a:schemeClr val="bg1"/>
                           </a:solidFill>
@@ -19417,7 +19437,7 @@
                         <a:t>Spending Overview </a:t>
                       </a:r>
                       <a:r>
-                        <a:rPr lang="zh-CN" altLang="en-US" sz="1300" b="1" dirty="0" smtClean="0">
+                        <a:rPr lang="zh-CN" altLang="en-US" sz="1000" b="1" dirty="0" smtClean="0">
                           <a:solidFill>
                             <a:schemeClr val="bg1"/>
                           </a:solidFill>
@@ -19493,14 +19513,14 @@
           <p:nvPr>
             <p:extLst>
               <p:ext uri="{D42A27DB-BD31-4B8C-83A1-F6EECF244321}">
-                <p14:modId xmlns:p14="http://schemas.microsoft.com/office/powerpoint/2010/main" val="1439891495"/>
+                <p14:modId xmlns:p14="http://schemas.microsoft.com/office/powerpoint/2010/main" val="1898156257"/>
               </p:ext>
             </p:extLst>
           </p:nvPr>
         </p:nvGraphicFramePr>
         <p:xfrm>
           <a:off x="544314" y="1551213"/>
-          <a:ext cx="11048526" cy="1085424"/>
+          <a:ext cx="11048526" cy="765384"/>
         </p:xfrm>
         <a:graphic>
           <a:graphicData uri="http://schemas.openxmlformats.org/drawingml/2006/table">
@@ -19537,10 +19557,12 @@
                     <a:bodyPr/>
                     <a:lstStyle/>
                     <a:p>
-                      <a:endParaRPr lang="en-US" sz="1700" dirty="0">
+                      <a:endParaRPr lang="en-US" sz="1000" dirty="0">
                         <a:solidFill>
                           <a:schemeClr val="tx1"/>
                         </a:solidFill>
+                        <a:latin typeface="Bentley Light" panose="020B0404020201020102"/>
+                        <a:ea typeface="黑体" panose="02010609060101010101" pitchFamily="49" charset="-122"/>
                       </a:endParaRPr>
                     </a:p>
                   </a:txBody>
@@ -19571,12 +19593,12 @@
                         <a:defRPr/>
                       </a:pPr>
                       <a:r>
-                        <a:rPr lang="en-US" sz="1100" b="0" kern="1200" dirty="0" smtClean="0">
+                        <a:rPr lang="en-US" sz="1000" b="0" kern="1200" dirty="0" smtClean="0">
                           <a:solidFill>
                             <a:schemeClr val="tx1"/>
                           </a:solidFill>
-                          <a:latin typeface="+mn-lt"/>
-                          <a:ea typeface="+mn-ea"/>
+                          <a:latin typeface="Bentley Light" panose="020B0404020201020102"/>
+                          <a:ea typeface="黑体" panose="02010609060101010101" pitchFamily="49" charset="-122"/>
                           <a:cs typeface="+mn-ea"/>
                         </a:rPr>
                         <a:t>Actual</a:t>
@@ -19610,22 +19632,22 @@
                         <a:defRPr/>
                       </a:pPr>
                       <a:r>
-                        <a:rPr lang="en-US" altLang="zh-CN" sz="1100" b="0" kern="1200" dirty="0" smtClean="0">
+                        <a:rPr lang="en-US" altLang="zh-CN" sz="1000" b="0" kern="1200" dirty="0" smtClean="0">
                           <a:solidFill>
                             <a:schemeClr val="tx1"/>
                           </a:solidFill>
-                          <a:latin typeface="+mn-lt"/>
-                          <a:ea typeface="+mn-ea"/>
+                          <a:latin typeface="Bentley Light" panose="020B0404020201020102"/>
+                          <a:ea typeface="黑体" panose="02010609060101010101" pitchFamily="49" charset="-122"/>
                           <a:cs typeface="+mn-ea"/>
                         </a:rPr>
                         <a:t>Budget</a:t>
                       </a:r>
-                      <a:endParaRPr lang="en-US" sz="1100" b="0" kern="1200" dirty="0" smtClean="0">
+                      <a:endParaRPr lang="en-US" sz="1000" b="0" kern="1200" dirty="0" smtClean="0">
                         <a:solidFill>
                           <a:schemeClr val="tx1"/>
                         </a:solidFill>
-                        <a:latin typeface="+mn-lt"/>
-                        <a:ea typeface="+mn-ea"/>
+                        <a:latin typeface="Bentley Light" panose="020B0404020201020102"/>
+                        <a:ea typeface="黑体" panose="02010609060101010101" pitchFamily="49" charset="-122"/>
                         <a:cs typeface="+mn-ea"/>
                       </a:endParaRPr>
                     </a:p>
@@ -19664,36 +19686,36 @@
                         <a:defRPr/>
                       </a:pPr>
                       <a:r>
-                        <a:rPr lang="en-US" altLang="zh-CN" sz="1100" b="0" kern="1200" dirty="0" smtClean="0">
+                        <a:rPr lang="en-US" altLang="zh-CN" sz="1000" b="0" kern="1200" dirty="0" smtClean="0">
                           <a:solidFill>
                             <a:schemeClr val="tx1"/>
                           </a:solidFill>
-                          <a:latin typeface="+mn-lt"/>
-                          <a:ea typeface="+mn-ea"/>
+                          <a:latin typeface="Bentley Light" panose="020B0404020201020102"/>
+                          <a:ea typeface="黑体" panose="02010609060101010101" pitchFamily="49" charset="-122"/>
                           <a:cs typeface="+mn-ea"/>
                           <a:sym typeface="+mn-lt"/>
                         </a:rPr>
                         <a:t>Total Spending Amount</a:t>
                       </a:r>
                       <a:r>
-                        <a:rPr lang="en-US" altLang="zh-CN" sz="1100" b="0" kern="1200" baseline="0" dirty="0" smtClean="0">
+                        <a:rPr lang="en-US" altLang="zh-CN" sz="1000" b="0" kern="1200" baseline="0" dirty="0" smtClean="0">
                           <a:solidFill>
                             <a:schemeClr val="tx1"/>
                           </a:solidFill>
-                          <a:latin typeface="+mn-lt"/>
-                          <a:ea typeface="+mn-ea"/>
+                          <a:latin typeface="Bentley Light" panose="020B0404020201020102"/>
+                          <a:ea typeface="黑体" panose="02010609060101010101" pitchFamily="49" charset="-122"/>
                           <a:cs typeface="+mn-ea"/>
                           <a:sym typeface="+mn-lt"/>
                         </a:rPr>
                         <a:t> </a:t>
                       </a:r>
                       <a:r>
-                        <a:rPr lang="zh-CN" altLang="en-US" sz="1100" b="0" kern="1200" dirty="0" smtClean="0">
+                        <a:rPr lang="zh-CN" altLang="en-US" sz="1000" b="0" kern="1200" dirty="0" smtClean="0">
                           <a:solidFill>
                             <a:schemeClr val="tx1"/>
                           </a:solidFill>
-                          <a:latin typeface="+mn-lt"/>
-                          <a:ea typeface="+mn-ea"/>
+                          <a:latin typeface="Bentley Light" panose="020B0404020201020102"/>
+                          <a:ea typeface="黑体" panose="02010609060101010101" pitchFamily="49" charset="-122"/>
                           <a:cs typeface="+mn-ea"/>
                           <a:sym typeface="+mn-lt"/>
                         </a:rPr>
@@ -19710,10 +19732,12 @@
                     <a:bodyPr/>
                     <a:lstStyle/>
                     <a:p>
-                      <a:endParaRPr lang="en-US" sz="1700" dirty="0">
+                      <a:endParaRPr lang="en-US" sz="1000" dirty="0">
                         <a:solidFill>
                           <a:schemeClr val="tx1"/>
                         </a:solidFill>
+                        <a:latin typeface="Bentley Light" panose="020B0404020201020102"/>
+                        <a:ea typeface="黑体" panose="02010609060101010101" pitchFamily="49" charset="-122"/>
                       </a:endParaRPr>
                     </a:p>
                   </a:txBody>
@@ -19731,10 +19755,12 @@
                     <a:bodyPr/>
                     <a:lstStyle/>
                     <a:p>
-                      <a:endParaRPr lang="en-US" sz="1700" dirty="0">
+                      <a:endParaRPr lang="en-US" sz="1000" dirty="0">
                         <a:solidFill>
                           <a:schemeClr val="tx1"/>
                         </a:solidFill>
+                        <a:latin typeface="Bentley Light" panose="020B0404020201020102"/>
+                        <a:ea typeface="黑体" panose="02010609060101010101" pitchFamily="49" charset="-122"/>
                       </a:endParaRPr>
                     </a:p>
                   </a:txBody>
@@ -19774,36 +19800,36 @@
                         <a:defRPr/>
                       </a:pPr>
                       <a:r>
-                        <a:rPr lang="en-US" altLang="zh-CN" sz="1100" b="0" kern="1200" dirty="0" smtClean="0">
+                        <a:rPr lang="en-US" altLang="zh-CN" sz="1000" b="0" kern="1200" dirty="0" smtClean="0">
                           <a:solidFill>
                             <a:schemeClr val="tx1"/>
                           </a:solidFill>
-                          <a:latin typeface="+mn-lt"/>
-                          <a:ea typeface="+mn-ea"/>
+                          <a:latin typeface="Bentley Light" panose="020B0404020201020102"/>
+                          <a:ea typeface="黑体" panose="02010609060101010101" pitchFamily="49" charset="-122"/>
                           <a:cs typeface="+mn-ea"/>
                           <a:sym typeface="+mn-lt"/>
                         </a:rPr>
                         <a:t>Coop Fund Amount</a:t>
                       </a:r>
                       <a:r>
-                        <a:rPr lang="en-US" altLang="zh-CN" sz="1100" b="0" kern="1200" baseline="0" dirty="0" smtClean="0">
+                        <a:rPr lang="en-US" altLang="zh-CN" sz="1000" b="0" kern="1200" baseline="0" dirty="0" smtClean="0">
                           <a:solidFill>
                             <a:schemeClr val="tx1"/>
                           </a:solidFill>
-                          <a:latin typeface="+mn-lt"/>
-                          <a:ea typeface="+mn-ea"/>
+                          <a:latin typeface="Bentley Light" panose="020B0404020201020102"/>
+                          <a:ea typeface="黑体" panose="02010609060101010101" pitchFamily="49" charset="-122"/>
                           <a:cs typeface="+mn-ea"/>
                           <a:sym typeface="+mn-lt"/>
                         </a:rPr>
                         <a:t> </a:t>
                       </a:r>
                       <a:r>
-                        <a:rPr lang="zh-CN" altLang="en-US" sz="1100" b="0" kern="1200" dirty="0" smtClean="0">
+                        <a:rPr lang="zh-CN" altLang="en-US" sz="1000" b="0" kern="1200" dirty="0" smtClean="0">
                           <a:solidFill>
                             <a:schemeClr val="tx1"/>
                           </a:solidFill>
-                          <a:latin typeface="+mn-lt"/>
-                          <a:ea typeface="+mn-ea"/>
+                          <a:latin typeface="Bentley Light" panose="020B0404020201020102"/>
+                          <a:ea typeface="黑体" panose="02010609060101010101" pitchFamily="49" charset="-122"/>
                           <a:cs typeface="+mn-ea"/>
                           <a:sym typeface="+mn-lt"/>
                         </a:rPr>
@@ -19820,10 +19846,12 @@
                     <a:bodyPr/>
                     <a:lstStyle/>
                     <a:p>
-                      <a:endParaRPr lang="en-US" sz="1700" dirty="0">
+                      <a:endParaRPr lang="en-US" sz="1000" dirty="0">
                         <a:solidFill>
                           <a:schemeClr val="tx1"/>
                         </a:solidFill>
+                        <a:latin typeface="Bentley Light" panose="020B0404020201020102"/>
+                        <a:ea typeface="黑体" panose="02010609060101010101" pitchFamily="49" charset="-122"/>
                       </a:endParaRPr>
                     </a:p>
                   </a:txBody>
@@ -19841,10 +19869,12 @@
                     <a:bodyPr/>
                     <a:lstStyle/>
                     <a:p>
-                      <a:endParaRPr lang="en-US" sz="1700" dirty="0">
+                      <a:endParaRPr lang="en-US" sz="1000" dirty="0">
                         <a:solidFill>
                           <a:schemeClr val="tx1"/>
                         </a:solidFill>
+                        <a:latin typeface="Bentley Light" panose="020B0404020201020102"/>
+                        <a:ea typeface="黑体" panose="02010609060101010101" pitchFamily="49" charset="-122"/>
                       </a:endParaRPr>
                     </a:p>
                   </a:txBody>
@@ -19873,13 +19903,13 @@
           <p:nvPr>
             <p:extLst>
               <p:ext uri="{D42A27DB-BD31-4B8C-83A1-F6EECF244321}">
-                <p14:modId xmlns:p14="http://schemas.microsoft.com/office/powerpoint/2010/main" val="3472518820"/>
+                <p14:modId xmlns:p14="http://schemas.microsoft.com/office/powerpoint/2010/main" val="277486146"/>
               </p:ext>
             </p:extLst>
           </p:nvPr>
         </p:nvGraphicFramePr>
         <p:xfrm>
-          <a:off x="544310" y="3164422"/>
+          <a:off x="571210" y="3162169"/>
           <a:ext cx="11048533" cy="2173854"/>
         </p:xfrm>
         <a:graphic>
@@ -19949,23 +19979,23 @@
                         <a:defRPr/>
                       </a:pPr>
                       <a:r>
-                        <a:rPr lang="zh-CN" altLang="en-US" sz="1100" b="1" dirty="0" smtClean="0">
+                        <a:rPr lang="zh-CN" altLang="en-US" sz="1000" b="1" dirty="0" smtClean="0">
                           <a:solidFill>
                             <a:schemeClr val="tx1"/>
                           </a:solidFill>
-                          <a:latin typeface="+mj-ea"/>
-                          <a:ea typeface="+mj-ea"/>
+                          <a:latin typeface="Bentley Light" panose="020B0404020201020102"/>
+                          <a:ea typeface="黑体" panose="02010609060101010101" pitchFamily="49" charset="-122"/>
                           <a:cs typeface="+mn-ea"/>
                           <a:sym typeface="+mn-lt"/>
                         </a:rPr>
                         <a:t>费用</a:t>
                       </a:r>
-                      <a:endParaRPr lang="en-US" altLang="zh-CN" sz="1100" b="1" dirty="0" smtClean="0">
+                      <a:endParaRPr lang="en-US" altLang="zh-CN" sz="1000" b="1" dirty="0" smtClean="0">
                         <a:solidFill>
                           <a:schemeClr val="tx1"/>
                         </a:solidFill>
-                        <a:latin typeface="+mj-ea"/>
-                        <a:ea typeface="+mj-ea"/>
+                        <a:latin typeface="Bentley Light" panose="020B0404020201020102"/>
+                        <a:ea typeface="黑体" panose="02010609060101010101" pitchFamily="49" charset="-122"/>
                         <a:cs typeface="+mn-ea"/>
                         <a:sym typeface="+mn-lt"/>
                       </a:endParaRPr>
@@ -20012,12 +20042,12 @@
                         <a:defRPr/>
                       </a:pPr>
                       <a:r>
-                        <a:rPr lang="en-US" sz="1100" b="1" kern="1200" dirty="0" smtClean="0">
+                        <a:rPr lang="en-US" sz="1000" b="1" kern="1200" dirty="0" smtClean="0">
                           <a:solidFill>
                             <a:schemeClr val="tx1"/>
                           </a:solidFill>
-                          <a:latin typeface="+mn-lt"/>
-                          <a:ea typeface="+mj-ea"/>
+                          <a:latin typeface="Bentley Light" panose="020B0404020201020102"/>
+                          <a:ea typeface="黑体" panose="02010609060101010101" pitchFamily="49" charset="-122"/>
                           <a:cs typeface="+mn-ea"/>
                         </a:rPr>
                         <a:t>Actual Cost</a:t>
@@ -20053,44 +20083,44 @@
                         <a:defRPr/>
                       </a:pPr>
                       <a:r>
-                        <a:rPr lang="en-US" altLang="zh-CN" sz="1100" b="1" kern="1200" dirty="0" smtClean="0">
+                        <a:rPr lang="en-US" altLang="zh-CN" sz="1000" b="1" kern="1200" dirty="0" smtClean="0">
                           <a:solidFill>
                             <a:schemeClr val="tx1"/>
                           </a:solidFill>
-                          <a:latin typeface="+mn-lt"/>
-                          <a:ea typeface="+mj-ea"/>
+                          <a:latin typeface="Bentley Light" panose="020B0404020201020102"/>
+                          <a:ea typeface="黑体" panose="02010609060101010101" pitchFamily="49" charset="-122"/>
                           <a:cs typeface="+mn-ea"/>
                         </a:rPr>
                         <a:t>Plan</a:t>
                       </a:r>
                       <a:r>
-                        <a:rPr lang="en-US" altLang="zh-CN" sz="1100" b="1" kern="1200" baseline="0" dirty="0" smtClean="0">
+                        <a:rPr lang="en-US" altLang="zh-CN" sz="1000" b="1" kern="1200" baseline="0" dirty="0" smtClean="0">
                           <a:solidFill>
                             <a:schemeClr val="tx1"/>
                           </a:solidFill>
-                          <a:latin typeface="+mn-lt"/>
-                          <a:ea typeface="+mj-ea"/>
+                          <a:latin typeface="Bentley Light" panose="020B0404020201020102"/>
+                          <a:ea typeface="黑体" panose="02010609060101010101" pitchFamily="49" charset="-122"/>
                           <a:cs typeface="+mn-ea"/>
                         </a:rPr>
                         <a:t> </a:t>
                       </a:r>
                       <a:r>
-                        <a:rPr lang="en-US" altLang="zh-CN" sz="1100" b="1" kern="1200" dirty="0" smtClean="0">
+                        <a:rPr lang="en-US" altLang="zh-CN" sz="1000" b="1" kern="1200" dirty="0" smtClean="0">
                           <a:solidFill>
                             <a:schemeClr val="tx1"/>
                           </a:solidFill>
-                          <a:latin typeface="+mn-lt"/>
-                          <a:ea typeface="+mj-ea"/>
+                          <a:latin typeface="Bentley Light" panose="020B0404020201020102"/>
+                          <a:ea typeface="黑体" panose="02010609060101010101" pitchFamily="49" charset="-122"/>
                           <a:cs typeface="+mn-ea"/>
                         </a:rPr>
                         <a:t>Budget</a:t>
                       </a:r>
-                      <a:endParaRPr lang="en-US" sz="1100" b="1" kern="1200" dirty="0" smtClean="0">
+                      <a:endParaRPr lang="en-US" sz="1000" b="1" kern="1200" dirty="0" smtClean="0">
                         <a:solidFill>
                           <a:schemeClr val="tx1"/>
                         </a:solidFill>
-                        <a:latin typeface="+mn-lt"/>
-                        <a:ea typeface="+mj-ea"/>
+                        <a:latin typeface="Bentley Light" panose="020B0404020201020102"/>
+                        <a:ea typeface="黑体" panose="02010609060101010101" pitchFamily="49" charset="-122"/>
                         <a:cs typeface="+mn-ea"/>
                       </a:endParaRPr>
                     </a:p>
@@ -20124,22 +20154,22 @@
                         <a:defRPr/>
                       </a:pPr>
                       <a:r>
-                        <a:rPr lang="zh-CN" altLang="en-US" sz="1100" b="1" kern="1200" dirty="0" smtClean="0">
+                        <a:rPr lang="zh-CN" altLang="en-US" sz="1000" b="1" kern="1200" dirty="0" smtClean="0">
                           <a:solidFill>
                             <a:schemeClr val="tx1"/>
                           </a:solidFill>
-                          <a:latin typeface="+mj-ea"/>
-                          <a:ea typeface="+mj-ea"/>
+                          <a:latin typeface="Bentley Light" panose="020B0404020201020102"/>
+                          <a:ea typeface="黑体" panose="02010609060101010101" pitchFamily="49" charset="-122"/>
                           <a:cs typeface="+mn-ea"/>
                         </a:rPr>
                         <a:t>是否报销</a:t>
                       </a:r>
-                      <a:endParaRPr lang="en-US" sz="1100" b="1" kern="1200" dirty="0">
+                      <a:endParaRPr lang="en-US" sz="1000" b="1" kern="1200" dirty="0">
                         <a:solidFill>
                           <a:schemeClr val="tx1"/>
                         </a:solidFill>
-                        <a:latin typeface="+mj-ea"/>
-                        <a:ea typeface="+mj-ea"/>
+                        <a:latin typeface="Bentley Light" panose="020B0404020201020102"/>
+                        <a:ea typeface="黑体" panose="02010609060101010101" pitchFamily="49" charset="-122"/>
                         <a:cs typeface="+mn-ea"/>
                       </a:endParaRPr>
                     </a:p>
@@ -20173,22 +20203,22 @@
                         <a:defRPr/>
                       </a:pPr>
                       <a:r>
-                        <a:rPr lang="zh-CN" altLang="en-US" sz="1100" b="1" kern="1200" dirty="0" smtClean="0">
+                        <a:rPr lang="zh-CN" altLang="en-US" sz="1000" b="1" kern="1200" dirty="0" smtClean="0">
                           <a:solidFill>
                             <a:schemeClr val="tx1"/>
                           </a:solidFill>
-                          <a:latin typeface="+mj-ea"/>
-                          <a:ea typeface="+mj-ea"/>
+                          <a:latin typeface="Bentley Light" panose="020B0404020201020102"/>
+                          <a:ea typeface="黑体" panose="02010609060101010101" pitchFamily="49" charset="-122"/>
                           <a:cs typeface="+mn-ea"/>
                         </a:rPr>
                         <a:t>报销项目参考</a:t>
                       </a:r>
-                      <a:endParaRPr lang="en-US" sz="1100" b="1" kern="1200" dirty="0">
+                      <a:endParaRPr lang="en-US" sz="1000" b="1" kern="1200" dirty="0">
                         <a:solidFill>
                           <a:schemeClr val="tx1"/>
                         </a:solidFill>
-                        <a:latin typeface="+mj-ea"/>
-                        <a:ea typeface="+mj-ea"/>
+                        <a:latin typeface="Bentley Light" panose="020B0404020201020102"/>
+                        <a:ea typeface="黑体" panose="02010609060101010101" pitchFamily="49" charset="-122"/>
                         <a:cs typeface="+mn-ea"/>
                       </a:endParaRPr>
                     </a:p>
@@ -20236,47 +20266,47 @@
                         <a:defRPr/>
                       </a:pPr>
                       <a:r>
-                        <a:rPr lang="en-US" altLang="zh-CN" sz="1100" b="0" kern="1200" dirty="0" smtClean="0">
+                        <a:rPr lang="en-US" altLang="zh-CN" sz="1000" b="0" kern="1200" dirty="0" smtClean="0">
                           <a:solidFill>
                             <a:schemeClr val="tx1"/>
                           </a:solidFill>
-                          <a:latin typeface="+mn-lt"/>
-                          <a:ea typeface="+mj-ea"/>
+                          <a:latin typeface="Bentley Light" panose="020B0404020201020102"/>
+                          <a:ea typeface="黑体" panose="02010609060101010101" pitchFamily="49" charset="-122"/>
                           <a:cs typeface="+mn-ea"/>
                           <a:sym typeface="+mn-lt"/>
                         </a:rPr>
                         <a:t>Venue Rental </a:t>
                       </a:r>
                       <a:r>
-                        <a:rPr lang="en-US" altLang="zh-CN" sz="1100" b="0" kern="1200" baseline="0" dirty="0" smtClean="0">
+                        <a:rPr lang="en-US" altLang="zh-CN" sz="1000" b="0" kern="1200" baseline="0" dirty="0" smtClean="0">
                           <a:solidFill>
                             <a:schemeClr val="tx1"/>
                           </a:solidFill>
-                          <a:latin typeface="+mn-lt"/>
-                          <a:ea typeface="+mj-ea"/>
+                          <a:latin typeface="Bentley Light" panose="020B0404020201020102"/>
+                          <a:ea typeface="黑体" panose="02010609060101010101" pitchFamily="49" charset="-122"/>
                           <a:cs typeface="+mn-ea"/>
                           <a:sym typeface="+mn-lt"/>
                         </a:rPr>
                         <a:t> </a:t>
                       </a:r>
                       <a:r>
-                        <a:rPr lang="zh-CN" altLang="en-US" sz="1100" b="0" kern="1200" dirty="0" smtClean="0">
+                        <a:rPr lang="zh-CN" altLang="en-US" sz="1000" b="0" kern="1200" dirty="0" smtClean="0">
                           <a:solidFill>
                             <a:schemeClr val="tx1"/>
                           </a:solidFill>
-                          <a:latin typeface="+mj-ea"/>
-                          <a:ea typeface="+mj-ea"/>
+                          <a:latin typeface="Bentley Light" panose="020B0404020201020102"/>
+                          <a:ea typeface="黑体" panose="02010609060101010101" pitchFamily="49" charset="-122"/>
                           <a:cs typeface="+mn-ea"/>
                           <a:sym typeface="+mn-lt"/>
                         </a:rPr>
                         <a:t>场地租赁</a:t>
                       </a:r>
-                      <a:endParaRPr lang="en-US" altLang="zh-CN" sz="1100" b="0" kern="1200" dirty="0" smtClean="0">
+                      <a:endParaRPr lang="en-US" altLang="zh-CN" sz="1000" b="0" kern="1200" dirty="0" smtClean="0">
                         <a:solidFill>
                           <a:schemeClr val="tx1"/>
                         </a:solidFill>
-                        <a:latin typeface="+mj-ea"/>
-                        <a:ea typeface="+mj-ea"/>
+                        <a:latin typeface="Bentley Light" panose="020B0404020201020102"/>
+                        <a:ea typeface="黑体" panose="02010609060101010101" pitchFamily="49" charset="-122"/>
                         <a:cs typeface="+mn-ea"/>
                         <a:sym typeface="+mn-lt"/>
                       </a:endParaRPr>
@@ -20308,12 +20338,12 @@
                         <a:tabLst/>
                         <a:defRPr/>
                       </a:pPr>
-                      <a:endParaRPr lang="en-US" altLang="zh-CN" sz="1100" b="0" dirty="0" smtClean="0">
+                      <a:endParaRPr lang="en-US" altLang="zh-CN" sz="1000" b="0" dirty="0" smtClean="0">
                         <a:solidFill>
                           <a:schemeClr val="tx1"/>
                         </a:solidFill>
-                        <a:latin typeface="+mn-lt"/>
-                        <a:ea typeface="+mn-ea"/>
+                        <a:latin typeface="Bentley Light" panose="020B0404020201020102"/>
+                        <a:ea typeface="黑体" panose="02010609060101010101" pitchFamily="49" charset="-122"/>
                         <a:cs typeface="+mn-ea"/>
                         <a:sym typeface="+mn-lt"/>
                       </a:endParaRPr>
@@ -20350,12 +20380,12 @@
                         <a:tabLst/>
                         <a:defRPr/>
                       </a:pPr>
-                      <a:endParaRPr lang="en-US" altLang="zh-CN" sz="1100" b="0" dirty="0" smtClean="0">
+                      <a:endParaRPr lang="en-US" altLang="zh-CN" sz="1000" b="0" dirty="0" smtClean="0">
                         <a:solidFill>
                           <a:schemeClr val="tx1"/>
                         </a:solidFill>
-                        <a:latin typeface="+mn-lt"/>
-                        <a:ea typeface="+mn-ea"/>
+                        <a:latin typeface="Bentley Light" panose="020B0404020201020102"/>
+                        <a:ea typeface="黑体" panose="02010609060101010101" pitchFamily="49" charset="-122"/>
                         <a:cs typeface="+mn-ea"/>
                         <a:sym typeface="+mn-lt"/>
                       </a:endParaRPr>
@@ -20373,10 +20403,12 @@
                     <a:lstStyle/>
                     <a:p>
                       <a:pPr algn="ctr"/>
-                      <a:endParaRPr lang="en-US" sz="1100" dirty="0">
+                      <a:endParaRPr lang="en-US" sz="1000" dirty="0">
                         <a:solidFill>
                           <a:schemeClr val="tx1"/>
                         </a:solidFill>
+                        <a:latin typeface="Bentley Light" panose="020B0404020201020102"/>
+                        <a:ea typeface="黑体" panose="02010609060101010101" pitchFamily="49" charset="-122"/>
                       </a:endParaRPr>
                     </a:p>
                   </a:txBody>
@@ -20398,12 +20430,12 @@
                         <a:buFontTx/>
                         <a:buNone/>
                       </a:pPr>
-                      <a:endParaRPr lang="en-US" altLang="zh-CN" sz="1200" b="0" dirty="0" smtClean="0">
+                      <a:endParaRPr lang="en-US" altLang="zh-CN" sz="1000" b="0" dirty="0" smtClean="0">
                         <a:solidFill>
                           <a:schemeClr val="tx1"/>
                         </a:solidFill>
-                        <a:latin typeface="+mn-lt"/>
-                        <a:ea typeface="+mn-ea"/>
+                        <a:latin typeface="Bentley Light" panose="020B0404020201020102"/>
+                        <a:ea typeface="黑体" panose="02010609060101010101" pitchFamily="49" charset="-122"/>
                         <a:cs typeface="+mn-ea"/>
                         <a:sym typeface="+mn-lt"/>
                       </a:endParaRPr>
@@ -20460,35 +20492,35 @@
                         <a:defRPr/>
                       </a:pPr>
                       <a:r>
-                        <a:rPr lang="en-US" altLang="zh-CN" sz="1100" b="0" kern="1200" dirty="0" smtClean="0">
+                        <a:rPr lang="en-US" altLang="zh-CN" sz="1000" b="0" kern="1200" dirty="0" smtClean="0">
                           <a:solidFill>
                             <a:schemeClr val="tx1"/>
                           </a:solidFill>
-                          <a:latin typeface="+mj-lt"/>
-                          <a:ea typeface="+mj-ea"/>
+                          <a:latin typeface="Bentley Light" panose="020B0404020201020102"/>
+                          <a:ea typeface="黑体" panose="02010609060101010101" pitchFamily="49" charset="-122"/>
                           <a:cs typeface="+mn-ea"/>
                           <a:sym typeface="+mn-lt"/>
                         </a:rPr>
                         <a:t>Setup </a:t>
                       </a:r>
                       <a:r>
-                        <a:rPr lang="zh-CN" altLang="en-US" sz="1100" b="0" kern="1200" dirty="0" smtClean="0">
+                        <a:rPr lang="zh-CN" altLang="en-US" sz="1000" b="0" kern="1200" dirty="0" smtClean="0">
                           <a:solidFill>
                             <a:schemeClr val="tx1"/>
                           </a:solidFill>
-                          <a:latin typeface="+mj-ea"/>
-                          <a:ea typeface="+mj-ea"/>
+                          <a:latin typeface="Bentley Light" panose="020B0404020201020102"/>
+                          <a:ea typeface="黑体" panose="02010609060101010101" pitchFamily="49" charset="-122"/>
                           <a:cs typeface="+mn-ea"/>
                           <a:sym typeface="+mn-lt"/>
                         </a:rPr>
                         <a:t>搭建</a:t>
                       </a:r>
-                      <a:endParaRPr lang="en-US" altLang="zh-CN" sz="1100" b="0" kern="1200" dirty="0" smtClean="0">
+                      <a:endParaRPr lang="en-US" altLang="zh-CN" sz="1000" b="0" kern="1200" dirty="0" smtClean="0">
                         <a:solidFill>
                           <a:schemeClr val="tx1"/>
                         </a:solidFill>
-                        <a:latin typeface="+mj-ea"/>
-                        <a:ea typeface="+mj-ea"/>
+                        <a:latin typeface="Bentley Light" panose="020B0404020201020102"/>
+                        <a:ea typeface="黑体" panose="02010609060101010101" pitchFamily="49" charset="-122"/>
                         <a:cs typeface="+mn-ea"/>
                         <a:sym typeface="+mn-lt"/>
                       </a:endParaRPr>
@@ -20520,12 +20552,12 @@
                         <a:tabLst/>
                         <a:defRPr/>
                       </a:pPr>
-                      <a:endParaRPr lang="en-US" altLang="zh-CN" sz="1100" b="0" dirty="0" smtClean="0">
+                      <a:endParaRPr lang="en-US" altLang="zh-CN" sz="1000" b="0" dirty="0" smtClean="0">
                         <a:solidFill>
                           <a:schemeClr val="tx1"/>
                         </a:solidFill>
-                        <a:latin typeface="+mn-lt"/>
-                        <a:ea typeface="+mn-ea"/>
+                        <a:latin typeface="Bentley Light" panose="020B0404020201020102"/>
+                        <a:ea typeface="黑体" panose="02010609060101010101" pitchFamily="49" charset="-122"/>
                         <a:cs typeface="+mn-ea"/>
                         <a:sym typeface="+mn-lt"/>
                       </a:endParaRPr>
@@ -20562,12 +20594,12 @@
                         <a:tabLst/>
                         <a:defRPr/>
                       </a:pPr>
-                      <a:endParaRPr lang="en-US" altLang="zh-CN" sz="1100" b="0" dirty="0" smtClean="0">
+                      <a:endParaRPr lang="en-US" altLang="zh-CN" sz="1000" b="0" dirty="0" smtClean="0">
                         <a:solidFill>
                           <a:schemeClr val="tx1"/>
                         </a:solidFill>
-                        <a:latin typeface="+mn-lt"/>
-                        <a:ea typeface="+mn-ea"/>
+                        <a:latin typeface="Bentley Light" panose="020B0404020201020102"/>
+                        <a:ea typeface="黑体" panose="02010609060101010101" pitchFamily="49" charset="-122"/>
                         <a:cs typeface="+mn-ea"/>
                         <a:sym typeface="+mn-lt"/>
                       </a:endParaRPr>
@@ -20601,10 +20633,12 @@
                         <a:tabLst/>
                         <a:defRPr/>
                       </a:pPr>
-                      <a:endParaRPr lang="en-US" sz="1100" dirty="0" smtClean="0">
+                      <a:endParaRPr lang="en-US" sz="1000" dirty="0" smtClean="0">
                         <a:solidFill>
                           <a:schemeClr val="tx1"/>
                         </a:solidFill>
+                        <a:latin typeface="Bentley Light" panose="020B0404020201020102"/>
+                        <a:ea typeface="黑体" panose="02010609060101010101" pitchFamily="49" charset="-122"/>
                       </a:endParaRPr>
                     </a:p>
                   </a:txBody>
@@ -20639,12 +20673,12 @@
                         <a:tabLst/>
                         <a:defRPr/>
                       </a:pPr>
-                      <a:endParaRPr lang="en-US" altLang="zh-CN" sz="1200" b="0" dirty="0" smtClean="0">
+                      <a:endParaRPr lang="en-US" altLang="zh-CN" sz="1000" b="0" dirty="0" smtClean="0">
                         <a:solidFill>
                           <a:schemeClr val="tx1"/>
                         </a:solidFill>
-                        <a:latin typeface="+mn-lt"/>
-                        <a:ea typeface="+mn-ea"/>
+                        <a:latin typeface="Bentley Light" panose="020B0404020201020102"/>
+                        <a:ea typeface="黑体" panose="02010609060101010101" pitchFamily="49" charset="-122"/>
                         <a:cs typeface="+mn-ea"/>
                         <a:sym typeface="+mn-lt"/>
                       </a:endParaRPr>
@@ -20701,47 +20735,47 @@
                         <a:defRPr/>
                       </a:pPr>
                       <a:r>
-                        <a:rPr lang="en-US" altLang="zh-CN" sz="1100" b="0" kern="1200" dirty="0" smtClean="0">
+                        <a:rPr lang="en-US" altLang="zh-CN" sz="1000" b="0" kern="1200" dirty="0" smtClean="0">
                           <a:solidFill>
                             <a:schemeClr val="tx1"/>
                           </a:solidFill>
-                          <a:latin typeface="+mn-lt"/>
-                          <a:ea typeface="+mj-ea"/>
+                          <a:latin typeface="Bentley Light" panose="020B0404020201020102"/>
+                          <a:ea typeface="黑体" panose="02010609060101010101" pitchFamily="49" charset="-122"/>
                           <a:cs typeface="+mn-ea"/>
                           <a:sym typeface="+mn-lt"/>
                         </a:rPr>
                         <a:t>Photography</a:t>
                       </a:r>
                       <a:r>
-                        <a:rPr lang="en-US" altLang="zh-CN" sz="1100" b="0" kern="1200" baseline="0" dirty="0" smtClean="0">
+                        <a:rPr lang="en-US" altLang="zh-CN" sz="1000" b="0" kern="1200" baseline="0" dirty="0" smtClean="0">
                           <a:solidFill>
                             <a:schemeClr val="tx1"/>
                           </a:solidFill>
-                          <a:latin typeface="+mn-lt"/>
-                          <a:ea typeface="+mj-ea"/>
+                          <a:latin typeface="Bentley Light" panose="020B0404020201020102"/>
+                          <a:ea typeface="黑体" panose="02010609060101010101" pitchFamily="49" charset="-122"/>
                           <a:cs typeface="+mn-ea"/>
                           <a:sym typeface="+mn-lt"/>
                         </a:rPr>
                         <a:t> </a:t>
                       </a:r>
                       <a:r>
-                        <a:rPr lang="zh-CN" altLang="en-US" sz="1100" b="0" kern="1200" dirty="0" smtClean="0">
+                        <a:rPr lang="zh-CN" altLang="en-US" sz="1000" b="0" kern="1200" dirty="0" smtClean="0">
                           <a:solidFill>
                             <a:schemeClr val="tx1"/>
                           </a:solidFill>
-                          <a:latin typeface="+mj-ea"/>
-                          <a:ea typeface="+mj-ea"/>
+                          <a:latin typeface="Bentley Light" panose="020B0404020201020102"/>
+                          <a:ea typeface="黑体" panose="02010609060101010101" pitchFamily="49" charset="-122"/>
                           <a:cs typeface="+mn-ea"/>
                           <a:sym typeface="+mn-lt"/>
                         </a:rPr>
                         <a:t>摄影</a:t>
                       </a:r>
-                      <a:endParaRPr lang="en-US" altLang="zh-CN" sz="1100" b="0" kern="1200" dirty="0" smtClean="0">
+                      <a:endParaRPr lang="en-US" altLang="zh-CN" sz="1000" b="0" kern="1200" dirty="0" smtClean="0">
                         <a:solidFill>
                           <a:schemeClr val="tx1"/>
                         </a:solidFill>
-                        <a:latin typeface="+mj-ea"/>
-                        <a:ea typeface="+mj-ea"/>
+                        <a:latin typeface="Bentley Light" panose="020B0404020201020102"/>
+                        <a:ea typeface="黑体" panose="02010609060101010101" pitchFamily="49" charset="-122"/>
                         <a:cs typeface="+mn-ea"/>
                         <a:sym typeface="+mn-lt"/>
                       </a:endParaRPr>
@@ -20773,12 +20807,12 @@
                         <a:tabLst/>
                         <a:defRPr/>
                       </a:pPr>
-                      <a:endParaRPr lang="en-US" altLang="zh-CN" sz="1100" b="0" dirty="0" smtClean="0">
+                      <a:endParaRPr lang="en-US" altLang="zh-CN" sz="1000" b="0" dirty="0" smtClean="0">
                         <a:solidFill>
                           <a:schemeClr val="tx1"/>
                         </a:solidFill>
-                        <a:latin typeface="+mn-lt"/>
-                        <a:ea typeface="+mn-ea"/>
+                        <a:latin typeface="Bentley Light" panose="020B0404020201020102"/>
+                        <a:ea typeface="黑体" panose="02010609060101010101" pitchFamily="49" charset="-122"/>
                         <a:cs typeface="+mn-ea"/>
                         <a:sym typeface="+mn-lt"/>
                       </a:endParaRPr>
@@ -20815,12 +20849,12 @@
                         <a:tabLst/>
                         <a:defRPr/>
                       </a:pPr>
-                      <a:endParaRPr lang="en-US" altLang="zh-CN" sz="1100" b="0" dirty="0" smtClean="0">
+                      <a:endParaRPr lang="en-US" altLang="zh-CN" sz="1000" b="0" dirty="0" smtClean="0">
                         <a:solidFill>
                           <a:schemeClr val="tx1"/>
                         </a:solidFill>
-                        <a:latin typeface="+mn-lt"/>
-                        <a:ea typeface="+mn-ea"/>
+                        <a:latin typeface="Bentley Light" panose="020B0404020201020102"/>
+                        <a:ea typeface="黑体" panose="02010609060101010101" pitchFamily="49" charset="-122"/>
                         <a:cs typeface="+mn-ea"/>
                         <a:sym typeface="+mn-lt"/>
                       </a:endParaRPr>
@@ -20838,10 +20872,12 @@
                     <a:lstStyle/>
                     <a:p>
                       <a:pPr algn="ctr"/>
-                      <a:endParaRPr lang="en-US" sz="1100" dirty="0">
+                      <a:endParaRPr lang="en-US" sz="1000" dirty="0">
                         <a:solidFill>
                           <a:schemeClr val="tx1"/>
                         </a:solidFill>
+                        <a:latin typeface="Bentley Light" panose="020B0404020201020102"/>
+                        <a:ea typeface="黑体" panose="02010609060101010101" pitchFamily="49" charset="-122"/>
                       </a:endParaRPr>
                     </a:p>
                   </a:txBody>
@@ -20876,7 +20912,7 @@
                         <a:tabLst/>
                         <a:defRPr/>
                       </a:pPr>
-                      <a:endParaRPr kumimoji="0" lang="en-US" altLang="zh-CN" sz="1200" b="0" i="0" u="none" strike="noStrike" kern="1200" cap="none" spc="0" normalizeH="0" baseline="0" noProof="0" dirty="0" smtClean="0">
+                      <a:endParaRPr kumimoji="0" lang="en-US" altLang="zh-CN" sz="1000" b="0" i="0" u="none" strike="noStrike" kern="1200" cap="none" spc="0" normalizeH="0" baseline="0" noProof="0" dirty="0" smtClean="0">
                         <a:ln>
                           <a:noFill/>
                         </a:ln>
@@ -20886,8 +20922,8 @@
                         <a:effectLst/>
                         <a:uLnTx/>
                         <a:uFillTx/>
-                        <a:latin typeface="+mn-lt"/>
-                        <a:ea typeface="+mn-ea"/>
+                        <a:latin typeface="Bentley Light" panose="020B0404020201020102"/>
+                        <a:ea typeface="黑体" panose="02010609060101010101" pitchFamily="49" charset="-122"/>
                         <a:cs typeface="+mn-ea"/>
                         <a:sym typeface="+mn-lt"/>
                       </a:endParaRPr>
@@ -20944,47 +20980,47 @@
                         <a:defRPr/>
                       </a:pPr>
                       <a:r>
-                        <a:rPr lang="en-US" altLang="zh-CN" sz="1100" b="0" kern="1200" dirty="0" smtClean="0">
+                        <a:rPr lang="en-US" altLang="zh-CN" sz="1000" b="0" kern="1200" dirty="0" smtClean="0">
                           <a:solidFill>
                             <a:schemeClr val="tx1"/>
                           </a:solidFill>
-                          <a:latin typeface="+mn-lt"/>
-                          <a:ea typeface="+mj-ea"/>
+                          <a:latin typeface="Bentley Light" panose="020B0404020201020102"/>
+                          <a:ea typeface="黑体" panose="02010609060101010101" pitchFamily="49" charset="-122"/>
                           <a:cs typeface="+mn-ea"/>
                           <a:sym typeface="+mn-lt"/>
                         </a:rPr>
                         <a:t>Catering</a:t>
                       </a:r>
                       <a:r>
-                        <a:rPr lang="en-US" altLang="zh-CN" sz="1100" b="0" kern="1200" baseline="0" dirty="0" smtClean="0">
+                        <a:rPr lang="en-US" altLang="zh-CN" sz="1000" b="0" kern="1200" baseline="0" dirty="0" smtClean="0">
                           <a:solidFill>
                             <a:schemeClr val="tx1"/>
                           </a:solidFill>
-                          <a:latin typeface="+mn-lt"/>
-                          <a:ea typeface="+mj-ea"/>
+                          <a:latin typeface="Bentley Light" panose="020B0404020201020102"/>
+                          <a:ea typeface="黑体" panose="02010609060101010101" pitchFamily="49" charset="-122"/>
                           <a:cs typeface="+mn-ea"/>
                           <a:sym typeface="+mn-lt"/>
                         </a:rPr>
                         <a:t> </a:t>
                       </a:r>
                       <a:r>
-                        <a:rPr lang="zh-CN" altLang="en-US" sz="1100" b="0" kern="1200" dirty="0" smtClean="0">
+                        <a:rPr lang="zh-CN" altLang="en-US" sz="1000" b="0" kern="1200" dirty="0" smtClean="0">
                           <a:solidFill>
                             <a:schemeClr val="tx1"/>
                           </a:solidFill>
-                          <a:latin typeface="+mj-ea"/>
-                          <a:ea typeface="+mj-ea"/>
+                          <a:latin typeface="Bentley Light" panose="020B0404020201020102"/>
+                          <a:ea typeface="黑体" panose="02010609060101010101" pitchFamily="49" charset="-122"/>
                           <a:cs typeface="+mn-ea"/>
                           <a:sym typeface="+mn-lt"/>
                         </a:rPr>
                         <a:t>餐饮</a:t>
                       </a:r>
-                      <a:endParaRPr lang="en-US" altLang="zh-CN" sz="1100" b="0" kern="1200" dirty="0" smtClean="0">
+                      <a:endParaRPr lang="en-US" altLang="zh-CN" sz="1000" b="0" kern="1200" dirty="0" smtClean="0">
                         <a:solidFill>
                           <a:schemeClr val="tx1"/>
                         </a:solidFill>
-                        <a:latin typeface="+mj-ea"/>
-                        <a:ea typeface="+mj-ea"/>
+                        <a:latin typeface="Bentley Light" panose="020B0404020201020102"/>
+                        <a:ea typeface="黑体" panose="02010609060101010101" pitchFamily="49" charset="-122"/>
                         <a:cs typeface="+mn-ea"/>
                         <a:sym typeface="+mn-lt"/>
                       </a:endParaRPr>
@@ -21016,12 +21052,12 @@
                         <a:tabLst/>
                         <a:defRPr/>
                       </a:pPr>
-                      <a:endParaRPr lang="en-US" altLang="zh-CN" sz="1100" b="0" dirty="0" smtClean="0">
+                      <a:endParaRPr lang="en-US" altLang="zh-CN" sz="1000" b="0" dirty="0" smtClean="0">
                         <a:solidFill>
                           <a:schemeClr val="tx1"/>
                         </a:solidFill>
-                        <a:latin typeface="+mn-lt"/>
-                        <a:ea typeface="+mn-ea"/>
+                        <a:latin typeface="Bentley Light" panose="020B0404020201020102"/>
+                        <a:ea typeface="黑体" panose="02010609060101010101" pitchFamily="49" charset="-122"/>
                         <a:cs typeface="+mn-ea"/>
                         <a:sym typeface="+mn-lt"/>
                       </a:endParaRPr>
@@ -21058,12 +21094,12 @@
                         <a:tabLst/>
                         <a:defRPr/>
                       </a:pPr>
-                      <a:endParaRPr lang="en-US" altLang="zh-CN" sz="1100" b="0" dirty="0" smtClean="0">
+                      <a:endParaRPr lang="en-US" altLang="zh-CN" sz="1000" b="0" dirty="0" smtClean="0">
                         <a:solidFill>
                           <a:schemeClr val="tx1"/>
                         </a:solidFill>
-                        <a:latin typeface="+mn-lt"/>
-                        <a:ea typeface="+mn-ea"/>
+                        <a:latin typeface="Bentley Light" panose="020B0404020201020102"/>
+                        <a:ea typeface="黑体" panose="02010609060101010101" pitchFamily="49" charset="-122"/>
                         <a:cs typeface="+mn-ea"/>
                         <a:sym typeface="+mn-lt"/>
                       </a:endParaRPr>
@@ -21097,10 +21133,12 @@
                         <a:tabLst/>
                         <a:defRPr/>
                       </a:pPr>
-                      <a:endParaRPr lang="en-US" sz="1100" dirty="0" smtClean="0">
+                      <a:endParaRPr lang="en-US" sz="1000" dirty="0" smtClean="0">
                         <a:solidFill>
                           <a:schemeClr val="tx1"/>
                         </a:solidFill>
+                        <a:latin typeface="Bentley Light" panose="020B0404020201020102"/>
+                        <a:ea typeface="黑体" panose="02010609060101010101" pitchFamily="49" charset="-122"/>
                       </a:endParaRPr>
                     </a:p>
                   </a:txBody>
@@ -21119,10 +21157,12 @@
                     <a:lstStyle/>
                     <a:p>
                       <a:pPr algn="ctr"/>
-                      <a:endParaRPr lang="en-US" sz="1200" dirty="0">
+                      <a:endParaRPr lang="en-US" sz="1000" dirty="0">
                         <a:solidFill>
                           <a:schemeClr val="tx1"/>
                         </a:solidFill>
+                        <a:latin typeface="Bentley Light" panose="020B0404020201020102"/>
+                        <a:ea typeface="黑体" panose="02010609060101010101" pitchFamily="49" charset="-122"/>
                       </a:endParaRPr>
                     </a:p>
                   </a:txBody>
@@ -21177,47 +21217,47 @@
                         <a:defRPr/>
                       </a:pPr>
                       <a:r>
-                        <a:rPr lang="en-US" altLang="zh-CN" sz="1100" b="0" kern="1200" dirty="0" smtClean="0">
+                        <a:rPr lang="en-US" altLang="zh-CN" sz="1000" b="0" kern="1200" dirty="0" smtClean="0">
                           <a:solidFill>
                             <a:schemeClr val="tx1"/>
                           </a:solidFill>
-                          <a:latin typeface="+mn-lt"/>
-                          <a:ea typeface="+mj-ea"/>
+                          <a:latin typeface="Bentley Light" panose="020B0404020201020102"/>
+                          <a:ea typeface="黑体" panose="02010609060101010101" pitchFamily="49" charset="-122"/>
                           <a:cs typeface="+mn-ea"/>
                           <a:sym typeface="+mn-lt"/>
                         </a:rPr>
                         <a:t>Others</a:t>
                       </a:r>
                       <a:r>
-                        <a:rPr lang="en-US" altLang="zh-CN" sz="1100" b="0" kern="1200" baseline="0" dirty="0" smtClean="0">
+                        <a:rPr lang="en-US" altLang="zh-CN" sz="1000" b="0" kern="1200" baseline="0" dirty="0" smtClean="0">
                           <a:solidFill>
                             <a:schemeClr val="tx1"/>
                           </a:solidFill>
-                          <a:latin typeface="+mn-lt"/>
-                          <a:ea typeface="+mj-ea"/>
+                          <a:latin typeface="Bentley Light" panose="020B0404020201020102"/>
+                          <a:ea typeface="黑体" panose="02010609060101010101" pitchFamily="49" charset="-122"/>
                           <a:cs typeface="+mn-ea"/>
                           <a:sym typeface="+mn-lt"/>
                         </a:rPr>
                         <a:t> </a:t>
                       </a:r>
                       <a:r>
-                        <a:rPr lang="zh-CN" altLang="en-US" sz="1100" b="0" kern="1200" dirty="0" smtClean="0">
+                        <a:rPr lang="zh-CN" altLang="en-US" sz="1000" b="0" kern="1200" dirty="0" smtClean="0">
                           <a:solidFill>
                             <a:schemeClr val="tx1"/>
                           </a:solidFill>
-                          <a:latin typeface="+mj-ea"/>
-                          <a:ea typeface="+mj-ea"/>
+                          <a:latin typeface="Bentley Light" panose="020B0404020201020102"/>
+                          <a:ea typeface="黑体" panose="02010609060101010101" pitchFamily="49" charset="-122"/>
                           <a:cs typeface="+mn-ea"/>
                           <a:sym typeface="+mn-lt"/>
                         </a:rPr>
                         <a:t>其他</a:t>
                       </a:r>
-                      <a:endParaRPr lang="en-US" altLang="zh-CN" sz="1100" b="0" kern="1200" dirty="0" smtClean="0">
+                      <a:endParaRPr lang="en-US" altLang="zh-CN" sz="1000" b="0" kern="1200" dirty="0" smtClean="0">
                         <a:solidFill>
                           <a:schemeClr val="tx1"/>
                         </a:solidFill>
-                        <a:latin typeface="+mj-ea"/>
-                        <a:ea typeface="+mj-ea"/>
+                        <a:latin typeface="Bentley Light" panose="020B0404020201020102"/>
+                        <a:ea typeface="黑体" panose="02010609060101010101" pitchFamily="49" charset="-122"/>
                         <a:cs typeface="+mn-ea"/>
                         <a:sym typeface="+mn-lt"/>
                       </a:endParaRPr>
@@ -21249,12 +21289,12 @@
                         <a:tabLst/>
                         <a:defRPr/>
                       </a:pPr>
-                      <a:endParaRPr lang="en-US" altLang="zh-CN" sz="1100" b="0" dirty="0" smtClean="0">
+                      <a:endParaRPr lang="en-US" altLang="zh-CN" sz="1000" b="0" dirty="0" smtClean="0">
                         <a:solidFill>
                           <a:schemeClr val="tx1"/>
                         </a:solidFill>
-                        <a:latin typeface="+mn-lt"/>
-                        <a:ea typeface="+mn-ea"/>
+                        <a:latin typeface="Bentley Light" panose="020B0404020201020102"/>
+                        <a:ea typeface="黑体" panose="02010609060101010101" pitchFamily="49" charset="-122"/>
                         <a:cs typeface="+mn-ea"/>
                         <a:sym typeface="+mn-lt"/>
                       </a:endParaRPr>
@@ -21291,12 +21331,12 @@
                         <a:tabLst/>
                         <a:defRPr/>
                       </a:pPr>
-                      <a:endParaRPr lang="en-US" altLang="zh-CN" sz="1100" b="0" dirty="0" smtClean="0">
+                      <a:endParaRPr lang="en-US" altLang="zh-CN" sz="1000" b="0" dirty="0" smtClean="0">
                         <a:solidFill>
                           <a:schemeClr val="tx1"/>
                         </a:solidFill>
-                        <a:latin typeface="+mn-lt"/>
-                        <a:ea typeface="+mn-ea"/>
+                        <a:latin typeface="Bentley Light" panose="020B0404020201020102"/>
+                        <a:ea typeface="黑体" panose="02010609060101010101" pitchFamily="49" charset="-122"/>
                         <a:cs typeface="+mn-ea"/>
                         <a:sym typeface="+mn-lt"/>
                       </a:endParaRPr>
@@ -21330,10 +21370,12 @@
                         <a:tabLst/>
                         <a:defRPr/>
                       </a:pPr>
-                      <a:endParaRPr lang="en-US" sz="1100" dirty="0" smtClean="0">
+                      <a:endParaRPr lang="en-US" sz="1000" dirty="0" smtClean="0">
                         <a:solidFill>
                           <a:schemeClr val="tx1"/>
                         </a:solidFill>
+                        <a:latin typeface="Bentley Light" panose="020B0404020201020102"/>
+                        <a:ea typeface="黑体" panose="02010609060101010101" pitchFamily="49" charset="-122"/>
                       </a:endParaRPr>
                     </a:p>
                   </a:txBody>
@@ -21352,10 +21394,12 @@
                     <a:lstStyle/>
                     <a:p>
                       <a:pPr algn="ctr"/>
-                      <a:endParaRPr lang="en-US" sz="1200" dirty="0">
+                      <a:endParaRPr lang="en-US" sz="1000" dirty="0">
                         <a:solidFill>
                           <a:schemeClr val="tx1"/>
                         </a:solidFill>
+                        <a:latin typeface="Bentley Light" panose="020B0404020201020102"/>
+                        <a:ea typeface="黑体" panose="02010609060101010101" pitchFamily="49" charset="-122"/>
                       </a:endParaRPr>
                     </a:p>
                   </a:txBody>
@@ -21399,7 +21443,7 @@
           <p:nvPr>
             <p:extLst>
               <p:ext uri="{D42A27DB-BD31-4B8C-83A1-F6EECF244321}">
-                <p14:modId xmlns:p14="http://schemas.microsoft.com/office/powerpoint/2010/main" val="1379898088"/>
+                <p14:modId xmlns:p14="http://schemas.microsoft.com/office/powerpoint/2010/main" val="3531772418"/>
               </p:ext>
             </p:extLst>
           </p:nvPr>
@@ -21434,7 +21478,7 @@
                         <a:buNone/>
                       </a:pPr>
                       <a:r>
-                        <a:rPr lang="en-US" altLang="zh-CN" sz="1300" b="1" dirty="0" smtClean="0">
+                        <a:rPr lang="en-US" altLang="zh-CN" sz="1000" b="1" dirty="0" smtClean="0">
                           <a:solidFill>
                             <a:schemeClr val="bg1"/>
                           </a:solidFill>
@@ -21446,7 +21490,7 @@
                         <a:t>Spending Overview </a:t>
                       </a:r>
                       <a:r>
-                        <a:rPr lang="zh-CN" altLang="en-US" sz="1300" b="1" dirty="0" smtClean="0">
+                        <a:rPr lang="zh-CN" altLang="en-US" sz="1000" b="1" dirty="0" smtClean="0">
                           <a:solidFill>
                             <a:schemeClr val="bg1"/>
                           </a:solidFill>
@@ -21659,14 +21703,14 @@
           <p:nvPr>
             <p:extLst>
               <p:ext uri="{D42A27DB-BD31-4B8C-83A1-F6EECF244321}">
-                <p14:modId xmlns:p14="http://schemas.microsoft.com/office/powerpoint/2010/main" val="2706418795"/>
+                <p14:modId xmlns:p14="http://schemas.microsoft.com/office/powerpoint/2010/main" val="3656198213"/>
               </p:ext>
             </p:extLst>
           </p:nvPr>
         </p:nvGraphicFramePr>
         <p:xfrm>
           <a:off x="587141" y="1234463"/>
-          <a:ext cx="11032602" cy="5426565"/>
+          <a:ext cx="11032602" cy="5248108"/>
         </p:xfrm>
         <a:graphic>
           <a:graphicData uri="http://schemas.openxmlformats.org/drawingml/2006/table">
@@ -21781,7 +21825,7 @@
                         </a:lnSpc>
                       </a:pPr>
                       <a:r>
-                        <a:rPr lang="en-US" altLang="zh-CN" sz="1400" b="1" kern="1200" dirty="0" smtClean="0">
+                        <a:rPr lang="en-US" altLang="zh-CN" sz="1000" b="1" kern="1200" dirty="0" smtClean="0">
                           <a:solidFill>
                             <a:schemeClr val="lt1"/>
                           </a:solidFill>
@@ -21793,7 +21837,7 @@
                         <a:t>Date </a:t>
                       </a:r>
                       <a:r>
-                        <a:rPr lang="zh-CN" altLang="en-US" sz="1400" b="1" kern="1200" dirty="0" smtClean="0">
+                        <a:rPr lang="zh-CN" altLang="en-US" sz="1000" b="1" kern="1200" dirty="0" smtClean="0">
                           <a:solidFill>
                             <a:schemeClr val="lt1"/>
                           </a:solidFill>
@@ -21804,7 +21848,7 @@
                         </a:rPr>
                         <a:t>日期</a:t>
                       </a:r>
-                      <a:endParaRPr lang="zh-CN" altLang="en-US" sz="1400" b="1" kern="1200" dirty="0">
+                      <a:endParaRPr lang="zh-CN" altLang="en-US" sz="1000" b="1" kern="1200" dirty="0">
                         <a:solidFill>
                           <a:schemeClr val="lt1"/>
                         </a:solidFill>
@@ -21870,7 +21914,7 @@
                         </a:lnSpc>
                       </a:pPr>
                       <a:r>
-                        <a:rPr lang="en-US" altLang="zh-CN" sz="1400" b="1" kern="1200" dirty="0" smtClean="0">
+                        <a:rPr lang="en-US" altLang="zh-CN" sz="1000" b="1" kern="1200" dirty="0" smtClean="0">
                           <a:solidFill>
                             <a:schemeClr val="lt1"/>
                           </a:solidFill>
@@ -21882,7 +21926,7 @@
                         <a:t>Model </a:t>
                       </a:r>
                       <a:r>
-                        <a:rPr lang="zh-CN" altLang="en-US" sz="1400" b="1" kern="1200" dirty="0" smtClean="0">
+                        <a:rPr lang="zh-CN" altLang="en-US" sz="1000" b="1" kern="1200" dirty="0" smtClean="0">
                           <a:solidFill>
                             <a:schemeClr val="lt1"/>
                           </a:solidFill>
@@ -21893,7 +21937,7 @@
                         </a:rPr>
                         <a:t>车型</a:t>
                       </a:r>
-                      <a:endParaRPr lang="zh-CN" altLang="en-US" sz="1400" b="1" kern="1200" dirty="0">
+                      <a:endParaRPr lang="zh-CN" altLang="en-US" sz="1000" b="1" kern="1200" dirty="0">
                         <a:solidFill>
                           <a:schemeClr val="lt1"/>
                         </a:solidFill>
@@ -21959,7 +22003,7 @@
                         </a:lnSpc>
                       </a:pPr>
                       <a:r>
-                        <a:rPr lang="en-US" altLang="zh-CN" sz="1400" b="1" kern="1200" dirty="0" smtClean="0">
+                        <a:rPr lang="en-US" altLang="zh-CN" sz="1000" b="1" kern="1200" dirty="0" smtClean="0">
                           <a:solidFill>
                             <a:schemeClr val="lt1"/>
                           </a:solidFill>
@@ -21971,7 +22015,7 @@
                         <a:t>Process </a:t>
                       </a:r>
                       <a:r>
-                        <a:rPr lang="zh-CN" altLang="en-US" sz="1400" b="1" kern="1200" dirty="0" smtClean="0">
+                        <a:rPr lang="zh-CN" altLang="en-US" sz="1000" b="1" kern="1200" dirty="0" smtClean="0">
                           <a:solidFill>
                             <a:schemeClr val="lt1"/>
                           </a:solidFill>
@@ -21982,7 +22026,7 @@
                         </a:rPr>
                         <a:t>主要流程</a:t>
                       </a:r>
-                      <a:endParaRPr lang="zh-CN" altLang="en-US" sz="1400" b="1" kern="1200" dirty="0">
+                      <a:endParaRPr lang="zh-CN" altLang="en-US" sz="1000" b="1" kern="1200" dirty="0">
                         <a:solidFill>
                           <a:schemeClr val="lt1"/>
                         </a:solidFill>
@@ -22067,7 +22111,7 @@
                         <a:defRPr/>
                       </a:pPr>
                       <a:r>
-                        <a:rPr lang="en-US" sz="1200" b="0" kern="1200" baseline="0" dirty="0" smtClean="0">
+                        <a:rPr lang="en-US" sz="1000" b="0" kern="1200" baseline="0" dirty="0" smtClean="0">
                           <a:solidFill>
                             <a:schemeClr val="tx1">
                               <a:lumMod val="75000"/>
@@ -22149,7 +22193,7 @@
                         <a:tabLst/>
                         <a:defRPr/>
                       </a:pPr>
-                      <a:endParaRPr lang="en-US" sz="1200" b="0" kern="1200" baseline="0" dirty="0" smtClean="0">
+                      <a:endParaRPr lang="en-US" sz="1000" b="0" kern="1200" baseline="0" dirty="0" smtClean="0">
                         <a:solidFill>
                           <a:schemeClr val="tx1">
                             <a:lumMod val="75000"/>
@@ -22229,7 +22273,7 @@
                         <a:tabLst/>
                         <a:defRPr/>
                       </a:pPr>
-                      <a:endParaRPr lang="en-US" altLang="zh-CN" sz="1200" b="0" kern="1200" baseline="0" dirty="0">
+                      <a:endParaRPr lang="en-US" altLang="zh-CN" sz="1000" b="0" kern="1200" baseline="0" dirty="0">
                         <a:solidFill>
                           <a:schemeClr val="tx1">
                             <a:lumMod val="75000"/>
@@ -22309,7 +22353,7 @@
                         <a:tabLst/>
                         <a:defRPr/>
                       </a:pPr>
-                      <a:endParaRPr lang="en-US" altLang="zh-CN" sz="1200" b="0" kern="1200" baseline="0" dirty="0">
+                      <a:endParaRPr lang="en-US" altLang="zh-CN" sz="1000" b="0" kern="1200" baseline="0" dirty="0">
                         <a:solidFill>
                           <a:schemeClr val="tx1">
                             <a:lumMod val="75000"/>
@@ -22397,7 +22441,7 @@
                         <a:defRPr/>
                       </a:pPr>
                       <a:r>
-                        <a:rPr lang="en-US" altLang="zh-CN" sz="1200" b="0" kern="1200" baseline="0" dirty="0" smtClean="0">
+                        <a:rPr lang="en-US" altLang="zh-CN" sz="1000" b="0" kern="1200" baseline="0" dirty="0" smtClean="0">
                           <a:solidFill>
                             <a:schemeClr val="tx1">
                               <a:lumMod val="75000"/>
@@ -22411,7 +22455,7 @@
                         </a:rPr>
                         <a:t>2</a:t>
                       </a:r>
-                      <a:endParaRPr lang="zh-CN" altLang="en-US" sz="1200" b="0" kern="1200" baseline="0" dirty="0">
+                      <a:endParaRPr lang="zh-CN" altLang="en-US" sz="1000" b="0" kern="1200" baseline="0" dirty="0">
                         <a:solidFill>
                           <a:schemeClr val="tx1">
                             <a:lumMod val="75000"/>
@@ -22495,7 +22539,7 @@
                         <a:tabLst/>
                         <a:defRPr/>
                       </a:pPr>
-                      <a:endParaRPr lang="zh-CN" altLang="en-US" sz="1200" b="0" kern="1200" baseline="0" dirty="0">
+                      <a:endParaRPr lang="zh-CN" altLang="en-US" sz="1000" b="0" kern="1200" baseline="0" dirty="0">
                         <a:solidFill>
                           <a:schemeClr val="tx1">
                             <a:lumMod val="75000"/>
@@ -22579,7 +22623,7 @@
                         <a:tabLst/>
                         <a:defRPr/>
                       </a:pPr>
-                      <a:endParaRPr lang="zh-CN" altLang="en-US" sz="1200" b="0" kern="1200" baseline="0" dirty="0">
+                      <a:endParaRPr lang="zh-CN" altLang="en-US" sz="1000" b="0" kern="1200" baseline="0" dirty="0">
                         <a:solidFill>
                           <a:schemeClr val="tx1">
                             <a:lumMod val="75000"/>
@@ -22663,7 +22707,7 @@
                         <a:tabLst/>
                         <a:defRPr/>
                       </a:pPr>
-                      <a:endParaRPr lang="zh-CN" altLang="en-US" sz="1200" b="0" kern="1200" baseline="0" dirty="0">
+                      <a:endParaRPr lang="zh-CN" altLang="en-US" sz="1000" b="0" kern="1200" baseline="0" dirty="0">
                         <a:solidFill>
                           <a:schemeClr val="tx1">
                             <a:lumMod val="75000"/>
@@ -22755,7 +22799,7 @@
                         <a:defRPr/>
                       </a:pPr>
                       <a:r>
-                        <a:rPr lang="en-US" altLang="zh-CN" sz="1200" b="0" kern="1200" baseline="0" dirty="0" smtClean="0">
+                        <a:rPr lang="en-US" altLang="zh-CN" sz="1000" b="0" kern="1200" baseline="0" dirty="0" smtClean="0">
                           <a:solidFill>
                             <a:schemeClr val="tx1">
                               <a:lumMod val="75000"/>
@@ -22769,7 +22813,7 @@
                         </a:rPr>
                         <a:t>3</a:t>
                       </a:r>
-                      <a:endParaRPr lang="zh-CN" altLang="en-US" sz="1200" b="0" kern="1200" baseline="0" dirty="0">
+                      <a:endParaRPr lang="zh-CN" altLang="en-US" sz="1000" b="0" kern="1200" baseline="0" dirty="0">
                         <a:solidFill>
                           <a:schemeClr val="tx1">
                             <a:lumMod val="75000"/>
@@ -22853,7 +22897,7 @@
                         <a:tabLst/>
                         <a:defRPr/>
                       </a:pPr>
-                      <a:endParaRPr lang="zh-CN" altLang="en-US" sz="1200" b="0" kern="1200" baseline="0" dirty="0">
+                      <a:endParaRPr lang="zh-CN" altLang="en-US" sz="1000" b="0" kern="1200" baseline="0" dirty="0">
                         <a:solidFill>
                           <a:schemeClr val="tx1">
                             <a:lumMod val="75000"/>
@@ -22937,7 +22981,7 @@
                         <a:tabLst/>
                         <a:defRPr/>
                       </a:pPr>
-                      <a:endParaRPr lang="zh-CN" altLang="en-US" sz="1200" b="0" kern="1200" baseline="0" dirty="0">
+                      <a:endParaRPr lang="zh-CN" altLang="en-US" sz="1000" b="0" kern="1200" baseline="0" dirty="0">
                         <a:solidFill>
                           <a:schemeClr val="tx1">
                             <a:lumMod val="75000"/>
@@ -23021,7 +23065,7 @@
                         <a:tabLst/>
                         <a:defRPr/>
                       </a:pPr>
-                      <a:endParaRPr lang="zh-CN" altLang="en-US" sz="1200" b="0" kern="1200" baseline="0" dirty="0">
+                      <a:endParaRPr lang="zh-CN" altLang="en-US" sz="1000" b="0" kern="1200" baseline="0" dirty="0">
                         <a:solidFill>
                           <a:schemeClr val="tx1">
                             <a:lumMod val="75000"/>
@@ -23113,7 +23157,7 @@
                         <a:defRPr/>
                       </a:pPr>
                       <a:r>
-                        <a:rPr lang="en-US" altLang="zh-CN" sz="1200" b="0" kern="1200" baseline="0" dirty="0" smtClean="0">
+                        <a:rPr lang="en-US" altLang="zh-CN" sz="1000" b="0" kern="1200" baseline="0" dirty="0" smtClean="0">
                           <a:solidFill>
                             <a:schemeClr val="tx1">
                               <a:lumMod val="75000"/>
@@ -23127,7 +23171,7 @@
                         </a:rPr>
                         <a:t>4</a:t>
                       </a:r>
-                      <a:endParaRPr lang="zh-CN" altLang="en-US" sz="1200" b="0" kern="1200" baseline="0" dirty="0">
+                      <a:endParaRPr lang="zh-CN" altLang="en-US" sz="1000" b="0" kern="1200" baseline="0" dirty="0">
                         <a:solidFill>
                           <a:schemeClr val="tx1">
                             <a:lumMod val="75000"/>
@@ -23211,7 +23255,7 @@
                         <a:tabLst/>
                         <a:defRPr/>
                       </a:pPr>
-                      <a:endParaRPr lang="zh-CN" altLang="en-US" sz="1200" b="0" kern="1200" baseline="0" dirty="0">
+                      <a:endParaRPr lang="zh-CN" altLang="en-US" sz="1000" b="0" kern="1200" baseline="0" dirty="0">
                         <a:solidFill>
                           <a:schemeClr val="tx1">
                             <a:lumMod val="75000"/>
@@ -23295,7 +23339,7 @@
                         <a:tabLst/>
                         <a:defRPr/>
                       </a:pPr>
-                      <a:endParaRPr lang="zh-CN" altLang="en-US" sz="1200" b="0" kern="1200" baseline="0" dirty="0">
+                      <a:endParaRPr lang="zh-CN" altLang="en-US" sz="1000" b="0" kern="1200" baseline="0" dirty="0">
                         <a:solidFill>
                           <a:schemeClr val="tx1">
                             <a:lumMod val="75000"/>
@@ -23379,7 +23423,7 @@
                         <a:tabLst/>
                         <a:defRPr/>
                       </a:pPr>
-                      <a:endParaRPr lang="zh-CN" altLang="en-US" sz="1200" b="0" kern="1200" baseline="0" dirty="0">
+                      <a:endParaRPr lang="zh-CN" altLang="en-US" sz="1000" b="0" kern="1200" baseline="0" dirty="0">
                         <a:solidFill>
                           <a:schemeClr val="tx1">
                             <a:lumMod val="75000"/>
@@ -23471,7 +23515,7 @@
                         <a:defRPr/>
                       </a:pPr>
                       <a:r>
-                        <a:rPr lang="en-US" altLang="zh-CN" sz="1200" b="0" kern="1200" baseline="0" dirty="0" smtClean="0">
+                        <a:rPr lang="en-US" altLang="zh-CN" sz="1000" b="0" kern="1200" baseline="0" dirty="0" smtClean="0">
                           <a:solidFill>
                             <a:schemeClr val="tx1">
                               <a:lumMod val="75000"/>
@@ -23485,7 +23529,7 @@
                         </a:rPr>
                         <a:t>5</a:t>
                       </a:r>
-                      <a:endParaRPr lang="zh-CN" altLang="en-US" sz="1200" b="0" kern="1200" baseline="0" dirty="0">
+                      <a:endParaRPr lang="zh-CN" altLang="en-US" sz="1000" b="0" kern="1200" baseline="0" dirty="0">
                         <a:solidFill>
                           <a:schemeClr val="tx1">
                             <a:lumMod val="75000"/>
@@ -23569,7 +23613,7 @@
                         <a:tabLst/>
                         <a:defRPr/>
                       </a:pPr>
-                      <a:endParaRPr lang="zh-CN" altLang="en-US" sz="1200" b="0" kern="1200" baseline="0" dirty="0">
+                      <a:endParaRPr lang="zh-CN" altLang="en-US" sz="1000" b="0" kern="1200" baseline="0" dirty="0">
                         <a:solidFill>
                           <a:schemeClr val="tx1">
                             <a:lumMod val="75000"/>
@@ -23653,7 +23697,7 @@
                         <a:tabLst/>
                         <a:defRPr/>
                       </a:pPr>
-                      <a:endParaRPr lang="zh-CN" altLang="en-US" sz="1200" b="0" kern="1200" baseline="0" dirty="0">
+                      <a:endParaRPr lang="zh-CN" altLang="en-US" sz="1000" b="0" kern="1200" baseline="0" dirty="0">
                         <a:solidFill>
                           <a:schemeClr val="tx1">
                             <a:lumMod val="75000"/>
@@ -23737,7 +23781,7 @@
                         <a:tabLst/>
                         <a:defRPr/>
                       </a:pPr>
-                      <a:endParaRPr lang="zh-CN" altLang="en-US" sz="1200" b="0" kern="1200" baseline="0" dirty="0">
+                      <a:endParaRPr lang="zh-CN" altLang="en-US" sz="1000" b="0" kern="1200" baseline="0" dirty="0">
                         <a:solidFill>
                           <a:schemeClr val="tx1">
                             <a:lumMod val="75000"/>
@@ -23829,7 +23873,7 @@
                         <a:defRPr/>
                       </a:pPr>
                       <a:r>
-                        <a:rPr lang="en-US" altLang="zh-CN" sz="1200" b="0" kern="1200" baseline="0" dirty="0" smtClean="0">
+                        <a:rPr lang="en-US" altLang="zh-CN" sz="1000" b="0" kern="1200" baseline="0" dirty="0" smtClean="0">
                           <a:solidFill>
                             <a:schemeClr val="tx1">
                               <a:lumMod val="75000"/>
@@ -23843,7 +23887,7 @@
                         </a:rPr>
                         <a:t>6</a:t>
                       </a:r>
-                      <a:endParaRPr lang="zh-CN" altLang="en-US" sz="1200" b="0" kern="1200" baseline="0" dirty="0">
+                      <a:endParaRPr lang="zh-CN" altLang="en-US" sz="1000" b="0" kern="1200" baseline="0" dirty="0">
                         <a:solidFill>
                           <a:schemeClr val="tx1">
                             <a:lumMod val="75000"/>
@@ -23927,7 +23971,7 @@
                         <a:tabLst/>
                         <a:defRPr/>
                       </a:pPr>
-                      <a:endParaRPr lang="zh-CN" altLang="en-US" sz="1200" b="0" kern="1200" baseline="0" dirty="0">
+                      <a:endParaRPr lang="zh-CN" altLang="en-US" sz="1000" b="0" kern="1200" baseline="0" dirty="0">
                         <a:solidFill>
                           <a:schemeClr val="tx1">
                             <a:lumMod val="75000"/>
@@ -24011,7 +24055,7 @@
                         <a:tabLst/>
                         <a:defRPr/>
                       </a:pPr>
-                      <a:endParaRPr lang="zh-CN" altLang="en-US" sz="1200" b="0" kern="1200" baseline="0" dirty="0">
+                      <a:endParaRPr lang="zh-CN" altLang="en-US" sz="1000" b="0" kern="1200" baseline="0" dirty="0">
                         <a:solidFill>
                           <a:schemeClr val="tx1">
                             <a:lumMod val="75000"/>
@@ -24095,7 +24139,7 @@
                         <a:tabLst/>
                         <a:defRPr/>
                       </a:pPr>
-                      <a:endParaRPr lang="zh-CN" altLang="en-US" sz="1200" b="0" kern="1200" baseline="0" dirty="0">
+                      <a:endParaRPr lang="zh-CN" altLang="en-US" sz="1000" b="0" kern="1200" baseline="0" dirty="0">
                         <a:solidFill>
                           <a:schemeClr val="tx1">
                             <a:lumMod val="75000"/>
@@ -24187,7 +24231,7 @@
                         <a:defRPr/>
                       </a:pPr>
                       <a:r>
-                        <a:rPr lang="en-US" altLang="zh-CN" sz="1200" b="0" kern="1200" baseline="0" dirty="0" smtClean="0">
+                        <a:rPr lang="en-US" altLang="zh-CN" sz="1000" b="0" kern="1200" baseline="0" dirty="0" smtClean="0">
                           <a:solidFill>
                             <a:schemeClr val="tx1">
                               <a:lumMod val="75000"/>
@@ -24201,7 +24245,7 @@
                         </a:rPr>
                         <a:t>7</a:t>
                       </a:r>
-                      <a:endParaRPr lang="zh-CN" altLang="en-US" sz="1200" b="0" kern="1200" baseline="0" dirty="0">
+                      <a:endParaRPr lang="zh-CN" altLang="en-US" sz="1000" b="0" kern="1200" baseline="0" dirty="0">
                         <a:solidFill>
                           <a:schemeClr val="tx1">
                             <a:lumMod val="75000"/>
@@ -24285,7 +24329,7 @@
                         <a:tabLst/>
                         <a:defRPr/>
                       </a:pPr>
-                      <a:endParaRPr lang="zh-CN" altLang="en-US" sz="1200" b="0" kern="1200" baseline="0" dirty="0">
+                      <a:endParaRPr lang="zh-CN" altLang="en-US" sz="1000" b="0" kern="1200" baseline="0" dirty="0">
                         <a:solidFill>
                           <a:schemeClr val="tx1">
                             <a:lumMod val="75000"/>
@@ -24369,7 +24413,7 @@
                         <a:tabLst/>
                         <a:defRPr/>
                       </a:pPr>
-                      <a:endParaRPr lang="zh-CN" altLang="en-US" sz="1200" b="0" kern="1200" baseline="0" dirty="0">
+                      <a:endParaRPr lang="zh-CN" altLang="en-US" sz="1000" b="0" kern="1200" baseline="0" dirty="0">
                         <a:solidFill>
                           <a:schemeClr val="tx1">
                             <a:lumMod val="75000"/>
@@ -24453,7 +24497,7 @@
                         <a:tabLst/>
                         <a:defRPr/>
                       </a:pPr>
-                      <a:endParaRPr lang="zh-CN" altLang="en-US" sz="1200" b="0" kern="1200" baseline="0" dirty="0">
+                      <a:endParaRPr lang="zh-CN" altLang="en-US" sz="1000" b="0" kern="1200" baseline="0" dirty="0">
                         <a:solidFill>
                           <a:schemeClr val="tx1">
                             <a:lumMod val="75000"/>
@@ -24545,7 +24589,7 @@
                         <a:defRPr/>
                       </a:pPr>
                       <a:r>
-                        <a:rPr lang="en-US" altLang="zh-CN" sz="1200" b="0" kern="1200" baseline="0" dirty="0" smtClean="0">
+                        <a:rPr lang="en-US" altLang="zh-CN" sz="1000" b="0" kern="1200" baseline="0" dirty="0" smtClean="0">
                           <a:solidFill>
                             <a:schemeClr val="tx1">
                               <a:lumMod val="75000"/>
@@ -24559,7 +24603,7 @@
                         </a:rPr>
                         <a:t>8</a:t>
                       </a:r>
-                      <a:endParaRPr lang="zh-CN" altLang="en-US" sz="1200" b="0" kern="1200" baseline="0" dirty="0">
+                      <a:endParaRPr lang="zh-CN" altLang="en-US" sz="1000" b="0" kern="1200" baseline="0" dirty="0">
                         <a:solidFill>
                           <a:schemeClr val="tx1">
                             <a:lumMod val="75000"/>
@@ -24643,7 +24687,7 @@
                         <a:tabLst/>
                         <a:defRPr/>
                       </a:pPr>
-                      <a:endParaRPr lang="zh-CN" altLang="en-US" sz="1200" b="0" kern="1200" baseline="0" dirty="0">
+                      <a:endParaRPr lang="zh-CN" altLang="en-US" sz="1000" b="0" kern="1200" baseline="0" dirty="0">
                         <a:solidFill>
                           <a:schemeClr val="tx1">
                             <a:lumMod val="75000"/>
@@ -24727,7 +24771,7 @@
                         <a:tabLst/>
                         <a:defRPr/>
                       </a:pPr>
-                      <a:endParaRPr lang="zh-CN" altLang="en-US" sz="1200" b="0" kern="1200" baseline="0" dirty="0">
+                      <a:endParaRPr lang="zh-CN" altLang="en-US" sz="1000" b="0" kern="1200" baseline="0" dirty="0">
                         <a:solidFill>
                           <a:schemeClr val="tx1">
                             <a:lumMod val="75000"/>
@@ -24811,7 +24855,7 @@
                         <a:tabLst/>
                         <a:defRPr/>
                       </a:pPr>
-                      <a:endParaRPr lang="zh-CN" altLang="en-US" sz="1200" b="0" kern="1200" baseline="0" dirty="0">
+                      <a:endParaRPr lang="zh-CN" altLang="en-US" sz="1000" b="0" kern="1200" baseline="0" dirty="0">
                         <a:solidFill>
                           <a:schemeClr val="tx1">
                             <a:lumMod val="75000"/>
@@ -24903,7 +24947,7 @@
                         <a:defRPr/>
                       </a:pPr>
                       <a:r>
-                        <a:rPr lang="en-US" altLang="zh-CN" sz="1200" b="0" kern="1200" baseline="0" dirty="0" smtClean="0">
+                        <a:rPr lang="en-US" altLang="zh-CN" sz="1000" b="0" kern="1200" baseline="0" dirty="0" smtClean="0">
                           <a:solidFill>
                             <a:schemeClr val="tx1">
                               <a:lumMod val="75000"/>
@@ -24917,7 +24961,7 @@
                         </a:rPr>
                         <a:t>9</a:t>
                       </a:r>
-                      <a:endParaRPr lang="zh-CN" altLang="en-US" sz="1200" b="0" kern="1200" baseline="0" dirty="0">
+                      <a:endParaRPr lang="zh-CN" altLang="en-US" sz="1000" b="0" kern="1200" baseline="0" dirty="0">
                         <a:solidFill>
                           <a:schemeClr val="tx1">
                             <a:lumMod val="75000"/>
@@ -25001,7 +25045,7 @@
                         <a:tabLst/>
                         <a:defRPr/>
                       </a:pPr>
-                      <a:endParaRPr lang="zh-CN" altLang="en-US" sz="1200" b="0" kern="1200" baseline="0" dirty="0">
+                      <a:endParaRPr lang="zh-CN" altLang="en-US" sz="1000" b="0" kern="1200" baseline="0" dirty="0">
                         <a:solidFill>
                           <a:schemeClr val="tx1">
                             <a:lumMod val="75000"/>
@@ -25085,7 +25129,7 @@
                         <a:tabLst/>
                         <a:defRPr/>
                       </a:pPr>
-                      <a:endParaRPr lang="zh-CN" altLang="en-US" sz="1200" b="0" kern="1200" baseline="0" dirty="0">
+                      <a:endParaRPr lang="zh-CN" altLang="en-US" sz="1000" b="0" kern="1200" baseline="0" dirty="0">
                         <a:solidFill>
                           <a:schemeClr val="tx1">
                             <a:lumMod val="75000"/>
@@ -25169,7 +25213,7 @@
                         <a:tabLst/>
                         <a:defRPr/>
                       </a:pPr>
-                      <a:endParaRPr lang="zh-CN" altLang="en-US" sz="1200" b="0" kern="1200" baseline="0" dirty="0">
+                      <a:endParaRPr lang="zh-CN" altLang="en-US" sz="1000" b="0" kern="1200" baseline="0" dirty="0">
                         <a:solidFill>
                           <a:schemeClr val="tx1">
                             <a:lumMod val="75000"/>
@@ -25261,7 +25305,7 @@
                         <a:defRPr/>
                       </a:pPr>
                       <a:r>
-                        <a:rPr lang="en-US" altLang="zh-CN" sz="1200" b="0" kern="1200" baseline="0" dirty="0" smtClean="0">
+                        <a:rPr lang="en-US" altLang="zh-CN" sz="1000" b="0" kern="1200" baseline="0" dirty="0" smtClean="0">
                           <a:solidFill>
                             <a:schemeClr val="tx1">
                               <a:lumMod val="75000"/>
@@ -25275,7 +25319,7 @@
                         </a:rPr>
                         <a:t>10</a:t>
                       </a:r>
-                      <a:endParaRPr lang="zh-CN" altLang="en-US" sz="1200" b="0" kern="1200" baseline="0" dirty="0">
+                      <a:endParaRPr lang="zh-CN" altLang="en-US" sz="1000" b="0" kern="1200" baseline="0" dirty="0">
                         <a:solidFill>
                           <a:schemeClr val="tx1">
                             <a:lumMod val="75000"/>
@@ -25357,7 +25401,7 @@
                         <a:tabLst/>
                         <a:defRPr/>
                       </a:pPr>
-                      <a:endParaRPr lang="zh-CN" altLang="en-US" sz="1200" b="0" kern="1200" baseline="0" dirty="0">
+                      <a:endParaRPr lang="zh-CN" altLang="en-US" sz="1000" b="0" kern="1200" baseline="0" dirty="0">
                         <a:solidFill>
                           <a:schemeClr val="tx1">
                             <a:lumMod val="75000"/>
@@ -25439,7 +25483,7 @@
                         <a:tabLst/>
                         <a:defRPr/>
                       </a:pPr>
-                      <a:endParaRPr lang="zh-CN" altLang="en-US" sz="1200" b="0" kern="1200" baseline="0" dirty="0">
+                      <a:endParaRPr lang="zh-CN" altLang="en-US" sz="1000" b="0" kern="1200" baseline="0" dirty="0">
                         <a:solidFill>
                           <a:schemeClr val="tx1">
                             <a:lumMod val="75000"/>
@@ -25521,7 +25565,7 @@
                         <a:tabLst/>
                         <a:defRPr/>
                       </a:pPr>
-                      <a:endParaRPr lang="zh-CN" altLang="en-US" sz="1200" b="0" kern="1200" baseline="0" dirty="0">
+                      <a:endParaRPr lang="zh-CN" altLang="en-US" sz="1000" b="0" kern="1200" baseline="0" dirty="0">
                         <a:solidFill>
                           <a:schemeClr val="tx1">
                             <a:lumMod val="75000"/>
@@ -25914,7 +25958,7 @@
         <p:spPr>
           <a:xfrm>
             <a:off x="538850" y="1123920"/>
-            <a:ext cx="5468560" cy="530658"/>
+            <a:ext cx="5468560" cy="400110"/>
           </a:xfrm>
           <a:prstGeom prst="rect">
             <a:avLst/>
@@ -25941,7 +25985,7 @@
               <a:buSzPct val="100000"/>
             </a:pPr>
             <a:r>
-              <a:rPr lang="en-US" altLang="zh-CN" sz="1400" b="1" dirty="0">
+              <a:rPr lang="en-US" altLang="zh-CN" sz="1000" b="1" dirty="0">
                 <a:solidFill>
                   <a:srgbClr val="FFFFFF"/>
                 </a:solidFill>
@@ -25962,7 +26006,7 @@
               <a:buSzPct val="100000"/>
             </a:pPr>
             <a:r>
-              <a:rPr lang="zh-CN" altLang="en-US" sz="1400" b="1" dirty="0">
+              <a:rPr lang="zh-CN" altLang="en-US" sz="1000" b="1" dirty="0">
                 <a:solidFill>
                   <a:srgbClr val="FFFFFF"/>
                 </a:solidFill>
@@ -26102,7 +26146,7 @@
         <p:spPr>
           <a:xfrm>
             <a:off x="6151512" y="1123920"/>
-            <a:ext cx="5468560" cy="530658"/>
+            <a:ext cx="5468560" cy="400110"/>
           </a:xfrm>
           <a:prstGeom prst="rect">
             <a:avLst/>
@@ -26129,7 +26173,7 @@
               <a:buSzPct val="100000"/>
             </a:pPr>
             <a:r>
-              <a:rPr lang="en-US" altLang="zh-CN" sz="1400" b="1" dirty="0">
+              <a:rPr lang="en-US" altLang="zh-CN" sz="1000" b="1" dirty="0">
                 <a:solidFill>
                   <a:srgbClr val="FFFFFF"/>
                 </a:solidFill>
@@ -26150,7 +26194,7 @@
               <a:buSzPct val="100000"/>
             </a:pPr>
             <a:r>
-              <a:rPr lang="zh-CN" altLang="en-US" sz="1400" b="1" dirty="0">
+              <a:rPr lang="zh-CN" altLang="en-US" sz="1000" b="1" dirty="0">
                 <a:solidFill>
                   <a:srgbClr val="FFFFFF"/>
                 </a:solidFill>
@@ -26485,7 +26529,7 @@
         <p:spPr>
           <a:xfrm>
             <a:off x="538849" y="1123920"/>
-            <a:ext cx="11081395" cy="307777"/>
+            <a:ext cx="11081395" cy="246221"/>
           </a:xfrm>
           <a:prstGeom prst="rect">
             <a:avLst/>
@@ -26512,7 +26556,7 @@
               <a:buSzPct val="100000"/>
             </a:pPr>
             <a:r>
-              <a:rPr lang="en-US" altLang="zh-CN" sz="1400" b="1" dirty="0" smtClean="0">
+              <a:rPr lang="en-US" altLang="zh-CN" sz="1000" b="1" dirty="0" smtClean="0">
                 <a:solidFill>
                   <a:srgbClr val="FFFFFF"/>
                 </a:solidFill>
@@ -26522,7 +26566,7 @@
               <a:t>Vehicle</a:t>
             </a:r>
             <a:r>
-              <a:rPr lang="zh-CN" altLang="en-US" sz="1400" b="1" dirty="0" smtClean="0">
+              <a:rPr lang="zh-CN" altLang="en-US" sz="1000" b="1" dirty="0" smtClean="0">
                 <a:solidFill>
                   <a:srgbClr val="FFFFFF"/>
                 </a:solidFill>
@@ -26532,7 +26576,7 @@
               <a:t> </a:t>
             </a:r>
             <a:r>
-              <a:rPr lang="en-US" altLang="zh-CN" sz="1400" b="1" dirty="0" smtClean="0">
+              <a:rPr lang="en-US" altLang="zh-CN" sz="1000" b="1" dirty="0" smtClean="0">
                 <a:solidFill>
                   <a:srgbClr val="FFFFFF"/>
                 </a:solidFill>
@@ -26542,7 +26586,7 @@
               <a:t>- </a:t>
             </a:r>
             <a:r>
-              <a:rPr lang="zh-CN" altLang="en-US" sz="1400" b="1" dirty="0" smtClean="0">
+              <a:rPr lang="zh-CN" altLang="en-US" sz="1000" b="1" dirty="0" smtClean="0">
                 <a:solidFill>
                   <a:srgbClr val="FFFFFF"/>
                 </a:solidFill>
@@ -26551,7 +26595,7 @@
               </a:rPr>
               <a:t>车辆照片</a:t>
             </a:r>
-            <a:endParaRPr lang="zh-CN" altLang="en-US" sz="1400" b="1" dirty="0">
+            <a:endParaRPr lang="zh-CN" altLang="en-US" sz="1000" b="1" dirty="0">
               <a:solidFill>
                 <a:srgbClr val="FFFFFF"/>
               </a:solidFill>
@@ -26915,7 +26959,7 @@
           <a:graphicData uri="http://schemas.openxmlformats.org/presentationml/2006/ole">
             <mc:AlternateContent xmlns:mc="http://schemas.openxmlformats.org/markup-compatibility/2006">
               <mc:Choice xmlns:v="urn:schemas-microsoft-com:vml" Requires="v">
-                <p:oleObj spid="_x0000_s44073" name="think-cell Slide" r:id="rId5" imgW="416" imgH="416" progId="TCLayout.ActiveDocument.1">
+                <p:oleObj spid="_x0000_s44075" name="think-cell Slide" r:id="rId5" imgW="416" imgH="416" progId="TCLayout.ActiveDocument.1">
                   <p:embed/>
                 </p:oleObj>
               </mc:Choice>
@@ -27231,7 +27275,7 @@
         <p:spPr>
           <a:xfrm>
             <a:off x="538849" y="1123920"/>
-            <a:ext cx="11081395" cy="307777"/>
+            <a:ext cx="11081395" cy="246221"/>
           </a:xfrm>
           <a:prstGeom prst="rect">
             <a:avLst/>
@@ -27258,7 +27302,7 @@
               <a:buSzPct val="100000"/>
             </a:pPr>
             <a:r>
-              <a:rPr lang="en-US" altLang="zh-CN" sz="1400" b="1" dirty="0">
+              <a:rPr lang="en-US" altLang="zh-CN" sz="1000" b="1" dirty="0">
                 <a:solidFill>
                   <a:srgbClr val="FFFFFF"/>
                 </a:solidFill>
@@ -27268,7 +27312,7 @@
               <a:t>Brand Representation </a:t>
             </a:r>
             <a:r>
-              <a:rPr lang="zh-CN" altLang="en-US" sz="1400" b="1" dirty="0">
+              <a:rPr lang="zh-CN" altLang="en-US" sz="1000" b="1" dirty="0">
                 <a:solidFill>
                   <a:srgbClr val="FFFFFF"/>
                 </a:solidFill>
@@ -27744,7 +27788,7 @@
         <p:spPr>
           <a:xfrm>
             <a:off x="538849" y="1123920"/>
-            <a:ext cx="11081395" cy="307777"/>
+            <a:ext cx="11081395" cy="246221"/>
           </a:xfrm>
           <a:prstGeom prst="rect">
             <a:avLst/>
@@ -27771,7 +27815,7 @@
               <a:buSzPct val="100000"/>
             </a:pPr>
             <a:r>
-              <a:rPr lang="en-US" altLang="zh-CN" sz="1400" b="1" dirty="0">
+              <a:rPr lang="en-US" altLang="zh-CN" sz="1000" b="1" dirty="0">
                 <a:solidFill>
                   <a:srgbClr val="FFFFFF"/>
                 </a:solidFill>
@@ -27781,7 +27825,7 @@
               <a:t>Event Setup </a:t>
             </a:r>
             <a:r>
-              <a:rPr lang="zh-CN" altLang="en-US" sz="1400" b="1" dirty="0">
+              <a:rPr lang="zh-CN" altLang="en-US" sz="1000" b="1" dirty="0">
                 <a:solidFill>
                   <a:srgbClr val="FFFFFF"/>
                 </a:solidFill>
@@ -28159,7 +28203,7 @@
         <p:spPr>
           <a:xfrm>
             <a:off x="538849" y="1123920"/>
-            <a:ext cx="11081395" cy="307777"/>
+            <a:ext cx="11081395" cy="246221"/>
           </a:xfrm>
           <a:prstGeom prst="rect">
             <a:avLst/>
@@ -28186,7 +28230,7 @@
               <a:buSzPct val="100000"/>
             </a:pPr>
             <a:r>
-              <a:rPr lang="en-US" sz="1400" b="1" dirty="0">
+              <a:rPr lang="en-US" sz="1000" b="1" dirty="0">
                 <a:solidFill>
                   <a:srgbClr val="FFFFFF"/>
                 </a:solidFill>
@@ -28195,7 +28239,7 @@
               <a:t>Others- </a:t>
             </a:r>
             <a:r>
-              <a:rPr lang="zh-CN" altLang="en-US" sz="1400" b="1" dirty="0">
+              <a:rPr lang="zh-CN" altLang="en-US" sz="1000" b="1" dirty="0">
                 <a:solidFill>
                   <a:srgbClr val="FFFFFF"/>
                 </a:solidFill>
